--- a/presentations/BTP_Review_4_38.pptx
+++ b/presentations/BTP_Review_4_38.pptx
@@ -5,11 +5,11 @@
     <p:sldMasterId id="2147483648" r:id="rId1"/>
   </p:sldMasterIdLst>
   <p:notesMasterIdLst>
-    <p:notesMasterId r:id="rId30"/>
+    <p:notesMasterId r:id="rId31"/>
   </p:notesMasterIdLst>
   <p:sldIdLst>
     <p:sldId id="256" r:id="rId2"/>
-    <p:sldId id="270" r:id="rId3"/>
+    <p:sldId id="296" r:id="rId3"/>
     <p:sldId id="257" r:id="rId4"/>
     <p:sldId id="290" r:id="rId5"/>
     <p:sldId id="258" r:id="rId6"/>
@@ -23,19 +23,20 @@
     <p:sldId id="275" r:id="rId14"/>
     <p:sldId id="276" r:id="rId15"/>
     <p:sldId id="261" r:id="rId16"/>
-    <p:sldId id="278" r:id="rId17"/>
-    <p:sldId id="288" r:id="rId18"/>
-    <p:sldId id="285" r:id="rId19"/>
-    <p:sldId id="291" r:id="rId20"/>
-    <p:sldId id="293" r:id="rId21"/>
-    <p:sldId id="280" r:id="rId22"/>
-    <p:sldId id="289" r:id="rId23"/>
-    <p:sldId id="292" r:id="rId24"/>
-    <p:sldId id="294" r:id="rId25"/>
-    <p:sldId id="262" r:id="rId26"/>
-    <p:sldId id="277" r:id="rId27"/>
-    <p:sldId id="263" r:id="rId28"/>
-    <p:sldId id="272" r:id="rId29"/>
+    <p:sldId id="295" r:id="rId17"/>
+    <p:sldId id="278" r:id="rId18"/>
+    <p:sldId id="288" r:id="rId19"/>
+    <p:sldId id="285" r:id="rId20"/>
+    <p:sldId id="291" r:id="rId21"/>
+    <p:sldId id="293" r:id="rId22"/>
+    <p:sldId id="280" r:id="rId23"/>
+    <p:sldId id="289" r:id="rId24"/>
+    <p:sldId id="292" r:id="rId25"/>
+    <p:sldId id="294" r:id="rId26"/>
+    <p:sldId id="262" r:id="rId27"/>
+    <p:sldId id="277" r:id="rId28"/>
+    <p:sldId id="263" r:id="rId29"/>
+    <p:sldId id="272" r:id="rId30"/>
   </p:sldIdLst>
   <p:sldSz cx="12192000" cy="6858000"/>
   <p:notesSz cx="6858000" cy="9144000"/>
@@ -1641,7 +1642,7 @@
   <p:cSld>
     <p:spTree>
       <p:nvGrpSpPr>
-        <p:cNvPr id="1" name="Shape 124"/>
+        <p:cNvPr id="1" name="Shape 134"/>
         <p:cNvGrpSpPr/>
         <p:nvPr/>
       </p:nvGrpSpPr>
@@ -1655,7 +1656,7 @@
       </p:grpSpPr>
       <p:sp>
         <p:nvSpPr>
-          <p:cNvPr id="125" name="Google Shape;125;p5:notes"/>
+          <p:cNvPr id="135" name="Google Shape;135;p6:notes"/>
           <p:cNvSpPr>
             <a:spLocks noGrp="1" noRot="1" noChangeAspect="1"/>
           </p:cNvSpPr>
@@ -1706,7 +1707,7 @@
       </p:sp>
       <p:sp>
         <p:nvSpPr>
-          <p:cNvPr id="126" name="Google Shape;126;p5:notes"/>
+          <p:cNvPr id="136" name="Google Shape;136;p6:notes"/>
           <p:cNvSpPr txBox="1">
             <a:spLocks noGrp="1"/>
           </p:cNvSpPr>
@@ -1748,7 +1749,7 @@
       </p:sp>
       <p:sp>
         <p:nvSpPr>
-          <p:cNvPr id="127" name="Google Shape;127;p5:notes"/>
+          <p:cNvPr id="137" name="Google Shape;137;p6:notes"/>
           <p:cNvSpPr txBox="1">
             <a:spLocks noGrp="1"/>
           </p:cNvSpPr>
@@ -1786,18 +1787,13 @@
             </a:pPr>
             <a:fld id="{00000000-1234-1234-1234-123412341234}" type="slidenum">
               <a:rPr lang="en-IN"/>
-              <a:t>16</a:t>
+              <a:t>15</a:t>
             </a:fld>
             <a:endParaRPr/>
           </a:p>
         </p:txBody>
       </p:sp>
     </p:spTree>
-    <p:extLst>
-      <p:ext uri="{BB962C8B-B14F-4D97-AF65-F5344CB8AC3E}">
-        <p14:creationId xmlns:p14="http://schemas.microsoft.com/office/powerpoint/2010/main" val="3190910573"/>
-      </p:ext>
-    </p:extLst>
   </p:cSld>
   <p:clrMapOvr>
     <a:masterClrMapping/>
@@ -1810,7 +1806,7 @@
   <p:cSld>
     <p:spTree>
       <p:nvGrpSpPr>
-        <p:cNvPr id="1" name="Shape 124"/>
+        <p:cNvPr id="1" name="Shape 134"/>
         <p:cNvGrpSpPr/>
         <p:nvPr/>
       </p:nvGrpSpPr>
@@ -1824,7 +1820,7 @@
       </p:grpSpPr>
       <p:sp>
         <p:nvSpPr>
-          <p:cNvPr id="125" name="Google Shape;125;p5:notes"/>
+          <p:cNvPr id="135" name="Google Shape;135;p6:notes"/>
           <p:cNvSpPr>
             <a:spLocks noGrp="1" noRot="1" noChangeAspect="1"/>
           </p:cNvSpPr>
@@ -1875,7 +1871,7 @@
       </p:sp>
       <p:sp>
         <p:nvSpPr>
-          <p:cNvPr id="126" name="Google Shape;126;p5:notes"/>
+          <p:cNvPr id="136" name="Google Shape;136;p6:notes"/>
           <p:cNvSpPr txBox="1">
             <a:spLocks noGrp="1"/>
           </p:cNvSpPr>
@@ -1917,7 +1913,7 @@
       </p:sp>
       <p:sp>
         <p:nvSpPr>
-          <p:cNvPr id="127" name="Google Shape;127;p5:notes"/>
+          <p:cNvPr id="137" name="Google Shape;137;p6:notes"/>
           <p:cNvSpPr txBox="1">
             <a:spLocks noGrp="1"/>
           </p:cNvSpPr>
@@ -1955,7 +1951,7 @@
             </a:pPr>
             <a:fld id="{00000000-1234-1234-1234-123412341234}" type="slidenum">
               <a:rPr lang="en-IN"/>
-              <a:t>17</a:t>
+              <a:t>16</a:t>
             </a:fld>
             <a:endParaRPr/>
           </a:p>
@@ -1964,7 +1960,7 @@
     </p:spTree>
     <p:extLst>
       <p:ext uri="{BB962C8B-B14F-4D97-AF65-F5344CB8AC3E}">
-        <p14:creationId xmlns:p14="http://schemas.microsoft.com/office/powerpoint/2010/main" val="2201059555"/>
+        <p14:creationId xmlns:p14="http://schemas.microsoft.com/office/powerpoint/2010/main" val="2973112085"/>
       </p:ext>
     </p:extLst>
   </p:cSld>
@@ -2124,7 +2120,345 @@
             </a:pPr>
             <a:fld id="{00000000-1234-1234-1234-123412341234}" type="slidenum">
               <a:rPr lang="en-IN"/>
+              <a:t>17</a:t>
+            </a:fld>
+            <a:endParaRPr/>
+          </a:p>
+        </p:txBody>
+      </p:sp>
+    </p:spTree>
+    <p:extLst>
+      <p:ext uri="{BB962C8B-B14F-4D97-AF65-F5344CB8AC3E}">
+        <p14:creationId xmlns:p14="http://schemas.microsoft.com/office/powerpoint/2010/main" val="3190910573"/>
+      </p:ext>
+    </p:extLst>
+  </p:cSld>
+  <p:clrMapOvr>
+    <a:masterClrMapping/>
+  </p:clrMapOvr>
+</p:notes>
+</file>
+
+<file path=ppt/notesSlides/notesSlide13.xml><?xml version="1.0" encoding="utf-8"?>
+<p:notes xmlns:a="http://schemas.openxmlformats.org/drawingml/2006/main" xmlns:r="http://schemas.openxmlformats.org/officeDocument/2006/relationships" xmlns:p="http://schemas.openxmlformats.org/presentationml/2006/main" showMasterSp="0" showMasterPhAnim="0">
+  <p:cSld>
+    <p:spTree>
+      <p:nvGrpSpPr>
+        <p:cNvPr id="1" name="Shape 124"/>
+        <p:cNvGrpSpPr/>
+        <p:nvPr/>
+      </p:nvGrpSpPr>
+      <p:grpSpPr>
+        <a:xfrm>
+          <a:off x="0" y="0"/>
+          <a:ext cx="0" cy="0"/>
+          <a:chOff x="0" y="0"/>
+          <a:chExt cx="0" cy="0"/>
+        </a:xfrm>
+      </p:grpSpPr>
+      <p:sp>
+        <p:nvSpPr>
+          <p:cNvPr id="125" name="Google Shape;125;p5:notes"/>
+          <p:cNvSpPr>
+            <a:spLocks noGrp="1" noRot="1" noChangeAspect="1"/>
+          </p:cNvSpPr>
+          <p:nvPr>
+            <p:ph type="sldImg" idx="2"/>
+          </p:nvPr>
+        </p:nvSpPr>
+        <p:spPr>
+          <a:xfrm>
+            <a:off x="685800" y="1143000"/>
+            <a:ext cx="5486400" cy="3086100"/>
+          </a:xfrm>
+          <a:custGeom>
+            <a:avLst/>
+            <a:gdLst/>
+            <a:ahLst/>
+            <a:cxnLst/>
+            <a:rect l="l" t="t" r="r" b="b"/>
+            <a:pathLst>
+              <a:path w="120000" h="120000" extrusionOk="0">
+                <a:moveTo>
+                  <a:pt x="0" y="0"/>
+                </a:moveTo>
+                <a:lnTo>
+                  <a:pt x="120000" y="0"/>
+                </a:lnTo>
+                <a:lnTo>
+                  <a:pt x="120000" y="120000"/>
+                </a:lnTo>
+                <a:lnTo>
+                  <a:pt x="0" y="120000"/>
+                </a:lnTo>
+                <a:close/>
+              </a:path>
+            </a:pathLst>
+          </a:custGeom>
+          <a:noFill/>
+          <a:ln w="12700" cap="flat" cmpd="sng">
+            <a:solidFill>
+              <a:srgbClr val="000000"/>
+            </a:solidFill>
+            <a:prstDash val="solid"/>
+            <a:round/>
+            <a:headEnd type="none" w="sm" len="sm"/>
+            <a:tailEnd type="none" w="sm" len="sm"/>
+          </a:ln>
+        </p:spPr>
+      </p:sp>
+      <p:sp>
+        <p:nvSpPr>
+          <p:cNvPr id="126" name="Google Shape;126;p5:notes"/>
+          <p:cNvSpPr txBox="1">
+            <a:spLocks noGrp="1"/>
+          </p:cNvSpPr>
+          <p:nvPr>
+            <p:ph type="body" idx="1"/>
+          </p:nvPr>
+        </p:nvSpPr>
+        <p:spPr>
+          <a:xfrm>
+            <a:off x="685800" y="4400550"/>
+            <a:ext cx="5486400" cy="3600450"/>
+          </a:xfrm>
+          <a:prstGeom prst="rect">
+            <a:avLst/>
+          </a:prstGeom>
+          <a:noFill/>
+          <a:ln>
+            <a:noFill/>
+          </a:ln>
+        </p:spPr>
+        <p:txBody>
+          <a:bodyPr spcFirstLastPara="1" wrap="square" lIns="91425" tIns="45700" rIns="91425" bIns="45700" anchor="t" anchorCtr="0">
+            <a:noAutofit/>
+          </a:bodyPr>
+          <a:lstStyle/>
+          <a:p>
+            <a:pPr marL="0" lvl="0" indent="0" algn="l" rtl="0">
+              <a:spcBef>
+                <a:spcPts val="0"/>
+              </a:spcBef>
+              <a:spcAft>
+                <a:spcPts val="0"/>
+              </a:spcAft>
+              <a:buNone/>
+            </a:pPr>
+            <a:endParaRPr/>
+          </a:p>
+        </p:txBody>
+      </p:sp>
+      <p:sp>
+        <p:nvSpPr>
+          <p:cNvPr id="127" name="Google Shape;127;p5:notes"/>
+          <p:cNvSpPr txBox="1">
+            <a:spLocks noGrp="1"/>
+          </p:cNvSpPr>
+          <p:nvPr>
+            <p:ph type="sldNum" idx="12"/>
+          </p:nvPr>
+        </p:nvSpPr>
+        <p:spPr>
+          <a:xfrm>
+            <a:off x="3884613" y="8685213"/>
+            <a:ext cx="2971800" cy="458787"/>
+          </a:xfrm>
+          <a:prstGeom prst="rect">
+            <a:avLst/>
+          </a:prstGeom>
+          <a:noFill/>
+          <a:ln>
+            <a:noFill/>
+          </a:ln>
+        </p:spPr>
+        <p:txBody>
+          <a:bodyPr spcFirstLastPara="1" wrap="square" lIns="91425" tIns="45700" rIns="91425" bIns="45700" anchor="b" anchorCtr="0">
+            <a:noAutofit/>
+          </a:bodyPr>
+          <a:lstStyle/>
+          <a:p>
+            <a:pPr marL="0" lvl="0" indent="0" algn="r" rtl="0">
+              <a:spcBef>
+                <a:spcPts val="0"/>
+              </a:spcBef>
+              <a:spcAft>
+                <a:spcPts val="0"/>
+              </a:spcAft>
+              <a:buNone/>
+            </a:pPr>
+            <a:fld id="{00000000-1234-1234-1234-123412341234}" type="slidenum">
+              <a:rPr lang="en-IN"/>
               <a:t>18</a:t>
+            </a:fld>
+            <a:endParaRPr/>
+          </a:p>
+        </p:txBody>
+      </p:sp>
+    </p:spTree>
+    <p:extLst>
+      <p:ext uri="{BB962C8B-B14F-4D97-AF65-F5344CB8AC3E}">
+        <p14:creationId xmlns:p14="http://schemas.microsoft.com/office/powerpoint/2010/main" val="2201059555"/>
+      </p:ext>
+    </p:extLst>
+  </p:cSld>
+  <p:clrMapOvr>
+    <a:masterClrMapping/>
+  </p:clrMapOvr>
+</p:notes>
+</file>
+
+<file path=ppt/notesSlides/notesSlide14.xml><?xml version="1.0" encoding="utf-8"?>
+<p:notes xmlns:a="http://schemas.openxmlformats.org/drawingml/2006/main" xmlns:r="http://schemas.openxmlformats.org/officeDocument/2006/relationships" xmlns:p="http://schemas.openxmlformats.org/presentationml/2006/main" showMasterSp="0" showMasterPhAnim="0">
+  <p:cSld>
+    <p:spTree>
+      <p:nvGrpSpPr>
+        <p:cNvPr id="1" name="Shape 124"/>
+        <p:cNvGrpSpPr/>
+        <p:nvPr/>
+      </p:nvGrpSpPr>
+      <p:grpSpPr>
+        <a:xfrm>
+          <a:off x="0" y="0"/>
+          <a:ext cx="0" cy="0"/>
+          <a:chOff x="0" y="0"/>
+          <a:chExt cx="0" cy="0"/>
+        </a:xfrm>
+      </p:grpSpPr>
+      <p:sp>
+        <p:nvSpPr>
+          <p:cNvPr id="125" name="Google Shape;125;p5:notes"/>
+          <p:cNvSpPr>
+            <a:spLocks noGrp="1" noRot="1" noChangeAspect="1"/>
+          </p:cNvSpPr>
+          <p:nvPr>
+            <p:ph type="sldImg" idx="2"/>
+          </p:nvPr>
+        </p:nvSpPr>
+        <p:spPr>
+          <a:xfrm>
+            <a:off x="685800" y="1143000"/>
+            <a:ext cx="5486400" cy="3086100"/>
+          </a:xfrm>
+          <a:custGeom>
+            <a:avLst/>
+            <a:gdLst/>
+            <a:ahLst/>
+            <a:cxnLst/>
+            <a:rect l="l" t="t" r="r" b="b"/>
+            <a:pathLst>
+              <a:path w="120000" h="120000" extrusionOk="0">
+                <a:moveTo>
+                  <a:pt x="0" y="0"/>
+                </a:moveTo>
+                <a:lnTo>
+                  <a:pt x="120000" y="0"/>
+                </a:lnTo>
+                <a:lnTo>
+                  <a:pt x="120000" y="120000"/>
+                </a:lnTo>
+                <a:lnTo>
+                  <a:pt x="0" y="120000"/>
+                </a:lnTo>
+                <a:close/>
+              </a:path>
+            </a:pathLst>
+          </a:custGeom>
+          <a:noFill/>
+          <a:ln w="12700" cap="flat" cmpd="sng">
+            <a:solidFill>
+              <a:srgbClr val="000000"/>
+            </a:solidFill>
+            <a:prstDash val="solid"/>
+            <a:round/>
+            <a:headEnd type="none" w="sm" len="sm"/>
+            <a:tailEnd type="none" w="sm" len="sm"/>
+          </a:ln>
+        </p:spPr>
+      </p:sp>
+      <p:sp>
+        <p:nvSpPr>
+          <p:cNvPr id="126" name="Google Shape;126;p5:notes"/>
+          <p:cNvSpPr txBox="1">
+            <a:spLocks noGrp="1"/>
+          </p:cNvSpPr>
+          <p:nvPr>
+            <p:ph type="body" idx="1"/>
+          </p:nvPr>
+        </p:nvSpPr>
+        <p:spPr>
+          <a:xfrm>
+            <a:off x="685800" y="4400550"/>
+            <a:ext cx="5486400" cy="3600450"/>
+          </a:xfrm>
+          <a:prstGeom prst="rect">
+            <a:avLst/>
+          </a:prstGeom>
+          <a:noFill/>
+          <a:ln>
+            <a:noFill/>
+          </a:ln>
+        </p:spPr>
+        <p:txBody>
+          <a:bodyPr spcFirstLastPara="1" wrap="square" lIns="91425" tIns="45700" rIns="91425" bIns="45700" anchor="t" anchorCtr="0">
+            <a:noAutofit/>
+          </a:bodyPr>
+          <a:lstStyle/>
+          <a:p>
+            <a:pPr marL="0" lvl="0" indent="0" algn="l" rtl="0">
+              <a:spcBef>
+                <a:spcPts val="0"/>
+              </a:spcBef>
+              <a:spcAft>
+                <a:spcPts val="0"/>
+              </a:spcAft>
+              <a:buNone/>
+            </a:pPr>
+            <a:endParaRPr/>
+          </a:p>
+        </p:txBody>
+      </p:sp>
+      <p:sp>
+        <p:nvSpPr>
+          <p:cNvPr id="127" name="Google Shape;127;p5:notes"/>
+          <p:cNvSpPr txBox="1">
+            <a:spLocks noGrp="1"/>
+          </p:cNvSpPr>
+          <p:nvPr>
+            <p:ph type="sldNum" idx="12"/>
+          </p:nvPr>
+        </p:nvSpPr>
+        <p:spPr>
+          <a:xfrm>
+            <a:off x="3884613" y="8685213"/>
+            <a:ext cx="2971800" cy="458787"/>
+          </a:xfrm>
+          <a:prstGeom prst="rect">
+            <a:avLst/>
+          </a:prstGeom>
+          <a:noFill/>
+          <a:ln>
+            <a:noFill/>
+          </a:ln>
+        </p:spPr>
+        <p:txBody>
+          <a:bodyPr spcFirstLastPara="1" wrap="square" lIns="91425" tIns="45700" rIns="91425" bIns="45700" anchor="b" anchorCtr="0">
+            <a:noAutofit/>
+          </a:bodyPr>
+          <a:lstStyle/>
+          <a:p>
+            <a:pPr marL="0" lvl="0" indent="0" algn="r" rtl="0">
+              <a:spcBef>
+                <a:spcPts val="0"/>
+              </a:spcBef>
+              <a:spcAft>
+                <a:spcPts val="0"/>
+              </a:spcAft>
+              <a:buNone/>
+            </a:pPr>
+            <a:fld id="{00000000-1234-1234-1234-123412341234}" type="slidenum">
+              <a:rPr lang="en-IN"/>
+              <a:t>19</a:t>
             </a:fld>
             <a:endParaRPr/>
           </a:p>
@@ -2143,7 +2477,7 @@
 </p:notes>
 </file>
 
-<file path=ppt/notesSlides/notesSlide13.xml><?xml version="1.0" encoding="utf-8"?>
+<file path=ppt/notesSlides/notesSlide15.xml><?xml version="1.0" encoding="utf-8"?>
 <p:notes xmlns:a="http://schemas.openxmlformats.org/drawingml/2006/main" xmlns:r="http://schemas.openxmlformats.org/officeDocument/2006/relationships" xmlns:p="http://schemas.openxmlformats.org/presentationml/2006/main" showMasterSp="0" showMasterPhAnim="0">
   <p:cSld>
     <p:spTree>
@@ -2317,7 +2651,7 @@
             </a:pPr>
             <a:fld id="{00000000-1234-1234-1234-123412341234}" type="slidenum">
               <a:rPr lang="en-IN"/>
-              <a:t>19</a:t>
+              <a:t>20</a:t>
             </a:fld>
             <a:endParaRPr/>
           </a:p>
@@ -2327,344 +2661,6 @@
     <p:extLst>
       <p:ext uri="{BB962C8B-B14F-4D97-AF65-F5344CB8AC3E}">
         <p14:creationId xmlns:p14="http://schemas.microsoft.com/office/powerpoint/2010/main" val="1772996103"/>
-      </p:ext>
-    </p:extLst>
-  </p:cSld>
-  <p:clrMapOvr>
-    <a:masterClrMapping/>
-  </p:clrMapOvr>
-</p:notes>
-</file>
-
-<file path=ppt/notesSlides/notesSlide14.xml><?xml version="1.0" encoding="utf-8"?>
-<p:notes xmlns:a="http://schemas.openxmlformats.org/drawingml/2006/main" xmlns:r="http://schemas.openxmlformats.org/officeDocument/2006/relationships" xmlns:p="http://schemas.openxmlformats.org/presentationml/2006/main" showMasterSp="0" showMasterPhAnim="0">
-  <p:cSld>
-    <p:spTree>
-      <p:nvGrpSpPr>
-        <p:cNvPr id="1" name="Shape 124"/>
-        <p:cNvGrpSpPr/>
-        <p:nvPr/>
-      </p:nvGrpSpPr>
-      <p:grpSpPr>
-        <a:xfrm>
-          <a:off x="0" y="0"/>
-          <a:ext cx="0" cy="0"/>
-          <a:chOff x="0" y="0"/>
-          <a:chExt cx="0" cy="0"/>
-        </a:xfrm>
-      </p:grpSpPr>
-      <p:sp>
-        <p:nvSpPr>
-          <p:cNvPr id="125" name="Google Shape;125;p5:notes"/>
-          <p:cNvSpPr>
-            <a:spLocks noGrp="1" noRot="1" noChangeAspect="1"/>
-          </p:cNvSpPr>
-          <p:nvPr>
-            <p:ph type="sldImg" idx="2"/>
-          </p:nvPr>
-        </p:nvSpPr>
-        <p:spPr>
-          <a:xfrm>
-            <a:off x="685800" y="1143000"/>
-            <a:ext cx="5486400" cy="3086100"/>
-          </a:xfrm>
-          <a:custGeom>
-            <a:avLst/>
-            <a:gdLst/>
-            <a:ahLst/>
-            <a:cxnLst/>
-            <a:rect l="l" t="t" r="r" b="b"/>
-            <a:pathLst>
-              <a:path w="120000" h="120000" extrusionOk="0">
-                <a:moveTo>
-                  <a:pt x="0" y="0"/>
-                </a:moveTo>
-                <a:lnTo>
-                  <a:pt x="120000" y="0"/>
-                </a:lnTo>
-                <a:lnTo>
-                  <a:pt x="120000" y="120000"/>
-                </a:lnTo>
-                <a:lnTo>
-                  <a:pt x="0" y="120000"/>
-                </a:lnTo>
-                <a:close/>
-              </a:path>
-            </a:pathLst>
-          </a:custGeom>
-          <a:noFill/>
-          <a:ln w="12700" cap="flat" cmpd="sng">
-            <a:solidFill>
-              <a:srgbClr val="000000"/>
-            </a:solidFill>
-            <a:prstDash val="solid"/>
-            <a:round/>
-            <a:headEnd type="none" w="sm" len="sm"/>
-            <a:tailEnd type="none" w="sm" len="sm"/>
-          </a:ln>
-        </p:spPr>
-      </p:sp>
-      <p:sp>
-        <p:nvSpPr>
-          <p:cNvPr id="126" name="Google Shape;126;p5:notes"/>
-          <p:cNvSpPr txBox="1">
-            <a:spLocks noGrp="1"/>
-          </p:cNvSpPr>
-          <p:nvPr>
-            <p:ph type="body" idx="1"/>
-          </p:nvPr>
-        </p:nvSpPr>
-        <p:spPr>
-          <a:xfrm>
-            <a:off x="685800" y="4400550"/>
-            <a:ext cx="5486400" cy="3600450"/>
-          </a:xfrm>
-          <a:prstGeom prst="rect">
-            <a:avLst/>
-          </a:prstGeom>
-          <a:noFill/>
-          <a:ln>
-            <a:noFill/>
-          </a:ln>
-        </p:spPr>
-        <p:txBody>
-          <a:bodyPr spcFirstLastPara="1" wrap="square" lIns="91425" tIns="45700" rIns="91425" bIns="45700" anchor="t" anchorCtr="0">
-            <a:noAutofit/>
-          </a:bodyPr>
-          <a:lstStyle/>
-          <a:p>
-            <a:pPr marL="0" lvl="0" indent="0" algn="l" rtl="0">
-              <a:spcBef>
-                <a:spcPts val="0"/>
-              </a:spcBef>
-              <a:spcAft>
-                <a:spcPts val="0"/>
-              </a:spcAft>
-              <a:buNone/>
-            </a:pPr>
-            <a:endParaRPr/>
-          </a:p>
-        </p:txBody>
-      </p:sp>
-      <p:sp>
-        <p:nvSpPr>
-          <p:cNvPr id="127" name="Google Shape;127;p5:notes"/>
-          <p:cNvSpPr txBox="1">
-            <a:spLocks noGrp="1"/>
-          </p:cNvSpPr>
-          <p:nvPr>
-            <p:ph type="sldNum" idx="12"/>
-          </p:nvPr>
-        </p:nvSpPr>
-        <p:spPr>
-          <a:xfrm>
-            <a:off x="3884613" y="8685213"/>
-            <a:ext cx="2971800" cy="458787"/>
-          </a:xfrm>
-          <a:prstGeom prst="rect">
-            <a:avLst/>
-          </a:prstGeom>
-          <a:noFill/>
-          <a:ln>
-            <a:noFill/>
-          </a:ln>
-        </p:spPr>
-        <p:txBody>
-          <a:bodyPr spcFirstLastPara="1" wrap="square" lIns="91425" tIns="45700" rIns="91425" bIns="45700" anchor="b" anchorCtr="0">
-            <a:noAutofit/>
-          </a:bodyPr>
-          <a:lstStyle/>
-          <a:p>
-            <a:pPr marL="0" lvl="0" indent="0" algn="r" rtl="0">
-              <a:spcBef>
-                <a:spcPts val="0"/>
-              </a:spcBef>
-              <a:spcAft>
-                <a:spcPts val="0"/>
-              </a:spcAft>
-              <a:buNone/>
-            </a:pPr>
-            <a:fld id="{00000000-1234-1234-1234-123412341234}" type="slidenum">
-              <a:rPr lang="en-IN"/>
-              <a:t>20</a:t>
-            </a:fld>
-            <a:endParaRPr/>
-          </a:p>
-        </p:txBody>
-      </p:sp>
-    </p:spTree>
-    <p:extLst>
-      <p:ext uri="{BB962C8B-B14F-4D97-AF65-F5344CB8AC3E}">
-        <p14:creationId xmlns:p14="http://schemas.microsoft.com/office/powerpoint/2010/main" val="880018490"/>
-      </p:ext>
-    </p:extLst>
-  </p:cSld>
-  <p:clrMapOvr>
-    <a:masterClrMapping/>
-  </p:clrMapOvr>
-</p:notes>
-</file>
-
-<file path=ppt/notesSlides/notesSlide15.xml><?xml version="1.0" encoding="utf-8"?>
-<p:notes xmlns:a="http://schemas.openxmlformats.org/drawingml/2006/main" xmlns:r="http://schemas.openxmlformats.org/officeDocument/2006/relationships" xmlns:p="http://schemas.openxmlformats.org/presentationml/2006/main" showMasterSp="0" showMasterPhAnim="0">
-  <p:cSld>
-    <p:spTree>
-      <p:nvGrpSpPr>
-        <p:cNvPr id="1" name="Shape 124"/>
-        <p:cNvGrpSpPr/>
-        <p:nvPr/>
-      </p:nvGrpSpPr>
-      <p:grpSpPr>
-        <a:xfrm>
-          <a:off x="0" y="0"/>
-          <a:ext cx="0" cy="0"/>
-          <a:chOff x="0" y="0"/>
-          <a:chExt cx="0" cy="0"/>
-        </a:xfrm>
-      </p:grpSpPr>
-      <p:sp>
-        <p:nvSpPr>
-          <p:cNvPr id="125" name="Google Shape;125;p5:notes"/>
-          <p:cNvSpPr>
-            <a:spLocks noGrp="1" noRot="1" noChangeAspect="1"/>
-          </p:cNvSpPr>
-          <p:nvPr>
-            <p:ph type="sldImg" idx="2"/>
-          </p:nvPr>
-        </p:nvSpPr>
-        <p:spPr>
-          <a:xfrm>
-            <a:off x="685800" y="1143000"/>
-            <a:ext cx="5486400" cy="3086100"/>
-          </a:xfrm>
-          <a:custGeom>
-            <a:avLst/>
-            <a:gdLst/>
-            <a:ahLst/>
-            <a:cxnLst/>
-            <a:rect l="l" t="t" r="r" b="b"/>
-            <a:pathLst>
-              <a:path w="120000" h="120000" extrusionOk="0">
-                <a:moveTo>
-                  <a:pt x="0" y="0"/>
-                </a:moveTo>
-                <a:lnTo>
-                  <a:pt x="120000" y="0"/>
-                </a:lnTo>
-                <a:lnTo>
-                  <a:pt x="120000" y="120000"/>
-                </a:lnTo>
-                <a:lnTo>
-                  <a:pt x="0" y="120000"/>
-                </a:lnTo>
-                <a:close/>
-              </a:path>
-            </a:pathLst>
-          </a:custGeom>
-          <a:noFill/>
-          <a:ln w="12700" cap="flat" cmpd="sng">
-            <a:solidFill>
-              <a:srgbClr val="000000"/>
-            </a:solidFill>
-            <a:prstDash val="solid"/>
-            <a:round/>
-            <a:headEnd type="none" w="sm" len="sm"/>
-            <a:tailEnd type="none" w="sm" len="sm"/>
-          </a:ln>
-        </p:spPr>
-      </p:sp>
-      <p:sp>
-        <p:nvSpPr>
-          <p:cNvPr id="126" name="Google Shape;126;p5:notes"/>
-          <p:cNvSpPr txBox="1">
-            <a:spLocks noGrp="1"/>
-          </p:cNvSpPr>
-          <p:nvPr>
-            <p:ph type="body" idx="1"/>
-          </p:nvPr>
-        </p:nvSpPr>
-        <p:spPr>
-          <a:xfrm>
-            <a:off x="685800" y="4400550"/>
-            <a:ext cx="5486400" cy="3600450"/>
-          </a:xfrm>
-          <a:prstGeom prst="rect">
-            <a:avLst/>
-          </a:prstGeom>
-          <a:noFill/>
-          <a:ln>
-            <a:noFill/>
-          </a:ln>
-        </p:spPr>
-        <p:txBody>
-          <a:bodyPr spcFirstLastPara="1" wrap="square" lIns="91425" tIns="45700" rIns="91425" bIns="45700" anchor="t" anchorCtr="0">
-            <a:noAutofit/>
-          </a:bodyPr>
-          <a:lstStyle/>
-          <a:p>
-            <a:pPr marL="0" lvl="0" indent="0" algn="l" rtl="0">
-              <a:spcBef>
-                <a:spcPts val="0"/>
-              </a:spcBef>
-              <a:spcAft>
-                <a:spcPts val="0"/>
-              </a:spcAft>
-              <a:buNone/>
-            </a:pPr>
-            <a:endParaRPr/>
-          </a:p>
-        </p:txBody>
-      </p:sp>
-      <p:sp>
-        <p:nvSpPr>
-          <p:cNvPr id="127" name="Google Shape;127;p5:notes"/>
-          <p:cNvSpPr txBox="1">
-            <a:spLocks noGrp="1"/>
-          </p:cNvSpPr>
-          <p:nvPr>
-            <p:ph type="sldNum" idx="12"/>
-          </p:nvPr>
-        </p:nvSpPr>
-        <p:spPr>
-          <a:xfrm>
-            <a:off x="3884613" y="8685213"/>
-            <a:ext cx="2971800" cy="458787"/>
-          </a:xfrm>
-          <a:prstGeom prst="rect">
-            <a:avLst/>
-          </a:prstGeom>
-          <a:noFill/>
-          <a:ln>
-            <a:noFill/>
-          </a:ln>
-        </p:spPr>
-        <p:txBody>
-          <a:bodyPr spcFirstLastPara="1" wrap="square" lIns="91425" tIns="45700" rIns="91425" bIns="45700" anchor="b" anchorCtr="0">
-            <a:noAutofit/>
-          </a:bodyPr>
-          <a:lstStyle/>
-          <a:p>
-            <a:pPr marL="0" lvl="0" indent="0" algn="r" rtl="0">
-              <a:spcBef>
-                <a:spcPts val="0"/>
-              </a:spcBef>
-              <a:spcAft>
-                <a:spcPts val="0"/>
-              </a:spcAft>
-              <a:buNone/>
-            </a:pPr>
-            <a:fld id="{00000000-1234-1234-1234-123412341234}" type="slidenum">
-              <a:rPr lang="en-IN"/>
-              <a:t>21</a:t>
-            </a:fld>
-            <a:endParaRPr/>
-          </a:p>
-        </p:txBody>
-      </p:sp>
-    </p:spTree>
-    <p:extLst>
-      <p:ext uri="{BB962C8B-B14F-4D97-AF65-F5344CB8AC3E}">
-        <p14:creationId xmlns:p14="http://schemas.microsoft.com/office/powerpoint/2010/main" val="478073614"/>
       </p:ext>
     </p:extLst>
   </p:cSld>
@@ -2824,7 +2820,7 @@
             </a:pPr>
             <a:fld id="{00000000-1234-1234-1234-123412341234}" type="slidenum">
               <a:rPr lang="en-IN"/>
-              <a:t>22</a:t>
+              <a:t>21</a:t>
             </a:fld>
             <a:endParaRPr/>
           </a:p>
@@ -2833,7 +2829,7 @@
     </p:spTree>
     <p:extLst>
       <p:ext uri="{BB962C8B-B14F-4D97-AF65-F5344CB8AC3E}">
-        <p14:creationId xmlns:p14="http://schemas.microsoft.com/office/powerpoint/2010/main" val="2512692273"/>
+        <p14:creationId xmlns:p14="http://schemas.microsoft.com/office/powerpoint/2010/main" val="880018490"/>
       </p:ext>
     </p:extLst>
   </p:cSld>
@@ -2848,7 +2844,7 @@
   <p:cSld>
     <p:spTree>
       <p:nvGrpSpPr>
-        <p:cNvPr id="1" name="Shape 144"/>
+        <p:cNvPr id="1" name="Shape 124"/>
         <p:cNvGrpSpPr/>
         <p:nvPr/>
       </p:nvGrpSpPr>
@@ -2862,7 +2858,7 @@
       </p:grpSpPr>
       <p:sp>
         <p:nvSpPr>
-          <p:cNvPr id="145" name="Google Shape;145;p7:notes"/>
+          <p:cNvPr id="125" name="Google Shape;125;p5:notes"/>
           <p:cNvSpPr>
             <a:spLocks noGrp="1" noRot="1" noChangeAspect="1"/>
           </p:cNvSpPr>
@@ -2913,7 +2909,7 @@
       </p:sp>
       <p:sp>
         <p:nvSpPr>
-          <p:cNvPr id="146" name="Google Shape;146;p7:notes"/>
+          <p:cNvPr id="126" name="Google Shape;126;p5:notes"/>
           <p:cNvSpPr txBox="1">
             <a:spLocks noGrp="1"/>
           </p:cNvSpPr>
@@ -2955,7 +2951,7 @@
       </p:sp>
       <p:sp>
         <p:nvSpPr>
-          <p:cNvPr id="147" name="Google Shape;147;p7:notes"/>
+          <p:cNvPr id="127" name="Google Shape;127;p5:notes"/>
           <p:cNvSpPr txBox="1">
             <a:spLocks noGrp="1"/>
           </p:cNvSpPr>
@@ -2993,7 +2989,7 @@
             </a:pPr>
             <a:fld id="{00000000-1234-1234-1234-123412341234}" type="slidenum">
               <a:rPr lang="en-IN"/>
-              <a:t>23</a:t>
+              <a:t>22</a:t>
             </a:fld>
             <a:endParaRPr/>
           </a:p>
@@ -3002,7 +2998,7 @@
     </p:spTree>
     <p:extLst>
       <p:ext uri="{BB962C8B-B14F-4D97-AF65-F5344CB8AC3E}">
-        <p14:creationId xmlns:p14="http://schemas.microsoft.com/office/powerpoint/2010/main" val="2133854705"/>
+        <p14:creationId xmlns:p14="http://schemas.microsoft.com/office/powerpoint/2010/main" val="478073614"/>
       </p:ext>
     </p:extLst>
   </p:cSld>
@@ -3162,7 +3158,7 @@
             </a:pPr>
             <a:fld id="{00000000-1234-1234-1234-123412341234}" type="slidenum">
               <a:rPr lang="en-IN"/>
-              <a:t>24</a:t>
+              <a:t>23</a:t>
             </a:fld>
             <a:endParaRPr/>
           </a:p>
@@ -3171,7 +3167,7 @@
     </p:spTree>
     <p:extLst>
       <p:ext uri="{BB962C8B-B14F-4D97-AF65-F5344CB8AC3E}">
-        <p14:creationId xmlns:p14="http://schemas.microsoft.com/office/powerpoint/2010/main" val="2277723846"/>
+        <p14:creationId xmlns:p14="http://schemas.microsoft.com/office/powerpoint/2010/main" val="2512692273"/>
       </p:ext>
     </p:extLst>
   </p:cSld>
@@ -3331,13 +3327,18 @@
             </a:pPr>
             <a:fld id="{00000000-1234-1234-1234-123412341234}" type="slidenum">
               <a:rPr lang="en-IN"/>
-              <a:t>25</a:t>
+              <a:t>24</a:t>
             </a:fld>
             <a:endParaRPr/>
           </a:p>
         </p:txBody>
       </p:sp>
     </p:spTree>
+    <p:extLst>
+      <p:ext uri="{BB962C8B-B14F-4D97-AF65-F5344CB8AC3E}">
+        <p14:creationId xmlns:p14="http://schemas.microsoft.com/office/powerpoint/2010/main" val="2133854705"/>
+      </p:ext>
+    </p:extLst>
   </p:cSld>
   <p:clrMapOvr>
     <a:masterClrMapping/>
@@ -3495,13 +3496,18 @@
             </a:pPr>
             <a:fld id="{00000000-1234-1234-1234-123412341234}" type="slidenum">
               <a:rPr lang="en-IN"/>
-              <a:t>3</a:t>
+              <a:t>2</a:t>
             </a:fld>
             <a:endParaRPr/>
           </a:p>
         </p:txBody>
       </p:sp>
     </p:spTree>
+    <p:extLst>
+      <p:ext uri="{BB962C8B-B14F-4D97-AF65-F5344CB8AC3E}">
+        <p14:creationId xmlns:p14="http://schemas.microsoft.com/office/powerpoint/2010/main" val="2905247257"/>
+      </p:ext>
+    </p:extLst>
   </p:cSld>
   <p:clrMapOvr>
     <a:masterClrMapping/>
@@ -3514,7 +3520,7 @@
   <p:cSld>
     <p:spTree>
       <p:nvGrpSpPr>
-        <p:cNvPr id="1" name="Shape 144"/>
+        <p:cNvPr id="1" name="Shape 124"/>
         <p:cNvGrpSpPr/>
         <p:nvPr/>
       </p:nvGrpSpPr>
@@ -3528,7 +3534,7 @@
       </p:grpSpPr>
       <p:sp>
         <p:nvSpPr>
-          <p:cNvPr id="145" name="Google Shape;145;p7:notes"/>
+          <p:cNvPr id="125" name="Google Shape;125;p5:notes"/>
           <p:cNvSpPr>
             <a:spLocks noGrp="1" noRot="1" noChangeAspect="1"/>
           </p:cNvSpPr>
@@ -3579,7 +3585,7 @@
       </p:sp>
       <p:sp>
         <p:nvSpPr>
-          <p:cNvPr id="146" name="Google Shape;146;p7:notes"/>
+          <p:cNvPr id="126" name="Google Shape;126;p5:notes"/>
           <p:cNvSpPr txBox="1">
             <a:spLocks noGrp="1"/>
           </p:cNvSpPr>
@@ -3621,7 +3627,7 @@
       </p:sp>
       <p:sp>
         <p:nvSpPr>
-          <p:cNvPr id="147" name="Google Shape;147;p7:notes"/>
+          <p:cNvPr id="127" name="Google Shape;127;p5:notes"/>
           <p:cNvSpPr txBox="1">
             <a:spLocks noGrp="1"/>
           </p:cNvSpPr>
@@ -3659,7 +3665,7 @@
             </a:pPr>
             <a:fld id="{00000000-1234-1234-1234-123412341234}" type="slidenum">
               <a:rPr lang="en-IN"/>
-              <a:t>26</a:t>
+              <a:t>25</a:t>
             </a:fld>
             <a:endParaRPr/>
           </a:p>
@@ -3668,7 +3674,7 @@
     </p:spTree>
     <p:extLst>
       <p:ext uri="{BB962C8B-B14F-4D97-AF65-F5344CB8AC3E}">
-        <p14:creationId xmlns:p14="http://schemas.microsoft.com/office/powerpoint/2010/main" val="87663893"/>
+        <p14:creationId xmlns:p14="http://schemas.microsoft.com/office/powerpoint/2010/main" val="2277723846"/>
       </p:ext>
     </p:extLst>
   </p:cSld>
@@ -3683,7 +3689,7 @@
   <p:cSld>
     <p:spTree>
       <p:nvGrpSpPr>
-        <p:cNvPr id="1" name="Shape 154"/>
+        <p:cNvPr id="1" name="Shape 144"/>
         <p:cNvGrpSpPr/>
         <p:nvPr/>
       </p:nvGrpSpPr>
@@ -3697,7 +3703,7 @@
       </p:grpSpPr>
       <p:sp>
         <p:nvSpPr>
-          <p:cNvPr id="155" name="Google Shape;155;p8:notes"/>
+          <p:cNvPr id="145" name="Google Shape;145;p7:notes"/>
           <p:cNvSpPr>
             <a:spLocks noGrp="1" noRot="1" noChangeAspect="1"/>
           </p:cNvSpPr>
@@ -3748,7 +3754,7 @@
       </p:sp>
       <p:sp>
         <p:nvSpPr>
-          <p:cNvPr id="156" name="Google Shape;156;p8:notes"/>
+          <p:cNvPr id="146" name="Google Shape;146;p7:notes"/>
           <p:cNvSpPr txBox="1">
             <a:spLocks noGrp="1"/>
           </p:cNvSpPr>
@@ -3790,7 +3796,7 @@
       </p:sp>
       <p:sp>
         <p:nvSpPr>
-          <p:cNvPr id="157" name="Google Shape;157;p8:notes"/>
+          <p:cNvPr id="147" name="Google Shape;147;p7:notes"/>
           <p:cNvSpPr txBox="1">
             <a:spLocks noGrp="1"/>
           </p:cNvSpPr>
@@ -3828,7 +3834,7 @@
             </a:pPr>
             <a:fld id="{00000000-1234-1234-1234-123412341234}" type="slidenum">
               <a:rPr lang="en-IN"/>
-              <a:t>27</a:t>
+              <a:t>26</a:t>
             </a:fld>
             <a:endParaRPr/>
           </a:p>
@@ -3847,7 +3853,7 @@
   <p:cSld>
     <p:spTree>
       <p:nvGrpSpPr>
-        <p:cNvPr id="1" name="Shape 154"/>
+        <p:cNvPr id="1" name="Shape 144"/>
         <p:cNvGrpSpPr/>
         <p:nvPr/>
       </p:nvGrpSpPr>
@@ -3861,7 +3867,7 @@
       </p:grpSpPr>
       <p:sp>
         <p:nvSpPr>
-          <p:cNvPr id="155" name="Google Shape;155;p8:notes"/>
+          <p:cNvPr id="145" name="Google Shape;145;p7:notes"/>
           <p:cNvSpPr>
             <a:spLocks noGrp="1" noRot="1" noChangeAspect="1"/>
           </p:cNvSpPr>
@@ -3912,6 +3918,175 @@
       </p:sp>
       <p:sp>
         <p:nvSpPr>
+          <p:cNvPr id="146" name="Google Shape;146;p7:notes"/>
+          <p:cNvSpPr txBox="1">
+            <a:spLocks noGrp="1"/>
+          </p:cNvSpPr>
+          <p:nvPr>
+            <p:ph type="body" idx="1"/>
+          </p:nvPr>
+        </p:nvSpPr>
+        <p:spPr>
+          <a:xfrm>
+            <a:off x="685800" y="4400550"/>
+            <a:ext cx="5486400" cy="3600450"/>
+          </a:xfrm>
+          <a:prstGeom prst="rect">
+            <a:avLst/>
+          </a:prstGeom>
+          <a:noFill/>
+          <a:ln>
+            <a:noFill/>
+          </a:ln>
+        </p:spPr>
+        <p:txBody>
+          <a:bodyPr spcFirstLastPara="1" wrap="square" lIns="91425" tIns="45700" rIns="91425" bIns="45700" anchor="t" anchorCtr="0">
+            <a:noAutofit/>
+          </a:bodyPr>
+          <a:lstStyle/>
+          <a:p>
+            <a:pPr marL="0" lvl="0" indent="0" algn="l" rtl="0">
+              <a:spcBef>
+                <a:spcPts val="0"/>
+              </a:spcBef>
+              <a:spcAft>
+                <a:spcPts val="0"/>
+              </a:spcAft>
+              <a:buNone/>
+            </a:pPr>
+            <a:endParaRPr/>
+          </a:p>
+        </p:txBody>
+      </p:sp>
+      <p:sp>
+        <p:nvSpPr>
+          <p:cNvPr id="147" name="Google Shape;147;p7:notes"/>
+          <p:cNvSpPr txBox="1">
+            <a:spLocks noGrp="1"/>
+          </p:cNvSpPr>
+          <p:nvPr>
+            <p:ph type="sldNum" idx="12"/>
+          </p:nvPr>
+        </p:nvSpPr>
+        <p:spPr>
+          <a:xfrm>
+            <a:off x="3884613" y="8685213"/>
+            <a:ext cx="2971800" cy="458787"/>
+          </a:xfrm>
+          <a:prstGeom prst="rect">
+            <a:avLst/>
+          </a:prstGeom>
+          <a:noFill/>
+          <a:ln>
+            <a:noFill/>
+          </a:ln>
+        </p:spPr>
+        <p:txBody>
+          <a:bodyPr spcFirstLastPara="1" wrap="square" lIns="91425" tIns="45700" rIns="91425" bIns="45700" anchor="b" anchorCtr="0">
+            <a:noAutofit/>
+          </a:bodyPr>
+          <a:lstStyle/>
+          <a:p>
+            <a:pPr marL="0" lvl="0" indent="0" algn="r" rtl="0">
+              <a:spcBef>
+                <a:spcPts val="0"/>
+              </a:spcBef>
+              <a:spcAft>
+                <a:spcPts val="0"/>
+              </a:spcAft>
+              <a:buNone/>
+            </a:pPr>
+            <a:fld id="{00000000-1234-1234-1234-123412341234}" type="slidenum">
+              <a:rPr lang="en-IN"/>
+              <a:t>27</a:t>
+            </a:fld>
+            <a:endParaRPr/>
+          </a:p>
+        </p:txBody>
+      </p:sp>
+    </p:spTree>
+    <p:extLst>
+      <p:ext uri="{BB962C8B-B14F-4D97-AF65-F5344CB8AC3E}">
+        <p14:creationId xmlns:p14="http://schemas.microsoft.com/office/powerpoint/2010/main" val="87663893"/>
+      </p:ext>
+    </p:extLst>
+  </p:cSld>
+  <p:clrMapOvr>
+    <a:masterClrMapping/>
+  </p:clrMapOvr>
+</p:notes>
+</file>
+
+<file path=ppt/notesSlides/notesSlide23.xml><?xml version="1.0" encoding="utf-8"?>
+<p:notes xmlns:a="http://schemas.openxmlformats.org/drawingml/2006/main" xmlns:r="http://schemas.openxmlformats.org/officeDocument/2006/relationships" xmlns:p="http://schemas.openxmlformats.org/presentationml/2006/main" showMasterSp="0" showMasterPhAnim="0">
+  <p:cSld>
+    <p:spTree>
+      <p:nvGrpSpPr>
+        <p:cNvPr id="1" name="Shape 154"/>
+        <p:cNvGrpSpPr/>
+        <p:nvPr/>
+      </p:nvGrpSpPr>
+      <p:grpSpPr>
+        <a:xfrm>
+          <a:off x="0" y="0"/>
+          <a:ext cx="0" cy="0"/>
+          <a:chOff x="0" y="0"/>
+          <a:chExt cx="0" cy="0"/>
+        </a:xfrm>
+      </p:grpSpPr>
+      <p:sp>
+        <p:nvSpPr>
+          <p:cNvPr id="155" name="Google Shape;155;p8:notes"/>
+          <p:cNvSpPr>
+            <a:spLocks noGrp="1" noRot="1" noChangeAspect="1"/>
+          </p:cNvSpPr>
+          <p:nvPr>
+            <p:ph type="sldImg" idx="2"/>
+          </p:nvPr>
+        </p:nvSpPr>
+        <p:spPr>
+          <a:xfrm>
+            <a:off x="685800" y="1143000"/>
+            <a:ext cx="5486400" cy="3086100"/>
+          </a:xfrm>
+          <a:custGeom>
+            <a:avLst/>
+            <a:gdLst/>
+            <a:ahLst/>
+            <a:cxnLst/>
+            <a:rect l="l" t="t" r="r" b="b"/>
+            <a:pathLst>
+              <a:path w="120000" h="120000" extrusionOk="0">
+                <a:moveTo>
+                  <a:pt x="0" y="0"/>
+                </a:moveTo>
+                <a:lnTo>
+                  <a:pt x="120000" y="0"/>
+                </a:lnTo>
+                <a:lnTo>
+                  <a:pt x="120000" y="120000"/>
+                </a:lnTo>
+                <a:lnTo>
+                  <a:pt x="0" y="120000"/>
+                </a:lnTo>
+                <a:close/>
+              </a:path>
+            </a:pathLst>
+          </a:custGeom>
+          <a:noFill/>
+          <a:ln w="12700" cap="flat" cmpd="sng">
+            <a:solidFill>
+              <a:srgbClr val="000000"/>
+            </a:solidFill>
+            <a:prstDash val="solid"/>
+            <a:round/>
+            <a:headEnd type="none" w="sm" len="sm"/>
+            <a:tailEnd type="none" w="sm" len="sm"/>
+          </a:ln>
+        </p:spPr>
+      </p:sp>
+      <p:sp>
+        <p:nvSpPr>
           <p:cNvPr id="156" name="Google Shape;156;p8:notes"/>
           <p:cNvSpPr txBox="1">
             <a:spLocks noGrp="1"/>
@@ -3993,6 +4168,170 @@
             <a:fld id="{00000000-1234-1234-1234-123412341234}" type="slidenum">
               <a:rPr lang="en-IN"/>
               <a:t>28</a:t>
+            </a:fld>
+            <a:endParaRPr/>
+          </a:p>
+        </p:txBody>
+      </p:sp>
+    </p:spTree>
+  </p:cSld>
+  <p:clrMapOvr>
+    <a:masterClrMapping/>
+  </p:clrMapOvr>
+</p:notes>
+</file>
+
+<file path=ppt/notesSlides/notesSlide24.xml><?xml version="1.0" encoding="utf-8"?>
+<p:notes xmlns:a="http://schemas.openxmlformats.org/drawingml/2006/main" xmlns:r="http://schemas.openxmlformats.org/officeDocument/2006/relationships" xmlns:p="http://schemas.openxmlformats.org/presentationml/2006/main" showMasterSp="0" showMasterPhAnim="0">
+  <p:cSld>
+    <p:spTree>
+      <p:nvGrpSpPr>
+        <p:cNvPr id="1" name="Shape 154"/>
+        <p:cNvGrpSpPr/>
+        <p:nvPr/>
+      </p:nvGrpSpPr>
+      <p:grpSpPr>
+        <a:xfrm>
+          <a:off x="0" y="0"/>
+          <a:ext cx="0" cy="0"/>
+          <a:chOff x="0" y="0"/>
+          <a:chExt cx="0" cy="0"/>
+        </a:xfrm>
+      </p:grpSpPr>
+      <p:sp>
+        <p:nvSpPr>
+          <p:cNvPr id="155" name="Google Shape;155;p8:notes"/>
+          <p:cNvSpPr>
+            <a:spLocks noGrp="1" noRot="1" noChangeAspect="1"/>
+          </p:cNvSpPr>
+          <p:nvPr>
+            <p:ph type="sldImg" idx="2"/>
+          </p:nvPr>
+        </p:nvSpPr>
+        <p:spPr>
+          <a:xfrm>
+            <a:off x="685800" y="1143000"/>
+            <a:ext cx="5486400" cy="3086100"/>
+          </a:xfrm>
+          <a:custGeom>
+            <a:avLst/>
+            <a:gdLst/>
+            <a:ahLst/>
+            <a:cxnLst/>
+            <a:rect l="l" t="t" r="r" b="b"/>
+            <a:pathLst>
+              <a:path w="120000" h="120000" extrusionOk="0">
+                <a:moveTo>
+                  <a:pt x="0" y="0"/>
+                </a:moveTo>
+                <a:lnTo>
+                  <a:pt x="120000" y="0"/>
+                </a:lnTo>
+                <a:lnTo>
+                  <a:pt x="120000" y="120000"/>
+                </a:lnTo>
+                <a:lnTo>
+                  <a:pt x="0" y="120000"/>
+                </a:lnTo>
+                <a:close/>
+              </a:path>
+            </a:pathLst>
+          </a:custGeom>
+          <a:noFill/>
+          <a:ln w="12700" cap="flat" cmpd="sng">
+            <a:solidFill>
+              <a:srgbClr val="000000"/>
+            </a:solidFill>
+            <a:prstDash val="solid"/>
+            <a:round/>
+            <a:headEnd type="none" w="sm" len="sm"/>
+            <a:tailEnd type="none" w="sm" len="sm"/>
+          </a:ln>
+        </p:spPr>
+      </p:sp>
+      <p:sp>
+        <p:nvSpPr>
+          <p:cNvPr id="156" name="Google Shape;156;p8:notes"/>
+          <p:cNvSpPr txBox="1">
+            <a:spLocks noGrp="1"/>
+          </p:cNvSpPr>
+          <p:nvPr>
+            <p:ph type="body" idx="1"/>
+          </p:nvPr>
+        </p:nvSpPr>
+        <p:spPr>
+          <a:xfrm>
+            <a:off x="685800" y="4400550"/>
+            <a:ext cx="5486400" cy="3600450"/>
+          </a:xfrm>
+          <a:prstGeom prst="rect">
+            <a:avLst/>
+          </a:prstGeom>
+          <a:noFill/>
+          <a:ln>
+            <a:noFill/>
+          </a:ln>
+        </p:spPr>
+        <p:txBody>
+          <a:bodyPr spcFirstLastPara="1" wrap="square" lIns="91425" tIns="45700" rIns="91425" bIns="45700" anchor="t" anchorCtr="0">
+            <a:noAutofit/>
+          </a:bodyPr>
+          <a:lstStyle/>
+          <a:p>
+            <a:pPr marL="0" lvl="0" indent="0" algn="l" rtl="0">
+              <a:spcBef>
+                <a:spcPts val="0"/>
+              </a:spcBef>
+              <a:spcAft>
+                <a:spcPts val="0"/>
+              </a:spcAft>
+              <a:buNone/>
+            </a:pPr>
+            <a:endParaRPr/>
+          </a:p>
+        </p:txBody>
+      </p:sp>
+      <p:sp>
+        <p:nvSpPr>
+          <p:cNvPr id="157" name="Google Shape;157;p8:notes"/>
+          <p:cNvSpPr txBox="1">
+            <a:spLocks noGrp="1"/>
+          </p:cNvSpPr>
+          <p:nvPr>
+            <p:ph type="sldNum" idx="12"/>
+          </p:nvPr>
+        </p:nvSpPr>
+        <p:spPr>
+          <a:xfrm>
+            <a:off x="3884613" y="8685213"/>
+            <a:ext cx="2971800" cy="458787"/>
+          </a:xfrm>
+          <a:prstGeom prst="rect">
+            <a:avLst/>
+          </a:prstGeom>
+          <a:noFill/>
+          <a:ln>
+            <a:noFill/>
+          </a:ln>
+        </p:spPr>
+        <p:txBody>
+          <a:bodyPr spcFirstLastPara="1" wrap="square" lIns="91425" tIns="45700" rIns="91425" bIns="45700" anchor="b" anchorCtr="0">
+            <a:noAutofit/>
+          </a:bodyPr>
+          <a:lstStyle/>
+          <a:p>
+            <a:pPr marL="0" lvl="0" indent="0" algn="r" rtl="0">
+              <a:spcBef>
+                <a:spcPts val="0"/>
+              </a:spcBef>
+              <a:spcAft>
+                <a:spcPts val="0"/>
+              </a:spcAft>
+              <a:buNone/>
+            </a:pPr>
+            <a:fld id="{00000000-1234-1234-1234-123412341234}" type="slidenum">
+              <a:rPr lang="en-IN"/>
+              <a:t>29</a:t>
             </a:fld>
             <a:endParaRPr/>
           </a:p>
@@ -4012,6 +4351,170 @@
 </file>
 
 <file path=ppt/notesSlides/notesSlide3.xml><?xml version="1.0" encoding="utf-8"?>
+<p:notes xmlns:a="http://schemas.openxmlformats.org/drawingml/2006/main" xmlns:r="http://schemas.openxmlformats.org/officeDocument/2006/relationships" xmlns:p="http://schemas.openxmlformats.org/presentationml/2006/main" showMasterSp="0" showMasterPhAnim="0">
+  <p:cSld>
+    <p:spTree>
+      <p:nvGrpSpPr>
+        <p:cNvPr id="1" name="Shape 94"/>
+        <p:cNvGrpSpPr/>
+        <p:nvPr/>
+      </p:nvGrpSpPr>
+      <p:grpSpPr>
+        <a:xfrm>
+          <a:off x="0" y="0"/>
+          <a:ext cx="0" cy="0"/>
+          <a:chOff x="0" y="0"/>
+          <a:chExt cx="0" cy="0"/>
+        </a:xfrm>
+      </p:grpSpPr>
+      <p:sp>
+        <p:nvSpPr>
+          <p:cNvPr id="95" name="Google Shape;95;p2:notes"/>
+          <p:cNvSpPr>
+            <a:spLocks noGrp="1" noRot="1" noChangeAspect="1"/>
+          </p:cNvSpPr>
+          <p:nvPr>
+            <p:ph type="sldImg" idx="2"/>
+          </p:nvPr>
+        </p:nvSpPr>
+        <p:spPr>
+          <a:xfrm>
+            <a:off x="685800" y="1143000"/>
+            <a:ext cx="5486400" cy="3086100"/>
+          </a:xfrm>
+          <a:custGeom>
+            <a:avLst/>
+            <a:gdLst/>
+            <a:ahLst/>
+            <a:cxnLst/>
+            <a:rect l="l" t="t" r="r" b="b"/>
+            <a:pathLst>
+              <a:path w="120000" h="120000" extrusionOk="0">
+                <a:moveTo>
+                  <a:pt x="0" y="0"/>
+                </a:moveTo>
+                <a:lnTo>
+                  <a:pt x="120000" y="0"/>
+                </a:lnTo>
+                <a:lnTo>
+                  <a:pt x="120000" y="120000"/>
+                </a:lnTo>
+                <a:lnTo>
+                  <a:pt x="0" y="120000"/>
+                </a:lnTo>
+                <a:close/>
+              </a:path>
+            </a:pathLst>
+          </a:custGeom>
+          <a:noFill/>
+          <a:ln w="12700" cap="flat" cmpd="sng">
+            <a:solidFill>
+              <a:srgbClr val="000000"/>
+            </a:solidFill>
+            <a:prstDash val="solid"/>
+            <a:round/>
+            <a:headEnd type="none" w="sm" len="sm"/>
+            <a:tailEnd type="none" w="sm" len="sm"/>
+          </a:ln>
+        </p:spPr>
+      </p:sp>
+      <p:sp>
+        <p:nvSpPr>
+          <p:cNvPr id="96" name="Google Shape;96;p2:notes"/>
+          <p:cNvSpPr txBox="1">
+            <a:spLocks noGrp="1"/>
+          </p:cNvSpPr>
+          <p:nvPr>
+            <p:ph type="body" idx="1"/>
+          </p:nvPr>
+        </p:nvSpPr>
+        <p:spPr>
+          <a:xfrm>
+            <a:off x="685800" y="4400550"/>
+            <a:ext cx="5486400" cy="3600450"/>
+          </a:xfrm>
+          <a:prstGeom prst="rect">
+            <a:avLst/>
+          </a:prstGeom>
+          <a:noFill/>
+          <a:ln>
+            <a:noFill/>
+          </a:ln>
+        </p:spPr>
+        <p:txBody>
+          <a:bodyPr spcFirstLastPara="1" wrap="square" lIns="91425" tIns="45700" rIns="91425" bIns="45700" anchor="t" anchorCtr="0">
+            <a:noAutofit/>
+          </a:bodyPr>
+          <a:lstStyle/>
+          <a:p>
+            <a:pPr marL="0" lvl="0" indent="0" algn="l" rtl="0">
+              <a:spcBef>
+                <a:spcPts val="0"/>
+              </a:spcBef>
+              <a:spcAft>
+                <a:spcPts val="0"/>
+              </a:spcAft>
+              <a:buNone/>
+            </a:pPr>
+            <a:endParaRPr/>
+          </a:p>
+        </p:txBody>
+      </p:sp>
+      <p:sp>
+        <p:nvSpPr>
+          <p:cNvPr id="97" name="Google Shape;97;p2:notes"/>
+          <p:cNvSpPr txBox="1">
+            <a:spLocks noGrp="1"/>
+          </p:cNvSpPr>
+          <p:nvPr>
+            <p:ph type="sldNum" idx="12"/>
+          </p:nvPr>
+        </p:nvSpPr>
+        <p:spPr>
+          <a:xfrm>
+            <a:off x="3884613" y="8685213"/>
+            <a:ext cx="2971800" cy="458787"/>
+          </a:xfrm>
+          <a:prstGeom prst="rect">
+            <a:avLst/>
+          </a:prstGeom>
+          <a:noFill/>
+          <a:ln>
+            <a:noFill/>
+          </a:ln>
+        </p:spPr>
+        <p:txBody>
+          <a:bodyPr spcFirstLastPara="1" wrap="square" lIns="91425" tIns="45700" rIns="91425" bIns="45700" anchor="b" anchorCtr="0">
+            <a:noAutofit/>
+          </a:bodyPr>
+          <a:lstStyle/>
+          <a:p>
+            <a:pPr marL="0" lvl="0" indent="0" algn="r" rtl="0">
+              <a:spcBef>
+                <a:spcPts val="0"/>
+              </a:spcBef>
+              <a:spcAft>
+                <a:spcPts val="0"/>
+              </a:spcAft>
+              <a:buNone/>
+            </a:pPr>
+            <a:fld id="{00000000-1234-1234-1234-123412341234}" type="slidenum">
+              <a:rPr lang="en-IN"/>
+              <a:t>3</a:t>
+            </a:fld>
+            <a:endParaRPr/>
+          </a:p>
+        </p:txBody>
+      </p:sp>
+    </p:spTree>
+  </p:cSld>
+  <p:clrMapOvr>
+    <a:masterClrMapping/>
+  </p:clrMapOvr>
+</p:notes>
+</file>
+
+<file path=ppt/notesSlides/notesSlide4.xml><?xml version="1.0" encoding="utf-8"?>
 <p:notes xmlns:a="http://schemas.openxmlformats.org/drawingml/2006/main" xmlns:r="http://schemas.openxmlformats.org/officeDocument/2006/relationships" xmlns:p="http://schemas.openxmlformats.org/presentationml/2006/main" showMasterSp="0" showMasterPhAnim="0">
   <p:cSld>
     <p:spTree>
@@ -4204,7 +4707,7 @@
 </p:notes>
 </file>
 
-<file path=ppt/notesSlides/notesSlide4.xml><?xml version="1.0" encoding="utf-8"?>
+<file path=ppt/notesSlides/notesSlide5.xml><?xml version="1.0" encoding="utf-8"?>
 <p:notes xmlns:a="http://schemas.openxmlformats.org/drawingml/2006/main" xmlns:r="http://schemas.openxmlformats.org/officeDocument/2006/relationships" xmlns:p="http://schemas.openxmlformats.org/presentationml/2006/main" showMasterSp="0" showMasterPhAnim="0">
   <p:cSld>
     <p:spTree>
@@ -4355,170 +4858,6 @@
             <a:fld id="{00000000-1234-1234-1234-123412341234}" type="slidenum">
               <a:rPr lang="en-IN"/>
               <a:t>5</a:t>
-            </a:fld>
-            <a:endParaRPr/>
-          </a:p>
-        </p:txBody>
-      </p:sp>
-    </p:spTree>
-  </p:cSld>
-  <p:clrMapOvr>
-    <a:masterClrMapping/>
-  </p:clrMapOvr>
-</p:notes>
-</file>
-
-<file path=ppt/notesSlides/notesSlide5.xml><?xml version="1.0" encoding="utf-8"?>
-<p:notes xmlns:a="http://schemas.openxmlformats.org/drawingml/2006/main" xmlns:r="http://schemas.openxmlformats.org/officeDocument/2006/relationships" xmlns:p="http://schemas.openxmlformats.org/presentationml/2006/main" showMasterSp="0" showMasterPhAnim="0">
-  <p:cSld>
-    <p:spTree>
-      <p:nvGrpSpPr>
-        <p:cNvPr id="1" name="Shape 124"/>
-        <p:cNvGrpSpPr/>
-        <p:nvPr/>
-      </p:nvGrpSpPr>
-      <p:grpSpPr>
-        <a:xfrm>
-          <a:off x="0" y="0"/>
-          <a:ext cx="0" cy="0"/>
-          <a:chOff x="0" y="0"/>
-          <a:chExt cx="0" cy="0"/>
-        </a:xfrm>
-      </p:grpSpPr>
-      <p:sp>
-        <p:nvSpPr>
-          <p:cNvPr id="125" name="Google Shape;125;p5:notes"/>
-          <p:cNvSpPr>
-            <a:spLocks noGrp="1" noRot="1" noChangeAspect="1"/>
-          </p:cNvSpPr>
-          <p:nvPr>
-            <p:ph type="sldImg" idx="2"/>
-          </p:nvPr>
-        </p:nvSpPr>
-        <p:spPr>
-          <a:xfrm>
-            <a:off x="685800" y="1143000"/>
-            <a:ext cx="5486400" cy="3086100"/>
-          </a:xfrm>
-          <a:custGeom>
-            <a:avLst/>
-            <a:gdLst/>
-            <a:ahLst/>
-            <a:cxnLst/>
-            <a:rect l="l" t="t" r="r" b="b"/>
-            <a:pathLst>
-              <a:path w="120000" h="120000" extrusionOk="0">
-                <a:moveTo>
-                  <a:pt x="0" y="0"/>
-                </a:moveTo>
-                <a:lnTo>
-                  <a:pt x="120000" y="0"/>
-                </a:lnTo>
-                <a:lnTo>
-                  <a:pt x="120000" y="120000"/>
-                </a:lnTo>
-                <a:lnTo>
-                  <a:pt x="0" y="120000"/>
-                </a:lnTo>
-                <a:close/>
-              </a:path>
-            </a:pathLst>
-          </a:custGeom>
-          <a:noFill/>
-          <a:ln w="12700" cap="flat" cmpd="sng">
-            <a:solidFill>
-              <a:srgbClr val="000000"/>
-            </a:solidFill>
-            <a:prstDash val="solid"/>
-            <a:round/>
-            <a:headEnd type="none" w="sm" len="sm"/>
-            <a:tailEnd type="none" w="sm" len="sm"/>
-          </a:ln>
-        </p:spPr>
-      </p:sp>
-      <p:sp>
-        <p:nvSpPr>
-          <p:cNvPr id="126" name="Google Shape;126;p5:notes"/>
-          <p:cNvSpPr txBox="1">
-            <a:spLocks noGrp="1"/>
-          </p:cNvSpPr>
-          <p:nvPr>
-            <p:ph type="body" idx="1"/>
-          </p:nvPr>
-        </p:nvSpPr>
-        <p:spPr>
-          <a:xfrm>
-            <a:off x="685800" y="4400550"/>
-            <a:ext cx="5486400" cy="3600450"/>
-          </a:xfrm>
-          <a:prstGeom prst="rect">
-            <a:avLst/>
-          </a:prstGeom>
-          <a:noFill/>
-          <a:ln>
-            <a:noFill/>
-          </a:ln>
-        </p:spPr>
-        <p:txBody>
-          <a:bodyPr spcFirstLastPara="1" wrap="square" lIns="91425" tIns="45700" rIns="91425" bIns="45700" anchor="t" anchorCtr="0">
-            <a:noAutofit/>
-          </a:bodyPr>
-          <a:lstStyle/>
-          <a:p>
-            <a:pPr marL="0" lvl="0" indent="0" algn="l" rtl="0">
-              <a:spcBef>
-                <a:spcPts val="0"/>
-              </a:spcBef>
-              <a:spcAft>
-                <a:spcPts val="0"/>
-              </a:spcAft>
-              <a:buNone/>
-            </a:pPr>
-            <a:endParaRPr/>
-          </a:p>
-        </p:txBody>
-      </p:sp>
-      <p:sp>
-        <p:nvSpPr>
-          <p:cNvPr id="127" name="Google Shape;127;p5:notes"/>
-          <p:cNvSpPr txBox="1">
-            <a:spLocks noGrp="1"/>
-          </p:cNvSpPr>
-          <p:nvPr>
-            <p:ph type="sldNum" idx="12"/>
-          </p:nvPr>
-        </p:nvSpPr>
-        <p:spPr>
-          <a:xfrm>
-            <a:off x="3884613" y="8685213"/>
-            <a:ext cx="2971800" cy="458787"/>
-          </a:xfrm>
-          <a:prstGeom prst="rect">
-            <a:avLst/>
-          </a:prstGeom>
-          <a:noFill/>
-          <a:ln>
-            <a:noFill/>
-          </a:ln>
-        </p:spPr>
-        <p:txBody>
-          <a:bodyPr spcFirstLastPara="1" wrap="square" lIns="91425" tIns="45700" rIns="91425" bIns="45700" anchor="b" anchorCtr="0">
-            <a:noAutofit/>
-          </a:bodyPr>
-          <a:lstStyle/>
-          <a:p>
-            <a:pPr marL="0" lvl="0" indent="0" algn="r" rtl="0">
-              <a:spcBef>
-                <a:spcPts val="0"/>
-              </a:spcBef>
-              <a:spcAft>
-                <a:spcPts val="0"/>
-              </a:spcAft>
-              <a:buNone/>
-            </a:pPr>
-            <a:fld id="{00000000-1234-1234-1234-123412341234}" type="slidenum">
-              <a:rPr lang="en-IN"/>
-              <a:t>11</a:t>
             </a:fld>
             <a:endParaRPr/>
           </a:p>
@@ -4682,18 +5021,13 @@
             </a:pPr>
             <a:fld id="{00000000-1234-1234-1234-123412341234}" type="slidenum">
               <a:rPr lang="en-IN"/>
-              <a:t>12</a:t>
+              <a:t>11</a:t>
             </a:fld>
             <a:endParaRPr/>
           </a:p>
         </p:txBody>
       </p:sp>
     </p:spTree>
-    <p:extLst>
-      <p:ext uri="{BB962C8B-B14F-4D97-AF65-F5344CB8AC3E}">
-        <p14:creationId xmlns:p14="http://schemas.microsoft.com/office/powerpoint/2010/main" val="1933629964"/>
-      </p:ext>
-    </p:extLst>
   </p:cSld>
   <p:clrMapOvr>
     <a:masterClrMapping/>
@@ -4851,7 +5185,7 @@
             </a:pPr>
             <a:fld id="{00000000-1234-1234-1234-123412341234}" type="slidenum">
               <a:rPr lang="en-IN"/>
-              <a:t>13</a:t>
+              <a:t>12</a:t>
             </a:fld>
             <a:endParaRPr/>
           </a:p>
@@ -4860,7 +5194,7 @@
     </p:spTree>
     <p:extLst>
       <p:ext uri="{BB962C8B-B14F-4D97-AF65-F5344CB8AC3E}">
-        <p14:creationId xmlns:p14="http://schemas.microsoft.com/office/powerpoint/2010/main" val="1486857294"/>
+        <p14:creationId xmlns:p14="http://schemas.microsoft.com/office/powerpoint/2010/main" val="1933629964"/>
       </p:ext>
     </p:extLst>
   </p:cSld>
@@ -5020,7 +5354,7 @@
             </a:pPr>
             <a:fld id="{00000000-1234-1234-1234-123412341234}" type="slidenum">
               <a:rPr lang="en-IN"/>
-              <a:t>14</a:t>
+              <a:t>13</a:t>
             </a:fld>
             <a:endParaRPr/>
           </a:p>
@@ -5029,7 +5363,7 @@
     </p:spTree>
     <p:extLst>
       <p:ext uri="{BB962C8B-B14F-4D97-AF65-F5344CB8AC3E}">
-        <p14:creationId xmlns:p14="http://schemas.microsoft.com/office/powerpoint/2010/main" val="1214845007"/>
+        <p14:creationId xmlns:p14="http://schemas.microsoft.com/office/powerpoint/2010/main" val="1486857294"/>
       </p:ext>
     </p:extLst>
   </p:cSld>
@@ -5044,7 +5378,7 @@
   <p:cSld>
     <p:spTree>
       <p:nvGrpSpPr>
-        <p:cNvPr id="1" name="Shape 134"/>
+        <p:cNvPr id="1" name="Shape 124"/>
         <p:cNvGrpSpPr/>
         <p:nvPr/>
       </p:nvGrpSpPr>
@@ -5058,7 +5392,7 @@
       </p:grpSpPr>
       <p:sp>
         <p:nvSpPr>
-          <p:cNvPr id="135" name="Google Shape;135;p6:notes"/>
+          <p:cNvPr id="125" name="Google Shape;125;p5:notes"/>
           <p:cNvSpPr>
             <a:spLocks noGrp="1" noRot="1" noChangeAspect="1"/>
           </p:cNvSpPr>
@@ -5109,7 +5443,7 @@
       </p:sp>
       <p:sp>
         <p:nvSpPr>
-          <p:cNvPr id="136" name="Google Shape;136;p6:notes"/>
+          <p:cNvPr id="126" name="Google Shape;126;p5:notes"/>
           <p:cNvSpPr txBox="1">
             <a:spLocks noGrp="1"/>
           </p:cNvSpPr>
@@ -5145,13 +5479,13 @@
               </a:spcAft>
               <a:buNone/>
             </a:pPr>
-            <a:endParaRPr/>
+            <a:endParaRPr dirty="0"/>
           </a:p>
         </p:txBody>
       </p:sp>
       <p:sp>
         <p:nvSpPr>
-          <p:cNvPr id="137" name="Google Shape;137;p6:notes"/>
+          <p:cNvPr id="127" name="Google Shape;127;p5:notes"/>
           <p:cNvSpPr txBox="1">
             <a:spLocks noGrp="1"/>
           </p:cNvSpPr>
@@ -5189,13 +5523,18 @@
             </a:pPr>
             <a:fld id="{00000000-1234-1234-1234-123412341234}" type="slidenum">
               <a:rPr lang="en-IN"/>
-              <a:t>15</a:t>
+              <a:t>14</a:t>
             </a:fld>
             <a:endParaRPr/>
           </a:p>
         </p:txBody>
       </p:sp>
     </p:spTree>
+    <p:extLst>
+      <p:ext uri="{BB962C8B-B14F-4D97-AF65-F5344CB8AC3E}">
+        <p14:creationId xmlns:p14="http://schemas.microsoft.com/office/powerpoint/2010/main" val="1214845007"/>
+      </p:ext>
+    </p:extLst>
   </p:cSld>
   <p:clrMapOvr>
     <a:masterClrMapping/>
@@ -5936,737 +6275,6 @@
 </file>
 
 <file path=ppt/slideLayouts/slideLayout10.xml><?xml version="1.0" encoding="utf-8"?>
-<p:sldLayout xmlns:a="http://schemas.openxmlformats.org/drawingml/2006/main" xmlns:r="http://schemas.openxmlformats.org/officeDocument/2006/relationships" xmlns:p="http://schemas.openxmlformats.org/presentationml/2006/main" matchingName="Title and Vertical Text" type="vertTx">
-  <p:cSld name="VERTICAL_TEXT">
-    <p:spTree>
-      <p:nvGrpSpPr>
-        <p:cNvPr id="1" name="Shape 72"/>
-        <p:cNvGrpSpPr/>
-        <p:nvPr/>
-      </p:nvGrpSpPr>
-      <p:grpSpPr>
-        <a:xfrm>
-          <a:off x="0" y="0"/>
-          <a:ext cx="0" cy="0"/>
-          <a:chOff x="0" y="0"/>
-          <a:chExt cx="0" cy="0"/>
-        </a:xfrm>
-      </p:grpSpPr>
-      <p:sp>
-        <p:nvSpPr>
-          <p:cNvPr id="73" name="Google Shape;73;p19"/>
-          <p:cNvSpPr txBox="1">
-            <a:spLocks noGrp="1"/>
-          </p:cNvSpPr>
-          <p:nvPr>
-            <p:ph type="title"/>
-          </p:nvPr>
-        </p:nvSpPr>
-        <p:spPr>
-          <a:xfrm>
-            <a:off x="838200" y="365125"/>
-            <a:ext cx="10515600" cy="1325563"/>
-          </a:xfrm>
-          <a:prstGeom prst="rect">
-            <a:avLst/>
-          </a:prstGeom>
-          <a:noFill/>
-          <a:ln>
-            <a:noFill/>
-          </a:ln>
-        </p:spPr>
-        <p:txBody>
-          <a:bodyPr spcFirstLastPara="1" wrap="square" lIns="91425" tIns="45700" rIns="91425" bIns="45700" anchor="ctr" anchorCtr="0">
-            <a:normAutofit/>
-          </a:bodyPr>
-          <a:lstStyle>
-            <a:lvl1pPr lvl="0" algn="l">
-              <a:lnSpc>
-                <a:spcPct val="90000"/>
-              </a:lnSpc>
-              <a:spcBef>
-                <a:spcPts val="0"/>
-              </a:spcBef>
-              <a:spcAft>
-                <a:spcPts val="0"/>
-              </a:spcAft>
-              <a:buClr>
-                <a:schemeClr val="dk1"/>
-              </a:buClr>
-              <a:buSzPts val="1800"/>
-              <a:buNone/>
-              <a:defRPr/>
-            </a:lvl1pPr>
-            <a:lvl2pPr lvl="1">
-              <a:spcBef>
-                <a:spcPts val="0"/>
-              </a:spcBef>
-              <a:spcAft>
-                <a:spcPts val="0"/>
-              </a:spcAft>
-              <a:buSzPts val="1400"/>
-              <a:buNone/>
-              <a:defRPr/>
-            </a:lvl2pPr>
-            <a:lvl3pPr lvl="2">
-              <a:spcBef>
-                <a:spcPts val="0"/>
-              </a:spcBef>
-              <a:spcAft>
-                <a:spcPts val="0"/>
-              </a:spcAft>
-              <a:buSzPts val="1400"/>
-              <a:buNone/>
-              <a:defRPr/>
-            </a:lvl3pPr>
-            <a:lvl4pPr lvl="3">
-              <a:spcBef>
-                <a:spcPts val="0"/>
-              </a:spcBef>
-              <a:spcAft>
-                <a:spcPts val="0"/>
-              </a:spcAft>
-              <a:buSzPts val="1400"/>
-              <a:buNone/>
-              <a:defRPr/>
-            </a:lvl4pPr>
-            <a:lvl5pPr lvl="4">
-              <a:spcBef>
-                <a:spcPts val="0"/>
-              </a:spcBef>
-              <a:spcAft>
-                <a:spcPts val="0"/>
-              </a:spcAft>
-              <a:buSzPts val="1400"/>
-              <a:buNone/>
-              <a:defRPr/>
-            </a:lvl5pPr>
-            <a:lvl6pPr lvl="5">
-              <a:spcBef>
-                <a:spcPts val="0"/>
-              </a:spcBef>
-              <a:spcAft>
-                <a:spcPts val="0"/>
-              </a:spcAft>
-              <a:buSzPts val="1400"/>
-              <a:buNone/>
-              <a:defRPr/>
-            </a:lvl6pPr>
-            <a:lvl7pPr lvl="6">
-              <a:spcBef>
-                <a:spcPts val="0"/>
-              </a:spcBef>
-              <a:spcAft>
-                <a:spcPts val="0"/>
-              </a:spcAft>
-              <a:buSzPts val="1400"/>
-              <a:buNone/>
-              <a:defRPr/>
-            </a:lvl7pPr>
-            <a:lvl8pPr lvl="7">
-              <a:spcBef>
-                <a:spcPts val="0"/>
-              </a:spcBef>
-              <a:spcAft>
-                <a:spcPts val="0"/>
-              </a:spcAft>
-              <a:buSzPts val="1400"/>
-              <a:buNone/>
-              <a:defRPr/>
-            </a:lvl8pPr>
-            <a:lvl9pPr lvl="8">
-              <a:spcBef>
-                <a:spcPts val="0"/>
-              </a:spcBef>
-              <a:spcAft>
-                <a:spcPts val="0"/>
-              </a:spcAft>
-              <a:buSzPts val="1400"/>
-              <a:buNone/>
-              <a:defRPr/>
-            </a:lvl9pPr>
-          </a:lstStyle>
-          <a:p>
-            <a:endParaRPr/>
-          </a:p>
-        </p:txBody>
-      </p:sp>
-      <p:sp>
-        <p:nvSpPr>
-          <p:cNvPr id="74" name="Google Shape;74;p19"/>
-          <p:cNvSpPr txBox="1">
-            <a:spLocks noGrp="1"/>
-          </p:cNvSpPr>
-          <p:nvPr>
-            <p:ph type="body" idx="1"/>
-          </p:nvPr>
-        </p:nvSpPr>
-        <p:spPr>
-          <a:xfrm rot="5400000">
-            <a:off x="3920331" y="-1256506"/>
-            <a:ext cx="4351338" cy="10515600"/>
-          </a:xfrm>
-          <a:prstGeom prst="rect">
-            <a:avLst/>
-          </a:prstGeom>
-          <a:noFill/>
-          <a:ln>
-            <a:noFill/>
-          </a:ln>
-        </p:spPr>
-        <p:txBody>
-          <a:bodyPr spcFirstLastPara="1" wrap="square" lIns="91425" tIns="45700" rIns="91425" bIns="45700" anchor="t" anchorCtr="0">
-            <a:normAutofit/>
-          </a:bodyPr>
-          <a:lstStyle>
-            <a:lvl1pPr marL="457200" lvl="0" indent="-342900" algn="l">
-              <a:lnSpc>
-                <a:spcPct val="90000"/>
-              </a:lnSpc>
-              <a:spcBef>
-                <a:spcPts val="1000"/>
-              </a:spcBef>
-              <a:spcAft>
-                <a:spcPts val="0"/>
-              </a:spcAft>
-              <a:buClr>
-                <a:schemeClr val="dk1"/>
-              </a:buClr>
-              <a:buSzPts val="1800"/>
-              <a:buChar char="•"/>
-              <a:defRPr/>
-            </a:lvl1pPr>
-            <a:lvl2pPr marL="914400" lvl="1" indent="-342900" algn="l">
-              <a:lnSpc>
-                <a:spcPct val="90000"/>
-              </a:lnSpc>
-              <a:spcBef>
-                <a:spcPts val="500"/>
-              </a:spcBef>
-              <a:spcAft>
-                <a:spcPts val="0"/>
-              </a:spcAft>
-              <a:buClr>
-                <a:schemeClr val="dk1"/>
-              </a:buClr>
-              <a:buSzPts val="1800"/>
-              <a:buChar char="•"/>
-              <a:defRPr/>
-            </a:lvl2pPr>
-            <a:lvl3pPr marL="1371600" lvl="2" indent="-342900" algn="l">
-              <a:lnSpc>
-                <a:spcPct val="90000"/>
-              </a:lnSpc>
-              <a:spcBef>
-                <a:spcPts val="500"/>
-              </a:spcBef>
-              <a:spcAft>
-                <a:spcPts val="0"/>
-              </a:spcAft>
-              <a:buClr>
-                <a:schemeClr val="dk1"/>
-              </a:buClr>
-              <a:buSzPts val="1800"/>
-              <a:buChar char="•"/>
-              <a:defRPr/>
-            </a:lvl3pPr>
-            <a:lvl4pPr marL="1828800" lvl="3" indent="-342900" algn="l">
-              <a:lnSpc>
-                <a:spcPct val="90000"/>
-              </a:lnSpc>
-              <a:spcBef>
-                <a:spcPts val="500"/>
-              </a:spcBef>
-              <a:spcAft>
-                <a:spcPts val="0"/>
-              </a:spcAft>
-              <a:buClr>
-                <a:schemeClr val="dk1"/>
-              </a:buClr>
-              <a:buSzPts val="1800"/>
-              <a:buChar char="•"/>
-              <a:defRPr/>
-            </a:lvl4pPr>
-            <a:lvl5pPr marL="2286000" lvl="4" indent="-342900" algn="l">
-              <a:lnSpc>
-                <a:spcPct val="90000"/>
-              </a:lnSpc>
-              <a:spcBef>
-                <a:spcPts val="500"/>
-              </a:spcBef>
-              <a:spcAft>
-                <a:spcPts val="0"/>
-              </a:spcAft>
-              <a:buClr>
-                <a:schemeClr val="dk1"/>
-              </a:buClr>
-              <a:buSzPts val="1800"/>
-              <a:buChar char="•"/>
-              <a:defRPr/>
-            </a:lvl5pPr>
-            <a:lvl6pPr marL="2743200" lvl="5" indent="-342900" algn="l">
-              <a:lnSpc>
-                <a:spcPct val="90000"/>
-              </a:lnSpc>
-              <a:spcBef>
-                <a:spcPts val="500"/>
-              </a:spcBef>
-              <a:spcAft>
-                <a:spcPts val="0"/>
-              </a:spcAft>
-              <a:buClr>
-                <a:schemeClr val="dk1"/>
-              </a:buClr>
-              <a:buSzPts val="1800"/>
-              <a:buChar char="•"/>
-              <a:defRPr/>
-            </a:lvl6pPr>
-            <a:lvl7pPr marL="3200400" lvl="6" indent="-342900" algn="l">
-              <a:lnSpc>
-                <a:spcPct val="90000"/>
-              </a:lnSpc>
-              <a:spcBef>
-                <a:spcPts val="500"/>
-              </a:spcBef>
-              <a:spcAft>
-                <a:spcPts val="0"/>
-              </a:spcAft>
-              <a:buClr>
-                <a:schemeClr val="dk1"/>
-              </a:buClr>
-              <a:buSzPts val="1800"/>
-              <a:buChar char="•"/>
-              <a:defRPr/>
-            </a:lvl7pPr>
-            <a:lvl8pPr marL="3657600" lvl="7" indent="-342900" algn="l">
-              <a:lnSpc>
-                <a:spcPct val="90000"/>
-              </a:lnSpc>
-              <a:spcBef>
-                <a:spcPts val="500"/>
-              </a:spcBef>
-              <a:spcAft>
-                <a:spcPts val="0"/>
-              </a:spcAft>
-              <a:buClr>
-                <a:schemeClr val="dk1"/>
-              </a:buClr>
-              <a:buSzPts val="1800"/>
-              <a:buChar char="•"/>
-              <a:defRPr/>
-            </a:lvl8pPr>
-            <a:lvl9pPr marL="4114800" lvl="8" indent="-342900" algn="l">
-              <a:lnSpc>
-                <a:spcPct val="90000"/>
-              </a:lnSpc>
-              <a:spcBef>
-                <a:spcPts val="500"/>
-              </a:spcBef>
-              <a:spcAft>
-                <a:spcPts val="0"/>
-              </a:spcAft>
-              <a:buClr>
-                <a:schemeClr val="dk1"/>
-              </a:buClr>
-              <a:buSzPts val="1800"/>
-              <a:buChar char="•"/>
-              <a:defRPr/>
-            </a:lvl9pPr>
-          </a:lstStyle>
-          <a:p>
-            <a:endParaRPr/>
-          </a:p>
-        </p:txBody>
-      </p:sp>
-      <p:sp>
-        <p:nvSpPr>
-          <p:cNvPr id="75" name="Google Shape;75;p19"/>
-          <p:cNvSpPr txBox="1">
-            <a:spLocks noGrp="1"/>
-          </p:cNvSpPr>
-          <p:nvPr>
-            <p:ph type="dt" idx="10"/>
-          </p:nvPr>
-        </p:nvSpPr>
-        <p:spPr>
-          <a:xfrm>
-            <a:off x="838200" y="6356350"/>
-            <a:ext cx="2743200" cy="365125"/>
-          </a:xfrm>
-          <a:prstGeom prst="rect">
-            <a:avLst/>
-          </a:prstGeom>
-          <a:noFill/>
-          <a:ln>
-            <a:noFill/>
-          </a:ln>
-        </p:spPr>
-        <p:txBody>
-          <a:bodyPr spcFirstLastPara="1" wrap="square" lIns="91425" tIns="45700" rIns="91425" bIns="45700" anchor="ctr" anchorCtr="0">
-            <a:noAutofit/>
-          </a:bodyPr>
-          <a:lstStyle>
-            <a:lvl1pPr lvl="0" algn="l">
-              <a:spcBef>
-                <a:spcPts val="0"/>
-              </a:spcBef>
-              <a:spcAft>
-                <a:spcPts val="0"/>
-              </a:spcAft>
-              <a:buSzPts val="1400"/>
-              <a:buNone/>
-              <a:defRPr/>
-            </a:lvl1pPr>
-            <a:lvl2pPr lvl="1" algn="l">
-              <a:spcBef>
-                <a:spcPts val="0"/>
-              </a:spcBef>
-              <a:spcAft>
-                <a:spcPts val="0"/>
-              </a:spcAft>
-              <a:buSzPts val="1400"/>
-              <a:buNone/>
-              <a:defRPr/>
-            </a:lvl2pPr>
-            <a:lvl3pPr lvl="2" algn="l">
-              <a:spcBef>
-                <a:spcPts val="0"/>
-              </a:spcBef>
-              <a:spcAft>
-                <a:spcPts val="0"/>
-              </a:spcAft>
-              <a:buSzPts val="1400"/>
-              <a:buNone/>
-              <a:defRPr/>
-            </a:lvl3pPr>
-            <a:lvl4pPr lvl="3" algn="l">
-              <a:spcBef>
-                <a:spcPts val="0"/>
-              </a:spcBef>
-              <a:spcAft>
-                <a:spcPts val="0"/>
-              </a:spcAft>
-              <a:buSzPts val="1400"/>
-              <a:buNone/>
-              <a:defRPr/>
-            </a:lvl4pPr>
-            <a:lvl5pPr lvl="4" algn="l">
-              <a:spcBef>
-                <a:spcPts val="0"/>
-              </a:spcBef>
-              <a:spcAft>
-                <a:spcPts val="0"/>
-              </a:spcAft>
-              <a:buSzPts val="1400"/>
-              <a:buNone/>
-              <a:defRPr/>
-            </a:lvl5pPr>
-            <a:lvl6pPr lvl="5" algn="l">
-              <a:spcBef>
-                <a:spcPts val="0"/>
-              </a:spcBef>
-              <a:spcAft>
-                <a:spcPts val="0"/>
-              </a:spcAft>
-              <a:buSzPts val="1400"/>
-              <a:buNone/>
-              <a:defRPr/>
-            </a:lvl6pPr>
-            <a:lvl7pPr lvl="6" algn="l">
-              <a:spcBef>
-                <a:spcPts val="0"/>
-              </a:spcBef>
-              <a:spcAft>
-                <a:spcPts val="0"/>
-              </a:spcAft>
-              <a:buSzPts val="1400"/>
-              <a:buNone/>
-              <a:defRPr/>
-            </a:lvl7pPr>
-            <a:lvl8pPr lvl="7" algn="l">
-              <a:spcBef>
-                <a:spcPts val="0"/>
-              </a:spcBef>
-              <a:spcAft>
-                <a:spcPts val="0"/>
-              </a:spcAft>
-              <a:buSzPts val="1400"/>
-              <a:buNone/>
-              <a:defRPr/>
-            </a:lvl8pPr>
-            <a:lvl9pPr lvl="8" algn="l">
-              <a:spcBef>
-                <a:spcPts val="0"/>
-              </a:spcBef>
-              <a:spcAft>
-                <a:spcPts val="0"/>
-              </a:spcAft>
-              <a:buSzPts val="1400"/>
-              <a:buNone/>
-              <a:defRPr/>
-            </a:lvl9pPr>
-          </a:lstStyle>
-          <a:p>
-            <a:endParaRPr/>
-          </a:p>
-        </p:txBody>
-      </p:sp>
-      <p:sp>
-        <p:nvSpPr>
-          <p:cNvPr id="76" name="Google Shape;76;p19"/>
-          <p:cNvSpPr txBox="1">
-            <a:spLocks noGrp="1"/>
-          </p:cNvSpPr>
-          <p:nvPr>
-            <p:ph type="ftr" idx="11"/>
-          </p:nvPr>
-        </p:nvSpPr>
-        <p:spPr>
-          <a:xfrm>
-            <a:off x="4038600" y="6356350"/>
-            <a:ext cx="4114800" cy="365125"/>
-          </a:xfrm>
-          <a:prstGeom prst="rect">
-            <a:avLst/>
-          </a:prstGeom>
-          <a:noFill/>
-          <a:ln>
-            <a:noFill/>
-          </a:ln>
-        </p:spPr>
-        <p:txBody>
-          <a:bodyPr spcFirstLastPara="1" wrap="square" lIns="91425" tIns="45700" rIns="91425" bIns="45700" anchor="ctr" anchorCtr="0">
-            <a:noAutofit/>
-          </a:bodyPr>
-          <a:lstStyle>
-            <a:lvl1pPr lvl="0" algn="ctr">
-              <a:spcBef>
-                <a:spcPts val="0"/>
-              </a:spcBef>
-              <a:spcAft>
-                <a:spcPts val="0"/>
-              </a:spcAft>
-              <a:buSzPts val="1400"/>
-              <a:buNone/>
-              <a:defRPr/>
-            </a:lvl1pPr>
-            <a:lvl2pPr lvl="1" algn="l">
-              <a:spcBef>
-                <a:spcPts val="0"/>
-              </a:spcBef>
-              <a:spcAft>
-                <a:spcPts val="0"/>
-              </a:spcAft>
-              <a:buSzPts val="1400"/>
-              <a:buNone/>
-              <a:defRPr/>
-            </a:lvl2pPr>
-            <a:lvl3pPr lvl="2" algn="l">
-              <a:spcBef>
-                <a:spcPts val="0"/>
-              </a:spcBef>
-              <a:spcAft>
-                <a:spcPts val="0"/>
-              </a:spcAft>
-              <a:buSzPts val="1400"/>
-              <a:buNone/>
-              <a:defRPr/>
-            </a:lvl3pPr>
-            <a:lvl4pPr lvl="3" algn="l">
-              <a:spcBef>
-                <a:spcPts val="0"/>
-              </a:spcBef>
-              <a:spcAft>
-                <a:spcPts val="0"/>
-              </a:spcAft>
-              <a:buSzPts val="1400"/>
-              <a:buNone/>
-              <a:defRPr/>
-            </a:lvl4pPr>
-            <a:lvl5pPr lvl="4" algn="l">
-              <a:spcBef>
-                <a:spcPts val="0"/>
-              </a:spcBef>
-              <a:spcAft>
-                <a:spcPts val="0"/>
-              </a:spcAft>
-              <a:buSzPts val="1400"/>
-              <a:buNone/>
-              <a:defRPr/>
-            </a:lvl5pPr>
-            <a:lvl6pPr lvl="5" algn="l">
-              <a:spcBef>
-                <a:spcPts val="0"/>
-              </a:spcBef>
-              <a:spcAft>
-                <a:spcPts val="0"/>
-              </a:spcAft>
-              <a:buSzPts val="1400"/>
-              <a:buNone/>
-              <a:defRPr/>
-            </a:lvl6pPr>
-            <a:lvl7pPr lvl="6" algn="l">
-              <a:spcBef>
-                <a:spcPts val="0"/>
-              </a:spcBef>
-              <a:spcAft>
-                <a:spcPts val="0"/>
-              </a:spcAft>
-              <a:buSzPts val="1400"/>
-              <a:buNone/>
-              <a:defRPr/>
-            </a:lvl7pPr>
-            <a:lvl8pPr lvl="7" algn="l">
-              <a:spcBef>
-                <a:spcPts val="0"/>
-              </a:spcBef>
-              <a:spcAft>
-                <a:spcPts val="0"/>
-              </a:spcAft>
-              <a:buSzPts val="1400"/>
-              <a:buNone/>
-              <a:defRPr/>
-            </a:lvl8pPr>
-            <a:lvl9pPr lvl="8" algn="l">
-              <a:spcBef>
-                <a:spcPts val="0"/>
-              </a:spcBef>
-              <a:spcAft>
-                <a:spcPts val="0"/>
-              </a:spcAft>
-              <a:buSzPts val="1400"/>
-              <a:buNone/>
-              <a:defRPr/>
-            </a:lvl9pPr>
-          </a:lstStyle>
-          <a:p>
-            <a:r>
-              <a:rPr lang="en-US"/>
-              <a:t>Indian Institute of Information Technology, Kottayam</a:t>
-            </a:r>
-            <a:endParaRPr/>
-          </a:p>
-        </p:txBody>
-      </p:sp>
-      <p:sp>
-        <p:nvSpPr>
-          <p:cNvPr id="77" name="Google Shape;77;p19"/>
-          <p:cNvSpPr txBox="1">
-            <a:spLocks noGrp="1"/>
-          </p:cNvSpPr>
-          <p:nvPr>
-            <p:ph type="sldNum" idx="12"/>
-          </p:nvPr>
-        </p:nvSpPr>
-        <p:spPr>
-          <a:xfrm>
-            <a:off x="8610600" y="6356350"/>
-            <a:ext cx="2743200" cy="365125"/>
-          </a:xfrm>
-          <a:prstGeom prst="rect">
-            <a:avLst/>
-          </a:prstGeom>
-          <a:noFill/>
-          <a:ln>
-            <a:noFill/>
-          </a:ln>
-        </p:spPr>
-        <p:txBody>
-          <a:bodyPr spcFirstLastPara="1" wrap="square" lIns="91425" tIns="45700" rIns="91425" bIns="45700" anchor="ctr" anchorCtr="0">
-            <a:noAutofit/>
-          </a:bodyPr>
-          <a:lstStyle>
-            <a:lvl1pPr marL="0" lvl="0" indent="0" algn="r">
-              <a:spcBef>
-                <a:spcPts val="0"/>
-              </a:spcBef>
-              <a:buNone/>
-              <a:defRPr/>
-            </a:lvl1pPr>
-            <a:lvl2pPr marL="0" lvl="1" indent="0" algn="r">
-              <a:spcBef>
-                <a:spcPts val="0"/>
-              </a:spcBef>
-              <a:buNone/>
-              <a:defRPr/>
-            </a:lvl2pPr>
-            <a:lvl3pPr marL="0" lvl="2" indent="0" algn="r">
-              <a:spcBef>
-                <a:spcPts val="0"/>
-              </a:spcBef>
-              <a:buNone/>
-              <a:defRPr/>
-            </a:lvl3pPr>
-            <a:lvl4pPr marL="0" lvl="3" indent="0" algn="r">
-              <a:spcBef>
-                <a:spcPts val="0"/>
-              </a:spcBef>
-              <a:buNone/>
-              <a:defRPr/>
-            </a:lvl4pPr>
-            <a:lvl5pPr marL="0" lvl="4" indent="0" algn="r">
-              <a:spcBef>
-                <a:spcPts val="0"/>
-              </a:spcBef>
-              <a:buNone/>
-              <a:defRPr/>
-            </a:lvl5pPr>
-            <a:lvl6pPr marL="0" lvl="5" indent="0" algn="r">
-              <a:spcBef>
-                <a:spcPts val="0"/>
-              </a:spcBef>
-              <a:buNone/>
-              <a:defRPr/>
-            </a:lvl6pPr>
-            <a:lvl7pPr marL="0" lvl="6" indent="0" algn="r">
-              <a:spcBef>
-                <a:spcPts val="0"/>
-              </a:spcBef>
-              <a:buNone/>
-              <a:defRPr/>
-            </a:lvl7pPr>
-            <a:lvl8pPr marL="0" lvl="7" indent="0" algn="r">
-              <a:spcBef>
-                <a:spcPts val="0"/>
-              </a:spcBef>
-              <a:buNone/>
-              <a:defRPr/>
-            </a:lvl8pPr>
-            <a:lvl9pPr marL="0" lvl="8" indent="0" algn="r">
-              <a:spcBef>
-                <a:spcPts val="0"/>
-              </a:spcBef>
-              <a:buNone/>
-              <a:defRPr/>
-            </a:lvl9pPr>
-          </a:lstStyle>
-          <a:p>
-            <a:pPr marL="0" lvl="0" indent="0" algn="r" rtl="0">
-              <a:spcBef>
-                <a:spcPts val="0"/>
-              </a:spcBef>
-              <a:spcAft>
-                <a:spcPts val="0"/>
-              </a:spcAft>
-              <a:buNone/>
-            </a:pPr>
-            <a:fld id="{00000000-1234-1234-1234-123412341234}" type="slidenum">
-              <a:rPr lang="en-IN"/>
-              <a:t>‹#›</a:t>
-            </a:fld>
-            <a:endParaRPr/>
-          </a:p>
-        </p:txBody>
-      </p:sp>
-    </p:spTree>
-  </p:cSld>
-  <p:clrMapOvr>
-    <a:masterClrMapping/>
-  </p:clrMapOvr>
-</p:sldLayout>
-</file>
-
-<file path=ppt/slideLayouts/slideLayout11.xml><?xml version="1.0" encoding="utf-8"?>
 <p:sldLayout xmlns:a="http://schemas.openxmlformats.org/drawingml/2006/main" xmlns:r="http://schemas.openxmlformats.org/officeDocument/2006/relationships" xmlns:p="http://schemas.openxmlformats.org/presentationml/2006/main" matchingName="Vertical Title and Text" type="vertTitleAndTx">
   <p:cSld name="VERTICAL_TITLE_AND_VERTICAL_TEXT">
     <p:spTree>
@@ -11651,411 +11259,6 @@
 </file>
 
 <file path=ppt/slideLayouts/slideLayout7.xml><?xml version="1.0" encoding="utf-8"?>
-<p:sldLayout xmlns:a="http://schemas.openxmlformats.org/drawingml/2006/main" xmlns:r="http://schemas.openxmlformats.org/officeDocument/2006/relationships" xmlns:p="http://schemas.openxmlformats.org/presentationml/2006/main" matchingName="Blank" type="blank">
-  <p:cSld name="BLANK">
-    <p:spTree>
-      <p:nvGrpSpPr>
-        <p:cNvPr id="1" name="Shape 54"/>
-        <p:cNvGrpSpPr/>
-        <p:nvPr/>
-      </p:nvGrpSpPr>
-      <p:grpSpPr>
-        <a:xfrm>
-          <a:off x="0" y="0"/>
-          <a:ext cx="0" cy="0"/>
-          <a:chOff x="0" y="0"/>
-          <a:chExt cx="0" cy="0"/>
-        </a:xfrm>
-      </p:grpSpPr>
-      <p:sp>
-        <p:nvSpPr>
-          <p:cNvPr id="55" name="Google Shape;55;p16"/>
-          <p:cNvSpPr txBox="1">
-            <a:spLocks noGrp="1"/>
-          </p:cNvSpPr>
-          <p:nvPr>
-            <p:ph type="dt" idx="10"/>
-          </p:nvPr>
-        </p:nvSpPr>
-        <p:spPr>
-          <a:xfrm>
-            <a:off x="838200" y="6356350"/>
-            <a:ext cx="2743200" cy="365125"/>
-          </a:xfrm>
-          <a:prstGeom prst="rect">
-            <a:avLst/>
-          </a:prstGeom>
-          <a:noFill/>
-          <a:ln>
-            <a:noFill/>
-          </a:ln>
-        </p:spPr>
-        <p:txBody>
-          <a:bodyPr spcFirstLastPara="1" wrap="square" lIns="91425" tIns="45700" rIns="91425" bIns="45700" anchor="ctr" anchorCtr="0">
-            <a:noAutofit/>
-          </a:bodyPr>
-          <a:lstStyle>
-            <a:lvl1pPr lvl="0" algn="l">
-              <a:spcBef>
-                <a:spcPts val="0"/>
-              </a:spcBef>
-              <a:spcAft>
-                <a:spcPts val="0"/>
-              </a:spcAft>
-              <a:buSzPts val="1400"/>
-              <a:buNone/>
-              <a:defRPr/>
-            </a:lvl1pPr>
-            <a:lvl2pPr lvl="1" algn="l">
-              <a:spcBef>
-                <a:spcPts val="0"/>
-              </a:spcBef>
-              <a:spcAft>
-                <a:spcPts val="0"/>
-              </a:spcAft>
-              <a:buSzPts val="1400"/>
-              <a:buNone/>
-              <a:defRPr/>
-            </a:lvl2pPr>
-            <a:lvl3pPr lvl="2" algn="l">
-              <a:spcBef>
-                <a:spcPts val="0"/>
-              </a:spcBef>
-              <a:spcAft>
-                <a:spcPts val="0"/>
-              </a:spcAft>
-              <a:buSzPts val="1400"/>
-              <a:buNone/>
-              <a:defRPr/>
-            </a:lvl3pPr>
-            <a:lvl4pPr lvl="3" algn="l">
-              <a:spcBef>
-                <a:spcPts val="0"/>
-              </a:spcBef>
-              <a:spcAft>
-                <a:spcPts val="0"/>
-              </a:spcAft>
-              <a:buSzPts val="1400"/>
-              <a:buNone/>
-              <a:defRPr/>
-            </a:lvl4pPr>
-            <a:lvl5pPr lvl="4" algn="l">
-              <a:spcBef>
-                <a:spcPts val="0"/>
-              </a:spcBef>
-              <a:spcAft>
-                <a:spcPts val="0"/>
-              </a:spcAft>
-              <a:buSzPts val="1400"/>
-              <a:buNone/>
-              <a:defRPr/>
-            </a:lvl5pPr>
-            <a:lvl6pPr lvl="5" algn="l">
-              <a:spcBef>
-                <a:spcPts val="0"/>
-              </a:spcBef>
-              <a:spcAft>
-                <a:spcPts val="0"/>
-              </a:spcAft>
-              <a:buSzPts val="1400"/>
-              <a:buNone/>
-              <a:defRPr/>
-            </a:lvl6pPr>
-            <a:lvl7pPr lvl="6" algn="l">
-              <a:spcBef>
-                <a:spcPts val="0"/>
-              </a:spcBef>
-              <a:spcAft>
-                <a:spcPts val="0"/>
-              </a:spcAft>
-              <a:buSzPts val="1400"/>
-              <a:buNone/>
-              <a:defRPr/>
-            </a:lvl7pPr>
-            <a:lvl8pPr lvl="7" algn="l">
-              <a:spcBef>
-                <a:spcPts val="0"/>
-              </a:spcBef>
-              <a:spcAft>
-                <a:spcPts val="0"/>
-              </a:spcAft>
-              <a:buSzPts val="1400"/>
-              <a:buNone/>
-              <a:defRPr/>
-            </a:lvl8pPr>
-            <a:lvl9pPr lvl="8" algn="l">
-              <a:spcBef>
-                <a:spcPts val="0"/>
-              </a:spcBef>
-              <a:spcAft>
-                <a:spcPts val="0"/>
-              </a:spcAft>
-              <a:buSzPts val="1400"/>
-              <a:buNone/>
-              <a:defRPr/>
-            </a:lvl9pPr>
-          </a:lstStyle>
-          <a:p>
-            <a:endParaRPr/>
-          </a:p>
-        </p:txBody>
-      </p:sp>
-      <p:sp>
-        <p:nvSpPr>
-          <p:cNvPr id="56" name="Google Shape;56;p16"/>
-          <p:cNvSpPr txBox="1">
-            <a:spLocks noGrp="1"/>
-          </p:cNvSpPr>
-          <p:nvPr>
-            <p:ph type="ftr" idx="11"/>
-          </p:nvPr>
-        </p:nvSpPr>
-        <p:spPr>
-          <a:xfrm>
-            <a:off x="4038600" y="6356350"/>
-            <a:ext cx="4114800" cy="365125"/>
-          </a:xfrm>
-          <a:prstGeom prst="rect">
-            <a:avLst/>
-          </a:prstGeom>
-          <a:noFill/>
-          <a:ln>
-            <a:noFill/>
-          </a:ln>
-        </p:spPr>
-        <p:txBody>
-          <a:bodyPr spcFirstLastPara="1" wrap="square" lIns="91425" tIns="45700" rIns="91425" bIns="45700" anchor="ctr" anchorCtr="0">
-            <a:noAutofit/>
-          </a:bodyPr>
-          <a:lstStyle>
-            <a:lvl1pPr lvl="0" algn="ctr">
-              <a:spcBef>
-                <a:spcPts val="0"/>
-              </a:spcBef>
-              <a:spcAft>
-                <a:spcPts val="0"/>
-              </a:spcAft>
-              <a:buSzPts val="1400"/>
-              <a:buNone/>
-              <a:defRPr/>
-            </a:lvl1pPr>
-            <a:lvl2pPr lvl="1" algn="l">
-              <a:spcBef>
-                <a:spcPts val="0"/>
-              </a:spcBef>
-              <a:spcAft>
-                <a:spcPts val="0"/>
-              </a:spcAft>
-              <a:buSzPts val="1400"/>
-              <a:buNone/>
-              <a:defRPr/>
-            </a:lvl2pPr>
-            <a:lvl3pPr lvl="2" algn="l">
-              <a:spcBef>
-                <a:spcPts val="0"/>
-              </a:spcBef>
-              <a:spcAft>
-                <a:spcPts val="0"/>
-              </a:spcAft>
-              <a:buSzPts val="1400"/>
-              <a:buNone/>
-              <a:defRPr/>
-            </a:lvl3pPr>
-            <a:lvl4pPr lvl="3" algn="l">
-              <a:spcBef>
-                <a:spcPts val="0"/>
-              </a:spcBef>
-              <a:spcAft>
-                <a:spcPts val="0"/>
-              </a:spcAft>
-              <a:buSzPts val="1400"/>
-              <a:buNone/>
-              <a:defRPr/>
-            </a:lvl4pPr>
-            <a:lvl5pPr lvl="4" algn="l">
-              <a:spcBef>
-                <a:spcPts val="0"/>
-              </a:spcBef>
-              <a:spcAft>
-                <a:spcPts val="0"/>
-              </a:spcAft>
-              <a:buSzPts val="1400"/>
-              <a:buNone/>
-              <a:defRPr/>
-            </a:lvl5pPr>
-            <a:lvl6pPr lvl="5" algn="l">
-              <a:spcBef>
-                <a:spcPts val="0"/>
-              </a:spcBef>
-              <a:spcAft>
-                <a:spcPts val="0"/>
-              </a:spcAft>
-              <a:buSzPts val="1400"/>
-              <a:buNone/>
-              <a:defRPr/>
-            </a:lvl6pPr>
-            <a:lvl7pPr lvl="6" algn="l">
-              <a:spcBef>
-                <a:spcPts val="0"/>
-              </a:spcBef>
-              <a:spcAft>
-                <a:spcPts val="0"/>
-              </a:spcAft>
-              <a:buSzPts val="1400"/>
-              <a:buNone/>
-              <a:defRPr/>
-            </a:lvl7pPr>
-            <a:lvl8pPr lvl="7" algn="l">
-              <a:spcBef>
-                <a:spcPts val="0"/>
-              </a:spcBef>
-              <a:spcAft>
-                <a:spcPts val="0"/>
-              </a:spcAft>
-              <a:buSzPts val="1400"/>
-              <a:buNone/>
-              <a:defRPr/>
-            </a:lvl8pPr>
-            <a:lvl9pPr lvl="8" algn="l">
-              <a:spcBef>
-                <a:spcPts val="0"/>
-              </a:spcBef>
-              <a:spcAft>
-                <a:spcPts val="0"/>
-              </a:spcAft>
-              <a:buSzPts val="1400"/>
-              <a:buNone/>
-              <a:defRPr/>
-            </a:lvl9pPr>
-          </a:lstStyle>
-          <a:p>
-            <a:r>
-              <a:rPr lang="en-US"/>
-              <a:t>Indian Institute of Information Technology, Kottayam</a:t>
-            </a:r>
-            <a:endParaRPr/>
-          </a:p>
-        </p:txBody>
-      </p:sp>
-      <p:sp>
-        <p:nvSpPr>
-          <p:cNvPr id="57" name="Google Shape;57;p16"/>
-          <p:cNvSpPr txBox="1">
-            <a:spLocks noGrp="1"/>
-          </p:cNvSpPr>
-          <p:nvPr>
-            <p:ph type="sldNum" idx="12"/>
-          </p:nvPr>
-        </p:nvSpPr>
-        <p:spPr>
-          <a:xfrm>
-            <a:off x="8610600" y="6356350"/>
-            <a:ext cx="2743200" cy="365125"/>
-          </a:xfrm>
-          <a:prstGeom prst="rect">
-            <a:avLst/>
-          </a:prstGeom>
-          <a:noFill/>
-          <a:ln>
-            <a:noFill/>
-          </a:ln>
-        </p:spPr>
-        <p:txBody>
-          <a:bodyPr spcFirstLastPara="1" wrap="square" lIns="91425" tIns="45700" rIns="91425" bIns="45700" anchor="ctr" anchorCtr="0">
-            <a:noAutofit/>
-          </a:bodyPr>
-          <a:lstStyle>
-            <a:lvl1pPr marL="0" lvl="0" indent="0" algn="r">
-              <a:spcBef>
-                <a:spcPts val="0"/>
-              </a:spcBef>
-              <a:buNone/>
-              <a:defRPr/>
-            </a:lvl1pPr>
-            <a:lvl2pPr marL="0" lvl="1" indent="0" algn="r">
-              <a:spcBef>
-                <a:spcPts val="0"/>
-              </a:spcBef>
-              <a:buNone/>
-              <a:defRPr/>
-            </a:lvl2pPr>
-            <a:lvl3pPr marL="0" lvl="2" indent="0" algn="r">
-              <a:spcBef>
-                <a:spcPts val="0"/>
-              </a:spcBef>
-              <a:buNone/>
-              <a:defRPr/>
-            </a:lvl3pPr>
-            <a:lvl4pPr marL="0" lvl="3" indent="0" algn="r">
-              <a:spcBef>
-                <a:spcPts val="0"/>
-              </a:spcBef>
-              <a:buNone/>
-              <a:defRPr/>
-            </a:lvl4pPr>
-            <a:lvl5pPr marL="0" lvl="4" indent="0" algn="r">
-              <a:spcBef>
-                <a:spcPts val="0"/>
-              </a:spcBef>
-              <a:buNone/>
-              <a:defRPr/>
-            </a:lvl5pPr>
-            <a:lvl6pPr marL="0" lvl="5" indent="0" algn="r">
-              <a:spcBef>
-                <a:spcPts val="0"/>
-              </a:spcBef>
-              <a:buNone/>
-              <a:defRPr/>
-            </a:lvl6pPr>
-            <a:lvl7pPr marL="0" lvl="6" indent="0" algn="r">
-              <a:spcBef>
-                <a:spcPts val="0"/>
-              </a:spcBef>
-              <a:buNone/>
-              <a:defRPr/>
-            </a:lvl7pPr>
-            <a:lvl8pPr marL="0" lvl="7" indent="0" algn="r">
-              <a:spcBef>
-                <a:spcPts val="0"/>
-              </a:spcBef>
-              <a:buNone/>
-              <a:defRPr/>
-            </a:lvl8pPr>
-            <a:lvl9pPr marL="0" lvl="8" indent="0" algn="r">
-              <a:spcBef>
-                <a:spcPts val="0"/>
-              </a:spcBef>
-              <a:buNone/>
-              <a:defRPr/>
-            </a:lvl9pPr>
-          </a:lstStyle>
-          <a:p>
-            <a:pPr marL="0" lvl="0" indent="0" algn="r" rtl="0">
-              <a:spcBef>
-                <a:spcPts val="0"/>
-              </a:spcBef>
-              <a:spcAft>
-                <a:spcPts val="0"/>
-              </a:spcAft>
-              <a:buNone/>
-            </a:pPr>
-            <a:fld id="{00000000-1234-1234-1234-123412341234}" type="slidenum">
-              <a:rPr lang="en-IN"/>
-              <a:t>‹#›</a:t>
-            </a:fld>
-            <a:endParaRPr/>
-          </a:p>
-        </p:txBody>
-      </p:sp>
-    </p:spTree>
-  </p:cSld>
-  <p:clrMapOvr>
-    <a:masterClrMapping/>
-  </p:clrMapOvr>
-</p:sldLayout>
-</file>
-
-<file path=ppt/slideLayouts/slideLayout8.xml><?xml version="1.0" encoding="utf-8"?>
 <p:sldLayout xmlns:a="http://schemas.openxmlformats.org/drawingml/2006/main" xmlns:r="http://schemas.openxmlformats.org/officeDocument/2006/relationships" xmlns:p="http://schemas.openxmlformats.org/presentationml/2006/main" matchingName="Content with Caption" type="objTx">
   <p:cSld name="OBJECT_WITH_CAPTION_TEXT">
     <p:spTree>
@@ -12974,7 +12177,7 @@
 </p:sldLayout>
 </file>
 
-<file path=ppt/slideLayouts/slideLayout9.xml><?xml version="1.0" encoding="utf-8"?>
+<file path=ppt/slideLayouts/slideLayout8.xml><?xml version="1.0" encoding="utf-8"?>
 <p:sldLayout xmlns:a="http://schemas.openxmlformats.org/drawingml/2006/main" xmlns:r="http://schemas.openxmlformats.org/officeDocument/2006/relationships" xmlns:p="http://schemas.openxmlformats.org/presentationml/2006/main" matchingName="Picture with Caption" type="picTx">
   <p:cSld name="PICTURE_WITH_CAPTION_TEXT">
     <p:spTree>
@@ -13615,6 +12818,737 @@
       <p:sp>
         <p:nvSpPr>
           <p:cNvPr id="71" name="Google Shape;71;p18"/>
+          <p:cNvSpPr txBox="1">
+            <a:spLocks noGrp="1"/>
+          </p:cNvSpPr>
+          <p:nvPr>
+            <p:ph type="sldNum" idx="12"/>
+          </p:nvPr>
+        </p:nvSpPr>
+        <p:spPr>
+          <a:xfrm>
+            <a:off x="8610600" y="6356350"/>
+            <a:ext cx="2743200" cy="365125"/>
+          </a:xfrm>
+          <a:prstGeom prst="rect">
+            <a:avLst/>
+          </a:prstGeom>
+          <a:noFill/>
+          <a:ln>
+            <a:noFill/>
+          </a:ln>
+        </p:spPr>
+        <p:txBody>
+          <a:bodyPr spcFirstLastPara="1" wrap="square" lIns="91425" tIns="45700" rIns="91425" bIns="45700" anchor="ctr" anchorCtr="0">
+            <a:noAutofit/>
+          </a:bodyPr>
+          <a:lstStyle>
+            <a:lvl1pPr marL="0" lvl="0" indent="0" algn="r">
+              <a:spcBef>
+                <a:spcPts val="0"/>
+              </a:spcBef>
+              <a:buNone/>
+              <a:defRPr/>
+            </a:lvl1pPr>
+            <a:lvl2pPr marL="0" lvl="1" indent="0" algn="r">
+              <a:spcBef>
+                <a:spcPts val="0"/>
+              </a:spcBef>
+              <a:buNone/>
+              <a:defRPr/>
+            </a:lvl2pPr>
+            <a:lvl3pPr marL="0" lvl="2" indent="0" algn="r">
+              <a:spcBef>
+                <a:spcPts val="0"/>
+              </a:spcBef>
+              <a:buNone/>
+              <a:defRPr/>
+            </a:lvl3pPr>
+            <a:lvl4pPr marL="0" lvl="3" indent="0" algn="r">
+              <a:spcBef>
+                <a:spcPts val="0"/>
+              </a:spcBef>
+              <a:buNone/>
+              <a:defRPr/>
+            </a:lvl4pPr>
+            <a:lvl5pPr marL="0" lvl="4" indent="0" algn="r">
+              <a:spcBef>
+                <a:spcPts val="0"/>
+              </a:spcBef>
+              <a:buNone/>
+              <a:defRPr/>
+            </a:lvl5pPr>
+            <a:lvl6pPr marL="0" lvl="5" indent="0" algn="r">
+              <a:spcBef>
+                <a:spcPts val="0"/>
+              </a:spcBef>
+              <a:buNone/>
+              <a:defRPr/>
+            </a:lvl6pPr>
+            <a:lvl7pPr marL="0" lvl="6" indent="0" algn="r">
+              <a:spcBef>
+                <a:spcPts val="0"/>
+              </a:spcBef>
+              <a:buNone/>
+              <a:defRPr/>
+            </a:lvl7pPr>
+            <a:lvl8pPr marL="0" lvl="7" indent="0" algn="r">
+              <a:spcBef>
+                <a:spcPts val="0"/>
+              </a:spcBef>
+              <a:buNone/>
+              <a:defRPr/>
+            </a:lvl8pPr>
+            <a:lvl9pPr marL="0" lvl="8" indent="0" algn="r">
+              <a:spcBef>
+                <a:spcPts val="0"/>
+              </a:spcBef>
+              <a:buNone/>
+              <a:defRPr/>
+            </a:lvl9pPr>
+          </a:lstStyle>
+          <a:p>
+            <a:pPr marL="0" lvl="0" indent="0" algn="r" rtl="0">
+              <a:spcBef>
+                <a:spcPts val="0"/>
+              </a:spcBef>
+              <a:spcAft>
+                <a:spcPts val="0"/>
+              </a:spcAft>
+              <a:buNone/>
+            </a:pPr>
+            <a:fld id="{00000000-1234-1234-1234-123412341234}" type="slidenum">
+              <a:rPr lang="en-IN"/>
+              <a:t>‹#›</a:t>
+            </a:fld>
+            <a:endParaRPr/>
+          </a:p>
+        </p:txBody>
+      </p:sp>
+    </p:spTree>
+  </p:cSld>
+  <p:clrMapOvr>
+    <a:masterClrMapping/>
+  </p:clrMapOvr>
+</p:sldLayout>
+</file>
+
+<file path=ppt/slideLayouts/slideLayout9.xml><?xml version="1.0" encoding="utf-8"?>
+<p:sldLayout xmlns:a="http://schemas.openxmlformats.org/drawingml/2006/main" xmlns:r="http://schemas.openxmlformats.org/officeDocument/2006/relationships" xmlns:p="http://schemas.openxmlformats.org/presentationml/2006/main" matchingName="Title and Vertical Text" type="vertTx">
+  <p:cSld name="VERTICAL_TEXT">
+    <p:spTree>
+      <p:nvGrpSpPr>
+        <p:cNvPr id="1" name="Shape 72"/>
+        <p:cNvGrpSpPr/>
+        <p:nvPr/>
+      </p:nvGrpSpPr>
+      <p:grpSpPr>
+        <a:xfrm>
+          <a:off x="0" y="0"/>
+          <a:ext cx="0" cy="0"/>
+          <a:chOff x="0" y="0"/>
+          <a:chExt cx="0" cy="0"/>
+        </a:xfrm>
+      </p:grpSpPr>
+      <p:sp>
+        <p:nvSpPr>
+          <p:cNvPr id="73" name="Google Shape;73;p19"/>
+          <p:cNvSpPr txBox="1">
+            <a:spLocks noGrp="1"/>
+          </p:cNvSpPr>
+          <p:nvPr>
+            <p:ph type="title"/>
+          </p:nvPr>
+        </p:nvSpPr>
+        <p:spPr>
+          <a:xfrm>
+            <a:off x="838200" y="365125"/>
+            <a:ext cx="10515600" cy="1325563"/>
+          </a:xfrm>
+          <a:prstGeom prst="rect">
+            <a:avLst/>
+          </a:prstGeom>
+          <a:noFill/>
+          <a:ln>
+            <a:noFill/>
+          </a:ln>
+        </p:spPr>
+        <p:txBody>
+          <a:bodyPr spcFirstLastPara="1" wrap="square" lIns="91425" tIns="45700" rIns="91425" bIns="45700" anchor="ctr" anchorCtr="0">
+            <a:normAutofit/>
+          </a:bodyPr>
+          <a:lstStyle>
+            <a:lvl1pPr lvl="0" algn="l">
+              <a:lnSpc>
+                <a:spcPct val="90000"/>
+              </a:lnSpc>
+              <a:spcBef>
+                <a:spcPts val="0"/>
+              </a:spcBef>
+              <a:spcAft>
+                <a:spcPts val="0"/>
+              </a:spcAft>
+              <a:buClr>
+                <a:schemeClr val="dk1"/>
+              </a:buClr>
+              <a:buSzPts val="1800"/>
+              <a:buNone/>
+              <a:defRPr/>
+            </a:lvl1pPr>
+            <a:lvl2pPr lvl="1">
+              <a:spcBef>
+                <a:spcPts val="0"/>
+              </a:spcBef>
+              <a:spcAft>
+                <a:spcPts val="0"/>
+              </a:spcAft>
+              <a:buSzPts val="1400"/>
+              <a:buNone/>
+              <a:defRPr/>
+            </a:lvl2pPr>
+            <a:lvl3pPr lvl="2">
+              <a:spcBef>
+                <a:spcPts val="0"/>
+              </a:spcBef>
+              <a:spcAft>
+                <a:spcPts val="0"/>
+              </a:spcAft>
+              <a:buSzPts val="1400"/>
+              <a:buNone/>
+              <a:defRPr/>
+            </a:lvl3pPr>
+            <a:lvl4pPr lvl="3">
+              <a:spcBef>
+                <a:spcPts val="0"/>
+              </a:spcBef>
+              <a:spcAft>
+                <a:spcPts val="0"/>
+              </a:spcAft>
+              <a:buSzPts val="1400"/>
+              <a:buNone/>
+              <a:defRPr/>
+            </a:lvl4pPr>
+            <a:lvl5pPr lvl="4">
+              <a:spcBef>
+                <a:spcPts val="0"/>
+              </a:spcBef>
+              <a:spcAft>
+                <a:spcPts val="0"/>
+              </a:spcAft>
+              <a:buSzPts val="1400"/>
+              <a:buNone/>
+              <a:defRPr/>
+            </a:lvl5pPr>
+            <a:lvl6pPr lvl="5">
+              <a:spcBef>
+                <a:spcPts val="0"/>
+              </a:spcBef>
+              <a:spcAft>
+                <a:spcPts val="0"/>
+              </a:spcAft>
+              <a:buSzPts val="1400"/>
+              <a:buNone/>
+              <a:defRPr/>
+            </a:lvl6pPr>
+            <a:lvl7pPr lvl="6">
+              <a:spcBef>
+                <a:spcPts val="0"/>
+              </a:spcBef>
+              <a:spcAft>
+                <a:spcPts val="0"/>
+              </a:spcAft>
+              <a:buSzPts val="1400"/>
+              <a:buNone/>
+              <a:defRPr/>
+            </a:lvl7pPr>
+            <a:lvl8pPr lvl="7">
+              <a:spcBef>
+                <a:spcPts val="0"/>
+              </a:spcBef>
+              <a:spcAft>
+                <a:spcPts val="0"/>
+              </a:spcAft>
+              <a:buSzPts val="1400"/>
+              <a:buNone/>
+              <a:defRPr/>
+            </a:lvl8pPr>
+            <a:lvl9pPr lvl="8">
+              <a:spcBef>
+                <a:spcPts val="0"/>
+              </a:spcBef>
+              <a:spcAft>
+                <a:spcPts val="0"/>
+              </a:spcAft>
+              <a:buSzPts val="1400"/>
+              <a:buNone/>
+              <a:defRPr/>
+            </a:lvl9pPr>
+          </a:lstStyle>
+          <a:p>
+            <a:endParaRPr/>
+          </a:p>
+        </p:txBody>
+      </p:sp>
+      <p:sp>
+        <p:nvSpPr>
+          <p:cNvPr id="74" name="Google Shape;74;p19"/>
+          <p:cNvSpPr txBox="1">
+            <a:spLocks noGrp="1"/>
+          </p:cNvSpPr>
+          <p:nvPr>
+            <p:ph type="body" idx="1"/>
+          </p:nvPr>
+        </p:nvSpPr>
+        <p:spPr>
+          <a:xfrm rot="5400000">
+            <a:off x="3920331" y="-1256506"/>
+            <a:ext cx="4351338" cy="10515600"/>
+          </a:xfrm>
+          <a:prstGeom prst="rect">
+            <a:avLst/>
+          </a:prstGeom>
+          <a:noFill/>
+          <a:ln>
+            <a:noFill/>
+          </a:ln>
+        </p:spPr>
+        <p:txBody>
+          <a:bodyPr spcFirstLastPara="1" wrap="square" lIns="91425" tIns="45700" rIns="91425" bIns="45700" anchor="t" anchorCtr="0">
+            <a:normAutofit/>
+          </a:bodyPr>
+          <a:lstStyle>
+            <a:lvl1pPr marL="457200" lvl="0" indent="-342900" algn="l">
+              <a:lnSpc>
+                <a:spcPct val="90000"/>
+              </a:lnSpc>
+              <a:spcBef>
+                <a:spcPts val="1000"/>
+              </a:spcBef>
+              <a:spcAft>
+                <a:spcPts val="0"/>
+              </a:spcAft>
+              <a:buClr>
+                <a:schemeClr val="dk1"/>
+              </a:buClr>
+              <a:buSzPts val="1800"/>
+              <a:buChar char="•"/>
+              <a:defRPr/>
+            </a:lvl1pPr>
+            <a:lvl2pPr marL="914400" lvl="1" indent="-342900" algn="l">
+              <a:lnSpc>
+                <a:spcPct val="90000"/>
+              </a:lnSpc>
+              <a:spcBef>
+                <a:spcPts val="500"/>
+              </a:spcBef>
+              <a:spcAft>
+                <a:spcPts val="0"/>
+              </a:spcAft>
+              <a:buClr>
+                <a:schemeClr val="dk1"/>
+              </a:buClr>
+              <a:buSzPts val="1800"/>
+              <a:buChar char="•"/>
+              <a:defRPr/>
+            </a:lvl2pPr>
+            <a:lvl3pPr marL="1371600" lvl="2" indent="-342900" algn="l">
+              <a:lnSpc>
+                <a:spcPct val="90000"/>
+              </a:lnSpc>
+              <a:spcBef>
+                <a:spcPts val="500"/>
+              </a:spcBef>
+              <a:spcAft>
+                <a:spcPts val="0"/>
+              </a:spcAft>
+              <a:buClr>
+                <a:schemeClr val="dk1"/>
+              </a:buClr>
+              <a:buSzPts val="1800"/>
+              <a:buChar char="•"/>
+              <a:defRPr/>
+            </a:lvl3pPr>
+            <a:lvl4pPr marL="1828800" lvl="3" indent="-342900" algn="l">
+              <a:lnSpc>
+                <a:spcPct val="90000"/>
+              </a:lnSpc>
+              <a:spcBef>
+                <a:spcPts val="500"/>
+              </a:spcBef>
+              <a:spcAft>
+                <a:spcPts val="0"/>
+              </a:spcAft>
+              <a:buClr>
+                <a:schemeClr val="dk1"/>
+              </a:buClr>
+              <a:buSzPts val="1800"/>
+              <a:buChar char="•"/>
+              <a:defRPr/>
+            </a:lvl4pPr>
+            <a:lvl5pPr marL="2286000" lvl="4" indent="-342900" algn="l">
+              <a:lnSpc>
+                <a:spcPct val="90000"/>
+              </a:lnSpc>
+              <a:spcBef>
+                <a:spcPts val="500"/>
+              </a:spcBef>
+              <a:spcAft>
+                <a:spcPts val="0"/>
+              </a:spcAft>
+              <a:buClr>
+                <a:schemeClr val="dk1"/>
+              </a:buClr>
+              <a:buSzPts val="1800"/>
+              <a:buChar char="•"/>
+              <a:defRPr/>
+            </a:lvl5pPr>
+            <a:lvl6pPr marL="2743200" lvl="5" indent="-342900" algn="l">
+              <a:lnSpc>
+                <a:spcPct val="90000"/>
+              </a:lnSpc>
+              <a:spcBef>
+                <a:spcPts val="500"/>
+              </a:spcBef>
+              <a:spcAft>
+                <a:spcPts val="0"/>
+              </a:spcAft>
+              <a:buClr>
+                <a:schemeClr val="dk1"/>
+              </a:buClr>
+              <a:buSzPts val="1800"/>
+              <a:buChar char="•"/>
+              <a:defRPr/>
+            </a:lvl6pPr>
+            <a:lvl7pPr marL="3200400" lvl="6" indent="-342900" algn="l">
+              <a:lnSpc>
+                <a:spcPct val="90000"/>
+              </a:lnSpc>
+              <a:spcBef>
+                <a:spcPts val="500"/>
+              </a:spcBef>
+              <a:spcAft>
+                <a:spcPts val="0"/>
+              </a:spcAft>
+              <a:buClr>
+                <a:schemeClr val="dk1"/>
+              </a:buClr>
+              <a:buSzPts val="1800"/>
+              <a:buChar char="•"/>
+              <a:defRPr/>
+            </a:lvl7pPr>
+            <a:lvl8pPr marL="3657600" lvl="7" indent="-342900" algn="l">
+              <a:lnSpc>
+                <a:spcPct val="90000"/>
+              </a:lnSpc>
+              <a:spcBef>
+                <a:spcPts val="500"/>
+              </a:spcBef>
+              <a:spcAft>
+                <a:spcPts val="0"/>
+              </a:spcAft>
+              <a:buClr>
+                <a:schemeClr val="dk1"/>
+              </a:buClr>
+              <a:buSzPts val="1800"/>
+              <a:buChar char="•"/>
+              <a:defRPr/>
+            </a:lvl8pPr>
+            <a:lvl9pPr marL="4114800" lvl="8" indent="-342900" algn="l">
+              <a:lnSpc>
+                <a:spcPct val="90000"/>
+              </a:lnSpc>
+              <a:spcBef>
+                <a:spcPts val="500"/>
+              </a:spcBef>
+              <a:spcAft>
+                <a:spcPts val="0"/>
+              </a:spcAft>
+              <a:buClr>
+                <a:schemeClr val="dk1"/>
+              </a:buClr>
+              <a:buSzPts val="1800"/>
+              <a:buChar char="•"/>
+              <a:defRPr/>
+            </a:lvl9pPr>
+          </a:lstStyle>
+          <a:p>
+            <a:endParaRPr/>
+          </a:p>
+        </p:txBody>
+      </p:sp>
+      <p:sp>
+        <p:nvSpPr>
+          <p:cNvPr id="75" name="Google Shape;75;p19"/>
+          <p:cNvSpPr txBox="1">
+            <a:spLocks noGrp="1"/>
+          </p:cNvSpPr>
+          <p:nvPr>
+            <p:ph type="dt" idx="10"/>
+          </p:nvPr>
+        </p:nvSpPr>
+        <p:spPr>
+          <a:xfrm>
+            <a:off x="838200" y="6356350"/>
+            <a:ext cx="2743200" cy="365125"/>
+          </a:xfrm>
+          <a:prstGeom prst="rect">
+            <a:avLst/>
+          </a:prstGeom>
+          <a:noFill/>
+          <a:ln>
+            <a:noFill/>
+          </a:ln>
+        </p:spPr>
+        <p:txBody>
+          <a:bodyPr spcFirstLastPara="1" wrap="square" lIns="91425" tIns="45700" rIns="91425" bIns="45700" anchor="ctr" anchorCtr="0">
+            <a:noAutofit/>
+          </a:bodyPr>
+          <a:lstStyle>
+            <a:lvl1pPr lvl="0" algn="l">
+              <a:spcBef>
+                <a:spcPts val="0"/>
+              </a:spcBef>
+              <a:spcAft>
+                <a:spcPts val="0"/>
+              </a:spcAft>
+              <a:buSzPts val="1400"/>
+              <a:buNone/>
+              <a:defRPr/>
+            </a:lvl1pPr>
+            <a:lvl2pPr lvl="1" algn="l">
+              <a:spcBef>
+                <a:spcPts val="0"/>
+              </a:spcBef>
+              <a:spcAft>
+                <a:spcPts val="0"/>
+              </a:spcAft>
+              <a:buSzPts val="1400"/>
+              <a:buNone/>
+              <a:defRPr/>
+            </a:lvl2pPr>
+            <a:lvl3pPr lvl="2" algn="l">
+              <a:spcBef>
+                <a:spcPts val="0"/>
+              </a:spcBef>
+              <a:spcAft>
+                <a:spcPts val="0"/>
+              </a:spcAft>
+              <a:buSzPts val="1400"/>
+              <a:buNone/>
+              <a:defRPr/>
+            </a:lvl3pPr>
+            <a:lvl4pPr lvl="3" algn="l">
+              <a:spcBef>
+                <a:spcPts val="0"/>
+              </a:spcBef>
+              <a:spcAft>
+                <a:spcPts val="0"/>
+              </a:spcAft>
+              <a:buSzPts val="1400"/>
+              <a:buNone/>
+              <a:defRPr/>
+            </a:lvl4pPr>
+            <a:lvl5pPr lvl="4" algn="l">
+              <a:spcBef>
+                <a:spcPts val="0"/>
+              </a:spcBef>
+              <a:spcAft>
+                <a:spcPts val="0"/>
+              </a:spcAft>
+              <a:buSzPts val="1400"/>
+              <a:buNone/>
+              <a:defRPr/>
+            </a:lvl5pPr>
+            <a:lvl6pPr lvl="5" algn="l">
+              <a:spcBef>
+                <a:spcPts val="0"/>
+              </a:spcBef>
+              <a:spcAft>
+                <a:spcPts val="0"/>
+              </a:spcAft>
+              <a:buSzPts val="1400"/>
+              <a:buNone/>
+              <a:defRPr/>
+            </a:lvl6pPr>
+            <a:lvl7pPr lvl="6" algn="l">
+              <a:spcBef>
+                <a:spcPts val="0"/>
+              </a:spcBef>
+              <a:spcAft>
+                <a:spcPts val="0"/>
+              </a:spcAft>
+              <a:buSzPts val="1400"/>
+              <a:buNone/>
+              <a:defRPr/>
+            </a:lvl7pPr>
+            <a:lvl8pPr lvl="7" algn="l">
+              <a:spcBef>
+                <a:spcPts val="0"/>
+              </a:spcBef>
+              <a:spcAft>
+                <a:spcPts val="0"/>
+              </a:spcAft>
+              <a:buSzPts val="1400"/>
+              <a:buNone/>
+              <a:defRPr/>
+            </a:lvl8pPr>
+            <a:lvl9pPr lvl="8" algn="l">
+              <a:spcBef>
+                <a:spcPts val="0"/>
+              </a:spcBef>
+              <a:spcAft>
+                <a:spcPts val="0"/>
+              </a:spcAft>
+              <a:buSzPts val="1400"/>
+              <a:buNone/>
+              <a:defRPr/>
+            </a:lvl9pPr>
+          </a:lstStyle>
+          <a:p>
+            <a:endParaRPr/>
+          </a:p>
+        </p:txBody>
+      </p:sp>
+      <p:sp>
+        <p:nvSpPr>
+          <p:cNvPr id="76" name="Google Shape;76;p19"/>
+          <p:cNvSpPr txBox="1">
+            <a:spLocks noGrp="1"/>
+          </p:cNvSpPr>
+          <p:nvPr>
+            <p:ph type="ftr" idx="11"/>
+          </p:nvPr>
+        </p:nvSpPr>
+        <p:spPr>
+          <a:xfrm>
+            <a:off x="4038600" y="6356350"/>
+            <a:ext cx="4114800" cy="365125"/>
+          </a:xfrm>
+          <a:prstGeom prst="rect">
+            <a:avLst/>
+          </a:prstGeom>
+          <a:noFill/>
+          <a:ln>
+            <a:noFill/>
+          </a:ln>
+        </p:spPr>
+        <p:txBody>
+          <a:bodyPr spcFirstLastPara="1" wrap="square" lIns="91425" tIns="45700" rIns="91425" bIns="45700" anchor="ctr" anchorCtr="0">
+            <a:noAutofit/>
+          </a:bodyPr>
+          <a:lstStyle>
+            <a:lvl1pPr lvl="0" algn="ctr">
+              <a:spcBef>
+                <a:spcPts val="0"/>
+              </a:spcBef>
+              <a:spcAft>
+                <a:spcPts val="0"/>
+              </a:spcAft>
+              <a:buSzPts val="1400"/>
+              <a:buNone/>
+              <a:defRPr/>
+            </a:lvl1pPr>
+            <a:lvl2pPr lvl="1" algn="l">
+              <a:spcBef>
+                <a:spcPts val="0"/>
+              </a:spcBef>
+              <a:spcAft>
+                <a:spcPts val="0"/>
+              </a:spcAft>
+              <a:buSzPts val="1400"/>
+              <a:buNone/>
+              <a:defRPr/>
+            </a:lvl2pPr>
+            <a:lvl3pPr lvl="2" algn="l">
+              <a:spcBef>
+                <a:spcPts val="0"/>
+              </a:spcBef>
+              <a:spcAft>
+                <a:spcPts val="0"/>
+              </a:spcAft>
+              <a:buSzPts val="1400"/>
+              <a:buNone/>
+              <a:defRPr/>
+            </a:lvl3pPr>
+            <a:lvl4pPr lvl="3" algn="l">
+              <a:spcBef>
+                <a:spcPts val="0"/>
+              </a:spcBef>
+              <a:spcAft>
+                <a:spcPts val="0"/>
+              </a:spcAft>
+              <a:buSzPts val="1400"/>
+              <a:buNone/>
+              <a:defRPr/>
+            </a:lvl4pPr>
+            <a:lvl5pPr lvl="4" algn="l">
+              <a:spcBef>
+                <a:spcPts val="0"/>
+              </a:spcBef>
+              <a:spcAft>
+                <a:spcPts val="0"/>
+              </a:spcAft>
+              <a:buSzPts val="1400"/>
+              <a:buNone/>
+              <a:defRPr/>
+            </a:lvl5pPr>
+            <a:lvl6pPr lvl="5" algn="l">
+              <a:spcBef>
+                <a:spcPts val="0"/>
+              </a:spcBef>
+              <a:spcAft>
+                <a:spcPts val="0"/>
+              </a:spcAft>
+              <a:buSzPts val="1400"/>
+              <a:buNone/>
+              <a:defRPr/>
+            </a:lvl6pPr>
+            <a:lvl7pPr lvl="6" algn="l">
+              <a:spcBef>
+                <a:spcPts val="0"/>
+              </a:spcBef>
+              <a:spcAft>
+                <a:spcPts val="0"/>
+              </a:spcAft>
+              <a:buSzPts val="1400"/>
+              <a:buNone/>
+              <a:defRPr/>
+            </a:lvl7pPr>
+            <a:lvl8pPr lvl="7" algn="l">
+              <a:spcBef>
+                <a:spcPts val="0"/>
+              </a:spcBef>
+              <a:spcAft>
+                <a:spcPts val="0"/>
+              </a:spcAft>
+              <a:buSzPts val="1400"/>
+              <a:buNone/>
+              <a:defRPr/>
+            </a:lvl8pPr>
+            <a:lvl9pPr lvl="8" algn="l">
+              <a:spcBef>
+                <a:spcPts val="0"/>
+              </a:spcBef>
+              <a:spcAft>
+                <a:spcPts val="0"/>
+              </a:spcAft>
+              <a:buSzPts val="1400"/>
+              <a:buNone/>
+              <a:defRPr/>
+            </a:lvl9pPr>
+          </a:lstStyle>
+          <a:p>
+            <a:r>
+              <a:rPr lang="en-US"/>
+              <a:t>Indian Institute of Information Technology, Kottayam</a:t>
+            </a:r>
+            <a:endParaRPr/>
+          </a:p>
+        </p:txBody>
+      </p:sp>
+      <p:sp>
+        <p:nvSpPr>
+          <p:cNvPr id="77" name="Google Shape;77;p19"/>
           <p:cNvSpPr txBox="1">
             <a:spLocks noGrp="1"/>
           </p:cNvSpPr>
@@ -14777,11 +14711,10 @@
     <p:sldLayoutId id="2147483652" r:id="rId4"/>
     <p:sldLayoutId id="2147483653" r:id="rId5"/>
     <p:sldLayoutId id="2147483654" r:id="rId6"/>
-    <p:sldLayoutId id="2147483655" r:id="rId7"/>
-    <p:sldLayoutId id="2147483656" r:id="rId8"/>
-    <p:sldLayoutId id="2147483657" r:id="rId9"/>
-    <p:sldLayoutId id="2147483658" r:id="rId10"/>
-    <p:sldLayoutId id="2147483659" r:id="rId11"/>
+    <p:sldLayoutId id="2147483656" r:id="rId7"/>
+    <p:sldLayoutId id="2147483657" r:id="rId8"/>
+    <p:sldLayoutId id="2147483658" r:id="rId9"/>
+    <p:sldLayoutId id="2147483659" r:id="rId10"/>
   </p:sldLayoutIdLst>
   <p:hf hdr="0" dt="0"/>
   <p:txStyles>
@@ -17943,8 +17876,8 @@
         </p:blipFill>
         <p:spPr>
           <a:xfrm>
-            <a:off x="2719711" y="941949"/>
-            <a:ext cx="7262489" cy="5593565"/>
+            <a:off x="2759041" y="1073048"/>
+            <a:ext cx="6994560" cy="5387206"/>
           </a:xfrm>
           <a:prstGeom prst="rect">
             <a:avLst/>
@@ -17964,7 +17897,7 @@
   <p:cSld>
     <p:spTree>
       <p:nvGrpSpPr>
-        <p:cNvPr id="1" name="Shape 128"/>
+        <p:cNvPr id="1" name="Shape 138"/>
         <p:cNvGrpSpPr/>
         <p:nvPr/>
       </p:nvGrpSpPr>
@@ -17978,7 +17911,7 @@
       </p:grpSpPr>
       <p:sp>
         <p:nvSpPr>
-          <p:cNvPr id="129" name="Google Shape;129;p5"/>
+          <p:cNvPr id="139" name="Google Shape;139;p6"/>
           <p:cNvSpPr txBox="1">
             <a:spLocks noGrp="1"/>
           </p:cNvSpPr>
@@ -17988,7 +17921,7 @@
         </p:nvSpPr>
         <p:spPr>
           <a:xfrm>
-            <a:off x="838200" y="365125"/>
+            <a:off x="838200" y="84867"/>
             <a:ext cx="10515600" cy="1325563"/>
           </a:xfrm>
           <a:prstGeom prst="rect">
@@ -18024,7 +17957,7 @@
             </a:pPr>
             <a:r>
               <a:rPr lang="en-IN" dirty="0"/>
-              <a:t>Experimental Results</a:t>
+              <a:t>Flowchart</a:t>
             </a:r>
             <a:endParaRPr dirty="0"/>
           </a:p>
@@ -18032,7 +17965,7 @@
       </p:sp>
       <p:sp>
         <p:nvSpPr>
-          <p:cNvPr id="130" name="Google Shape;130;p5"/>
+          <p:cNvPr id="140" name="Google Shape;140;p6"/>
           <p:cNvSpPr txBox="1">
             <a:spLocks noGrp="1"/>
           </p:cNvSpPr>
@@ -18042,8 +17975,8 @@
         </p:nvSpPr>
         <p:spPr>
           <a:xfrm>
-            <a:off x="838200" y="1149387"/>
-            <a:ext cx="10655710" cy="4985942"/>
+            <a:off x="838200" y="1825625"/>
+            <a:ext cx="10515600" cy="4115530"/>
           </a:xfrm>
           <a:prstGeom prst="rect">
             <a:avLst/>
@@ -18059,259 +17992,29 @@
           </a:bodyPr>
           <a:lstStyle/>
           <a:p>
-            <a:pPr marL="177800" indent="0" algn="just">
-              <a:spcBef>
-                <a:spcPts val="0"/>
-              </a:spcBef>
+            <a:pPr marL="228600" lvl="0" indent="-50800" algn="l" rtl="0">
+              <a:lnSpc>
+                <a:spcPct val="90000"/>
+              </a:lnSpc>
+              <a:spcBef>
+                <a:spcPts val="0"/>
+              </a:spcBef>
+              <a:spcAft>
+                <a:spcPts val="0"/>
+              </a:spcAft>
+              <a:buClr>
+                <a:schemeClr val="dk1"/>
+              </a:buClr>
               <a:buSzPts val="2800"/>
               <a:buNone/>
             </a:pPr>
-            <a:endParaRPr lang="en-US" sz="2400" dirty="0"/>
-          </a:p>
-          <a:p>
-            <a:pPr marL="177800" indent="0" algn="just">
-              <a:spcBef>
-                <a:spcPts val="0"/>
-              </a:spcBef>
-              <a:buSzPts val="2800"/>
-              <a:buNone/>
-            </a:pPr>
-            <a:r>
-              <a:rPr lang="en-US" sz="2400" dirty="0"/>
-              <a:t>Model – I (Predicting MOS)</a:t>
-            </a:r>
-          </a:p>
-          <a:p>
-            <a:pPr marL="177800" indent="0" algn="just">
-              <a:spcBef>
-                <a:spcPts val="0"/>
-              </a:spcBef>
-              <a:buSzPts val="2800"/>
-              <a:buNone/>
-            </a:pPr>
-            <a:endParaRPr lang="en-US" sz="2400" dirty="0"/>
-          </a:p>
-          <a:p>
-            <a:pPr marL="520700" algn="just">
-              <a:spcBef>
-                <a:spcPts val="0"/>
-              </a:spcBef>
-              <a:buSzPts val="2800"/>
-            </a:pPr>
-            <a:r>
-              <a:rPr lang="en-US" sz="2400" b="0" i="0" dirty="0">
-                <a:solidFill>
-                  <a:schemeClr val="tx1"/>
-                </a:solidFill>
-                <a:effectLst/>
-                <a:latin typeface="Calibri" panose="020F0502020204030204" pitchFamily="34" charset="0"/>
-                <a:ea typeface="Calibri" panose="020F0502020204030204" pitchFamily="34" charset="0"/>
-                <a:cs typeface="Calibri" panose="020F0502020204030204" pitchFamily="34" charset="0"/>
-              </a:rPr>
-              <a:t>Each variable in the dataset belongs to a category of </a:t>
-            </a:r>
-            <a:r>
-              <a:rPr lang="en-US" sz="2400" b="0" i="0" dirty="0" err="1">
-                <a:solidFill>
-                  <a:schemeClr val="tx1"/>
-                </a:solidFill>
-                <a:effectLst/>
-                <a:latin typeface="Calibri" panose="020F0502020204030204" pitchFamily="34" charset="0"/>
-                <a:ea typeface="Calibri" panose="020F0502020204030204" pitchFamily="34" charset="0"/>
-                <a:cs typeface="Calibri" panose="020F0502020204030204" pitchFamily="34" charset="0"/>
-              </a:rPr>
-              <a:t>QoE</a:t>
-            </a:r>
-            <a:r>
-              <a:rPr lang="en-US" sz="2400" b="0" i="0" dirty="0">
-                <a:solidFill>
-                  <a:schemeClr val="tx1"/>
-                </a:solidFill>
-                <a:effectLst/>
-                <a:latin typeface="Calibri" panose="020F0502020204030204" pitchFamily="34" charset="0"/>
-                <a:ea typeface="Calibri" panose="020F0502020204030204" pitchFamily="34" charset="0"/>
-                <a:cs typeface="Calibri" panose="020F0502020204030204" pitchFamily="34" charset="0"/>
-              </a:rPr>
-              <a:t> Influence Factors (</a:t>
-            </a:r>
-            <a:r>
-              <a:rPr lang="en-US" sz="2400" b="0" i="0" dirty="0" err="1">
-                <a:solidFill>
-                  <a:schemeClr val="tx1"/>
-                </a:solidFill>
-                <a:effectLst/>
-                <a:latin typeface="Calibri" panose="020F0502020204030204" pitchFamily="34" charset="0"/>
-                <a:ea typeface="Calibri" panose="020F0502020204030204" pitchFamily="34" charset="0"/>
-                <a:cs typeface="Calibri" panose="020F0502020204030204" pitchFamily="34" charset="0"/>
-              </a:rPr>
-              <a:t>QoE</a:t>
-            </a:r>
-            <a:r>
-              <a:rPr lang="en-US" sz="2400" b="0" i="0" dirty="0">
-                <a:solidFill>
-                  <a:schemeClr val="tx1"/>
-                </a:solidFill>
-                <a:effectLst/>
-                <a:latin typeface="Calibri" panose="020F0502020204030204" pitchFamily="34" charset="0"/>
-                <a:ea typeface="Calibri" panose="020F0502020204030204" pitchFamily="34" charset="0"/>
-                <a:cs typeface="Calibri" panose="020F0502020204030204" pitchFamily="34" charset="0"/>
-              </a:rPr>
-              <a:t> IFs) that consists:</a:t>
-            </a:r>
-          </a:p>
-          <a:p>
-            <a:pPr marL="177800" indent="0" algn="just">
-              <a:spcBef>
-                <a:spcPts val="0"/>
-              </a:spcBef>
-              <a:buSzPts val="2800"/>
-              <a:buNone/>
-            </a:pPr>
-            <a:endParaRPr lang="en-US" sz="2400" b="0" i="0" dirty="0">
-              <a:solidFill>
-                <a:schemeClr val="tx1"/>
-              </a:solidFill>
-              <a:effectLst/>
-              <a:latin typeface="Calibri" panose="020F0502020204030204" pitchFamily="34" charset="0"/>
-              <a:ea typeface="Calibri" panose="020F0502020204030204" pitchFamily="34" charset="0"/>
-              <a:cs typeface="Calibri" panose="020F0502020204030204" pitchFamily="34" charset="0"/>
-            </a:endParaRPr>
-          </a:p>
-          <a:p>
-            <a:pPr lvl="1">
-              <a:buFont typeface="Arial" panose="020B0604020202020204" pitchFamily="34" charset="0"/>
-              <a:buChar char="•"/>
-            </a:pPr>
-            <a:r>
-              <a:rPr lang="en-US" sz="2000" b="0" i="0" dirty="0">
-                <a:solidFill>
-                  <a:schemeClr val="tx1"/>
-                </a:solidFill>
-                <a:effectLst/>
-                <a:latin typeface="Calibri" panose="020F0502020204030204" pitchFamily="34" charset="0"/>
-                <a:ea typeface="Calibri" panose="020F0502020204030204" pitchFamily="34" charset="0"/>
-                <a:cs typeface="Calibri" panose="020F0502020204030204" pitchFamily="34" charset="0"/>
-              </a:rPr>
-              <a:t>Network parameters (QoS)</a:t>
-            </a:r>
-          </a:p>
-          <a:p>
-            <a:pPr lvl="1">
-              <a:buFont typeface="Arial" panose="020B0604020202020204" pitchFamily="34" charset="0"/>
-              <a:buChar char="•"/>
-            </a:pPr>
-            <a:r>
-              <a:rPr lang="en-US" sz="2000" b="0" i="0" dirty="0">
-                <a:solidFill>
-                  <a:schemeClr val="tx1"/>
-                </a:solidFill>
-                <a:effectLst/>
-                <a:latin typeface="Calibri" panose="020F0502020204030204" pitchFamily="34" charset="0"/>
-                <a:ea typeface="Calibri" panose="020F0502020204030204" pitchFamily="34" charset="0"/>
-                <a:cs typeface="Calibri" panose="020F0502020204030204" pitchFamily="34" charset="0"/>
-              </a:rPr>
-              <a:t>Video content analysis results</a:t>
-            </a:r>
-          </a:p>
-          <a:p>
-            <a:pPr lvl="1">
-              <a:buFont typeface="Arial" panose="020B0604020202020204" pitchFamily="34" charset="0"/>
-              <a:buChar char="•"/>
-            </a:pPr>
-            <a:r>
-              <a:rPr lang="en-US" sz="2000" b="0" i="0" dirty="0">
-                <a:solidFill>
-                  <a:schemeClr val="tx1"/>
-                </a:solidFill>
-                <a:effectLst/>
-                <a:latin typeface="Calibri" panose="020F0502020204030204" pitchFamily="34" charset="0"/>
-                <a:ea typeface="Calibri" panose="020F0502020204030204" pitchFamily="34" charset="0"/>
-                <a:cs typeface="Calibri" panose="020F0502020204030204" pitchFamily="34" charset="0"/>
-              </a:rPr>
-              <a:t>VLC player indicators </a:t>
-            </a:r>
-          </a:p>
-          <a:p>
-            <a:pPr lvl="1">
-              <a:buFont typeface="Arial" panose="020B0604020202020204" pitchFamily="34" charset="0"/>
-              <a:buChar char="•"/>
-            </a:pPr>
-            <a:r>
-              <a:rPr lang="en-US" sz="2000" b="0" i="0" dirty="0">
-                <a:solidFill>
-                  <a:schemeClr val="tx1"/>
-                </a:solidFill>
-                <a:effectLst/>
-                <a:latin typeface="Calibri" panose="020F0502020204030204" pitchFamily="34" charset="0"/>
-                <a:ea typeface="Calibri" panose="020F0502020204030204" pitchFamily="34" charset="0"/>
-                <a:cs typeface="Calibri" panose="020F0502020204030204" pitchFamily="34" charset="0"/>
-              </a:rPr>
-              <a:t>Device characteristics (</a:t>
-            </a:r>
-            <a:r>
-              <a:rPr lang="en-US" sz="2000" b="0" i="0" dirty="0" err="1">
-                <a:solidFill>
-                  <a:schemeClr val="tx1"/>
-                </a:solidFill>
-                <a:effectLst/>
-                <a:latin typeface="Calibri" panose="020F0502020204030204" pitchFamily="34" charset="0"/>
-                <a:ea typeface="Calibri" panose="020F0502020204030204" pitchFamily="34" charset="0"/>
-                <a:cs typeface="Calibri" panose="020F0502020204030204" pitchFamily="34" charset="0"/>
-              </a:rPr>
-              <a:t>QoD</a:t>
-            </a:r>
-            <a:r>
-              <a:rPr lang="en-US" sz="2000" b="0" i="0" dirty="0">
-                <a:solidFill>
-                  <a:schemeClr val="tx1"/>
-                </a:solidFill>
-                <a:effectLst/>
-                <a:latin typeface="Calibri" panose="020F0502020204030204" pitchFamily="34" charset="0"/>
-                <a:ea typeface="Calibri" panose="020F0502020204030204" pitchFamily="34" charset="0"/>
-                <a:cs typeface="Calibri" panose="020F0502020204030204" pitchFamily="34" charset="0"/>
-              </a:rPr>
-              <a:t>)</a:t>
-            </a:r>
-          </a:p>
-          <a:p>
-            <a:pPr lvl="1">
-              <a:buFont typeface="Arial" panose="020B0604020202020204" pitchFamily="34" charset="0"/>
-              <a:buChar char="•"/>
-            </a:pPr>
-            <a:r>
-              <a:rPr lang="en-US" sz="2000" b="0" i="0" dirty="0">
-                <a:solidFill>
-                  <a:schemeClr val="tx1"/>
-                </a:solidFill>
-                <a:effectLst/>
-                <a:latin typeface="Calibri" panose="020F0502020204030204" pitchFamily="34" charset="0"/>
-                <a:ea typeface="Calibri" panose="020F0502020204030204" pitchFamily="34" charset="0"/>
-                <a:cs typeface="Calibri" panose="020F0502020204030204" pitchFamily="34" charset="0"/>
-              </a:rPr>
-              <a:t>User's MOS score</a:t>
-            </a:r>
-          </a:p>
-          <a:p>
-            <a:pPr marL="977900" lvl="1" algn="just">
-              <a:spcBef>
-                <a:spcPts val="0"/>
-              </a:spcBef>
-              <a:buSzPts val="2800"/>
-            </a:pPr>
-            <a:endParaRPr lang="en-US" sz="2000" dirty="0">
-              <a:solidFill>
-                <a:schemeClr val="tx1"/>
-              </a:solidFill>
-              <a:latin typeface="Calibri" panose="020F0502020204030204" pitchFamily="34" charset="0"/>
-              <a:ea typeface="Calibri" panose="020F0502020204030204" pitchFamily="34" charset="0"/>
-              <a:cs typeface="Calibri" panose="020F0502020204030204" pitchFamily="34" charset="0"/>
-            </a:endParaRPr>
+            <a:endParaRPr dirty="0"/>
           </a:p>
         </p:txBody>
       </p:sp>
       <p:pic>
         <p:nvPicPr>
-          <p:cNvPr id="131" name="Google Shape;131;p5"/>
+          <p:cNvPr id="141" name="Google Shape;141;p6"/>
           <p:cNvPicPr preferRelativeResize="0"/>
           <p:nvPr/>
         </p:nvPicPr>
@@ -18338,7 +18041,7 @@
       </p:pic>
       <p:sp>
         <p:nvSpPr>
-          <p:cNvPr id="132" name="Google Shape;132;p5"/>
+          <p:cNvPr id="142" name="Google Shape;142;p6"/>
           <p:cNvSpPr txBox="1">
             <a:spLocks noGrp="1"/>
           </p:cNvSpPr>
@@ -18384,7 +18087,7 @@
       </p:sp>
       <p:sp>
         <p:nvSpPr>
-          <p:cNvPr id="133" name="Google Shape;133;p5"/>
+          <p:cNvPr id="143" name="Google Shape;143;p6"/>
           <p:cNvSpPr txBox="1">
             <a:spLocks noGrp="1"/>
           </p:cNvSpPr>
@@ -18428,10 +18131,40 @@
           </a:p>
         </p:txBody>
       </p:sp>
+      <p:pic>
+        <p:nvPicPr>
+          <p:cNvPr id="4" name="Picture 3">
+            <a:extLst>
+              <a:ext uri="{FF2B5EF4-FFF2-40B4-BE49-F238E27FC236}">
+                <a16:creationId xmlns:a16="http://schemas.microsoft.com/office/drawing/2014/main" id="{392C8779-8984-CE94-1661-7A000B59162A}"/>
+              </a:ext>
+            </a:extLst>
+          </p:cNvPr>
+          <p:cNvPicPr>
+            <a:picLocks noChangeAspect="1"/>
+          </p:cNvPicPr>
+          <p:nvPr/>
+        </p:nvPicPr>
+        <p:blipFill>
+          <a:blip r:embed="rId4"/>
+          <a:stretch>
+            <a:fillRect/>
+          </a:stretch>
+        </p:blipFill>
+        <p:spPr>
+          <a:xfrm>
+            <a:off x="137652" y="2062069"/>
+            <a:ext cx="11582400" cy="2410357"/>
+          </a:xfrm>
+          <a:prstGeom prst="rect">
+            <a:avLst/>
+          </a:prstGeom>
+        </p:spPr>
+      </p:pic>
     </p:spTree>
     <p:extLst>
       <p:ext uri="{BB962C8B-B14F-4D97-AF65-F5344CB8AC3E}">
-        <p14:creationId xmlns:p14="http://schemas.microsoft.com/office/powerpoint/2010/main" val="85833834"/>
+        <p14:creationId xmlns:p14="http://schemas.microsoft.com/office/powerpoint/2010/main" val="2565517840"/>
       </p:ext>
     </p:extLst>
   </p:cSld>
@@ -18558,6 +18291,19 @@
               <a:buSzPts val="2800"/>
               <a:buNone/>
             </a:pPr>
+            <a:r>
+              <a:rPr lang="en-US" sz="2400" dirty="0"/>
+              <a:t>Model – I (Predicting MOS)</a:t>
+            </a:r>
+          </a:p>
+          <a:p>
+            <a:pPr marL="177800" indent="0" algn="just">
+              <a:spcBef>
+                <a:spcPts val="0"/>
+              </a:spcBef>
+              <a:buSzPts val="2800"/>
+              <a:buNone/>
+            </a:pPr>
             <a:endParaRPr lang="en-US" sz="2400" dirty="0"/>
           </a:p>
           <a:p>
@@ -18568,53 +18314,213 @@
               <a:buSzPts val="2800"/>
             </a:pPr>
             <a:r>
-              <a:rPr lang="en-US" sz="2400" dirty="0"/>
-              <a:t>The data is loaded from a CSV file and split into features (X) and the target variable (y).</a:t>
-            </a:r>
-          </a:p>
-          <a:p>
-            <a:pPr marL="520700" algn="just">
+              <a:rPr lang="en-US" sz="2400" b="0" i="0" dirty="0">
+                <a:solidFill>
+                  <a:schemeClr val="tx1"/>
+                </a:solidFill>
+                <a:effectLst/>
+                <a:latin typeface="Calibri" panose="020F0502020204030204" pitchFamily="34" charset="0"/>
+                <a:ea typeface="Calibri" panose="020F0502020204030204" pitchFamily="34" charset="0"/>
+                <a:cs typeface="Calibri" panose="020F0502020204030204" pitchFamily="34" charset="0"/>
+              </a:rPr>
+              <a:t>Each variable in the dataset belongs to a category of </a:t>
+            </a:r>
+            <a:r>
+              <a:rPr lang="en-US" sz="2400" b="0" i="0" dirty="0" err="1">
+                <a:solidFill>
+                  <a:schemeClr val="tx1"/>
+                </a:solidFill>
+                <a:effectLst/>
+                <a:latin typeface="Calibri" panose="020F0502020204030204" pitchFamily="34" charset="0"/>
+                <a:ea typeface="Calibri" panose="020F0502020204030204" pitchFamily="34" charset="0"/>
+                <a:cs typeface="Calibri" panose="020F0502020204030204" pitchFamily="34" charset="0"/>
+              </a:rPr>
+              <a:t>QoE</a:t>
+            </a:r>
+            <a:r>
+              <a:rPr lang="en-US" sz="2400" b="0" i="0" dirty="0">
+                <a:solidFill>
+                  <a:schemeClr val="tx1"/>
+                </a:solidFill>
+                <a:effectLst/>
+                <a:latin typeface="Calibri" panose="020F0502020204030204" pitchFamily="34" charset="0"/>
+                <a:ea typeface="Calibri" panose="020F0502020204030204" pitchFamily="34" charset="0"/>
+                <a:cs typeface="Calibri" panose="020F0502020204030204" pitchFamily="34" charset="0"/>
+              </a:rPr>
+              <a:t> Influence Factors (</a:t>
+            </a:r>
+            <a:r>
+              <a:rPr lang="en-US" sz="2400" b="0" i="0" dirty="0" err="1">
+                <a:solidFill>
+                  <a:schemeClr val="tx1"/>
+                </a:solidFill>
+                <a:effectLst/>
+                <a:latin typeface="Calibri" panose="020F0502020204030204" pitchFamily="34" charset="0"/>
+                <a:ea typeface="Calibri" panose="020F0502020204030204" pitchFamily="34" charset="0"/>
+                <a:cs typeface="Calibri" panose="020F0502020204030204" pitchFamily="34" charset="0"/>
+              </a:rPr>
+              <a:t>QoE</a:t>
+            </a:r>
+            <a:r>
+              <a:rPr lang="en-US" sz="2400" b="0" i="0" dirty="0">
+                <a:solidFill>
+                  <a:schemeClr val="tx1"/>
+                </a:solidFill>
+                <a:effectLst/>
+                <a:latin typeface="Calibri" panose="020F0502020204030204" pitchFamily="34" charset="0"/>
+                <a:ea typeface="Calibri" panose="020F0502020204030204" pitchFamily="34" charset="0"/>
+                <a:cs typeface="Calibri" panose="020F0502020204030204" pitchFamily="34" charset="0"/>
+              </a:rPr>
+              <a:t> IFs) that consists:</a:t>
+            </a:r>
+          </a:p>
+          <a:p>
+            <a:pPr marL="177800" indent="0" algn="just">
               <a:spcBef>
                 <a:spcPts val="0"/>
               </a:spcBef>
               <a:buSzPts val="2800"/>
-            </a:pPr>
-            <a:r>
-              <a:rPr lang="en-US" sz="2400" dirty="0"/>
-              <a:t>The given data has no null values</a:t>
-            </a:r>
-          </a:p>
-          <a:p>
-            <a:pPr marL="520700" algn="just">
+              <a:buNone/>
+            </a:pPr>
+            <a:endParaRPr lang="en-US" sz="2400" b="0" i="0" dirty="0">
+              <a:solidFill>
+                <a:schemeClr val="tx1"/>
+              </a:solidFill>
+              <a:effectLst/>
+              <a:latin typeface="Calibri" panose="020F0502020204030204" pitchFamily="34" charset="0"/>
+              <a:ea typeface="Calibri" panose="020F0502020204030204" pitchFamily="34" charset="0"/>
+              <a:cs typeface="Calibri" panose="020F0502020204030204" pitchFamily="34" charset="0"/>
+            </a:endParaRPr>
+          </a:p>
+          <a:p>
+            <a:pPr lvl="1">
+              <a:buFont typeface="Arial" panose="020B0604020202020204" pitchFamily="34" charset="0"/>
+              <a:buChar char="•"/>
+            </a:pPr>
+            <a:r>
+              <a:rPr lang="en-US" sz="2000" b="0" i="0" dirty="0">
+                <a:solidFill>
+                  <a:schemeClr val="tx1"/>
+                </a:solidFill>
+                <a:effectLst/>
+                <a:latin typeface="Calibri" panose="020F0502020204030204" pitchFamily="34" charset="0"/>
+                <a:ea typeface="Calibri" panose="020F0502020204030204" pitchFamily="34" charset="0"/>
+                <a:cs typeface="Calibri" panose="020F0502020204030204" pitchFamily="34" charset="0"/>
+              </a:rPr>
+              <a:t>Network parameters (QoS)</a:t>
+            </a:r>
+          </a:p>
+          <a:p>
+            <a:pPr lvl="1">
+              <a:buFont typeface="Arial" panose="020B0604020202020204" pitchFamily="34" charset="0"/>
+              <a:buChar char="•"/>
+            </a:pPr>
+            <a:r>
+              <a:rPr lang="en-US" sz="2000" b="0" i="0" dirty="0">
+                <a:solidFill>
+                  <a:schemeClr val="tx1"/>
+                </a:solidFill>
+                <a:effectLst/>
+                <a:latin typeface="Calibri" panose="020F0502020204030204" pitchFamily="34" charset="0"/>
+                <a:ea typeface="Calibri" panose="020F0502020204030204" pitchFamily="34" charset="0"/>
+                <a:cs typeface="Calibri" panose="020F0502020204030204" pitchFamily="34" charset="0"/>
+              </a:rPr>
+              <a:t>Video content analysis results</a:t>
+            </a:r>
+          </a:p>
+          <a:p>
+            <a:pPr lvl="1">
+              <a:buFont typeface="Arial" panose="020B0604020202020204" pitchFamily="34" charset="0"/>
+              <a:buChar char="•"/>
+            </a:pPr>
+            <a:r>
+              <a:rPr lang="en-US" sz="2000" b="0" i="0" dirty="0">
+                <a:solidFill>
+                  <a:schemeClr val="tx1"/>
+                </a:solidFill>
+                <a:effectLst/>
+                <a:latin typeface="Calibri" panose="020F0502020204030204" pitchFamily="34" charset="0"/>
+                <a:ea typeface="Calibri" panose="020F0502020204030204" pitchFamily="34" charset="0"/>
+                <a:cs typeface="Calibri" panose="020F0502020204030204" pitchFamily="34" charset="0"/>
+              </a:rPr>
+              <a:t>VLC player indicators </a:t>
+            </a:r>
+          </a:p>
+          <a:p>
+            <a:pPr lvl="1">
+              <a:buFont typeface="Arial" panose="020B0604020202020204" pitchFamily="34" charset="0"/>
+              <a:buChar char="•"/>
+            </a:pPr>
+            <a:r>
+              <a:rPr lang="en-US" sz="2000" b="0" i="0" dirty="0">
+                <a:solidFill>
+                  <a:schemeClr val="tx1"/>
+                </a:solidFill>
+                <a:effectLst/>
+                <a:latin typeface="Calibri" panose="020F0502020204030204" pitchFamily="34" charset="0"/>
+                <a:ea typeface="Calibri" panose="020F0502020204030204" pitchFamily="34" charset="0"/>
+                <a:cs typeface="Calibri" panose="020F0502020204030204" pitchFamily="34" charset="0"/>
+              </a:rPr>
+              <a:t>Device characteristics (</a:t>
+            </a:r>
+            <a:r>
+              <a:rPr lang="en-US" sz="2000" b="0" i="0" dirty="0" err="1">
+                <a:solidFill>
+                  <a:schemeClr val="tx1"/>
+                </a:solidFill>
+                <a:effectLst/>
+                <a:latin typeface="Calibri" panose="020F0502020204030204" pitchFamily="34" charset="0"/>
+                <a:ea typeface="Calibri" panose="020F0502020204030204" pitchFamily="34" charset="0"/>
+                <a:cs typeface="Calibri" panose="020F0502020204030204" pitchFamily="34" charset="0"/>
+              </a:rPr>
+              <a:t>QoD</a:t>
+            </a:r>
+            <a:r>
+              <a:rPr lang="en-US" sz="2000" b="0" i="0" dirty="0">
+                <a:solidFill>
+                  <a:schemeClr val="tx1"/>
+                </a:solidFill>
+                <a:effectLst/>
+                <a:latin typeface="Calibri" panose="020F0502020204030204" pitchFamily="34" charset="0"/>
+                <a:ea typeface="Calibri" panose="020F0502020204030204" pitchFamily="34" charset="0"/>
+                <a:cs typeface="Calibri" panose="020F0502020204030204" pitchFamily="34" charset="0"/>
+              </a:rPr>
+              <a:t>)</a:t>
+            </a:r>
+          </a:p>
+          <a:p>
+            <a:pPr lvl="1">
+              <a:buFont typeface="Arial" panose="020B0604020202020204" pitchFamily="34" charset="0"/>
+              <a:buChar char="•"/>
+            </a:pPr>
+            <a:r>
+              <a:rPr lang="en-US" sz="2000" b="0" i="0" dirty="0">
+                <a:solidFill>
+                  <a:schemeClr val="tx1"/>
+                </a:solidFill>
+                <a:effectLst/>
+                <a:latin typeface="Calibri" panose="020F0502020204030204" pitchFamily="34" charset="0"/>
+                <a:ea typeface="Calibri" panose="020F0502020204030204" pitchFamily="34" charset="0"/>
+                <a:cs typeface="Calibri" panose="020F0502020204030204" pitchFamily="34" charset="0"/>
+              </a:rPr>
+              <a:t>User's MOS score</a:t>
+            </a:r>
+          </a:p>
+          <a:p>
+            <a:pPr marL="977900" lvl="1" algn="just">
               <a:spcBef>
                 <a:spcPts val="0"/>
               </a:spcBef>
               <a:buSzPts val="2800"/>
             </a:pPr>
-            <a:r>
-              <a:rPr lang="en-US" sz="2400" dirty="0"/>
-              <a:t>Ordinal Encoding is used for categorical data </a:t>
-            </a:r>
-          </a:p>
-          <a:p>
-            <a:pPr marL="520700" algn="just">
-              <a:spcBef>
-                <a:spcPts val="0"/>
-              </a:spcBef>
-              <a:buSzPts val="2800"/>
-            </a:pPr>
-            <a:r>
-              <a:rPr lang="en-US" sz="2400" dirty="0"/>
-              <a:t>Standardization is applied to the features using </a:t>
-            </a:r>
-            <a:r>
-              <a:rPr lang="en-US" sz="2400" dirty="0" err="1"/>
-              <a:t>StandardScaler</a:t>
-            </a:r>
-            <a:r>
-              <a:rPr lang="en-US" sz="2400" dirty="0"/>
-              <a:t>. Standardization ensures that each feature has a mean of 0 and a standard deviation of 1, which can help the model converge faster.</a:t>
-            </a:r>
+            <a:endParaRPr lang="en-US" sz="2000" dirty="0">
+              <a:solidFill>
+                <a:schemeClr val="tx1"/>
+              </a:solidFill>
+              <a:latin typeface="Calibri" panose="020F0502020204030204" pitchFamily="34" charset="0"/>
+              <a:ea typeface="Calibri" panose="020F0502020204030204" pitchFamily="34" charset="0"/>
+              <a:cs typeface="Calibri" panose="020F0502020204030204" pitchFamily="34" charset="0"/>
+            </a:endParaRPr>
           </a:p>
         </p:txBody>
       </p:sp>
@@ -18740,7 +18646,7 @@
     </p:spTree>
     <p:extLst>
       <p:ext uri="{BB962C8B-B14F-4D97-AF65-F5344CB8AC3E}">
-        <p14:creationId xmlns:p14="http://schemas.microsoft.com/office/powerpoint/2010/main" val="2027460277"/>
+        <p14:creationId xmlns:p14="http://schemas.microsoft.com/office/powerpoint/2010/main" val="85833834"/>
       </p:ext>
     </p:extLst>
   </p:cSld>
@@ -18877,13 +18783,8 @@
               <a:buSzPts val="2800"/>
             </a:pPr>
             <a:r>
-              <a:rPr lang="en-US" sz="2400" i="0" dirty="0">
-                <a:effectLst/>
-                <a:latin typeface="Calibri" panose="020F0502020204030204" pitchFamily="34" charset="0"/>
-                <a:ea typeface="Calibri" panose="020F0502020204030204" pitchFamily="34" charset="0"/>
-                <a:cs typeface="Calibri" panose="020F0502020204030204" pitchFamily="34" charset="0"/>
-              </a:rPr>
-              <a:t>The Fisher Score algorithm is used for feature selection. </a:t>
+              <a:rPr lang="en-US" sz="2400" dirty="0"/>
+              <a:t>The data is loaded from a CSV file and split into features (X) and the target variable (y).</a:t>
             </a:r>
           </a:p>
           <a:p>
@@ -18894,42 +18795,41 @@
               <a:buSzPts val="2800"/>
             </a:pPr>
             <a:r>
-              <a:rPr lang="en-US" sz="2400" b="0" i="0" dirty="0">
-                <a:solidFill>
-                  <a:srgbClr val="383838"/>
-                </a:solidFill>
-                <a:effectLst/>
-                <a:latin typeface="Calibri" panose="020F0502020204030204" pitchFamily="34" charset="0"/>
-                <a:ea typeface="Calibri" panose="020F0502020204030204" pitchFamily="34" charset="0"/>
-                <a:cs typeface="Calibri" panose="020F0502020204030204" pitchFamily="34" charset="0"/>
-              </a:rPr>
-              <a:t>The algorithm returns the ranks of the variables based on the fisher’s score in descending order.</a:t>
-            </a:r>
-            <a:endParaRPr lang="en-US" sz="2400" dirty="0">
-              <a:latin typeface="Calibri" panose="020F0502020204030204" pitchFamily="34" charset="0"/>
-              <a:ea typeface="Calibri" panose="020F0502020204030204" pitchFamily="34" charset="0"/>
-              <a:cs typeface="Calibri" panose="020F0502020204030204" pitchFamily="34" charset="0"/>
-            </a:endParaRPr>
-          </a:p>
-          <a:p>
-            <a:pPr marL="177800" indent="0" algn="just">
+              <a:rPr lang="en-US" sz="2400" dirty="0"/>
+              <a:t>The given data has no null values</a:t>
+            </a:r>
+          </a:p>
+          <a:p>
+            <a:pPr marL="520700" algn="just">
               <a:spcBef>
                 <a:spcPts val="0"/>
               </a:spcBef>
               <a:buSzPts val="2800"/>
-              <a:buNone/>
-            </a:pPr>
-            <a:endParaRPr lang="en-US" sz="2400" dirty="0"/>
-          </a:p>
-          <a:p>
-            <a:pPr marL="177800" indent="0" algn="just">
+            </a:pPr>
+            <a:r>
+              <a:rPr lang="en-US" sz="2400" dirty="0"/>
+              <a:t>Ordinal Encoding is used for categorical data </a:t>
+            </a:r>
+          </a:p>
+          <a:p>
+            <a:pPr marL="520700" algn="just">
               <a:spcBef>
                 <a:spcPts val="0"/>
               </a:spcBef>
               <a:buSzPts val="2800"/>
-              <a:buNone/>
-            </a:pPr>
-            <a:endParaRPr lang="en-US" sz="2400" dirty="0"/>
+            </a:pPr>
+            <a:r>
+              <a:rPr lang="en-US" sz="2400" dirty="0"/>
+              <a:t>Standardization is applied to the features using </a:t>
+            </a:r>
+            <a:r>
+              <a:rPr lang="en-US" sz="2400" dirty="0" err="1"/>
+              <a:t>StandardScaler</a:t>
+            </a:r>
+            <a:r>
+              <a:rPr lang="en-US" sz="2400" dirty="0"/>
+              <a:t>. Standardization ensures that each feature has a mean of 0 and a standard deviation of 1, which can help the model converge faster.</a:t>
+            </a:r>
           </a:p>
         </p:txBody>
       </p:sp>
@@ -19047,6 +18947,324 @@
             <a:fld id="{00000000-1234-1234-1234-123412341234}" type="slidenum">
               <a:rPr lang="en-IN" sz="1600"/>
               <a:t>18</a:t>
+            </a:fld>
+            <a:endParaRPr sz="1600"/>
+          </a:p>
+        </p:txBody>
+      </p:sp>
+    </p:spTree>
+    <p:extLst>
+      <p:ext uri="{BB962C8B-B14F-4D97-AF65-F5344CB8AC3E}">
+        <p14:creationId xmlns:p14="http://schemas.microsoft.com/office/powerpoint/2010/main" val="2027460277"/>
+      </p:ext>
+    </p:extLst>
+  </p:cSld>
+  <p:clrMapOvr>
+    <a:masterClrMapping/>
+  </p:clrMapOvr>
+</p:sld>
+</file>
+
+<file path=ppt/slides/slide19.xml><?xml version="1.0" encoding="utf-8"?>
+<p:sld xmlns:a="http://schemas.openxmlformats.org/drawingml/2006/main" xmlns:r="http://schemas.openxmlformats.org/officeDocument/2006/relationships" xmlns:p="http://schemas.openxmlformats.org/presentationml/2006/main">
+  <p:cSld>
+    <p:spTree>
+      <p:nvGrpSpPr>
+        <p:cNvPr id="1" name="Shape 128"/>
+        <p:cNvGrpSpPr/>
+        <p:nvPr/>
+      </p:nvGrpSpPr>
+      <p:grpSpPr>
+        <a:xfrm>
+          <a:off x="0" y="0"/>
+          <a:ext cx="0" cy="0"/>
+          <a:chOff x="0" y="0"/>
+          <a:chExt cx="0" cy="0"/>
+        </a:xfrm>
+      </p:grpSpPr>
+      <p:sp>
+        <p:nvSpPr>
+          <p:cNvPr id="129" name="Google Shape;129;p5"/>
+          <p:cNvSpPr txBox="1">
+            <a:spLocks noGrp="1"/>
+          </p:cNvSpPr>
+          <p:nvPr>
+            <p:ph type="title"/>
+          </p:nvPr>
+        </p:nvSpPr>
+        <p:spPr>
+          <a:xfrm>
+            <a:off x="838200" y="365125"/>
+            <a:ext cx="10515600" cy="1325563"/>
+          </a:xfrm>
+          <a:prstGeom prst="rect">
+            <a:avLst/>
+          </a:prstGeom>
+          <a:noFill/>
+          <a:ln>
+            <a:noFill/>
+          </a:ln>
+        </p:spPr>
+        <p:txBody>
+          <a:bodyPr spcFirstLastPara="1" wrap="square" lIns="91425" tIns="45700" rIns="91425" bIns="45700" anchor="ctr" anchorCtr="0">
+            <a:normAutofit/>
+          </a:bodyPr>
+          <a:lstStyle/>
+          <a:p>
+            <a:pPr marL="0" lvl="0" indent="0" algn="l" rtl="0">
+              <a:lnSpc>
+                <a:spcPct val="90000"/>
+              </a:lnSpc>
+              <a:spcBef>
+                <a:spcPts val="0"/>
+              </a:spcBef>
+              <a:spcAft>
+                <a:spcPts val="0"/>
+              </a:spcAft>
+              <a:buClr>
+                <a:schemeClr val="dk1"/>
+              </a:buClr>
+              <a:buSzPts val="4400"/>
+              <a:buFont typeface="Calibri"/>
+              <a:buNone/>
+            </a:pPr>
+            <a:r>
+              <a:rPr lang="en-IN" dirty="0"/>
+              <a:t>Experimental Results</a:t>
+            </a:r>
+            <a:endParaRPr dirty="0"/>
+          </a:p>
+        </p:txBody>
+      </p:sp>
+      <p:sp>
+        <p:nvSpPr>
+          <p:cNvPr id="130" name="Google Shape;130;p5"/>
+          <p:cNvSpPr txBox="1">
+            <a:spLocks noGrp="1"/>
+          </p:cNvSpPr>
+          <p:nvPr>
+            <p:ph type="body" idx="1"/>
+          </p:nvPr>
+        </p:nvSpPr>
+        <p:spPr>
+          <a:xfrm>
+            <a:off x="838200" y="1149387"/>
+            <a:ext cx="10655710" cy="4985942"/>
+          </a:xfrm>
+          <a:prstGeom prst="rect">
+            <a:avLst/>
+          </a:prstGeom>
+          <a:noFill/>
+          <a:ln>
+            <a:noFill/>
+          </a:ln>
+        </p:spPr>
+        <p:txBody>
+          <a:bodyPr spcFirstLastPara="1" wrap="square" lIns="91425" tIns="45700" rIns="91425" bIns="45700" anchor="t" anchorCtr="0">
+            <a:normAutofit/>
+          </a:bodyPr>
+          <a:lstStyle/>
+          <a:p>
+            <a:pPr marL="177800" indent="0" algn="just">
+              <a:spcBef>
+                <a:spcPts val="0"/>
+              </a:spcBef>
+              <a:buSzPts val="2800"/>
+              <a:buNone/>
+            </a:pPr>
+            <a:endParaRPr lang="en-US" sz="2400" dirty="0"/>
+          </a:p>
+          <a:p>
+            <a:pPr marL="177800" indent="0" algn="just">
+              <a:spcBef>
+                <a:spcPts val="0"/>
+              </a:spcBef>
+              <a:buSzPts val="2800"/>
+              <a:buNone/>
+            </a:pPr>
+            <a:endParaRPr lang="en-US" sz="2400" dirty="0"/>
+          </a:p>
+          <a:p>
+            <a:pPr marL="520700" algn="just">
+              <a:spcBef>
+                <a:spcPts val="0"/>
+              </a:spcBef>
+              <a:buSzPts val="2800"/>
+            </a:pPr>
+            <a:r>
+              <a:rPr lang="en-US" sz="2400" i="0" dirty="0">
+                <a:effectLst/>
+                <a:latin typeface="Calibri" panose="020F0502020204030204" pitchFamily="34" charset="0"/>
+                <a:ea typeface="Calibri" panose="020F0502020204030204" pitchFamily="34" charset="0"/>
+                <a:cs typeface="Calibri" panose="020F0502020204030204" pitchFamily="34" charset="0"/>
+              </a:rPr>
+              <a:t>The Fisher Score algorithm is used for feature selection. </a:t>
+            </a:r>
+          </a:p>
+          <a:p>
+            <a:pPr marL="520700" algn="just">
+              <a:spcBef>
+                <a:spcPts val="0"/>
+              </a:spcBef>
+              <a:buSzPts val="2800"/>
+            </a:pPr>
+            <a:r>
+              <a:rPr lang="en-US" sz="2400" b="0" i="0" dirty="0">
+                <a:solidFill>
+                  <a:schemeClr val="tx1"/>
+                </a:solidFill>
+                <a:effectLst/>
+                <a:latin typeface="Calibri" panose="020F0502020204030204" pitchFamily="34" charset="0"/>
+                <a:ea typeface="Calibri" panose="020F0502020204030204" pitchFamily="34" charset="0"/>
+                <a:cs typeface="Calibri" panose="020F0502020204030204" pitchFamily="34" charset="0"/>
+              </a:rPr>
+              <a:t>The algorithm returns the ranks of the variables based on the fisher’s score in descending order.</a:t>
+            </a:r>
+            <a:endParaRPr lang="en-US" sz="2400" dirty="0">
+              <a:solidFill>
+                <a:schemeClr val="tx1"/>
+              </a:solidFill>
+              <a:latin typeface="Calibri" panose="020F0502020204030204" pitchFamily="34" charset="0"/>
+              <a:ea typeface="Calibri" panose="020F0502020204030204" pitchFamily="34" charset="0"/>
+              <a:cs typeface="Calibri" panose="020F0502020204030204" pitchFamily="34" charset="0"/>
+            </a:endParaRPr>
+          </a:p>
+          <a:p>
+            <a:pPr marL="177800" indent="0" algn="just">
+              <a:spcBef>
+                <a:spcPts val="0"/>
+              </a:spcBef>
+              <a:buSzPts val="2800"/>
+              <a:buNone/>
+            </a:pPr>
+            <a:endParaRPr lang="en-US" sz="2400" dirty="0"/>
+          </a:p>
+          <a:p>
+            <a:pPr marL="177800" indent="0" algn="just">
+              <a:spcBef>
+                <a:spcPts val="0"/>
+              </a:spcBef>
+              <a:buSzPts val="2800"/>
+              <a:buNone/>
+            </a:pPr>
+            <a:endParaRPr lang="en-US" sz="2400" dirty="0"/>
+          </a:p>
+        </p:txBody>
+      </p:sp>
+      <p:pic>
+        <p:nvPicPr>
+          <p:cNvPr id="131" name="Google Shape;131;p5"/>
+          <p:cNvPicPr preferRelativeResize="0"/>
+          <p:nvPr/>
+        </p:nvPicPr>
+        <p:blipFill rotWithShape="1">
+          <a:blip r:embed="rId3">
+            <a:alphaModFix/>
+          </a:blip>
+          <a:srcRect/>
+          <a:stretch/>
+        </p:blipFill>
+        <p:spPr>
+          <a:xfrm>
+            <a:off x="9602421" y="0"/>
+            <a:ext cx="1751379" cy="815788"/>
+          </a:xfrm>
+          <a:prstGeom prst="rect">
+            <a:avLst/>
+          </a:prstGeom>
+          <a:noFill/>
+          <a:ln>
+            <a:noFill/>
+          </a:ln>
+        </p:spPr>
+      </p:pic>
+      <p:sp>
+        <p:nvSpPr>
+          <p:cNvPr id="132" name="Google Shape;132;p5"/>
+          <p:cNvSpPr txBox="1">
+            <a:spLocks noGrp="1"/>
+          </p:cNvSpPr>
+          <p:nvPr>
+            <p:ph type="ftr" idx="11"/>
+          </p:nvPr>
+        </p:nvSpPr>
+        <p:spPr>
+          <a:xfrm>
+            <a:off x="4038600" y="6356350"/>
+            <a:ext cx="4114800" cy="365125"/>
+          </a:xfrm>
+          <a:prstGeom prst="rect">
+            <a:avLst/>
+          </a:prstGeom>
+          <a:noFill/>
+          <a:ln>
+            <a:noFill/>
+          </a:ln>
+        </p:spPr>
+        <p:txBody>
+          <a:bodyPr spcFirstLastPara="1" wrap="square" lIns="91425" tIns="45700" rIns="91425" bIns="45700" anchor="ctr" anchorCtr="0">
+            <a:noAutofit/>
+          </a:bodyPr>
+          <a:lstStyle/>
+          <a:p>
+            <a:pPr marL="0" lvl="0" indent="0" algn="ctr" rtl="0">
+              <a:spcBef>
+                <a:spcPts val="0"/>
+              </a:spcBef>
+              <a:spcAft>
+                <a:spcPts val="0"/>
+              </a:spcAft>
+              <a:buNone/>
+            </a:pPr>
+            <a:r>
+              <a:rPr lang="en-US"/>
+              <a:t>Indian Institute of Information Technology, Kottayam</a:t>
+            </a:r>
+            <a:endParaRPr/>
+          </a:p>
+        </p:txBody>
+      </p:sp>
+      <p:sp>
+        <p:nvSpPr>
+          <p:cNvPr id="133" name="Google Shape;133;p5"/>
+          <p:cNvSpPr txBox="1">
+            <a:spLocks noGrp="1"/>
+          </p:cNvSpPr>
+          <p:nvPr>
+            <p:ph type="sldNum" idx="12"/>
+          </p:nvPr>
+        </p:nvSpPr>
+        <p:spPr>
+          <a:xfrm>
+            <a:off x="8610600" y="6356350"/>
+            <a:ext cx="2743200" cy="365125"/>
+          </a:xfrm>
+          <a:prstGeom prst="rect">
+            <a:avLst/>
+          </a:prstGeom>
+          <a:noFill/>
+          <a:ln>
+            <a:noFill/>
+          </a:ln>
+        </p:spPr>
+        <p:txBody>
+          <a:bodyPr spcFirstLastPara="1" wrap="square" lIns="91425" tIns="45700" rIns="91425" bIns="45700" anchor="ctr" anchorCtr="0">
+            <a:noAutofit/>
+          </a:bodyPr>
+          <a:lstStyle/>
+          <a:p>
+            <a:pPr marL="0" lvl="0" indent="0" algn="r" rtl="0">
+              <a:spcBef>
+                <a:spcPts val="0"/>
+              </a:spcBef>
+              <a:spcAft>
+                <a:spcPts val="0"/>
+              </a:spcAft>
+              <a:buNone/>
+            </a:pPr>
+            <a:fld id="{00000000-1234-1234-1234-123412341234}" type="slidenum">
+              <a:rPr lang="en-IN" sz="1600"/>
+              <a:t>19</a:t>
             </a:fld>
             <a:endParaRPr sz="1600"/>
           </a:p>
@@ -19074,7 +19292,7 @@
         </p:blipFill>
         <p:spPr>
           <a:xfrm>
-            <a:off x="4297153" y="2500296"/>
+            <a:off x="4306986" y="2612874"/>
             <a:ext cx="6508044" cy="3856054"/>
           </a:xfrm>
           <a:prstGeom prst="rect">
@@ -19095,7 +19313,410 @@
 </p:sld>
 </file>
 
-<file path=ppt/slides/slide19.xml><?xml version="1.0" encoding="utf-8"?>
+<file path=ppt/slides/slide2.xml><?xml version="1.0" encoding="utf-8"?>
+<p:sld xmlns:a="http://schemas.openxmlformats.org/drawingml/2006/main" xmlns:r="http://schemas.openxmlformats.org/officeDocument/2006/relationships" xmlns:p="http://schemas.openxmlformats.org/presentationml/2006/main">
+  <p:cSld>
+    <p:spTree>
+      <p:nvGrpSpPr>
+        <p:cNvPr id="1" name="Shape 98"/>
+        <p:cNvGrpSpPr/>
+        <p:nvPr/>
+      </p:nvGrpSpPr>
+      <p:grpSpPr>
+        <a:xfrm>
+          <a:off x="0" y="0"/>
+          <a:ext cx="0" cy="0"/>
+          <a:chOff x="0" y="0"/>
+          <a:chExt cx="0" cy="0"/>
+        </a:xfrm>
+      </p:grpSpPr>
+      <p:sp>
+        <p:nvSpPr>
+          <p:cNvPr id="99" name="Google Shape;99;p2"/>
+          <p:cNvSpPr txBox="1">
+            <a:spLocks noGrp="1"/>
+          </p:cNvSpPr>
+          <p:nvPr>
+            <p:ph type="title"/>
+          </p:nvPr>
+        </p:nvSpPr>
+        <p:spPr>
+          <a:xfrm>
+            <a:off x="838200" y="0"/>
+            <a:ext cx="10515600" cy="1325700"/>
+          </a:xfrm>
+          <a:prstGeom prst="rect">
+            <a:avLst/>
+          </a:prstGeom>
+          <a:noFill/>
+          <a:ln>
+            <a:noFill/>
+          </a:ln>
+        </p:spPr>
+        <p:txBody>
+          <a:bodyPr spcFirstLastPara="1" wrap="square" lIns="91425" tIns="45700" rIns="91425" bIns="45700" anchor="ctr" anchorCtr="0">
+            <a:normAutofit/>
+          </a:bodyPr>
+          <a:lstStyle/>
+          <a:p>
+            <a:pPr marL="0" lvl="0" indent="0" algn="l" rtl="0">
+              <a:lnSpc>
+                <a:spcPct val="90000"/>
+              </a:lnSpc>
+              <a:spcBef>
+                <a:spcPts val="0"/>
+              </a:spcBef>
+              <a:spcAft>
+                <a:spcPts val="0"/>
+              </a:spcAft>
+              <a:buClr>
+                <a:schemeClr val="dk1"/>
+              </a:buClr>
+              <a:buSzPts val="4400"/>
+              <a:buFont typeface="Calibri"/>
+              <a:buNone/>
+            </a:pPr>
+            <a:r>
+              <a:rPr lang="en-IN" dirty="0"/>
+              <a:t>Table of Contents</a:t>
+            </a:r>
+            <a:endParaRPr dirty="0"/>
+          </a:p>
+        </p:txBody>
+      </p:sp>
+      <p:sp>
+        <p:nvSpPr>
+          <p:cNvPr id="100" name="Google Shape;100;p2"/>
+          <p:cNvSpPr txBox="1">
+            <a:spLocks noGrp="1"/>
+          </p:cNvSpPr>
+          <p:nvPr>
+            <p:ph type="body" idx="1"/>
+          </p:nvPr>
+        </p:nvSpPr>
+        <p:spPr>
+          <a:xfrm>
+            <a:off x="769374" y="1032387"/>
+            <a:ext cx="10515600" cy="4994787"/>
+          </a:xfrm>
+          <a:prstGeom prst="rect">
+            <a:avLst/>
+          </a:prstGeom>
+          <a:noFill/>
+          <a:ln>
+            <a:noFill/>
+          </a:ln>
+        </p:spPr>
+        <p:txBody>
+          <a:bodyPr spcFirstLastPara="1" wrap="square" lIns="91425" tIns="45700" rIns="91425" bIns="45700" anchor="t" anchorCtr="0">
+            <a:normAutofit lnSpcReduction="10000"/>
+          </a:bodyPr>
+          <a:lstStyle/>
+          <a:p>
+            <a:pPr marL="635000" indent="-457200">
+              <a:buSzPct val="100000"/>
+            </a:pPr>
+            <a:r>
+              <a:rPr lang="en-IN" dirty="0">
+                <a:latin typeface="Calibri" panose="020F0502020204030204" pitchFamily="34" charset="0"/>
+                <a:ea typeface="Calibri" panose="020F0502020204030204" pitchFamily="34" charset="0"/>
+                <a:cs typeface="Calibri" panose="020F0502020204030204" pitchFamily="34" charset="0"/>
+              </a:rPr>
+              <a:t>Introduction</a:t>
+            </a:r>
+          </a:p>
+          <a:p>
+            <a:pPr marL="635000" indent="-457200">
+              <a:buSzPct val="100000"/>
+            </a:pPr>
+            <a:r>
+              <a:rPr lang="en-IN" dirty="0">
+                <a:latin typeface="Calibri" panose="020F0502020204030204" pitchFamily="34" charset="0"/>
+                <a:ea typeface="Calibri" panose="020F0502020204030204" pitchFamily="34" charset="0"/>
+                <a:cs typeface="Calibri" panose="020F0502020204030204" pitchFamily="34" charset="0"/>
+              </a:rPr>
+              <a:t>Phase I Summary</a:t>
+            </a:r>
+          </a:p>
+          <a:p>
+            <a:pPr marL="635000" indent="-457200">
+              <a:buSzPct val="100000"/>
+            </a:pPr>
+            <a:r>
+              <a:rPr lang="en-IN" dirty="0">
+                <a:latin typeface="Calibri" panose="020F0502020204030204" pitchFamily="34" charset="0"/>
+                <a:ea typeface="Calibri" panose="020F0502020204030204" pitchFamily="34" charset="0"/>
+                <a:cs typeface="Calibri" panose="020F0502020204030204" pitchFamily="34" charset="0"/>
+              </a:rPr>
+              <a:t>Literature Review</a:t>
+            </a:r>
+          </a:p>
+          <a:p>
+            <a:pPr marL="635000" indent="-457200">
+              <a:buSzPct val="100000"/>
+            </a:pPr>
+            <a:r>
+              <a:rPr lang="en-IN" dirty="0">
+                <a:latin typeface="Calibri" panose="020F0502020204030204" pitchFamily="34" charset="0"/>
+                <a:ea typeface="Calibri" panose="020F0502020204030204" pitchFamily="34" charset="0"/>
+                <a:cs typeface="Calibri" panose="020F0502020204030204" pitchFamily="34" charset="0"/>
+              </a:rPr>
+              <a:t>Problem Statement</a:t>
+            </a:r>
+          </a:p>
+          <a:p>
+            <a:pPr marL="635000" indent="-457200">
+              <a:buSzPct val="100000"/>
+            </a:pPr>
+            <a:r>
+              <a:rPr lang="en-IN" dirty="0">
+                <a:latin typeface="Calibri" panose="020F0502020204030204" pitchFamily="34" charset="0"/>
+                <a:ea typeface="Calibri" panose="020F0502020204030204" pitchFamily="34" charset="0"/>
+                <a:cs typeface="Calibri" panose="020F0502020204030204" pitchFamily="34" charset="0"/>
+              </a:rPr>
+              <a:t>Objective</a:t>
+            </a:r>
+          </a:p>
+          <a:p>
+            <a:pPr marL="635000" indent="-457200">
+              <a:buSzPct val="100000"/>
+            </a:pPr>
+            <a:r>
+              <a:rPr lang="en-IN" dirty="0">
+                <a:latin typeface="Calibri" panose="020F0502020204030204" pitchFamily="34" charset="0"/>
+                <a:ea typeface="Calibri" panose="020F0502020204030204" pitchFamily="34" charset="0"/>
+                <a:cs typeface="Calibri" panose="020F0502020204030204" pitchFamily="34" charset="0"/>
+              </a:rPr>
+              <a:t>Proposed Methodology</a:t>
+            </a:r>
+          </a:p>
+          <a:p>
+            <a:pPr marL="635000" indent="-457200">
+              <a:buSzPct val="100000"/>
+            </a:pPr>
+            <a:r>
+              <a:rPr lang="en-IN" dirty="0">
+                <a:latin typeface="Calibri" panose="020F0502020204030204" pitchFamily="34" charset="0"/>
+                <a:ea typeface="Calibri" panose="020F0502020204030204" pitchFamily="34" charset="0"/>
+                <a:cs typeface="Calibri" panose="020F0502020204030204" pitchFamily="34" charset="0"/>
+              </a:rPr>
+              <a:t>Architecture</a:t>
+            </a:r>
+          </a:p>
+          <a:p>
+            <a:pPr marL="635000" indent="-457200">
+              <a:buSzPct val="100000"/>
+            </a:pPr>
+            <a:r>
+              <a:rPr lang="en-IN" dirty="0">
+                <a:latin typeface="Calibri" panose="020F0502020204030204" pitchFamily="34" charset="0"/>
+                <a:ea typeface="Calibri" panose="020F0502020204030204" pitchFamily="34" charset="0"/>
+                <a:cs typeface="Calibri" panose="020F0502020204030204" pitchFamily="34" charset="0"/>
+              </a:rPr>
+              <a:t>Experimental Results</a:t>
+            </a:r>
+          </a:p>
+          <a:p>
+            <a:pPr marL="635000" indent="-457200">
+              <a:buSzPct val="100000"/>
+            </a:pPr>
+            <a:r>
+              <a:rPr lang="en-IN" dirty="0">
+                <a:latin typeface="Calibri" panose="020F0502020204030204" pitchFamily="34" charset="0"/>
+                <a:ea typeface="Calibri" panose="020F0502020204030204" pitchFamily="34" charset="0"/>
+                <a:cs typeface="Calibri" panose="020F0502020204030204" pitchFamily="34" charset="0"/>
+              </a:rPr>
+              <a:t>Conclusion</a:t>
+            </a:r>
+          </a:p>
+          <a:p>
+            <a:pPr marL="635000" indent="-457200">
+              <a:buSzPct val="100000"/>
+            </a:pPr>
+            <a:r>
+              <a:rPr lang="en-IN" dirty="0">
+                <a:latin typeface="Calibri" panose="020F0502020204030204" pitchFamily="34" charset="0"/>
+                <a:ea typeface="Calibri" panose="020F0502020204030204" pitchFamily="34" charset="0"/>
+                <a:cs typeface="Calibri" panose="020F0502020204030204" pitchFamily="34" charset="0"/>
+              </a:rPr>
+              <a:t>References</a:t>
+            </a:r>
+          </a:p>
+          <a:p>
+            <a:pPr marL="635000" indent="-457200">
+              <a:buSzPct val="100000"/>
+            </a:pPr>
+            <a:endParaRPr lang="en-IN" dirty="0">
+              <a:latin typeface="Calibri" panose="020F0502020204030204" pitchFamily="34" charset="0"/>
+              <a:ea typeface="Calibri" panose="020F0502020204030204" pitchFamily="34" charset="0"/>
+              <a:cs typeface="Calibri" panose="020F0502020204030204" pitchFamily="34" charset="0"/>
+            </a:endParaRPr>
+          </a:p>
+          <a:p>
+            <a:pPr marL="635000" indent="-457200">
+              <a:buSzPct val="100000"/>
+            </a:pPr>
+            <a:endParaRPr lang="en-IN" dirty="0">
+              <a:latin typeface="Calibri" panose="020F0502020204030204" pitchFamily="34" charset="0"/>
+              <a:ea typeface="Calibri" panose="020F0502020204030204" pitchFamily="34" charset="0"/>
+              <a:cs typeface="Calibri" panose="020F0502020204030204" pitchFamily="34" charset="0"/>
+            </a:endParaRPr>
+          </a:p>
+          <a:p>
+            <a:pPr marL="635000" indent="-457200">
+              <a:buSzPct val="100000"/>
+            </a:pPr>
+            <a:endParaRPr lang="en-IN" dirty="0">
+              <a:latin typeface="Calibri" panose="020F0502020204030204" pitchFamily="34" charset="0"/>
+              <a:ea typeface="Calibri" panose="020F0502020204030204" pitchFamily="34" charset="0"/>
+              <a:cs typeface="Calibri" panose="020F0502020204030204" pitchFamily="34" charset="0"/>
+            </a:endParaRPr>
+          </a:p>
+          <a:p>
+            <a:pPr marL="635000" indent="-457200">
+              <a:buSzPct val="100000"/>
+            </a:pPr>
+            <a:endParaRPr dirty="0">
+              <a:latin typeface="Calibri" panose="020F0502020204030204" pitchFamily="34" charset="0"/>
+              <a:ea typeface="Calibri" panose="020F0502020204030204" pitchFamily="34" charset="0"/>
+              <a:cs typeface="Calibri" panose="020F0502020204030204" pitchFamily="34" charset="0"/>
+            </a:endParaRPr>
+          </a:p>
+        </p:txBody>
+      </p:sp>
+      <p:pic>
+        <p:nvPicPr>
+          <p:cNvPr id="101" name="Google Shape;101;p2"/>
+          <p:cNvPicPr preferRelativeResize="0"/>
+          <p:nvPr/>
+        </p:nvPicPr>
+        <p:blipFill rotWithShape="1">
+          <a:blip r:embed="rId3">
+            <a:alphaModFix/>
+          </a:blip>
+          <a:srcRect/>
+          <a:stretch/>
+        </p:blipFill>
+        <p:spPr>
+          <a:xfrm>
+            <a:off x="9602421" y="0"/>
+            <a:ext cx="1751379" cy="815788"/>
+          </a:xfrm>
+          <a:prstGeom prst="rect">
+            <a:avLst/>
+          </a:prstGeom>
+          <a:noFill/>
+          <a:ln>
+            <a:noFill/>
+          </a:ln>
+        </p:spPr>
+      </p:pic>
+      <p:sp>
+        <p:nvSpPr>
+          <p:cNvPr id="102" name="Google Shape;102;p2"/>
+          <p:cNvSpPr txBox="1">
+            <a:spLocks noGrp="1"/>
+          </p:cNvSpPr>
+          <p:nvPr>
+            <p:ph type="ftr" idx="11"/>
+          </p:nvPr>
+        </p:nvSpPr>
+        <p:spPr>
+          <a:xfrm>
+            <a:off x="4038600" y="6356350"/>
+            <a:ext cx="4114800" cy="365125"/>
+          </a:xfrm>
+          <a:prstGeom prst="rect">
+            <a:avLst/>
+          </a:prstGeom>
+          <a:noFill/>
+          <a:ln>
+            <a:noFill/>
+          </a:ln>
+        </p:spPr>
+        <p:txBody>
+          <a:bodyPr spcFirstLastPara="1" wrap="square" lIns="91425" tIns="45700" rIns="91425" bIns="45700" anchor="ctr" anchorCtr="0">
+            <a:noAutofit/>
+          </a:bodyPr>
+          <a:lstStyle/>
+          <a:p>
+            <a:pPr marL="0" lvl="0" indent="0" algn="ctr" rtl="0">
+              <a:spcBef>
+                <a:spcPts val="0"/>
+              </a:spcBef>
+              <a:spcAft>
+                <a:spcPts val="0"/>
+              </a:spcAft>
+              <a:buNone/>
+            </a:pPr>
+            <a:r>
+              <a:rPr lang="en-US"/>
+              <a:t>Indian Institute of Information Technology, Kottayam</a:t>
+            </a:r>
+            <a:endParaRPr/>
+          </a:p>
+        </p:txBody>
+      </p:sp>
+      <p:sp>
+        <p:nvSpPr>
+          <p:cNvPr id="103" name="Google Shape;103;p2"/>
+          <p:cNvSpPr txBox="1">
+            <a:spLocks noGrp="1"/>
+          </p:cNvSpPr>
+          <p:nvPr>
+            <p:ph type="sldNum" idx="12"/>
+          </p:nvPr>
+        </p:nvSpPr>
+        <p:spPr>
+          <a:xfrm>
+            <a:off x="8610600" y="6356350"/>
+            <a:ext cx="2743200" cy="365125"/>
+          </a:xfrm>
+          <a:prstGeom prst="rect">
+            <a:avLst/>
+          </a:prstGeom>
+          <a:noFill/>
+          <a:ln>
+            <a:noFill/>
+          </a:ln>
+        </p:spPr>
+        <p:txBody>
+          <a:bodyPr spcFirstLastPara="1" wrap="square" lIns="91425" tIns="45700" rIns="91425" bIns="45700" anchor="ctr" anchorCtr="0">
+            <a:noAutofit/>
+          </a:bodyPr>
+          <a:lstStyle/>
+          <a:p>
+            <a:pPr marL="0" lvl="0" indent="0" algn="r" rtl="0">
+              <a:spcBef>
+                <a:spcPts val="0"/>
+              </a:spcBef>
+              <a:spcAft>
+                <a:spcPts val="0"/>
+              </a:spcAft>
+              <a:buNone/>
+            </a:pPr>
+            <a:fld id="{00000000-1234-1234-1234-123412341234}" type="slidenum">
+              <a:rPr lang="en-IN" sz="1600"/>
+              <a:t>2</a:t>
+            </a:fld>
+            <a:endParaRPr sz="1600"/>
+          </a:p>
+        </p:txBody>
+      </p:sp>
+    </p:spTree>
+    <p:extLst>
+      <p:ext uri="{BB962C8B-B14F-4D97-AF65-F5344CB8AC3E}">
+        <p14:creationId xmlns:p14="http://schemas.microsoft.com/office/powerpoint/2010/main" val="2839532655"/>
+      </p:ext>
+    </p:extLst>
+  </p:cSld>
+  <p:clrMapOvr>
+    <a:masterClrMapping/>
+  </p:clrMapOvr>
+</p:sld>
+</file>
+
+<file path=ppt/slides/slide20.xml><?xml version="1.0" encoding="utf-8"?>
 <p:sld xmlns:a="http://schemas.openxmlformats.org/drawingml/2006/main" xmlns:r="http://schemas.openxmlformats.org/officeDocument/2006/relationships" xmlns:p="http://schemas.openxmlformats.org/presentationml/2006/main">
   <p:cSld>
     <p:spTree>
@@ -19196,7 +19817,7 @@
         </p:nvSpPr>
         <p:spPr>
           <a:xfrm>
-            <a:off x="838200" y="1149387"/>
+            <a:off x="768145" y="974446"/>
             <a:ext cx="10655710" cy="4985942"/>
           </a:xfrm>
           <a:prstGeom prst="rect">
@@ -19241,15 +19862,7 @@
             </a:pPr>
             <a:r>
               <a:rPr lang="en-US" sz="2400" dirty="0"/>
-              <a:t>Balanced Random Forest Classifier </a:t>
-            </a:r>
-            <a:r>
-              <a:rPr lang="en-US" sz="2400" dirty="0" err="1"/>
-              <a:t>alogorithm</a:t>
-            </a:r>
-            <a:r>
-              <a:rPr lang="en-US" sz="2400" dirty="0"/>
-              <a:t> is employed to predict MOS and below are the results</a:t>
+              <a:t>Initially Random Forest Classifier is used but results are not satisfactory. Instead, Balanced Random Forest Classifier algorithm is us to predict MOS and results are improved. Below is the comparison between the two models.</a:t>
             </a:r>
           </a:p>
           <a:p>
@@ -19395,7 +20008,7 @@
             </a:pPr>
             <a:fld id="{00000000-1234-1234-1234-123412341234}" type="slidenum">
               <a:rPr lang="en-IN" sz="1600"/>
-              <a:t>19</a:t>
+              <a:t>20</a:t>
             </a:fld>
             <a:endParaRPr sz="1600"/>
           </a:p>
@@ -19423,7 +20036,7 @@
         </p:blipFill>
         <p:spPr>
           <a:xfrm>
-            <a:off x="2815315" y="2904377"/>
+            <a:off x="6096000" y="3150183"/>
             <a:ext cx="5715798" cy="2419688"/>
           </a:xfrm>
           <a:prstGeom prst="rect">
@@ -19431,108 +20044,42 @@
           </a:prstGeom>
         </p:spPr>
       </p:pic>
-    </p:spTree>
-    <p:extLst>
-      <p:ext uri="{BB962C8B-B14F-4D97-AF65-F5344CB8AC3E}">
-        <p14:creationId xmlns:p14="http://schemas.microsoft.com/office/powerpoint/2010/main" val="3537112870"/>
-      </p:ext>
-    </p:extLst>
-  </p:cSld>
-  <p:clrMapOvr>
-    <a:masterClrMapping/>
-  </p:clrMapOvr>
-</p:sld>
-</file>
-
-<file path=ppt/slides/slide2.xml><?xml version="1.0" encoding="utf-8"?>
-<p:sld xmlns:a="http://schemas.openxmlformats.org/drawingml/2006/main" xmlns:r="http://schemas.openxmlformats.org/officeDocument/2006/relationships" xmlns:p="http://schemas.openxmlformats.org/presentationml/2006/main">
-  <p:cSld>
-    <p:spTree>
-      <p:nvGrpSpPr>
-        <p:cNvPr id="1" name=""/>
-        <p:cNvGrpSpPr/>
-        <p:nvPr/>
-      </p:nvGrpSpPr>
-      <p:grpSpPr>
-        <a:xfrm>
-          <a:off x="0" y="0"/>
-          <a:ext cx="0" cy="0"/>
-          <a:chOff x="0" y="0"/>
-          <a:chExt cx="0" cy="0"/>
-        </a:xfrm>
-      </p:grpSpPr>
-      <p:sp>
-        <p:nvSpPr>
-          <p:cNvPr id="2" name="Footer Placeholder 1">
+      <p:pic>
+        <p:nvPicPr>
+          <p:cNvPr id="3" name="Picture 2">
             <a:extLst>
               <a:ext uri="{FF2B5EF4-FFF2-40B4-BE49-F238E27FC236}">
-                <a16:creationId xmlns:a16="http://schemas.microsoft.com/office/drawing/2014/main" id="{C5FA641F-0144-4F04-AB96-F476E0E42FE4}"/>
+                <a16:creationId xmlns:a16="http://schemas.microsoft.com/office/drawing/2014/main" id="{F8E7F5AE-FA6D-043A-BB94-30594C3888F8}"/>
               </a:ext>
             </a:extLst>
           </p:cNvPr>
-          <p:cNvSpPr>
-            <a:spLocks noGrp="1"/>
-          </p:cNvSpPr>
-          <p:nvPr>
-            <p:ph type="ftr" idx="11"/>
-          </p:nvPr>
-        </p:nvSpPr>
-        <p:spPr/>
-        <p:txBody>
-          <a:bodyPr/>
-          <a:lstStyle/>
-          <a:p>
-            <a:r>
-              <a:rPr lang="en-US"/>
-              <a:t>Indian Institute of Information Technology, Kottayam</a:t>
-            </a:r>
-          </a:p>
-        </p:txBody>
-      </p:sp>
+          <p:cNvPicPr>
+            <a:picLocks noChangeAspect="1"/>
+          </p:cNvPicPr>
+          <p:nvPr/>
+        </p:nvPicPr>
+        <p:blipFill>
+          <a:blip r:embed="rId5"/>
+          <a:stretch>
+            <a:fillRect/>
+          </a:stretch>
+        </p:blipFill>
+        <p:spPr>
+          <a:xfrm>
+            <a:off x="380202" y="3144738"/>
+            <a:ext cx="5360362" cy="2419688"/>
+          </a:xfrm>
+          <a:prstGeom prst="rect">
+            <a:avLst/>
+          </a:prstGeom>
+        </p:spPr>
+      </p:pic>
       <p:sp>
         <p:nvSpPr>
-          <p:cNvPr id="3" name="Slide Number Placeholder 2">
+          <p:cNvPr id="2" name="TextBox 1">
             <a:extLst>
               <a:ext uri="{FF2B5EF4-FFF2-40B4-BE49-F238E27FC236}">
-                <a16:creationId xmlns:a16="http://schemas.microsoft.com/office/drawing/2014/main" id="{0E8E918C-E0B6-44D3-D912-FD9E883CE269}"/>
-              </a:ext>
-            </a:extLst>
-          </p:cNvPr>
-          <p:cNvSpPr>
-            <a:spLocks noGrp="1"/>
-          </p:cNvSpPr>
-          <p:nvPr>
-            <p:ph type="sldNum" idx="12"/>
-          </p:nvPr>
-        </p:nvSpPr>
-        <p:spPr/>
-        <p:txBody>
-          <a:bodyPr/>
-          <a:lstStyle/>
-          <a:p>
-            <a:pPr marL="0" lvl="0" indent="0" algn="r" rtl="0">
-              <a:spcBef>
-                <a:spcPts val="0"/>
-              </a:spcBef>
-              <a:spcAft>
-                <a:spcPts val="0"/>
-              </a:spcAft>
-              <a:buNone/>
-            </a:pPr>
-            <a:fld id="{00000000-1234-1234-1234-123412341234}" type="slidenum">
-              <a:rPr lang="en-IN" smtClean="0"/>
-              <a:t>2</a:t>
-            </a:fld>
-            <a:endParaRPr lang="en-IN"/>
-          </a:p>
-        </p:txBody>
-      </p:sp>
-      <p:sp>
-        <p:nvSpPr>
-          <p:cNvPr id="4" name="TextBox 3">
-            <a:extLst>
-              <a:ext uri="{FF2B5EF4-FFF2-40B4-BE49-F238E27FC236}">
-                <a16:creationId xmlns:a16="http://schemas.microsoft.com/office/drawing/2014/main" id="{D6FB7D7D-6973-5714-E047-F1E225CA990E}"/>
+                <a16:creationId xmlns:a16="http://schemas.microsoft.com/office/drawing/2014/main" id="{1339DBB7-B2FB-E44E-849C-B7DA2E5ABD77}"/>
               </a:ext>
             </a:extLst>
           </p:cNvPr>
@@ -19541,8 +20088,8 @@
         </p:nvSpPr>
         <p:spPr>
           <a:xfrm>
-            <a:off x="641555" y="-1"/>
-            <a:ext cx="5778910" cy="5047536"/>
+            <a:off x="1327355" y="5695989"/>
+            <a:ext cx="3834580" cy="461665"/>
           </a:xfrm>
           <a:prstGeom prst="rect">
             <a:avLst/>
@@ -19556,511 +20103,59 @@
           <a:lstStyle/>
           <a:p>
             <a:r>
-              <a:rPr lang="en-US" sz="4400" b="1" dirty="0">
+              <a:rPr lang="en-IN" sz="2400" dirty="0">
                 <a:latin typeface="Calibri" panose="020F0502020204030204" pitchFamily="34" charset="0"/>
+                <a:ea typeface="Calibri" panose="020F0502020204030204" pitchFamily="34" charset="0"/>
                 <a:cs typeface="Calibri" panose="020F0502020204030204" pitchFamily="34" charset="0"/>
               </a:rPr>
-              <a:t>Table of Contents :</a:t>
-            </a:r>
-          </a:p>
-          <a:p>
-            <a:endParaRPr lang="en-US" sz="2200" b="1" dirty="0">
-              <a:latin typeface="Calibri" panose="020F0502020204030204" pitchFamily="34" charset="0"/>
-              <a:cs typeface="Calibri" panose="020F0502020204030204" pitchFamily="34" charset="0"/>
-            </a:endParaRPr>
-          </a:p>
-          <a:p>
-            <a:pPr marL="342900" indent="-342900">
-              <a:buAutoNum type="arabicPeriod"/>
-            </a:pPr>
-            <a:r>
-              <a:rPr lang="en-US" sz="2200" dirty="0">
-                <a:latin typeface="Calibri" panose="020F0502020204030204" pitchFamily="34" charset="0"/>
-                <a:cs typeface="Calibri" panose="020F0502020204030204" pitchFamily="34" charset="0"/>
-              </a:rPr>
-              <a:t>Introduction</a:t>
-            </a:r>
-          </a:p>
-          <a:p>
-            <a:pPr marL="342900" indent="-342900">
-              <a:buAutoNum type="arabicPeriod"/>
-            </a:pPr>
-            <a:r>
-              <a:rPr lang="en-US" sz="2200" dirty="0">
-                <a:latin typeface="Calibri" panose="020F0502020204030204" pitchFamily="34" charset="0"/>
-                <a:cs typeface="Calibri" panose="020F0502020204030204" pitchFamily="34" charset="0"/>
-              </a:rPr>
-              <a:t>Phase I Summary</a:t>
-            </a:r>
-          </a:p>
-          <a:p>
-            <a:pPr marL="342900" indent="-342900">
-              <a:buAutoNum type="arabicPeriod"/>
-            </a:pPr>
-            <a:r>
-              <a:rPr lang="en-US" sz="2200" dirty="0">
-                <a:latin typeface="Calibri" panose="020F0502020204030204" pitchFamily="34" charset="0"/>
-                <a:cs typeface="Calibri" panose="020F0502020204030204" pitchFamily="34" charset="0"/>
-              </a:rPr>
-              <a:t>Literature Review</a:t>
-            </a:r>
-          </a:p>
-          <a:p>
-            <a:pPr marL="342900" indent="-342900">
-              <a:buAutoNum type="arabicPeriod"/>
-            </a:pPr>
-            <a:r>
-              <a:rPr lang="en-US" sz="2200" dirty="0">
-                <a:latin typeface="Calibri" panose="020F0502020204030204" pitchFamily="34" charset="0"/>
-                <a:cs typeface="Calibri" panose="020F0502020204030204" pitchFamily="34" charset="0"/>
-              </a:rPr>
-              <a:t>Problem Statement</a:t>
-            </a:r>
-          </a:p>
-          <a:p>
-            <a:pPr marL="342900" indent="-342900">
-              <a:buAutoNum type="arabicPeriod"/>
-            </a:pPr>
-            <a:r>
-              <a:rPr lang="en-US" sz="2200" dirty="0">
-                <a:latin typeface="Calibri" panose="020F0502020204030204" pitchFamily="34" charset="0"/>
-                <a:cs typeface="Calibri" panose="020F0502020204030204" pitchFamily="34" charset="0"/>
-              </a:rPr>
-              <a:t>Objective</a:t>
-            </a:r>
-          </a:p>
-          <a:p>
-            <a:pPr marL="342900" indent="-342900">
-              <a:buAutoNum type="arabicPeriod"/>
-            </a:pPr>
-            <a:r>
-              <a:rPr lang="en-US" sz="2200" dirty="0">
-                <a:latin typeface="Calibri" panose="020F0502020204030204" pitchFamily="34" charset="0"/>
-                <a:cs typeface="Calibri" panose="020F0502020204030204" pitchFamily="34" charset="0"/>
-              </a:rPr>
-              <a:t>Proposed Methodology</a:t>
-            </a:r>
-          </a:p>
-          <a:p>
-            <a:pPr marL="342900" indent="-342900">
-              <a:buAutoNum type="arabicPeriod"/>
-            </a:pPr>
-            <a:r>
-              <a:rPr lang="en-US" sz="2200" dirty="0">
-                <a:latin typeface="Calibri" panose="020F0502020204030204" pitchFamily="34" charset="0"/>
-                <a:cs typeface="Calibri" panose="020F0502020204030204" pitchFamily="34" charset="0"/>
-              </a:rPr>
-              <a:t>Architecture</a:t>
-            </a:r>
-          </a:p>
-          <a:p>
-            <a:pPr marL="342900" indent="-342900">
-              <a:buAutoNum type="arabicPeriod"/>
-            </a:pPr>
-            <a:r>
-              <a:rPr lang="en-US" sz="2200" dirty="0">
-                <a:latin typeface="Calibri" panose="020F0502020204030204" pitchFamily="34" charset="0"/>
-                <a:cs typeface="Calibri" panose="020F0502020204030204" pitchFamily="34" charset="0"/>
-              </a:rPr>
-              <a:t>Experimental Results</a:t>
-            </a:r>
-          </a:p>
-          <a:p>
-            <a:pPr marL="342900" indent="-342900">
-              <a:buAutoNum type="arabicPeriod"/>
-            </a:pPr>
-            <a:r>
-              <a:rPr lang="en-US" sz="2200" dirty="0">
-                <a:latin typeface="Calibri" panose="020F0502020204030204" pitchFamily="34" charset="0"/>
-                <a:cs typeface="Calibri" panose="020F0502020204030204" pitchFamily="34" charset="0"/>
-              </a:rPr>
-              <a:t>Conclusion</a:t>
-            </a:r>
-          </a:p>
-          <a:p>
-            <a:pPr marL="342900" indent="-342900">
-              <a:buAutoNum type="arabicPeriod"/>
-            </a:pPr>
-            <a:r>
-              <a:rPr lang="en-US" sz="2200" dirty="0">
-                <a:latin typeface="Calibri" panose="020F0502020204030204" pitchFamily="34" charset="0"/>
-                <a:cs typeface="Calibri" panose="020F0502020204030204" pitchFamily="34" charset="0"/>
-              </a:rPr>
-              <a:t> References</a:t>
-            </a:r>
-          </a:p>
-          <a:p>
-            <a:pPr marL="342900" indent="-342900">
-              <a:buAutoNum type="arabicPeriod"/>
-            </a:pPr>
-            <a:endParaRPr lang="en-US" sz="2200" dirty="0">
-              <a:latin typeface="Calibri" panose="020F0502020204030204" pitchFamily="34" charset="0"/>
-              <a:cs typeface="Calibri" panose="020F0502020204030204" pitchFamily="34" charset="0"/>
-            </a:endParaRPr>
-          </a:p>
-          <a:p>
-            <a:pPr marL="342900" indent="-342900">
-              <a:buAutoNum type="arabicPeriod"/>
-            </a:pPr>
-            <a:endParaRPr lang="en-US" dirty="0"/>
-          </a:p>
-        </p:txBody>
-      </p:sp>
-      <p:pic>
-        <p:nvPicPr>
-          <p:cNvPr id="5" name="Google Shape;101;p2">
-            <a:extLst>
-              <a:ext uri="{FF2B5EF4-FFF2-40B4-BE49-F238E27FC236}">
-                <a16:creationId xmlns:a16="http://schemas.microsoft.com/office/drawing/2014/main" id="{3D48F267-3DB2-311B-6E2B-5711D20AF9B3}"/>
-              </a:ext>
-            </a:extLst>
-          </p:cNvPr>
-          <p:cNvPicPr preferRelativeResize="0"/>
-          <p:nvPr/>
-        </p:nvPicPr>
-        <p:blipFill rotWithShape="1">
-          <a:blip r:embed="rId2">
-            <a:alphaModFix/>
-          </a:blip>
-          <a:srcRect/>
-          <a:stretch/>
-        </p:blipFill>
-        <p:spPr>
-          <a:xfrm>
-            <a:off x="9602421" y="17815"/>
-            <a:ext cx="1751379" cy="815788"/>
-          </a:xfrm>
-          <a:prstGeom prst="rect">
-            <a:avLst/>
-          </a:prstGeom>
-          <a:noFill/>
-          <a:ln>
-            <a:noFill/>
-          </a:ln>
-        </p:spPr>
-      </p:pic>
-    </p:spTree>
-    <p:extLst>
-      <p:ext uri="{BB962C8B-B14F-4D97-AF65-F5344CB8AC3E}">
-        <p14:creationId xmlns:p14="http://schemas.microsoft.com/office/powerpoint/2010/main" val="363718827"/>
-      </p:ext>
-    </p:extLst>
-  </p:cSld>
-  <p:clrMapOvr>
-    <a:masterClrMapping/>
-  </p:clrMapOvr>
-</p:sld>
-</file>
-
-<file path=ppt/slides/slide20.xml><?xml version="1.0" encoding="utf-8"?>
-<p:sld xmlns:a="http://schemas.openxmlformats.org/drawingml/2006/main" xmlns:r="http://schemas.openxmlformats.org/officeDocument/2006/relationships" xmlns:p="http://schemas.openxmlformats.org/presentationml/2006/main">
-  <p:cSld>
-    <p:spTree>
-      <p:nvGrpSpPr>
-        <p:cNvPr id="1" name="Shape 128"/>
-        <p:cNvGrpSpPr/>
-        <p:nvPr/>
-      </p:nvGrpSpPr>
-      <p:grpSpPr>
-        <a:xfrm>
-          <a:off x="0" y="0"/>
-          <a:ext cx="0" cy="0"/>
-          <a:chOff x="0" y="0"/>
-          <a:chExt cx="0" cy="0"/>
-        </a:xfrm>
-      </p:grpSpPr>
-      <p:sp>
-        <p:nvSpPr>
-          <p:cNvPr id="129" name="Google Shape;129;p5"/>
-          <p:cNvSpPr txBox="1">
-            <a:spLocks noGrp="1"/>
-          </p:cNvSpPr>
-          <p:nvPr>
-            <p:ph type="title"/>
-          </p:nvPr>
-        </p:nvSpPr>
-        <p:spPr>
-          <a:xfrm>
-            <a:off x="838200" y="365125"/>
-            <a:ext cx="10515600" cy="1325563"/>
-          </a:xfrm>
-          <a:prstGeom prst="rect">
-            <a:avLst/>
-          </a:prstGeom>
-          <a:noFill/>
-          <a:ln>
-            <a:noFill/>
-          </a:ln>
-        </p:spPr>
-        <p:txBody>
-          <a:bodyPr spcFirstLastPara="1" wrap="square" lIns="91425" tIns="45700" rIns="91425" bIns="45700" anchor="ctr" anchorCtr="0">
-            <a:normAutofit/>
-          </a:bodyPr>
-          <a:lstStyle/>
-          <a:p>
-            <a:pPr marL="0" lvl="0" indent="0" algn="l" rtl="0">
-              <a:lnSpc>
-                <a:spcPct val="90000"/>
-              </a:lnSpc>
-              <a:spcBef>
-                <a:spcPts val="0"/>
-              </a:spcBef>
-              <a:spcAft>
-                <a:spcPts val="0"/>
-              </a:spcAft>
-              <a:buClr>
-                <a:schemeClr val="dk1"/>
-              </a:buClr>
-              <a:buSzPts val="4400"/>
-              <a:buFont typeface="Calibri"/>
-              <a:buNone/>
-            </a:pPr>
-            <a:r>
-              <a:rPr lang="en-IN" dirty="0"/>
-              <a:t>Experimental Results</a:t>
-            </a:r>
-            <a:endParaRPr dirty="0"/>
+              <a:t>Random Forest Classifier </a:t>
+            </a:r>
           </a:p>
         </p:txBody>
       </p:sp>
       <p:sp>
         <p:nvSpPr>
-          <p:cNvPr id="130" name="Google Shape;130;p5"/>
-          <p:cNvSpPr txBox="1">
-            <a:spLocks noGrp="1"/>
-          </p:cNvSpPr>
-          <p:nvPr>
-            <p:ph type="body" idx="1"/>
-          </p:nvPr>
-        </p:nvSpPr>
-        <p:spPr>
-          <a:xfrm>
-            <a:off x="1042219" y="2252662"/>
-            <a:ext cx="8416413" cy="3654027"/>
-          </a:xfrm>
-          <a:prstGeom prst="rect">
-            <a:avLst/>
-          </a:prstGeom>
-          <a:noFill/>
-          <a:ln>
-            <a:noFill/>
-          </a:ln>
-        </p:spPr>
-        <p:txBody>
-          <a:bodyPr spcFirstLastPara="1" wrap="square" lIns="91425" tIns="45700" rIns="91425" bIns="45700" anchor="t" anchorCtr="0">
-            <a:normAutofit/>
-          </a:bodyPr>
-          <a:lstStyle/>
-          <a:p>
-            <a:pPr marL="177800" indent="0" algn="just">
-              <a:spcBef>
-                <a:spcPts val="0"/>
-              </a:spcBef>
-              <a:buSzPts val="2800"/>
-              <a:buNone/>
-            </a:pPr>
-            <a:endParaRPr lang="en-US" sz="2400" dirty="0"/>
-          </a:p>
-          <a:p>
-            <a:pPr marL="177800" indent="0" algn="just">
-              <a:spcBef>
-                <a:spcPts val="0"/>
-              </a:spcBef>
-              <a:buSzPts val="2800"/>
-              <a:buNone/>
-            </a:pPr>
-            <a:endParaRPr lang="en-US" sz="2400" dirty="0"/>
-          </a:p>
-          <a:p>
-            <a:pPr marL="520700" algn="just">
-              <a:spcBef>
-                <a:spcPts val="0"/>
-              </a:spcBef>
-              <a:buSzPts val="2800"/>
-            </a:pPr>
-            <a:endParaRPr lang="en-US" sz="2400" dirty="0"/>
-          </a:p>
-          <a:p>
-            <a:pPr marL="520700" algn="just">
-              <a:spcBef>
-                <a:spcPts val="0"/>
-              </a:spcBef>
-              <a:buSzPts val="2800"/>
-            </a:pPr>
-            <a:endParaRPr lang="en-US" sz="2400" dirty="0"/>
-          </a:p>
-        </p:txBody>
-      </p:sp>
-      <p:pic>
-        <p:nvPicPr>
-          <p:cNvPr id="131" name="Google Shape;131;p5"/>
-          <p:cNvPicPr preferRelativeResize="0"/>
-          <p:nvPr/>
-        </p:nvPicPr>
-        <p:blipFill rotWithShape="1">
-          <a:blip r:embed="rId3">
-            <a:alphaModFix/>
-          </a:blip>
-          <a:srcRect/>
-          <a:stretch/>
-        </p:blipFill>
-        <p:spPr>
-          <a:xfrm>
-            <a:off x="9602421" y="0"/>
-            <a:ext cx="1751379" cy="815788"/>
-          </a:xfrm>
-          <a:prstGeom prst="rect">
-            <a:avLst/>
-          </a:prstGeom>
-          <a:noFill/>
-          <a:ln>
-            <a:noFill/>
-          </a:ln>
-        </p:spPr>
-      </p:pic>
-      <p:sp>
-        <p:nvSpPr>
-          <p:cNvPr id="132" name="Google Shape;132;p5"/>
-          <p:cNvSpPr txBox="1">
-            <a:spLocks noGrp="1"/>
-          </p:cNvSpPr>
-          <p:nvPr>
-            <p:ph type="ftr" idx="11"/>
-          </p:nvPr>
-        </p:nvSpPr>
-        <p:spPr>
-          <a:xfrm>
-            <a:off x="4038600" y="6356350"/>
-            <a:ext cx="4114800" cy="365125"/>
-          </a:xfrm>
-          <a:prstGeom prst="rect">
-            <a:avLst/>
-          </a:prstGeom>
-          <a:noFill/>
-          <a:ln>
-            <a:noFill/>
-          </a:ln>
-        </p:spPr>
-        <p:txBody>
-          <a:bodyPr spcFirstLastPara="1" wrap="square" lIns="91425" tIns="45700" rIns="91425" bIns="45700" anchor="ctr" anchorCtr="0">
-            <a:noAutofit/>
-          </a:bodyPr>
-          <a:lstStyle/>
-          <a:p>
-            <a:pPr marL="0" lvl="0" indent="0" algn="ctr" rtl="0">
-              <a:spcBef>
-                <a:spcPts val="0"/>
-              </a:spcBef>
-              <a:spcAft>
-                <a:spcPts val="0"/>
-              </a:spcAft>
-              <a:buNone/>
-            </a:pPr>
-            <a:r>
-              <a:rPr lang="en-US"/>
-              <a:t>Indian Institute of Information Technology, Kottayam</a:t>
-            </a:r>
-            <a:endParaRPr/>
-          </a:p>
-        </p:txBody>
-      </p:sp>
-      <p:sp>
-        <p:nvSpPr>
-          <p:cNvPr id="133" name="Google Shape;133;p5"/>
-          <p:cNvSpPr txBox="1">
-            <a:spLocks noGrp="1"/>
-          </p:cNvSpPr>
-          <p:nvPr>
-            <p:ph type="sldNum" idx="12"/>
-          </p:nvPr>
-        </p:nvSpPr>
-        <p:spPr>
-          <a:xfrm>
-            <a:off x="8610600" y="6356350"/>
-            <a:ext cx="2743200" cy="365125"/>
-          </a:xfrm>
-          <a:prstGeom prst="rect">
-            <a:avLst/>
-          </a:prstGeom>
-          <a:noFill/>
-          <a:ln>
-            <a:noFill/>
-          </a:ln>
-        </p:spPr>
-        <p:txBody>
-          <a:bodyPr spcFirstLastPara="1" wrap="square" lIns="91425" tIns="45700" rIns="91425" bIns="45700" anchor="ctr" anchorCtr="0">
-            <a:noAutofit/>
-          </a:bodyPr>
-          <a:lstStyle/>
-          <a:p>
-            <a:pPr marL="0" lvl="0" indent="0" algn="r" rtl="0">
-              <a:spcBef>
-                <a:spcPts val="0"/>
-              </a:spcBef>
-              <a:spcAft>
-                <a:spcPts val="0"/>
-              </a:spcAft>
-              <a:buNone/>
-            </a:pPr>
-            <a:fld id="{00000000-1234-1234-1234-123412341234}" type="slidenum">
-              <a:rPr lang="en-IN" sz="1600"/>
-              <a:t>20</a:t>
-            </a:fld>
-            <a:endParaRPr sz="1600"/>
-          </a:p>
-        </p:txBody>
-      </p:sp>
-      <p:pic>
-        <p:nvPicPr>
-          <p:cNvPr id="1026" name="Picture 2">
+          <p:cNvPr id="5" name="TextBox 4">
             <a:extLst>
               <a:ext uri="{FF2B5EF4-FFF2-40B4-BE49-F238E27FC236}">
-                <a16:creationId xmlns:a16="http://schemas.microsoft.com/office/drawing/2014/main" id="{148AC028-7548-88E5-29C5-CBB7185700BE}"/>
+                <a16:creationId xmlns:a16="http://schemas.microsoft.com/office/drawing/2014/main" id="{EF2EC133-CECF-78A1-908F-20BF83233B8F}"/>
               </a:ext>
             </a:extLst>
           </p:cNvPr>
-          <p:cNvPicPr>
-            <a:picLocks noChangeAspect="1" noChangeArrowheads="1"/>
-          </p:cNvPicPr>
+          <p:cNvSpPr txBox="1"/>
           <p:nvPr/>
-        </p:nvPicPr>
-        <p:blipFill>
-          <a:blip r:embed="rId4">
-            <a:extLst>
-              <a:ext uri="{28A0092B-C50C-407E-A947-70E740481C1C}">
-                <a14:useLocalDpi xmlns:a14="http://schemas.microsoft.com/office/drawing/2010/main" val="0"/>
-              </a:ext>
-            </a:extLst>
-          </a:blip>
-          <a:srcRect/>
-          <a:stretch>
-            <a:fillRect/>
-          </a:stretch>
-        </p:blipFill>
-        <p:spPr bwMode="auto">
-          <a:xfrm>
-            <a:off x="2471584" y="1494043"/>
-            <a:ext cx="6439963" cy="4115257"/>
+        </p:nvSpPr>
+        <p:spPr>
+          <a:xfrm>
+            <a:off x="7011415" y="5693981"/>
+            <a:ext cx="4606412" cy="461665"/>
           </a:xfrm>
           <a:prstGeom prst="rect">
             <a:avLst/>
           </a:prstGeom>
           <a:noFill/>
-          <a:extLst>
-            <a:ext uri="{909E8E84-426E-40DD-AFC4-6F175D3DCCD1}">
-              <a14:hiddenFill xmlns:a14="http://schemas.microsoft.com/office/drawing/2010/main">
-                <a:solidFill>
-                  <a:srgbClr val="FFFFFF"/>
-                </a:solidFill>
-              </a14:hiddenFill>
-            </a:ext>
-          </a:extLst>
-        </p:spPr>
-      </p:pic>
+        </p:spPr>
+        <p:txBody>
+          <a:bodyPr wrap="square" rtlCol="0">
+            <a:spAutoFit/>
+          </a:bodyPr>
+          <a:lstStyle/>
+          <a:p>
+            <a:r>
+              <a:rPr lang="en-IN" sz="2400" dirty="0">
+                <a:latin typeface="Calibri" panose="020F0502020204030204" pitchFamily="34" charset="0"/>
+                <a:ea typeface="Calibri" panose="020F0502020204030204" pitchFamily="34" charset="0"/>
+                <a:cs typeface="Calibri" panose="020F0502020204030204" pitchFamily="34" charset="0"/>
+              </a:rPr>
+              <a:t>Balanced Random Forest Classifier </a:t>
+            </a:r>
+          </a:p>
+        </p:txBody>
+      </p:sp>
     </p:spTree>
     <p:extLst>
       <p:ext uri="{BB962C8B-B14F-4D97-AF65-F5344CB8AC3E}">
-        <p14:creationId xmlns:p14="http://schemas.microsoft.com/office/powerpoint/2010/main" val="4015377334"/>
+        <p14:creationId xmlns:p14="http://schemas.microsoft.com/office/powerpoint/2010/main" val="3537112870"/>
       </p:ext>
     </p:extLst>
   </p:cSld>
@@ -20153,8 +20248,8 @@
         </p:nvSpPr>
         <p:spPr>
           <a:xfrm>
-            <a:off x="698090" y="1385887"/>
-            <a:ext cx="10655710" cy="4773817"/>
+            <a:off x="1042219" y="2252662"/>
+            <a:ext cx="8416413" cy="3654027"/>
           </a:xfrm>
           <a:prstGeom prst="rect">
             <a:avLst/>
@@ -20186,186 +20281,6 @@
               </a:spcBef>
               <a:buSzPts val="2800"/>
               <a:buNone/>
-            </a:pPr>
-            <a:r>
-              <a:rPr lang="en-US" sz="2400" dirty="0"/>
-              <a:t>Model – II (Predicting </a:t>
-            </a:r>
-            <a:r>
-              <a:rPr lang="en-US" sz="2400" dirty="0" err="1"/>
-              <a:t>AvgVideoBitRate</a:t>
-            </a:r>
-            <a:r>
-              <a:rPr lang="en-US" sz="2400" dirty="0"/>
-              <a:t>)</a:t>
-            </a:r>
-          </a:p>
-          <a:p>
-            <a:pPr marL="177800" indent="0" algn="just">
-              <a:spcBef>
-                <a:spcPts val="0"/>
-              </a:spcBef>
-              <a:buSzPts val="2800"/>
-              <a:buNone/>
-            </a:pPr>
-            <a:endParaRPr lang="en-US" sz="2400" dirty="0"/>
-          </a:p>
-          <a:p>
-            <a:pPr marL="177800" indent="0" algn="just">
-              <a:spcBef>
-                <a:spcPts val="0"/>
-              </a:spcBef>
-              <a:buSzPts val="2800"/>
-              <a:buNone/>
-            </a:pPr>
-            <a:r>
-              <a:rPr lang="en-US" sz="2400" dirty="0"/>
-              <a:t>Architecture</a:t>
-            </a:r>
-          </a:p>
-          <a:p>
-            <a:pPr marL="520700" algn="just">
-              <a:spcBef>
-                <a:spcPts val="0"/>
-              </a:spcBef>
-              <a:buSzPts val="2800"/>
-            </a:pPr>
-            <a:r>
-              <a:rPr lang="en-US" sz="2400" b="0" i="0" dirty="0">
-                <a:solidFill>
-                  <a:schemeClr val="tx1"/>
-                </a:solidFill>
-                <a:effectLst/>
-                <a:latin typeface="Calibri" panose="020F0502020204030204" pitchFamily="34" charset="0"/>
-                <a:ea typeface="Calibri" panose="020F0502020204030204" pitchFamily="34" charset="0"/>
-                <a:cs typeface="Calibri" panose="020F0502020204030204" pitchFamily="34" charset="0"/>
-              </a:rPr>
-              <a:t>The model is a Sequential model, meaning it consists of a linear stack of layers where each layer has exactly one input tensor and one output tensor.</a:t>
-            </a:r>
-          </a:p>
-          <a:p>
-            <a:pPr marL="520700" algn="just">
-              <a:spcBef>
-                <a:spcPts val="0"/>
-              </a:spcBef>
-              <a:buSzPts val="2800"/>
-            </a:pPr>
-            <a:r>
-              <a:rPr lang="en-US" sz="2400" b="0" i="0" dirty="0">
-                <a:solidFill>
-                  <a:schemeClr val="tx1"/>
-                </a:solidFill>
-                <a:effectLst/>
-                <a:latin typeface="Calibri" panose="020F0502020204030204" pitchFamily="34" charset="0"/>
-                <a:ea typeface="Calibri" panose="020F0502020204030204" pitchFamily="34" charset="0"/>
-                <a:cs typeface="Calibri" panose="020F0502020204030204" pitchFamily="34" charset="0"/>
-              </a:rPr>
-              <a:t>Conv1D layer is added with 64 filters, a kernel size of 3, and </a:t>
-            </a:r>
-            <a:r>
-              <a:rPr lang="en-US" sz="2400" b="0" i="0" dirty="0" err="1">
-                <a:solidFill>
-                  <a:schemeClr val="tx1"/>
-                </a:solidFill>
-                <a:effectLst/>
-                <a:latin typeface="Calibri" panose="020F0502020204030204" pitchFamily="34" charset="0"/>
-                <a:ea typeface="Calibri" panose="020F0502020204030204" pitchFamily="34" charset="0"/>
-                <a:cs typeface="Calibri" panose="020F0502020204030204" pitchFamily="34" charset="0"/>
-              </a:rPr>
-              <a:t>ReLU</a:t>
-            </a:r>
-            <a:r>
-              <a:rPr lang="en-US" sz="2400" b="0" i="0" dirty="0">
-                <a:solidFill>
-                  <a:schemeClr val="tx1"/>
-                </a:solidFill>
-                <a:effectLst/>
-                <a:latin typeface="Calibri" panose="020F0502020204030204" pitchFamily="34" charset="0"/>
-                <a:ea typeface="Calibri" panose="020F0502020204030204" pitchFamily="34" charset="0"/>
-                <a:cs typeface="Calibri" panose="020F0502020204030204" pitchFamily="34" charset="0"/>
-              </a:rPr>
-              <a:t> activation.</a:t>
-            </a:r>
-          </a:p>
-          <a:p>
-            <a:pPr marL="520700" algn="just">
-              <a:spcBef>
-                <a:spcPts val="0"/>
-              </a:spcBef>
-              <a:buSzPts val="2800"/>
-            </a:pPr>
-            <a:r>
-              <a:rPr lang="en-US" sz="2400" b="0" i="0" dirty="0">
-                <a:solidFill>
-                  <a:schemeClr val="tx1"/>
-                </a:solidFill>
-                <a:effectLst/>
-                <a:latin typeface="Calibri" panose="020F0502020204030204" pitchFamily="34" charset="0"/>
-                <a:ea typeface="Calibri" panose="020F0502020204030204" pitchFamily="34" charset="0"/>
-                <a:cs typeface="Calibri" panose="020F0502020204030204" pitchFamily="34" charset="0"/>
-              </a:rPr>
-              <a:t>MaxPooling1D layer is added with a pooling size of 2, reducing the spatial dimensions of the representation.</a:t>
-            </a:r>
-          </a:p>
-          <a:p>
-            <a:pPr marL="520700" algn="just">
-              <a:spcBef>
-                <a:spcPts val="0"/>
-              </a:spcBef>
-              <a:buSzPts val="2800"/>
-            </a:pPr>
-            <a:r>
-              <a:rPr lang="en-US" sz="2400" dirty="0"/>
-              <a:t>Flatten layer is added to transform the output from the convolutional and pooling layers into a flat 1D array, which can be fed into the fully connected layers.</a:t>
-            </a:r>
-          </a:p>
-          <a:p>
-            <a:pPr marL="520700" algn="just">
-              <a:spcBef>
-                <a:spcPts val="0"/>
-              </a:spcBef>
-              <a:buSzPts val="2800"/>
-            </a:pPr>
-            <a:r>
-              <a:rPr lang="en-US" sz="2400" dirty="0">
-                <a:solidFill>
-                  <a:schemeClr val="tx1"/>
-                </a:solidFill>
-                <a:latin typeface="Calibri" panose="020F0502020204030204" pitchFamily="34" charset="0"/>
-                <a:ea typeface="Calibri" panose="020F0502020204030204" pitchFamily="34" charset="0"/>
-                <a:cs typeface="Calibri" panose="020F0502020204030204" pitchFamily="34" charset="0"/>
-              </a:rPr>
-              <a:t>Two dense layers are added with </a:t>
-            </a:r>
-            <a:r>
-              <a:rPr lang="en-US" sz="2400" dirty="0" err="1">
-                <a:solidFill>
-                  <a:schemeClr val="tx1"/>
-                </a:solidFill>
-                <a:latin typeface="Calibri" panose="020F0502020204030204" pitchFamily="34" charset="0"/>
-                <a:ea typeface="Calibri" panose="020F0502020204030204" pitchFamily="34" charset="0"/>
-                <a:cs typeface="Calibri" panose="020F0502020204030204" pitchFamily="34" charset="0"/>
-              </a:rPr>
-              <a:t>ReLU</a:t>
-            </a:r>
-            <a:r>
-              <a:rPr lang="en-US" sz="2400" dirty="0">
-                <a:solidFill>
-                  <a:schemeClr val="tx1"/>
-                </a:solidFill>
-                <a:latin typeface="Calibri" panose="020F0502020204030204" pitchFamily="34" charset="0"/>
-                <a:ea typeface="Calibri" panose="020F0502020204030204" pitchFamily="34" charset="0"/>
-                <a:cs typeface="Calibri" panose="020F0502020204030204" pitchFamily="34" charset="0"/>
-              </a:rPr>
-              <a:t> activation. The first dense layer has 64 neurons and other layer has single neuron</a:t>
-            </a:r>
-          </a:p>
-          <a:p>
-            <a:pPr marL="520700" algn="just">
-              <a:spcBef>
-                <a:spcPts val="0"/>
-              </a:spcBef>
-              <a:buSzPts val="2800"/>
             </a:pPr>
             <a:endParaRPr lang="en-US" sz="2400" dirty="0"/>
           </a:p>
@@ -20508,10 +20423,57 @@
           </a:p>
         </p:txBody>
       </p:sp>
+      <p:pic>
+        <p:nvPicPr>
+          <p:cNvPr id="1026" name="Picture 2">
+            <a:extLst>
+              <a:ext uri="{FF2B5EF4-FFF2-40B4-BE49-F238E27FC236}">
+                <a16:creationId xmlns:a16="http://schemas.microsoft.com/office/drawing/2014/main" id="{148AC028-7548-88E5-29C5-CBB7185700BE}"/>
+              </a:ext>
+            </a:extLst>
+          </p:cNvPr>
+          <p:cNvPicPr>
+            <a:picLocks noChangeAspect="1" noChangeArrowheads="1"/>
+          </p:cNvPicPr>
+          <p:nvPr/>
+        </p:nvPicPr>
+        <p:blipFill>
+          <a:blip r:embed="rId4">
+            <a:extLst>
+              <a:ext uri="{28A0092B-C50C-407E-A947-70E740481C1C}">
+                <a14:useLocalDpi xmlns:a14="http://schemas.microsoft.com/office/drawing/2010/main" val="0"/>
+              </a:ext>
+            </a:extLst>
+          </a:blip>
+          <a:srcRect/>
+          <a:stretch>
+            <a:fillRect/>
+          </a:stretch>
+        </p:blipFill>
+        <p:spPr bwMode="auto">
+          <a:xfrm>
+            <a:off x="2471584" y="1494043"/>
+            <a:ext cx="6439963" cy="4115257"/>
+          </a:xfrm>
+          <a:prstGeom prst="rect">
+            <a:avLst/>
+          </a:prstGeom>
+          <a:noFill/>
+          <a:extLst>
+            <a:ext uri="{909E8E84-426E-40DD-AFC4-6F175D3DCCD1}">
+              <a14:hiddenFill xmlns:a14="http://schemas.microsoft.com/office/drawing/2010/main">
+                <a:solidFill>
+                  <a:srgbClr val="FFFFFF"/>
+                </a:solidFill>
+              </a14:hiddenFill>
+            </a:ext>
+          </a:extLst>
+        </p:spPr>
+      </p:pic>
     </p:spTree>
     <p:extLst>
       <p:ext uri="{BB962C8B-B14F-4D97-AF65-F5344CB8AC3E}">
-        <p14:creationId xmlns:p14="http://schemas.microsoft.com/office/powerpoint/2010/main" val="3109910086"/>
+        <p14:creationId xmlns:p14="http://schemas.microsoft.com/office/powerpoint/2010/main" val="4015377334"/>
       </p:ext>
     </p:extLst>
   </p:cSld>
@@ -20604,8 +20566,8 @@
         </p:nvSpPr>
         <p:spPr>
           <a:xfrm>
-            <a:off x="838200" y="1149386"/>
-            <a:ext cx="10655710" cy="5467723"/>
+            <a:off x="698090" y="1385887"/>
+            <a:ext cx="10655710" cy="4773817"/>
           </a:xfrm>
           <a:prstGeom prst="rect">
             <a:avLst/>
@@ -20640,7 +20602,15 @@
             </a:pPr>
             <a:r>
               <a:rPr lang="en-US" sz="2400" dirty="0"/>
-              <a:t>Model Architecture</a:t>
+              <a:t>Model – II (Predicting </a:t>
+            </a:r>
+            <a:r>
+              <a:rPr lang="en-US" sz="2400" dirty="0" err="1"/>
+              <a:t>AvgVideoBitRate</a:t>
+            </a:r>
+            <a:r>
+              <a:rPr lang="en-US" sz="2400" dirty="0"/>
+              <a:t>)</a:t>
             </a:r>
           </a:p>
           <a:p>
@@ -20663,21 +20633,18 @@
             </a:pPr>
             <a:r>
               <a:rPr lang="en-US" sz="2400" dirty="0"/>
-              <a:t>Test MAE: </a:t>
-            </a:r>
-            <a:r>
-              <a:rPr lang="en-IN" sz="2400" b="1" dirty="0">
-                <a:solidFill>
-                  <a:schemeClr val="tx1"/>
-                </a:solidFill>
-                <a:latin typeface="Calibri" panose="020F0502020204030204" pitchFamily="34" charset="0"/>
-                <a:ea typeface="Calibri" panose="020F0502020204030204" pitchFamily="34" charset="0"/>
-                <a:cs typeface="Calibri" panose="020F0502020204030204" pitchFamily="34" charset="0"/>
-              </a:rPr>
-              <a:t>69</a:t>
-            </a:r>
-            <a:r>
-              <a:rPr lang="en-IN" sz="2400" b="1" i="0" dirty="0">
+              <a:t>Architecture</a:t>
+            </a:r>
+          </a:p>
+          <a:p>
+            <a:pPr marL="520700" algn="just">
+              <a:spcBef>
+                <a:spcPts val="0"/>
+              </a:spcBef>
+              <a:buSzPts val="2800"/>
+            </a:pPr>
+            <a:r>
+              <a:rPr lang="en-US" sz="2400" b="0" i="0" dirty="0">
                 <a:solidFill>
                   <a:schemeClr val="tx1"/>
                 </a:solidFill>
@@ -20686,16 +20653,152 @@
                 <a:ea typeface="Calibri" panose="020F0502020204030204" pitchFamily="34" charset="0"/>
                 <a:cs typeface="Calibri" panose="020F0502020204030204" pitchFamily="34" charset="0"/>
               </a:rPr>
-              <a:t>547.96</a:t>
-            </a:r>
-            <a:endParaRPr lang="en-US" sz="2400" b="1" dirty="0">
-              <a:solidFill>
-                <a:schemeClr val="tx1"/>
-              </a:solidFill>
-              <a:latin typeface="Calibri" panose="020F0502020204030204" pitchFamily="34" charset="0"/>
-              <a:ea typeface="Calibri" panose="020F0502020204030204" pitchFamily="34" charset="0"/>
-              <a:cs typeface="Calibri" panose="020F0502020204030204" pitchFamily="34" charset="0"/>
-            </a:endParaRPr>
+              <a:t>The model is a Sequential model, meaning it consists of a linear stack of layers where each layer has exactly one input tensor and one output tensor.</a:t>
+            </a:r>
+          </a:p>
+          <a:p>
+            <a:pPr marL="520700" algn="just">
+              <a:spcBef>
+                <a:spcPts val="0"/>
+              </a:spcBef>
+              <a:buSzPts val="2800"/>
+            </a:pPr>
+            <a:r>
+              <a:rPr lang="en-US" sz="2400" b="0" i="0" dirty="0">
+                <a:solidFill>
+                  <a:schemeClr val="tx1"/>
+                </a:solidFill>
+                <a:effectLst/>
+                <a:latin typeface="Calibri" panose="020F0502020204030204" pitchFamily="34" charset="0"/>
+                <a:ea typeface="Calibri" panose="020F0502020204030204" pitchFamily="34" charset="0"/>
+                <a:cs typeface="Calibri" panose="020F0502020204030204" pitchFamily="34" charset="0"/>
+              </a:rPr>
+              <a:t>Conv1D layer is added with 64 filters, a kernel size of 3, and </a:t>
+            </a:r>
+            <a:r>
+              <a:rPr lang="en-US" sz="2400" b="0" i="0" dirty="0" err="1">
+                <a:solidFill>
+                  <a:schemeClr val="tx1"/>
+                </a:solidFill>
+                <a:effectLst/>
+                <a:latin typeface="Calibri" panose="020F0502020204030204" pitchFamily="34" charset="0"/>
+                <a:ea typeface="Calibri" panose="020F0502020204030204" pitchFamily="34" charset="0"/>
+                <a:cs typeface="Calibri" panose="020F0502020204030204" pitchFamily="34" charset="0"/>
+              </a:rPr>
+              <a:t>ReLU</a:t>
+            </a:r>
+            <a:r>
+              <a:rPr lang="en-US" sz="2400" b="0" i="0" dirty="0">
+                <a:solidFill>
+                  <a:schemeClr val="tx1"/>
+                </a:solidFill>
+                <a:effectLst/>
+                <a:latin typeface="Calibri" panose="020F0502020204030204" pitchFamily="34" charset="0"/>
+                <a:ea typeface="Calibri" panose="020F0502020204030204" pitchFamily="34" charset="0"/>
+                <a:cs typeface="Calibri" panose="020F0502020204030204" pitchFamily="34" charset="0"/>
+              </a:rPr>
+              <a:t> activation.</a:t>
+            </a:r>
+          </a:p>
+          <a:p>
+            <a:pPr marL="520700" algn="just">
+              <a:spcBef>
+                <a:spcPts val="0"/>
+              </a:spcBef>
+              <a:buSzPts val="2800"/>
+            </a:pPr>
+            <a:r>
+              <a:rPr lang="en-US" sz="2400" b="0" i="0" dirty="0">
+                <a:solidFill>
+                  <a:schemeClr val="tx1"/>
+                </a:solidFill>
+                <a:effectLst/>
+                <a:latin typeface="Calibri" panose="020F0502020204030204" pitchFamily="34" charset="0"/>
+                <a:ea typeface="Calibri" panose="020F0502020204030204" pitchFamily="34" charset="0"/>
+                <a:cs typeface="Calibri" panose="020F0502020204030204" pitchFamily="34" charset="0"/>
+              </a:rPr>
+              <a:t>MaxPooling1D layer is added with a pooling size of 2, reducing the spatial dimensions of the representation.</a:t>
+            </a:r>
+          </a:p>
+          <a:p>
+            <a:pPr marL="520700" algn="just">
+              <a:spcBef>
+                <a:spcPts val="0"/>
+              </a:spcBef>
+              <a:buSzPts val="2800"/>
+            </a:pPr>
+            <a:r>
+              <a:rPr lang="en-US" sz="2400" dirty="0"/>
+              <a:t>Flatten layer is added to transform the output from the convolutional and pooling layers into a flat 1D array, which can be fed into the fully connected layers.</a:t>
+            </a:r>
+          </a:p>
+          <a:p>
+            <a:pPr marL="520700" algn="just">
+              <a:spcBef>
+                <a:spcPts val="0"/>
+              </a:spcBef>
+              <a:buSzPts val="2800"/>
+            </a:pPr>
+            <a:r>
+              <a:rPr lang="en-US" sz="2400" dirty="0">
+                <a:solidFill>
+                  <a:schemeClr val="tx1"/>
+                </a:solidFill>
+                <a:latin typeface="Calibri" panose="020F0502020204030204" pitchFamily="34" charset="0"/>
+                <a:ea typeface="Calibri" panose="020F0502020204030204" pitchFamily="34" charset="0"/>
+                <a:cs typeface="Calibri" panose="020F0502020204030204" pitchFamily="34" charset="0"/>
+              </a:rPr>
+              <a:t>Two dense layers are added with </a:t>
+            </a:r>
+            <a:r>
+              <a:rPr lang="en-US" sz="2400" dirty="0" err="1">
+                <a:solidFill>
+                  <a:schemeClr val="tx1"/>
+                </a:solidFill>
+                <a:latin typeface="Calibri" panose="020F0502020204030204" pitchFamily="34" charset="0"/>
+                <a:ea typeface="Calibri" panose="020F0502020204030204" pitchFamily="34" charset="0"/>
+                <a:cs typeface="Calibri" panose="020F0502020204030204" pitchFamily="34" charset="0"/>
+              </a:rPr>
+              <a:t>ReLU</a:t>
+            </a:r>
+            <a:r>
+              <a:rPr lang="en-US" sz="2400" dirty="0">
+                <a:solidFill>
+                  <a:schemeClr val="tx1"/>
+                </a:solidFill>
+                <a:latin typeface="Calibri" panose="020F0502020204030204" pitchFamily="34" charset="0"/>
+                <a:ea typeface="Calibri" panose="020F0502020204030204" pitchFamily="34" charset="0"/>
+                <a:cs typeface="Calibri" panose="020F0502020204030204" pitchFamily="34" charset="0"/>
+              </a:rPr>
+              <a:t> activation. The first dense layer has 64 neurons and other layer has single neuron</a:t>
+            </a:r>
+          </a:p>
+          <a:p>
+            <a:pPr marL="520700" algn="just">
+              <a:spcBef>
+                <a:spcPts val="0"/>
+              </a:spcBef>
+              <a:buSzPts val="2800"/>
+            </a:pPr>
+            <a:endParaRPr lang="en-US" sz="2400" dirty="0"/>
+          </a:p>
+          <a:p>
+            <a:pPr marL="520700" algn="just">
+              <a:spcBef>
+                <a:spcPts val="0"/>
+              </a:spcBef>
+              <a:buSzPts val="2800"/>
+            </a:pPr>
+            <a:endParaRPr lang="en-US" sz="2400" dirty="0"/>
+          </a:p>
+          <a:p>
+            <a:pPr marL="520700" algn="just">
+              <a:spcBef>
+                <a:spcPts val="0"/>
+              </a:spcBef>
+              <a:buSzPts val="2800"/>
+            </a:pPr>
+            <a:endParaRPr lang="en-US" sz="2400" dirty="0"/>
           </a:p>
         </p:txBody>
       </p:sp>
@@ -20813,6 +20916,316 @@
             <a:fld id="{00000000-1234-1234-1234-123412341234}" type="slidenum">
               <a:rPr lang="en-IN" sz="1600"/>
               <a:t>22</a:t>
+            </a:fld>
+            <a:endParaRPr sz="1600"/>
+          </a:p>
+        </p:txBody>
+      </p:sp>
+    </p:spTree>
+    <p:extLst>
+      <p:ext uri="{BB962C8B-B14F-4D97-AF65-F5344CB8AC3E}">
+        <p14:creationId xmlns:p14="http://schemas.microsoft.com/office/powerpoint/2010/main" val="3109910086"/>
+      </p:ext>
+    </p:extLst>
+  </p:cSld>
+  <p:clrMapOvr>
+    <a:masterClrMapping/>
+  </p:clrMapOvr>
+</p:sld>
+</file>
+
+<file path=ppt/slides/slide23.xml><?xml version="1.0" encoding="utf-8"?>
+<p:sld xmlns:a="http://schemas.openxmlformats.org/drawingml/2006/main" xmlns:r="http://schemas.openxmlformats.org/officeDocument/2006/relationships" xmlns:p="http://schemas.openxmlformats.org/presentationml/2006/main">
+  <p:cSld>
+    <p:spTree>
+      <p:nvGrpSpPr>
+        <p:cNvPr id="1" name="Shape 128"/>
+        <p:cNvGrpSpPr/>
+        <p:nvPr/>
+      </p:nvGrpSpPr>
+      <p:grpSpPr>
+        <a:xfrm>
+          <a:off x="0" y="0"/>
+          <a:ext cx="0" cy="0"/>
+          <a:chOff x="0" y="0"/>
+          <a:chExt cx="0" cy="0"/>
+        </a:xfrm>
+      </p:grpSpPr>
+      <p:sp>
+        <p:nvSpPr>
+          <p:cNvPr id="129" name="Google Shape;129;p5"/>
+          <p:cNvSpPr txBox="1">
+            <a:spLocks noGrp="1"/>
+          </p:cNvSpPr>
+          <p:nvPr>
+            <p:ph type="title"/>
+          </p:nvPr>
+        </p:nvSpPr>
+        <p:spPr>
+          <a:xfrm>
+            <a:off x="838200" y="365125"/>
+            <a:ext cx="10515600" cy="1325563"/>
+          </a:xfrm>
+          <a:prstGeom prst="rect">
+            <a:avLst/>
+          </a:prstGeom>
+          <a:noFill/>
+          <a:ln>
+            <a:noFill/>
+          </a:ln>
+        </p:spPr>
+        <p:txBody>
+          <a:bodyPr spcFirstLastPara="1" wrap="square" lIns="91425" tIns="45700" rIns="91425" bIns="45700" anchor="ctr" anchorCtr="0">
+            <a:normAutofit/>
+          </a:bodyPr>
+          <a:lstStyle/>
+          <a:p>
+            <a:pPr marL="0" lvl="0" indent="0" algn="l" rtl="0">
+              <a:lnSpc>
+                <a:spcPct val="90000"/>
+              </a:lnSpc>
+              <a:spcBef>
+                <a:spcPts val="0"/>
+              </a:spcBef>
+              <a:spcAft>
+                <a:spcPts val="0"/>
+              </a:spcAft>
+              <a:buClr>
+                <a:schemeClr val="dk1"/>
+              </a:buClr>
+              <a:buSzPts val="4400"/>
+              <a:buFont typeface="Calibri"/>
+              <a:buNone/>
+            </a:pPr>
+            <a:r>
+              <a:rPr lang="en-IN" dirty="0"/>
+              <a:t>Experimental Results</a:t>
+            </a:r>
+            <a:endParaRPr dirty="0"/>
+          </a:p>
+        </p:txBody>
+      </p:sp>
+      <p:sp>
+        <p:nvSpPr>
+          <p:cNvPr id="130" name="Google Shape;130;p5"/>
+          <p:cNvSpPr txBox="1">
+            <a:spLocks noGrp="1"/>
+          </p:cNvSpPr>
+          <p:nvPr>
+            <p:ph type="body" idx="1"/>
+          </p:nvPr>
+        </p:nvSpPr>
+        <p:spPr>
+          <a:xfrm>
+            <a:off x="838200" y="1149386"/>
+            <a:ext cx="10655710" cy="5467723"/>
+          </a:xfrm>
+          <a:prstGeom prst="rect">
+            <a:avLst/>
+          </a:prstGeom>
+          <a:noFill/>
+          <a:ln>
+            <a:noFill/>
+          </a:ln>
+        </p:spPr>
+        <p:txBody>
+          <a:bodyPr spcFirstLastPara="1" wrap="square" lIns="91425" tIns="45700" rIns="91425" bIns="45700" anchor="t" anchorCtr="0">
+            <a:normAutofit/>
+          </a:bodyPr>
+          <a:lstStyle/>
+          <a:p>
+            <a:pPr marL="177800" indent="0" algn="just">
+              <a:spcBef>
+                <a:spcPts val="0"/>
+              </a:spcBef>
+              <a:buSzPts val="2800"/>
+              <a:buNone/>
+            </a:pPr>
+            <a:endParaRPr lang="en-US" sz="2400" dirty="0"/>
+          </a:p>
+          <a:p>
+            <a:pPr marL="177800" indent="0" algn="just">
+              <a:spcBef>
+                <a:spcPts val="0"/>
+              </a:spcBef>
+              <a:buSzPts val="2800"/>
+              <a:buNone/>
+            </a:pPr>
+            <a:r>
+              <a:rPr lang="en-US" sz="2400" dirty="0"/>
+              <a:t>Model Architecture</a:t>
+            </a:r>
+          </a:p>
+          <a:p>
+            <a:pPr marL="177800" indent="0" algn="just">
+              <a:spcBef>
+                <a:spcPts val="0"/>
+              </a:spcBef>
+              <a:buSzPts val="2800"/>
+              <a:buNone/>
+            </a:pPr>
+            <a:endParaRPr lang="en-US" sz="2400" dirty="0"/>
+          </a:p>
+          <a:p>
+            <a:pPr marL="177800" indent="0" algn="just">
+              <a:spcBef>
+                <a:spcPts val="0"/>
+              </a:spcBef>
+              <a:buSzPts val="2800"/>
+              <a:buNone/>
+            </a:pPr>
+            <a:r>
+              <a:rPr lang="en-US" sz="2400" dirty="0"/>
+              <a:t>Test MAE: </a:t>
+            </a:r>
+            <a:r>
+              <a:rPr lang="en-IN" sz="2400" b="1" dirty="0">
+                <a:solidFill>
+                  <a:schemeClr val="tx1"/>
+                </a:solidFill>
+                <a:latin typeface="Calibri" panose="020F0502020204030204" pitchFamily="34" charset="0"/>
+                <a:ea typeface="Calibri" panose="020F0502020204030204" pitchFamily="34" charset="0"/>
+                <a:cs typeface="Calibri" panose="020F0502020204030204" pitchFamily="34" charset="0"/>
+              </a:rPr>
+              <a:t>69</a:t>
+            </a:r>
+            <a:r>
+              <a:rPr lang="en-IN" sz="2400" b="1" i="0" dirty="0">
+                <a:solidFill>
+                  <a:schemeClr val="tx1"/>
+                </a:solidFill>
+                <a:effectLst/>
+                <a:latin typeface="Calibri" panose="020F0502020204030204" pitchFamily="34" charset="0"/>
+                <a:ea typeface="Calibri" panose="020F0502020204030204" pitchFamily="34" charset="0"/>
+                <a:cs typeface="Calibri" panose="020F0502020204030204" pitchFamily="34" charset="0"/>
+              </a:rPr>
+              <a:t>547.96</a:t>
+            </a:r>
+            <a:endParaRPr lang="en-US" sz="2400" b="1" dirty="0">
+              <a:solidFill>
+                <a:schemeClr val="tx1"/>
+              </a:solidFill>
+              <a:latin typeface="Calibri" panose="020F0502020204030204" pitchFamily="34" charset="0"/>
+              <a:ea typeface="Calibri" panose="020F0502020204030204" pitchFamily="34" charset="0"/>
+              <a:cs typeface="Calibri" panose="020F0502020204030204" pitchFamily="34" charset="0"/>
+            </a:endParaRPr>
+          </a:p>
+        </p:txBody>
+      </p:sp>
+      <p:pic>
+        <p:nvPicPr>
+          <p:cNvPr id="131" name="Google Shape;131;p5"/>
+          <p:cNvPicPr preferRelativeResize="0"/>
+          <p:nvPr/>
+        </p:nvPicPr>
+        <p:blipFill rotWithShape="1">
+          <a:blip r:embed="rId3">
+            <a:alphaModFix/>
+          </a:blip>
+          <a:srcRect/>
+          <a:stretch/>
+        </p:blipFill>
+        <p:spPr>
+          <a:xfrm>
+            <a:off x="9602421" y="0"/>
+            <a:ext cx="1751379" cy="815788"/>
+          </a:xfrm>
+          <a:prstGeom prst="rect">
+            <a:avLst/>
+          </a:prstGeom>
+          <a:noFill/>
+          <a:ln>
+            <a:noFill/>
+          </a:ln>
+        </p:spPr>
+      </p:pic>
+      <p:sp>
+        <p:nvSpPr>
+          <p:cNvPr id="132" name="Google Shape;132;p5"/>
+          <p:cNvSpPr txBox="1">
+            <a:spLocks noGrp="1"/>
+          </p:cNvSpPr>
+          <p:nvPr>
+            <p:ph type="ftr" idx="11"/>
+          </p:nvPr>
+        </p:nvSpPr>
+        <p:spPr>
+          <a:xfrm>
+            <a:off x="4038600" y="6356350"/>
+            <a:ext cx="4114800" cy="365125"/>
+          </a:xfrm>
+          <a:prstGeom prst="rect">
+            <a:avLst/>
+          </a:prstGeom>
+          <a:noFill/>
+          <a:ln>
+            <a:noFill/>
+          </a:ln>
+        </p:spPr>
+        <p:txBody>
+          <a:bodyPr spcFirstLastPara="1" wrap="square" lIns="91425" tIns="45700" rIns="91425" bIns="45700" anchor="ctr" anchorCtr="0">
+            <a:noAutofit/>
+          </a:bodyPr>
+          <a:lstStyle/>
+          <a:p>
+            <a:pPr marL="0" lvl="0" indent="0" algn="ctr" rtl="0">
+              <a:spcBef>
+                <a:spcPts val="0"/>
+              </a:spcBef>
+              <a:spcAft>
+                <a:spcPts val="0"/>
+              </a:spcAft>
+              <a:buNone/>
+            </a:pPr>
+            <a:r>
+              <a:rPr lang="en-US"/>
+              <a:t>Indian Institute of Information Technology, Kottayam</a:t>
+            </a:r>
+            <a:endParaRPr/>
+          </a:p>
+        </p:txBody>
+      </p:sp>
+      <p:sp>
+        <p:nvSpPr>
+          <p:cNvPr id="133" name="Google Shape;133;p5"/>
+          <p:cNvSpPr txBox="1">
+            <a:spLocks noGrp="1"/>
+          </p:cNvSpPr>
+          <p:nvPr>
+            <p:ph type="sldNum" idx="12"/>
+          </p:nvPr>
+        </p:nvSpPr>
+        <p:spPr>
+          <a:xfrm>
+            <a:off x="8610600" y="6356350"/>
+            <a:ext cx="2743200" cy="365125"/>
+          </a:xfrm>
+          <a:prstGeom prst="rect">
+            <a:avLst/>
+          </a:prstGeom>
+          <a:noFill/>
+          <a:ln>
+            <a:noFill/>
+          </a:ln>
+        </p:spPr>
+        <p:txBody>
+          <a:bodyPr spcFirstLastPara="1" wrap="square" lIns="91425" tIns="45700" rIns="91425" bIns="45700" anchor="ctr" anchorCtr="0">
+            <a:noAutofit/>
+          </a:bodyPr>
+          <a:lstStyle/>
+          <a:p>
+            <a:pPr marL="0" lvl="0" indent="0" algn="r" rtl="0">
+              <a:spcBef>
+                <a:spcPts val="0"/>
+              </a:spcBef>
+              <a:spcAft>
+                <a:spcPts val="0"/>
+              </a:spcAft>
+              <a:buNone/>
+            </a:pPr>
+            <a:fld id="{00000000-1234-1234-1234-123412341234}" type="slidenum">
+              <a:rPr lang="en-IN" sz="1600"/>
+              <a:t>23</a:t>
             </a:fld>
             <a:endParaRPr sz="1600"/>
           </a:p>
@@ -20861,7 +21274,7 @@
 </p:sld>
 </file>
 
-<file path=ppt/slides/slide23.xml><?xml version="1.0" encoding="utf-8"?>
+<file path=ppt/slides/slide24.xml><?xml version="1.0" encoding="utf-8"?>
 <p:sld xmlns:a="http://schemas.openxmlformats.org/drawingml/2006/main" xmlns:r="http://schemas.openxmlformats.org/officeDocument/2006/relationships" xmlns:p="http://schemas.openxmlformats.org/presentationml/2006/main">
   <p:cSld>
     <p:spTree>
@@ -21084,7 +21497,7 @@
             </a:pPr>
             <a:fld id="{00000000-1234-1234-1234-123412341234}" type="slidenum">
               <a:rPr lang="en-IN" sz="1600"/>
-              <a:t>23</a:t>
+              <a:t>24</a:t>
             </a:fld>
             <a:endParaRPr sz="1600"/>
           </a:p>
@@ -21133,7 +21546,7 @@
 </p:sld>
 </file>
 
-<file path=ppt/slides/slide24.xml><?xml version="1.0" encoding="utf-8"?>
+<file path=ppt/slides/slide25.xml><?xml version="1.0" encoding="utf-8"?>
 <p:sld xmlns:a="http://schemas.openxmlformats.org/drawingml/2006/main" xmlns:r="http://schemas.openxmlformats.org/officeDocument/2006/relationships" xmlns:p="http://schemas.openxmlformats.org/presentationml/2006/main">
   <p:cSld>
     <p:spTree>
@@ -21356,7 +21769,7 @@
             </a:pPr>
             <a:fld id="{00000000-1234-1234-1234-123412341234}" type="slidenum">
               <a:rPr lang="en-IN" sz="1600"/>
-              <a:t>24</a:t>
+              <a:t>25</a:t>
             </a:fld>
             <a:endParaRPr sz="1600"/>
           </a:p>
@@ -21428,355 +21841,6 @@
         <p14:creationId xmlns:p14="http://schemas.microsoft.com/office/powerpoint/2010/main" val="3382291678"/>
       </p:ext>
     </p:extLst>
-  </p:cSld>
-  <p:clrMapOvr>
-    <a:masterClrMapping/>
-  </p:clrMapOvr>
-</p:sld>
-</file>
-
-<file path=ppt/slides/slide25.xml><?xml version="1.0" encoding="utf-8"?>
-<p:sld xmlns:a="http://schemas.openxmlformats.org/drawingml/2006/main" xmlns:r="http://schemas.openxmlformats.org/officeDocument/2006/relationships" xmlns:p="http://schemas.openxmlformats.org/presentationml/2006/main">
-  <p:cSld>
-    <p:spTree>
-      <p:nvGrpSpPr>
-        <p:cNvPr id="1" name="Shape 148"/>
-        <p:cNvGrpSpPr/>
-        <p:nvPr/>
-      </p:nvGrpSpPr>
-      <p:grpSpPr>
-        <a:xfrm>
-          <a:off x="0" y="0"/>
-          <a:ext cx="0" cy="0"/>
-          <a:chOff x="0" y="0"/>
-          <a:chExt cx="0" cy="0"/>
-        </a:xfrm>
-      </p:grpSpPr>
-      <p:sp>
-        <p:nvSpPr>
-          <p:cNvPr id="149" name="Google Shape;149;p7"/>
-          <p:cNvSpPr txBox="1">
-            <a:spLocks noGrp="1"/>
-          </p:cNvSpPr>
-          <p:nvPr>
-            <p:ph type="title"/>
-          </p:nvPr>
-        </p:nvSpPr>
-        <p:spPr>
-          <a:xfrm>
-            <a:off x="838200" y="237306"/>
-            <a:ext cx="10515600" cy="1325563"/>
-          </a:xfrm>
-          <a:prstGeom prst="rect">
-            <a:avLst/>
-          </a:prstGeom>
-          <a:noFill/>
-          <a:ln>
-            <a:noFill/>
-          </a:ln>
-        </p:spPr>
-        <p:txBody>
-          <a:bodyPr spcFirstLastPara="1" wrap="square" lIns="91425" tIns="45700" rIns="91425" bIns="45700" anchor="ctr" anchorCtr="0">
-            <a:normAutofit/>
-          </a:bodyPr>
-          <a:lstStyle/>
-          <a:p>
-            <a:pPr marL="0" lvl="0" indent="0" algn="l" rtl="0">
-              <a:lnSpc>
-                <a:spcPct val="90000"/>
-              </a:lnSpc>
-              <a:spcBef>
-                <a:spcPts val="0"/>
-              </a:spcBef>
-              <a:spcAft>
-                <a:spcPts val="0"/>
-              </a:spcAft>
-              <a:buClr>
-                <a:schemeClr val="dk1"/>
-              </a:buClr>
-              <a:buSzPts val="4400"/>
-              <a:buFont typeface="Calibri"/>
-              <a:buNone/>
-            </a:pPr>
-            <a:r>
-              <a:rPr lang="en-IN" dirty="0"/>
-              <a:t>Conclusion</a:t>
-            </a:r>
-            <a:endParaRPr dirty="0"/>
-          </a:p>
-        </p:txBody>
-      </p:sp>
-      <p:sp>
-        <p:nvSpPr>
-          <p:cNvPr id="150" name="Google Shape;150;p7"/>
-          <p:cNvSpPr txBox="1">
-            <a:spLocks noGrp="1"/>
-          </p:cNvSpPr>
-          <p:nvPr>
-            <p:ph type="body" idx="1"/>
-          </p:nvPr>
-        </p:nvSpPr>
-        <p:spPr>
-          <a:xfrm>
-            <a:off x="769374" y="1318839"/>
-            <a:ext cx="10515600" cy="4220322"/>
-          </a:xfrm>
-          <a:prstGeom prst="rect">
-            <a:avLst/>
-          </a:prstGeom>
-          <a:noFill/>
-          <a:ln>
-            <a:noFill/>
-          </a:ln>
-        </p:spPr>
-        <p:txBody>
-          <a:bodyPr spcFirstLastPara="1" wrap="square" lIns="91425" tIns="45700" rIns="91425" bIns="45700" anchor="t" anchorCtr="0">
-            <a:normAutofit/>
-          </a:bodyPr>
-          <a:lstStyle/>
-          <a:p>
-            <a:pPr marL="635000" indent="-457200">
-              <a:spcBef>
-                <a:spcPts val="0"/>
-              </a:spcBef>
-              <a:buSzPts val="2800"/>
-            </a:pPr>
-            <a:r>
-              <a:rPr lang="en-US" dirty="0"/>
-              <a:t>The startup delay and buffering ratio affect the </a:t>
-            </a:r>
-            <a:r>
-              <a:rPr lang="en-US" dirty="0" err="1"/>
-              <a:t>QoE</a:t>
-            </a:r>
-            <a:r>
-              <a:rPr lang="en-US" dirty="0"/>
-              <a:t> significantly.</a:t>
-            </a:r>
-          </a:p>
-          <a:p>
-            <a:pPr marL="635000" indent="-457200">
-              <a:spcBef>
-                <a:spcPts val="0"/>
-              </a:spcBef>
-              <a:buSzPts val="2800"/>
-            </a:pPr>
-            <a:r>
-              <a:rPr lang="en-US" dirty="0"/>
-              <a:t>Sessions with startup delay higher than 10 sec obtain lower </a:t>
-            </a:r>
-            <a:r>
-              <a:rPr lang="en-US" dirty="0" err="1"/>
-              <a:t>QoE</a:t>
-            </a:r>
-            <a:r>
-              <a:rPr lang="en-US" dirty="0"/>
-              <a:t> scores</a:t>
-            </a:r>
-          </a:p>
-          <a:p>
-            <a:pPr marL="635000" indent="-457200">
-              <a:spcBef>
-                <a:spcPts val="0"/>
-              </a:spcBef>
-              <a:buSzPts val="2800"/>
-            </a:pPr>
-            <a:r>
-              <a:rPr lang="en-US" dirty="0"/>
-              <a:t>Sessions with poor network performance during the last 15 sec are likely to be terminate with poor connectivity. </a:t>
-            </a:r>
-          </a:p>
-          <a:p>
-            <a:pPr marL="635000" indent="-457200">
-              <a:spcBef>
-                <a:spcPts val="0"/>
-              </a:spcBef>
-              <a:buSzPts val="2800"/>
-            </a:pPr>
-            <a:r>
-              <a:rPr lang="en-US" dirty="0"/>
-              <a:t>In several sessions, we observed that a rate adaptation could reduce the buffering ratio and improve the </a:t>
-            </a:r>
-            <a:r>
-              <a:rPr lang="en-US" dirty="0" err="1"/>
-              <a:t>QoE</a:t>
-            </a:r>
-            <a:r>
-              <a:rPr lang="en-US" dirty="0"/>
-              <a:t>. </a:t>
-            </a:r>
-          </a:p>
-          <a:p>
-            <a:pPr marL="635000" indent="-457200">
-              <a:spcBef>
-                <a:spcPts val="0"/>
-              </a:spcBef>
-              <a:buSzPts val="2800"/>
-            </a:pPr>
-            <a:r>
-              <a:rPr lang="en-US" dirty="0"/>
-              <a:t>In general, it is difficult to obtain the “ground truth” about the </a:t>
-            </a:r>
-            <a:r>
-              <a:rPr lang="en-US" dirty="0" err="1"/>
-              <a:t>QoE</a:t>
-            </a:r>
-            <a:r>
-              <a:rPr lang="en-US" dirty="0"/>
-              <a:t>. </a:t>
-            </a:r>
-          </a:p>
-          <a:p>
-            <a:pPr marL="177800" indent="0">
-              <a:spcBef>
-                <a:spcPts val="0"/>
-              </a:spcBef>
-              <a:buSzPts val="2800"/>
-              <a:buNone/>
-            </a:pPr>
-            <a:endParaRPr lang="en-US" dirty="0"/>
-          </a:p>
-          <a:p>
-            <a:pPr marL="177800" indent="0">
-              <a:spcBef>
-                <a:spcPts val="0"/>
-              </a:spcBef>
-              <a:buSzPts val="2800"/>
-              <a:buNone/>
-            </a:pPr>
-            <a:endParaRPr lang="en-US" dirty="0"/>
-          </a:p>
-          <a:p>
-            <a:pPr marL="635000" indent="-457200">
-              <a:spcBef>
-                <a:spcPts val="0"/>
-              </a:spcBef>
-              <a:buSzPts val="2800"/>
-            </a:pPr>
-            <a:endParaRPr lang="en-US" dirty="0"/>
-          </a:p>
-        </p:txBody>
-      </p:sp>
-      <p:pic>
-        <p:nvPicPr>
-          <p:cNvPr id="151" name="Google Shape;151;p7"/>
-          <p:cNvPicPr preferRelativeResize="0"/>
-          <p:nvPr/>
-        </p:nvPicPr>
-        <p:blipFill rotWithShape="1">
-          <a:blip r:embed="rId3">
-            <a:alphaModFix/>
-          </a:blip>
-          <a:srcRect/>
-          <a:stretch/>
-        </p:blipFill>
-        <p:spPr>
-          <a:xfrm>
-            <a:off x="9602421" y="0"/>
-            <a:ext cx="1751379" cy="815788"/>
-          </a:xfrm>
-          <a:prstGeom prst="rect">
-            <a:avLst/>
-          </a:prstGeom>
-          <a:noFill/>
-          <a:ln>
-            <a:noFill/>
-          </a:ln>
-        </p:spPr>
-      </p:pic>
-      <p:sp>
-        <p:nvSpPr>
-          <p:cNvPr id="152" name="Google Shape;152;p7"/>
-          <p:cNvSpPr txBox="1">
-            <a:spLocks noGrp="1"/>
-          </p:cNvSpPr>
-          <p:nvPr>
-            <p:ph type="ftr" idx="11"/>
-          </p:nvPr>
-        </p:nvSpPr>
-        <p:spPr>
-          <a:xfrm>
-            <a:off x="4038600" y="6356350"/>
-            <a:ext cx="4114800" cy="365125"/>
-          </a:xfrm>
-          <a:prstGeom prst="rect">
-            <a:avLst/>
-          </a:prstGeom>
-          <a:noFill/>
-          <a:ln>
-            <a:noFill/>
-          </a:ln>
-        </p:spPr>
-        <p:txBody>
-          <a:bodyPr spcFirstLastPara="1" wrap="square" lIns="91425" tIns="45700" rIns="91425" bIns="45700" anchor="ctr" anchorCtr="0">
-            <a:noAutofit/>
-          </a:bodyPr>
-          <a:lstStyle/>
-          <a:p>
-            <a:pPr marL="0" lvl="0" indent="0" algn="ctr" rtl="0">
-              <a:spcBef>
-                <a:spcPts val="0"/>
-              </a:spcBef>
-              <a:spcAft>
-                <a:spcPts val="0"/>
-              </a:spcAft>
-              <a:buNone/>
-            </a:pPr>
-            <a:r>
-              <a:rPr lang="en-US"/>
-              <a:t>Indian Institute of Information Technology, Kottayam</a:t>
-            </a:r>
-            <a:endParaRPr/>
-          </a:p>
-        </p:txBody>
-      </p:sp>
-      <p:sp>
-        <p:nvSpPr>
-          <p:cNvPr id="153" name="Google Shape;153;p7"/>
-          <p:cNvSpPr txBox="1">
-            <a:spLocks noGrp="1"/>
-          </p:cNvSpPr>
-          <p:nvPr>
-            <p:ph type="sldNum" idx="12"/>
-          </p:nvPr>
-        </p:nvSpPr>
-        <p:spPr>
-          <a:xfrm>
-            <a:off x="8610600" y="6356350"/>
-            <a:ext cx="2743200" cy="365125"/>
-          </a:xfrm>
-          <a:prstGeom prst="rect">
-            <a:avLst/>
-          </a:prstGeom>
-          <a:noFill/>
-          <a:ln>
-            <a:noFill/>
-          </a:ln>
-        </p:spPr>
-        <p:txBody>
-          <a:bodyPr spcFirstLastPara="1" wrap="square" lIns="91425" tIns="45700" rIns="91425" bIns="45700" anchor="ctr" anchorCtr="0">
-            <a:noAutofit/>
-          </a:bodyPr>
-          <a:lstStyle/>
-          <a:p>
-            <a:pPr marL="0" lvl="0" indent="0" algn="r" rtl="0">
-              <a:spcBef>
-                <a:spcPts val="0"/>
-              </a:spcBef>
-              <a:spcAft>
-                <a:spcPts val="0"/>
-              </a:spcAft>
-              <a:buNone/>
-            </a:pPr>
-            <a:fld id="{00000000-1234-1234-1234-123412341234}" type="slidenum">
-              <a:rPr lang="en-IN" sz="1600"/>
-              <a:t>25</a:t>
-            </a:fld>
-            <a:endParaRPr sz="1600"/>
-          </a:p>
-        </p:txBody>
-      </p:sp>
-    </p:spTree>
   </p:cSld>
   <p:clrMapOvr>
     <a:masterClrMapping/>
@@ -21892,7 +21956,7 @@
             </a:pPr>
             <a:r>
               <a:rPr lang="en-US" dirty="0"/>
-              <a:t>Through the </a:t>
+              <a:t>The startup delay and buffering ratio affect the </a:t>
             </a:r>
             <a:r>
               <a:rPr lang="en-US" dirty="0" err="1"/>
@@ -21900,7 +21964,19 @@
             </a:r>
             <a:r>
               <a:rPr lang="en-US" dirty="0"/>
-              <a:t> tracker and proposed algorithms, the provider can learn more about its customers (e.g., their traffic, usage pattern, end-to-end network performance, </a:t>
+              <a:t> significantly.</a:t>
+            </a:r>
+          </a:p>
+          <a:p>
+            <a:pPr marL="635000" indent="-457200">
+              <a:spcBef>
+                <a:spcPts val="0"/>
+              </a:spcBef>
+              <a:buSzPts val="2800"/>
+            </a:pPr>
+            <a:r>
+              <a:rPr lang="en-US" dirty="0"/>
+              <a:t>Sessions with startup delay higher than 10 sec obtain lower </a:t>
             </a:r>
             <a:r>
               <a:rPr lang="en-US" dirty="0" err="1"/>
@@ -21908,7 +21984,7 @@
             </a:r>
             <a:r>
               <a:rPr lang="en-US" dirty="0"/>
-              <a:t> profile), infrastructure and service performance. </a:t>
+              <a:t> scores</a:t>
             </a:r>
           </a:p>
           <a:p>
@@ -21920,9 +21996,77 @@
             </a:pPr>
             <a:r>
               <a:rPr lang="en-US" dirty="0"/>
-              <a:t>This can enable the provider to improve the adaptation mechanisms, provide better customer service, assess its agreements with infrastructure/network providers, and potentially perform better pricing.</a:t>
-            </a:r>
-            <a:endParaRPr dirty="0"/>
+              <a:t>Sessions with poor network performance during the last 15 sec are likely to be terminate with poor connectivity. </a:t>
+            </a:r>
+          </a:p>
+          <a:p>
+            <a:pPr marL="635000" indent="-457200">
+              <a:spcBef>
+                <a:spcPts val="0"/>
+              </a:spcBef>
+              <a:buSzPts val="2800"/>
+            </a:pPr>
+            <a:r>
+              <a:rPr lang="en-US" dirty="0"/>
+              <a:t>In several sessions, we observed that a rate adaptation could reduce the buffering ratio and improve the </a:t>
+            </a:r>
+            <a:r>
+              <a:rPr lang="en-US" dirty="0" err="1"/>
+              <a:t>QoE</a:t>
+            </a:r>
+            <a:r>
+              <a:rPr lang="en-US" dirty="0"/>
+              <a:t>. </a:t>
+            </a:r>
+          </a:p>
+          <a:p>
+            <a:pPr marL="635000" indent="-457200">
+              <a:spcBef>
+                <a:spcPts val="0"/>
+              </a:spcBef>
+              <a:buSzPts val="2800"/>
+            </a:pPr>
+            <a:r>
+              <a:rPr lang="en-US" dirty="0"/>
+              <a:t>In general, it is difficult to obtain the “ground truth” about the </a:t>
+            </a:r>
+            <a:r>
+              <a:rPr lang="en-US" dirty="0" err="1"/>
+              <a:t>QoE</a:t>
+            </a:r>
+            <a:r>
+              <a:rPr lang="en-US" dirty="0"/>
+              <a:t>. </a:t>
+            </a:r>
+          </a:p>
+          <a:p>
+            <a:pPr marL="177800" indent="0">
+              <a:spcBef>
+                <a:spcPts val="0"/>
+              </a:spcBef>
+              <a:buSzPts val="2800"/>
+              <a:buNone/>
+            </a:pPr>
+            <a:endParaRPr lang="en-US" dirty="0"/>
+          </a:p>
+          <a:p>
+            <a:pPr marL="177800" indent="0">
+              <a:spcBef>
+                <a:spcPts val="0"/>
+              </a:spcBef>
+              <a:buSzPts val="2800"/>
+              <a:buNone/>
+            </a:pPr>
+            <a:endParaRPr lang="en-US" dirty="0"/>
+          </a:p>
+          <a:p>
+            <a:pPr marL="635000" indent="-457200">
+              <a:spcBef>
+                <a:spcPts val="0"/>
+              </a:spcBef>
+              <a:buSzPts val="2800"/>
+            </a:pPr>
+            <a:endParaRPr lang="en-US" dirty="0"/>
           </a:p>
         </p:txBody>
       </p:sp>
@@ -22046,11 +22190,6 @@
         </p:txBody>
       </p:sp>
     </p:spTree>
-    <p:extLst>
-      <p:ext uri="{BB962C8B-B14F-4D97-AF65-F5344CB8AC3E}">
-        <p14:creationId xmlns:p14="http://schemas.microsoft.com/office/powerpoint/2010/main" val="1491780229"/>
-      </p:ext>
-    </p:extLst>
   </p:cSld>
   <p:clrMapOvr>
     <a:masterClrMapping/>
@@ -22063,7 +22202,7 @@
   <p:cSld>
     <p:spTree>
       <p:nvGrpSpPr>
-        <p:cNvPr id="1" name="Shape 158"/>
+        <p:cNvPr id="1" name="Shape 148"/>
         <p:cNvGrpSpPr/>
         <p:nvPr/>
       </p:nvGrpSpPr>
@@ -22077,7 +22216,7 @@
       </p:grpSpPr>
       <p:sp>
         <p:nvSpPr>
-          <p:cNvPr id="159" name="Google Shape;159;p8"/>
+          <p:cNvPr id="149" name="Google Shape;149;p7"/>
           <p:cNvSpPr txBox="1">
             <a:spLocks noGrp="1"/>
           </p:cNvSpPr>
@@ -22087,7 +22226,7 @@
         </p:nvSpPr>
         <p:spPr>
           <a:xfrm>
-            <a:off x="838200" y="-67098"/>
+            <a:off x="838200" y="237306"/>
             <a:ext cx="10515600" cy="1325563"/>
           </a:xfrm>
           <a:prstGeom prst="rect">
@@ -22123,7 +22262,7 @@
             </a:pPr>
             <a:r>
               <a:rPr lang="en-IN" dirty="0"/>
-              <a:t>References</a:t>
+              <a:t>Conclusion</a:t>
             </a:r>
             <a:endParaRPr dirty="0"/>
           </a:p>
@@ -22131,7 +22270,7 @@
       </p:sp>
       <p:sp>
         <p:nvSpPr>
-          <p:cNvPr id="160" name="Google Shape;160;p8"/>
+          <p:cNvPr id="150" name="Google Shape;150;p7"/>
           <p:cNvSpPr txBox="1">
             <a:spLocks noGrp="1"/>
           </p:cNvSpPr>
@@ -22141,8 +22280,8 @@
         </p:nvSpPr>
         <p:spPr>
           <a:xfrm>
-            <a:off x="838200" y="646587"/>
-            <a:ext cx="10515600" cy="5564825"/>
+            <a:off x="769374" y="1318839"/>
+            <a:ext cx="10515600" cy="4220322"/>
           </a:xfrm>
           <a:prstGeom prst="rect">
             <a:avLst/>
@@ -22154,883 +22293,60 @@
         </p:spPr>
         <p:txBody>
           <a:bodyPr spcFirstLastPara="1" wrap="square" lIns="91425" tIns="45700" rIns="91425" bIns="45700" anchor="t" anchorCtr="0">
-            <a:normAutofit lnSpcReduction="10000"/>
+            <a:normAutofit/>
           </a:bodyPr>
           <a:lstStyle/>
           <a:p>
-            <a:pPr marL="0" indent="0" algn="just">
+            <a:pPr marL="635000" indent="-457200">
+              <a:spcBef>
+                <a:spcPts val="0"/>
+              </a:spcBef>
               <a:buSzPts val="2800"/>
-              <a:buNone/>
-            </a:pPr>
-            <a:endParaRPr lang="en-IN" dirty="0"/>
-          </a:p>
-          <a:p>
-            <a:pPr marL="0" indent="0" algn="just">
+            </a:pPr>
+            <a:r>
+              <a:rPr lang="en-US" dirty="0"/>
+              <a:t>Through the </a:t>
+            </a:r>
+            <a:r>
+              <a:rPr lang="en-US" dirty="0" err="1"/>
+              <a:t>QoE</a:t>
+            </a:r>
+            <a:r>
+              <a:rPr lang="en-US" dirty="0"/>
+              <a:t> tracker and proposed algorithms, the provider can learn more about its customers (e.g., their traffic, usage pattern, end-to-end network performance, </a:t>
+            </a:r>
+            <a:r>
+              <a:rPr lang="en-US" dirty="0" err="1"/>
+              <a:t>QoE</a:t>
+            </a:r>
+            <a:r>
+              <a:rPr lang="en-US" dirty="0"/>
+              <a:t> profile), infrastructure and service performance. </a:t>
+            </a:r>
+          </a:p>
+          <a:p>
+            <a:pPr marL="635000" indent="-457200">
+              <a:spcBef>
+                <a:spcPts val="0"/>
+              </a:spcBef>
               <a:buSzPts val="2800"/>
-              <a:buNone/>
-            </a:pPr>
-            <a:r>
-              <a:rPr lang="en-IN" sz="1900" b="1" i="0" dirty="0">
-                <a:solidFill>
-                  <a:srgbClr val="222222"/>
-                </a:solidFill>
-                <a:effectLst/>
-                <a:latin typeface="Calibri" panose="020F0502020204030204" pitchFamily="34" charset="0"/>
-                <a:ea typeface="Calibri" panose="020F0502020204030204" pitchFamily="34" charset="0"/>
-                <a:cs typeface="Calibri" panose="020F0502020204030204" pitchFamily="34" charset="0"/>
-              </a:rPr>
-              <a:t>[1]</a:t>
-            </a:r>
-            <a:r>
-              <a:rPr lang="en-IN" sz="1900" b="0" i="0" dirty="0">
-                <a:solidFill>
-                  <a:srgbClr val="222222"/>
-                </a:solidFill>
-                <a:effectLst/>
-                <a:latin typeface="Calibri" panose="020F0502020204030204" pitchFamily="34" charset="0"/>
-                <a:ea typeface="Calibri" panose="020F0502020204030204" pitchFamily="34" charset="0"/>
-                <a:cs typeface="Calibri" panose="020F0502020204030204" pitchFamily="34" charset="0"/>
-              </a:rPr>
-              <a:t> </a:t>
-            </a:r>
-            <a:r>
-              <a:rPr lang="en-IN" sz="1900" b="0" i="0" dirty="0" err="1">
-                <a:solidFill>
-                  <a:srgbClr val="222222"/>
-                </a:solidFill>
-                <a:effectLst/>
-                <a:latin typeface="Calibri" panose="020F0502020204030204" pitchFamily="34" charset="0"/>
-                <a:ea typeface="Calibri" panose="020F0502020204030204" pitchFamily="34" charset="0"/>
-                <a:cs typeface="Calibri" panose="020F0502020204030204" pitchFamily="34" charset="0"/>
-              </a:rPr>
-              <a:t>Kougioumtzidis</a:t>
-            </a:r>
-            <a:r>
-              <a:rPr lang="en-IN" sz="1900" b="0" i="0" dirty="0">
-                <a:solidFill>
-                  <a:srgbClr val="222222"/>
-                </a:solidFill>
-                <a:effectLst/>
-                <a:latin typeface="Calibri" panose="020F0502020204030204" pitchFamily="34" charset="0"/>
-                <a:ea typeface="Calibri" panose="020F0502020204030204" pitchFamily="34" charset="0"/>
-                <a:cs typeface="Calibri" panose="020F0502020204030204" pitchFamily="34" charset="0"/>
-              </a:rPr>
-              <a:t>, G., </a:t>
-            </a:r>
-            <a:r>
-              <a:rPr lang="en-IN" sz="1900" b="0" i="0" dirty="0" err="1">
-                <a:solidFill>
-                  <a:srgbClr val="222222"/>
-                </a:solidFill>
-                <a:effectLst/>
-                <a:latin typeface="Calibri" panose="020F0502020204030204" pitchFamily="34" charset="0"/>
-                <a:ea typeface="Calibri" panose="020F0502020204030204" pitchFamily="34" charset="0"/>
-                <a:cs typeface="Calibri" panose="020F0502020204030204" pitchFamily="34" charset="0"/>
-              </a:rPr>
-              <a:t>Poulkov</a:t>
-            </a:r>
-            <a:r>
-              <a:rPr lang="en-IN" sz="1900" b="0" i="0" dirty="0">
-                <a:solidFill>
-                  <a:srgbClr val="222222"/>
-                </a:solidFill>
-                <a:effectLst/>
-                <a:latin typeface="Calibri" panose="020F0502020204030204" pitchFamily="34" charset="0"/>
-                <a:ea typeface="Calibri" panose="020F0502020204030204" pitchFamily="34" charset="0"/>
-                <a:cs typeface="Calibri" panose="020F0502020204030204" pitchFamily="34" charset="0"/>
-              </a:rPr>
-              <a:t>, V., </a:t>
-            </a:r>
-            <a:r>
-              <a:rPr lang="en-IN" sz="1900" b="0" i="0" dirty="0" err="1">
-                <a:solidFill>
-                  <a:srgbClr val="222222"/>
-                </a:solidFill>
-                <a:effectLst/>
-                <a:latin typeface="Calibri" panose="020F0502020204030204" pitchFamily="34" charset="0"/>
-                <a:ea typeface="Calibri" panose="020F0502020204030204" pitchFamily="34" charset="0"/>
-                <a:cs typeface="Calibri" panose="020F0502020204030204" pitchFamily="34" charset="0"/>
-              </a:rPr>
-              <a:t>Zaharis</a:t>
-            </a:r>
-            <a:r>
-              <a:rPr lang="en-IN" sz="1900" b="0" i="0" dirty="0">
-                <a:solidFill>
-                  <a:srgbClr val="222222"/>
-                </a:solidFill>
-                <a:effectLst/>
-                <a:latin typeface="Calibri" panose="020F0502020204030204" pitchFamily="34" charset="0"/>
-                <a:ea typeface="Calibri" panose="020F0502020204030204" pitchFamily="34" charset="0"/>
-                <a:cs typeface="Calibri" panose="020F0502020204030204" pitchFamily="34" charset="0"/>
-              </a:rPr>
-              <a:t>, Z.D. and Lazaridis, P.I., 2022. A survey on multimedia services</a:t>
-            </a:r>
-            <a:r>
-              <a:rPr lang="en-IN" sz="1900" dirty="0">
-                <a:solidFill>
-                  <a:srgbClr val="222222"/>
-                </a:solidFill>
-                <a:latin typeface="Calibri" panose="020F0502020204030204" pitchFamily="34" charset="0"/>
-                <a:ea typeface="Calibri" panose="020F0502020204030204" pitchFamily="34" charset="0"/>
-                <a:cs typeface="Calibri" panose="020F0502020204030204" pitchFamily="34" charset="0"/>
-              </a:rPr>
-              <a:t>          </a:t>
-            </a:r>
-            <a:r>
-              <a:rPr lang="en-IN" sz="1900" b="0" i="0" dirty="0" err="1">
-                <a:solidFill>
-                  <a:srgbClr val="222222"/>
-                </a:solidFill>
-                <a:effectLst/>
-                <a:latin typeface="Calibri" panose="020F0502020204030204" pitchFamily="34" charset="0"/>
-                <a:ea typeface="Calibri" panose="020F0502020204030204" pitchFamily="34" charset="0"/>
-                <a:cs typeface="Calibri" panose="020F0502020204030204" pitchFamily="34" charset="0"/>
-              </a:rPr>
-              <a:t>QoE</a:t>
-            </a:r>
-            <a:r>
-              <a:rPr lang="en-IN" sz="1900" b="0" i="0" dirty="0">
-                <a:solidFill>
-                  <a:srgbClr val="222222"/>
-                </a:solidFill>
-                <a:effectLst/>
-                <a:latin typeface="Calibri" panose="020F0502020204030204" pitchFamily="34" charset="0"/>
-                <a:ea typeface="Calibri" panose="020F0502020204030204" pitchFamily="34" charset="0"/>
-                <a:cs typeface="Calibri" panose="020F0502020204030204" pitchFamily="34" charset="0"/>
-              </a:rPr>
-              <a:t> assessment and machine learning-based prediction. </a:t>
-            </a:r>
-            <a:r>
-              <a:rPr lang="en-IN" sz="1900" b="0" i="1" dirty="0">
-                <a:solidFill>
-                  <a:srgbClr val="222222"/>
-                </a:solidFill>
-                <a:effectLst/>
-                <a:latin typeface="Calibri" panose="020F0502020204030204" pitchFamily="34" charset="0"/>
-                <a:ea typeface="Calibri" panose="020F0502020204030204" pitchFamily="34" charset="0"/>
-                <a:cs typeface="Calibri" panose="020F0502020204030204" pitchFamily="34" charset="0"/>
-              </a:rPr>
-              <a:t>IEEE Access</a:t>
-            </a:r>
-            <a:r>
-              <a:rPr lang="en-IN" sz="1900" b="0" i="0" dirty="0">
-                <a:solidFill>
-                  <a:srgbClr val="222222"/>
-                </a:solidFill>
-                <a:effectLst/>
-                <a:latin typeface="Calibri" panose="020F0502020204030204" pitchFamily="34" charset="0"/>
-                <a:ea typeface="Calibri" panose="020F0502020204030204" pitchFamily="34" charset="0"/>
-                <a:cs typeface="Calibri" panose="020F0502020204030204" pitchFamily="34" charset="0"/>
-              </a:rPr>
-              <a:t>, </a:t>
-            </a:r>
-            <a:r>
-              <a:rPr lang="en-IN" sz="1900" b="0" i="1" dirty="0">
-                <a:solidFill>
-                  <a:srgbClr val="222222"/>
-                </a:solidFill>
-                <a:effectLst/>
-                <a:latin typeface="Calibri" panose="020F0502020204030204" pitchFamily="34" charset="0"/>
-                <a:ea typeface="Calibri" panose="020F0502020204030204" pitchFamily="34" charset="0"/>
-                <a:cs typeface="Calibri" panose="020F0502020204030204" pitchFamily="34" charset="0"/>
-              </a:rPr>
-              <a:t>10</a:t>
-            </a:r>
-            <a:r>
-              <a:rPr lang="en-IN" sz="1900" b="0" i="0" dirty="0">
-                <a:solidFill>
-                  <a:srgbClr val="222222"/>
-                </a:solidFill>
-                <a:effectLst/>
-                <a:latin typeface="Calibri" panose="020F0502020204030204" pitchFamily="34" charset="0"/>
-                <a:ea typeface="Calibri" panose="020F0502020204030204" pitchFamily="34" charset="0"/>
-                <a:cs typeface="Calibri" panose="020F0502020204030204" pitchFamily="34" charset="0"/>
-              </a:rPr>
-              <a:t>, pp.19507-19538.</a:t>
-            </a:r>
-          </a:p>
-          <a:p>
-            <a:pPr marL="0" indent="0" algn="just">
-              <a:buSzPts val="2800"/>
-              <a:buNone/>
-            </a:pPr>
-            <a:r>
-              <a:rPr lang="en-IN" sz="1900" b="1" i="0" dirty="0">
-                <a:solidFill>
-                  <a:srgbClr val="222222"/>
-                </a:solidFill>
-                <a:effectLst/>
-                <a:latin typeface="Calibri" panose="020F0502020204030204" pitchFamily="34" charset="0"/>
-                <a:ea typeface="Calibri" panose="020F0502020204030204" pitchFamily="34" charset="0"/>
-                <a:cs typeface="Calibri" panose="020F0502020204030204" pitchFamily="34" charset="0"/>
-              </a:rPr>
-              <a:t>[2]</a:t>
-            </a:r>
-            <a:r>
-              <a:rPr lang="en-IN" sz="1900" b="0" i="0" dirty="0">
-                <a:solidFill>
-                  <a:srgbClr val="222222"/>
-                </a:solidFill>
-                <a:effectLst/>
-                <a:latin typeface="Calibri" panose="020F0502020204030204" pitchFamily="34" charset="0"/>
-                <a:ea typeface="Calibri" panose="020F0502020204030204" pitchFamily="34" charset="0"/>
-                <a:cs typeface="Calibri" panose="020F0502020204030204" pitchFamily="34" charset="0"/>
-              </a:rPr>
-              <a:t> Amour, L., Mushtaq, M.S., </a:t>
-            </a:r>
-            <a:r>
-              <a:rPr lang="en-IN" sz="1900" b="0" i="0" dirty="0" err="1">
-                <a:solidFill>
-                  <a:srgbClr val="222222"/>
-                </a:solidFill>
-                <a:effectLst/>
-                <a:latin typeface="Calibri" panose="020F0502020204030204" pitchFamily="34" charset="0"/>
-                <a:ea typeface="Calibri" panose="020F0502020204030204" pitchFamily="34" charset="0"/>
-                <a:cs typeface="Calibri" panose="020F0502020204030204" pitchFamily="34" charset="0"/>
-              </a:rPr>
-              <a:t>Souihi</a:t>
-            </a:r>
-            <a:r>
-              <a:rPr lang="en-IN" sz="1900" b="0" i="0" dirty="0">
-                <a:solidFill>
-                  <a:srgbClr val="222222"/>
-                </a:solidFill>
-                <a:effectLst/>
-                <a:latin typeface="Calibri" panose="020F0502020204030204" pitchFamily="34" charset="0"/>
-                <a:ea typeface="Calibri" panose="020F0502020204030204" pitchFamily="34" charset="0"/>
-                <a:cs typeface="Calibri" panose="020F0502020204030204" pitchFamily="34" charset="0"/>
-              </a:rPr>
-              <a:t>, S. and </a:t>
-            </a:r>
-            <a:r>
-              <a:rPr lang="en-IN" sz="1900" b="0" i="0" dirty="0" err="1">
-                <a:solidFill>
-                  <a:srgbClr val="222222"/>
-                </a:solidFill>
-                <a:effectLst/>
-                <a:latin typeface="Calibri" panose="020F0502020204030204" pitchFamily="34" charset="0"/>
-                <a:ea typeface="Calibri" panose="020F0502020204030204" pitchFamily="34" charset="0"/>
-                <a:cs typeface="Calibri" panose="020F0502020204030204" pitchFamily="34" charset="0"/>
-              </a:rPr>
-              <a:t>Mellouk</a:t>
-            </a:r>
-            <a:r>
-              <a:rPr lang="en-IN" sz="1900" b="0" i="0" dirty="0">
-                <a:solidFill>
-                  <a:srgbClr val="222222"/>
-                </a:solidFill>
-                <a:effectLst/>
-                <a:latin typeface="Calibri" panose="020F0502020204030204" pitchFamily="34" charset="0"/>
-                <a:ea typeface="Calibri" panose="020F0502020204030204" pitchFamily="34" charset="0"/>
-                <a:cs typeface="Calibri" panose="020F0502020204030204" pitchFamily="34" charset="0"/>
-              </a:rPr>
-              <a:t>, A., 2017, October. </a:t>
-            </a:r>
-            <a:r>
-              <a:rPr lang="en-IN" sz="1900" b="0" i="0" dirty="0" err="1">
-                <a:solidFill>
-                  <a:srgbClr val="222222"/>
-                </a:solidFill>
-                <a:effectLst/>
-                <a:latin typeface="Calibri" panose="020F0502020204030204" pitchFamily="34" charset="0"/>
-                <a:ea typeface="Calibri" panose="020F0502020204030204" pitchFamily="34" charset="0"/>
-                <a:cs typeface="Calibri" panose="020F0502020204030204" pitchFamily="34" charset="0"/>
-              </a:rPr>
-              <a:t>Qoe</a:t>
-            </a:r>
-            <a:r>
-              <a:rPr lang="en-IN" sz="1900" b="0" i="0" dirty="0">
-                <a:solidFill>
-                  <a:srgbClr val="222222"/>
-                </a:solidFill>
-                <a:effectLst/>
-                <a:latin typeface="Calibri" panose="020F0502020204030204" pitchFamily="34" charset="0"/>
-                <a:ea typeface="Calibri" panose="020F0502020204030204" pitchFamily="34" charset="0"/>
-                <a:cs typeface="Calibri" panose="020F0502020204030204" pitchFamily="34" charset="0"/>
-              </a:rPr>
-              <a:t>-based framework to   optimize user perceived video quality. In </a:t>
-            </a:r>
-            <a:r>
-              <a:rPr lang="en-IN" sz="1900" b="0" i="1" dirty="0">
-                <a:solidFill>
-                  <a:srgbClr val="222222"/>
-                </a:solidFill>
-                <a:effectLst/>
-                <a:latin typeface="Calibri" panose="020F0502020204030204" pitchFamily="34" charset="0"/>
-                <a:ea typeface="Calibri" panose="020F0502020204030204" pitchFamily="34" charset="0"/>
-                <a:cs typeface="Calibri" panose="020F0502020204030204" pitchFamily="34" charset="0"/>
-              </a:rPr>
-              <a:t>2017 IEEE 42nd conference on local computer networks (LCN)</a:t>
-            </a:r>
-            <a:r>
-              <a:rPr lang="en-IN" sz="1900" b="0" i="0" dirty="0">
-                <a:solidFill>
-                  <a:srgbClr val="222222"/>
-                </a:solidFill>
-                <a:effectLst/>
-                <a:latin typeface="Calibri" panose="020F0502020204030204" pitchFamily="34" charset="0"/>
-                <a:ea typeface="Calibri" panose="020F0502020204030204" pitchFamily="34" charset="0"/>
-                <a:cs typeface="Calibri" panose="020F0502020204030204" pitchFamily="34" charset="0"/>
-              </a:rPr>
-              <a:t> (pp. 599-602). IEEE.</a:t>
-            </a:r>
-          </a:p>
-          <a:p>
-            <a:pPr marL="0" indent="0" algn="just">
-              <a:buSzPts val="2800"/>
-              <a:buNone/>
-            </a:pPr>
-            <a:r>
-              <a:rPr lang="en-IN" sz="1900" b="1" i="0" dirty="0">
-                <a:solidFill>
-                  <a:srgbClr val="222222"/>
-                </a:solidFill>
-                <a:effectLst/>
-                <a:latin typeface="Calibri" panose="020F0502020204030204" pitchFamily="34" charset="0"/>
-                <a:ea typeface="Calibri" panose="020F0502020204030204" pitchFamily="34" charset="0"/>
-                <a:cs typeface="Calibri" panose="020F0502020204030204" pitchFamily="34" charset="0"/>
-              </a:rPr>
-              <a:t>[3]</a:t>
-            </a:r>
-            <a:r>
-              <a:rPr lang="en-IN" sz="1900" b="0" i="0" dirty="0">
-                <a:solidFill>
-                  <a:srgbClr val="222222"/>
-                </a:solidFill>
-                <a:effectLst/>
-                <a:latin typeface="Calibri" panose="020F0502020204030204" pitchFamily="34" charset="0"/>
-                <a:ea typeface="Calibri" panose="020F0502020204030204" pitchFamily="34" charset="0"/>
-                <a:cs typeface="Calibri" panose="020F0502020204030204" pitchFamily="34" charset="0"/>
-              </a:rPr>
-              <a:t>Liu, X., </a:t>
-            </a:r>
-            <a:r>
-              <a:rPr lang="en-IN" sz="1900" b="0" i="0" dirty="0" err="1">
-                <a:solidFill>
-                  <a:srgbClr val="222222"/>
-                </a:solidFill>
-                <a:effectLst/>
-                <a:latin typeface="Calibri" panose="020F0502020204030204" pitchFamily="34" charset="0"/>
-                <a:ea typeface="Calibri" panose="020F0502020204030204" pitchFamily="34" charset="0"/>
-                <a:cs typeface="Calibri" panose="020F0502020204030204" pitchFamily="34" charset="0"/>
-              </a:rPr>
-              <a:t>Chuai</a:t>
-            </a:r>
-            <a:r>
-              <a:rPr lang="en-IN" sz="1900" b="0" i="0" dirty="0">
-                <a:solidFill>
-                  <a:srgbClr val="222222"/>
-                </a:solidFill>
-                <a:effectLst/>
-                <a:latin typeface="Calibri" panose="020F0502020204030204" pitchFamily="34" charset="0"/>
-                <a:ea typeface="Calibri" panose="020F0502020204030204" pitchFamily="34" charset="0"/>
-                <a:cs typeface="Calibri" panose="020F0502020204030204" pitchFamily="34" charset="0"/>
-              </a:rPr>
-              <a:t>, G., Wang, X., Xu, Z. and Gao, W., 2021. </a:t>
-            </a:r>
-            <a:r>
-              <a:rPr lang="en-IN" sz="1900" b="0" i="0" dirty="0" err="1">
-                <a:solidFill>
-                  <a:srgbClr val="222222"/>
-                </a:solidFill>
-                <a:effectLst/>
-                <a:latin typeface="Calibri" panose="020F0502020204030204" pitchFamily="34" charset="0"/>
-                <a:ea typeface="Calibri" panose="020F0502020204030204" pitchFamily="34" charset="0"/>
-                <a:cs typeface="Calibri" panose="020F0502020204030204" pitchFamily="34" charset="0"/>
-              </a:rPr>
-              <a:t>QoE</a:t>
-            </a:r>
-            <a:r>
-              <a:rPr lang="en-IN" sz="1900" b="0" i="0" dirty="0">
-                <a:solidFill>
-                  <a:srgbClr val="222222"/>
-                </a:solidFill>
-                <a:effectLst/>
-                <a:latin typeface="Calibri" panose="020F0502020204030204" pitchFamily="34" charset="0"/>
-                <a:ea typeface="Calibri" panose="020F0502020204030204" pitchFamily="34" charset="0"/>
-                <a:cs typeface="Calibri" panose="020F0502020204030204" pitchFamily="34" charset="0"/>
-              </a:rPr>
-              <a:t> assessment model based on continuous deep learning for video in wireless networks. </a:t>
-            </a:r>
-            <a:r>
-              <a:rPr lang="en-IN" sz="1900" b="0" i="1" dirty="0">
-                <a:solidFill>
-                  <a:srgbClr val="222222"/>
-                </a:solidFill>
-                <a:effectLst/>
-                <a:latin typeface="Calibri" panose="020F0502020204030204" pitchFamily="34" charset="0"/>
-                <a:ea typeface="Calibri" panose="020F0502020204030204" pitchFamily="34" charset="0"/>
-                <a:cs typeface="Calibri" panose="020F0502020204030204" pitchFamily="34" charset="0"/>
-              </a:rPr>
-              <a:t>IEEE Transactions on Mobile Computing</a:t>
-            </a:r>
-            <a:r>
-              <a:rPr lang="en-IN" sz="1900" b="0" i="0" dirty="0">
-                <a:solidFill>
-                  <a:srgbClr val="222222"/>
-                </a:solidFill>
-                <a:effectLst/>
-                <a:latin typeface="Calibri" panose="020F0502020204030204" pitchFamily="34" charset="0"/>
-                <a:ea typeface="Calibri" panose="020F0502020204030204" pitchFamily="34" charset="0"/>
-                <a:cs typeface="Calibri" panose="020F0502020204030204" pitchFamily="34" charset="0"/>
-              </a:rPr>
-              <a:t>.</a:t>
-            </a:r>
-          </a:p>
-          <a:p>
-            <a:pPr marL="0" indent="0" algn="just">
-              <a:buSzPts val="2800"/>
-              <a:buNone/>
-            </a:pPr>
-            <a:r>
-              <a:rPr lang="en-IN" sz="1900" b="1" i="0" dirty="0">
-                <a:solidFill>
-                  <a:srgbClr val="222222"/>
-                </a:solidFill>
-                <a:effectLst/>
-                <a:latin typeface="Calibri" panose="020F0502020204030204" pitchFamily="34" charset="0"/>
-                <a:ea typeface="Calibri" panose="020F0502020204030204" pitchFamily="34" charset="0"/>
-                <a:cs typeface="Calibri" panose="020F0502020204030204" pitchFamily="34" charset="0"/>
-              </a:rPr>
-              <a:t>[4]</a:t>
-            </a:r>
-            <a:r>
-              <a:rPr lang="en-IN" sz="1900" b="0" i="0" dirty="0">
-                <a:solidFill>
-                  <a:srgbClr val="222222"/>
-                </a:solidFill>
-                <a:effectLst/>
-                <a:latin typeface="Calibri" panose="020F0502020204030204" pitchFamily="34" charset="0"/>
-                <a:ea typeface="Calibri" panose="020F0502020204030204" pitchFamily="34" charset="0"/>
-                <a:cs typeface="Calibri" panose="020F0502020204030204" pitchFamily="34" charset="0"/>
-              </a:rPr>
-              <a:t>Zhu, Y., Sun, T., Li, Q., Lu, L., Duan, X. and Li, W., 2020, October. Machine learning based user </a:t>
-            </a:r>
-            <a:r>
-              <a:rPr lang="en-IN" sz="1900" b="0" i="0" dirty="0" err="1">
-                <a:solidFill>
-                  <a:srgbClr val="222222"/>
-                </a:solidFill>
-                <a:effectLst/>
-                <a:latin typeface="Calibri" panose="020F0502020204030204" pitchFamily="34" charset="0"/>
-                <a:ea typeface="Calibri" panose="020F0502020204030204" pitchFamily="34" charset="0"/>
-                <a:cs typeface="Calibri" panose="020F0502020204030204" pitchFamily="34" charset="0"/>
-              </a:rPr>
-              <a:t>QoE</a:t>
-            </a:r>
-            <a:r>
-              <a:rPr lang="en-IN" sz="1900" b="0" i="0" dirty="0">
-                <a:solidFill>
-                  <a:srgbClr val="222222"/>
-                </a:solidFill>
-                <a:effectLst/>
-                <a:latin typeface="Calibri" panose="020F0502020204030204" pitchFamily="34" charset="0"/>
-                <a:ea typeface="Calibri" panose="020F0502020204030204" pitchFamily="34" charset="0"/>
-                <a:cs typeface="Calibri" panose="020F0502020204030204" pitchFamily="34" charset="0"/>
-              </a:rPr>
-              <a:t> evaluation for video streaming over Mobile network. In </a:t>
-            </a:r>
-            <a:r>
-              <a:rPr lang="en-IN" sz="1900" b="0" i="1" dirty="0">
-                <a:solidFill>
-                  <a:srgbClr val="222222"/>
-                </a:solidFill>
-                <a:effectLst/>
-                <a:latin typeface="Calibri" panose="020F0502020204030204" pitchFamily="34" charset="0"/>
-                <a:ea typeface="Calibri" panose="020F0502020204030204" pitchFamily="34" charset="0"/>
-                <a:cs typeface="Calibri" panose="020F0502020204030204" pitchFamily="34" charset="0"/>
-              </a:rPr>
-              <a:t>2020 IEEE International Conference on Smart Data Services (SMDS)</a:t>
-            </a:r>
-            <a:r>
-              <a:rPr lang="en-IN" sz="1900" b="0" i="0" dirty="0">
-                <a:solidFill>
-                  <a:srgbClr val="222222"/>
-                </a:solidFill>
-                <a:effectLst/>
-                <a:latin typeface="Calibri" panose="020F0502020204030204" pitchFamily="34" charset="0"/>
-                <a:ea typeface="Calibri" panose="020F0502020204030204" pitchFamily="34" charset="0"/>
-                <a:cs typeface="Calibri" panose="020F0502020204030204" pitchFamily="34" charset="0"/>
-              </a:rPr>
-              <a:t> (pp. 18-25). IEEE.</a:t>
-            </a:r>
-            <a:endParaRPr lang="en-IN" sz="1900" dirty="0">
-              <a:solidFill>
-                <a:srgbClr val="222222"/>
-              </a:solidFill>
-              <a:latin typeface="Calibri" panose="020F0502020204030204" pitchFamily="34" charset="0"/>
-              <a:ea typeface="Calibri" panose="020F0502020204030204" pitchFamily="34" charset="0"/>
-              <a:cs typeface="Calibri" panose="020F0502020204030204" pitchFamily="34" charset="0"/>
-            </a:endParaRPr>
-          </a:p>
-          <a:p>
-            <a:pPr marL="0" indent="0" algn="just">
-              <a:buSzPts val="2800"/>
-              <a:buNone/>
-            </a:pPr>
-            <a:r>
-              <a:rPr lang="en-IN" sz="1900" b="1" i="0" dirty="0">
-                <a:solidFill>
-                  <a:srgbClr val="222222"/>
-                </a:solidFill>
-                <a:effectLst/>
-                <a:latin typeface="Calibri" panose="020F0502020204030204" pitchFamily="34" charset="0"/>
-                <a:ea typeface="Calibri" panose="020F0502020204030204" pitchFamily="34" charset="0"/>
-                <a:cs typeface="Calibri" panose="020F0502020204030204" pitchFamily="34" charset="0"/>
-              </a:rPr>
-              <a:t>[5]</a:t>
-            </a:r>
-            <a:r>
-              <a:rPr lang="en-IN" sz="1900" b="0" i="0" dirty="0" err="1">
-                <a:solidFill>
-                  <a:srgbClr val="222222"/>
-                </a:solidFill>
-                <a:effectLst/>
-                <a:latin typeface="Calibri" panose="020F0502020204030204" pitchFamily="34" charset="0"/>
-                <a:ea typeface="Calibri" panose="020F0502020204030204" pitchFamily="34" charset="0"/>
-                <a:cs typeface="Calibri" panose="020F0502020204030204" pitchFamily="34" charset="0"/>
-              </a:rPr>
-              <a:t>Charonyktakis</a:t>
-            </a:r>
-            <a:r>
-              <a:rPr lang="en-IN" sz="1900" b="0" i="0" dirty="0">
-                <a:solidFill>
-                  <a:srgbClr val="222222"/>
-                </a:solidFill>
-                <a:effectLst/>
-                <a:latin typeface="Calibri" panose="020F0502020204030204" pitchFamily="34" charset="0"/>
-                <a:ea typeface="Calibri" panose="020F0502020204030204" pitchFamily="34" charset="0"/>
-                <a:cs typeface="Calibri" panose="020F0502020204030204" pitchFamily="34" charset="0"/>
-              </a:rPr>
-              <a:t>, P., </a:t>
-            </a:r>
-            <a:r>
-              <a:rPr lang="en-IN" sz="1900" b="0" i="0" dirty="0" err="1">
-                <a:solidFill>
-                  <a:srgbClr val="222222"/>
-                </a:solidFill>
-                <a:effectLst/>
-                <a:latin typeface="Calibri" panose="020F0502020204030204" pitchFamily="34" charset="0"/>
-                <a:ea typeface="Calibri" panose="020F0502020204030204" pitchFamily="34" charset="0"/>
-                <a:cs typeface="Calibri" panose="020F0502020204030204" pitchFamily="34" charset="0"/>
-              </a:rPr>
-              <a:t>Plakia</a:t>
-            </a:r>
-            <a:r>
-              <a:rPr lang="en-IN" sz="1900" b="0" i="0" dirty="0">
-                <a:solidFill>
-                  <a:srgbClr val="222222"/>
-                </a:solidFill>
-                <a:effectLst/>
-                <a:latin typeface="Calibri" panose="020F0502020204030204" pitchFamily="34" charset="0"/>
-                <a:ea typeface="Calibri" panose="020F0502020204030204" pitchFamily="34" charset="0"/>
-                <a:cs typeface="Calibri" panose="020F0502020204030204" pitchFamily="34" charset="0"/>
-              </a:rPr>
-              <a:t>, M., </a:t>
-            </a:r>
-            <a:r>
-              <a:rPr lang="en-IN" sz="1900" b="0" i="0" dirty="0" err="1">
-                <a:solidFill>
-                  <a:srgbClr val="222222"/>
-                </a:solidFill>
-                <a:effectLst/>
-                <a:latin typeface="Calibri" panose="020F0502020204030204" pitchFamily="34" charset="0"/>
-                <a:ea typeface="Calibri" panose="020F0502020204030204" pitchFamily="34" charset="0"/>
-                <a:cs typeface="Calibri" panose="020F0502020204030204" pitchFamily="34" charset="0"/>
-              </a:rPr>
-              <a:t>Tsamardinos</a:t>
-            </a:r>
-            <a:r>
-              <a:rPr lang="en-IN" sz="1900" b="0" i="0" dirty="0">
-                <a:solidFill>
-                  <a:srgbClr val="222222"/>
-                </a:solidFill>
-                <a:effectLst/>
-                <a:latin typeface="Calibri" panose="020F0502020204030204" pitchFamily="34" charset="0"/>
-                <a:ea typeface="Calibri" panose="020F0502020204030204" pitchFamily="34" charset="0"/>
-                <a:cs typeface="Calibri" panose="020F0502020204030204" pitchFamily="34" charset="0"/>
-              </a:rPr>
-              <a:t>, I. and </a:t>
-            </a:r>
-            <a:r>
-              <a:rPr lang="en-IN" sz="1900" b="0" i="0" dirty="0" err="1">
-                <a:solidFill>
-                  <a:srgbClr val="222222"/>
-                </a:solidFill>
-                <a:effectLst/>
-                <a:latin typeface="Calibri" panose="020F0502020204030204" pitchFamily="34" charset="0"/>
-                <a:ea typeface="Calibri" panose="020F0502020204030204" pitchFamily="34" charset="0"/>
-                <a:cs typeface="Calibri" panose="020F0502020204030204" pitchFamily="34" charset="0"/>
-              </a:rPr>
-              <a:t>Papadopouli</a:t>
-            </a:r>
-            <a:r>
-              <a:rPr lang="en-IN" sz="1900" b="0" i="0" dirty="0">
-                <a:solidFill>
-                  <a:srgbClr val="222222"/>
-                </a:solidFill>
-                <a:effectLst/>
-                <a:latin typeface="Calibri" panose="020F0502020204030204" pitchFamily="34" charset="0"/>
-                <a:ea typeface="Calibri" panose="020F0502020204030204" pitchFamily="34" charset="0"/>
-                <a:cs typeface="Calibri" panose="020F0502020204030204" pitchFamily="34" charset="0"/>
-              </a:rPr>
-              <a:t>, M., 2015. On user-centric modular </a:t>
-            </a:r>
-            <a:r>
-              <a:rPr lang="en-IN" sz="1900" b="0" i="0" dirty="0" err="1">
-                <a:solidFill>
-                  <a:srgbClr val="222222"/>
-                </a:solidFill>
-                <a:effectLst/>
-                <a:latin typeface="Calibri" panose="020F0502020204030204" pitchFamily="34" charset="0"/>
-                <a:ea typeface="Calibri" panose="020F0502020204030204" pitchFamily="34" charset="0"/>
-                <a:cs typeface="Calibri" panose="020F0502020204030204" pitchFamily="34" charset="0"/>
-              </a:rPr>
-              <a:t>QoE</a:t>
-            </a:r>
-            <a:r>
-              <a:rPr lang="en-IN" sz="1900" b="0" i="0" dirty="0">
-                <a:solidFill>
-                  <a:srgbClr val="222222"/>
-                </a:solidFill>
-                <a:effectLst/>
-                <a:latin typeface="Calibri" panose="020F0502020204030204" pitchFamily="34" charset="0"/>
-                <a:ea typeface="Calibri" panose="020F0502020204030204" pitchFamily="34" charset="0"/>
-                <a:cs typeface="Calibri" panose="020F0502020204030204" pitchFamily="34" charset="0"/>
-              </a:rPr>
-              <a:t> prediction for VoIP based on machine-learning algorithms. </a:t>
-            </a:r>
-            <a:r>
-              <a:rPr lang="en-IN" sz="1900" b="0" i="1" dirty="0">
-                <a:solidFill>
-                  <a:srgbClr val="222222"/>
-                </a:solidFill>
-                <a:effectLst/>
-                <a:latin typeface="Calibri" panose="020F0502020204030204" pitchFamily="34" charset="0"/>
-                <a:ea typeface="Calibri" panose="020F0502020204030204" pitchFamily="34" charset="0"/>
-                <a:cs typeface="Calibri" panose="020F0502020204030204" pitchFamily="34" charset="0"/>
-              </a:rPr>
-              <a:t>IEEE Transactions on mobile computing</a:t>
-            </a:r>
-            <a:r>
-              <a:rPr lang="en-IN" sz="1900" b="0" i="0" dirty="0">
-                <a:solidFill>
-                  <a:srgbClr val="222222"/>
-                </a:solidFill>
-                <a:effectLst/>
-                <a:latin typeface="Calibri" panose="020F0502020204030204" pitchFamily="34" charset="0"/>
-                <a:ea typeface="Calibri" panose="020F0502020204030204" pitchFamily="34" charset="0"/>
-                <a:cs typeface="Calibri" panose="020F0502020204030204" pitchFamily="34" charset="0"/>
-              </a:rPr>
-              <a:t>, </a:t>
-            </a:r>
-            <a:r>
-              <a:rPr lang="en-IN" sz="1900" b="0" i="1" dirty="0">
-                <a:solidFill>
-                  <a:srgbClr val="222222"/>
-                </a:solidFill>
-                <a:effectLst/>
-                <a:latin typeface="Calibri" panose="020F0502020204030204" pitchFamily="34" charset="0"/>
-                <a:ea typeface="Calibri" panose="020F0502020204030204" pitchFamily="34" charset="0"/>
-                <a:cs typeface="Calibri" panose="020F0502020204030204" pitchFamily="34" charset="0"/>
-              </a:rPr>
-              <a:t>15</a:t>
-            </a:r>
-            <a:r>
-              <a:rPr lang="en-IN" sz="1900" b="0" i="0" dirty="0">
-                <a:solidFill>
-                  <a:srgbClr val="222222"/>
-                </a:solidFill>
-                <a:effectLst/>
-                <a:latin typeface="Calibri" panose="020F0502020204030204" pitchFamily="34" charset="0"/>
-                <a:ea typeface="Calibri" panose="020F0502020204030204" pitchFamily="34" charset="0"/>
-                <a:cs typeface="Calibri" panose="020F0502020204030204" pitchFamily="34" charset="0"/>
-              </a:rPr>
-              <a:t>(6), pp.1443-1456.</a:t>
-            </a:r>
-          </a:p>
-          <a:p>
-            <a:pPr marL="0" indent="0" algn="just">
-              <a:buSzPts val="2800"/>
-              <a:buNone/>
-            </a:pPr>
-            <a:r>
-              <a:rPr lang="en-US" sz="1900" b="1" i="0" dirty="0">
-                <a:solidFill>
-                  <a:srgbClr val="222222"/>
-                </a:solidFill>
-                <a:effectLst/>
-                <a:latin typeface="Calibri" panose="020F0502020204030204" pitchFamily="34" charset="0"/>
-                <a:ea typeface="Calibri" panose="020F0502020204030204" pitchFamily="34" charset="0"/>
-                <a:cs typeface="Calibri" panose="020F0502020204030204" pitchFamily="34" charset="0"/>
-              </a:rPr>
-              <a:t>[6]</a:t>
-            </a:r>
-            <a:r>
-              <a:rPr lang="en-US" sz="1900" b="0" i="0" dirty="0" err="1">
-                <a:solidFill>
-                  <a:srgbClr val="222222"/>
-                </a:solidFill>
-                <a:effectLst/>
-                <a:latin typeface="Calibri" panose="020F0502020204030204" pitchFamily="34" charset="0"/>
-                <a:ea typeface="Calibri" panose="020F0502020204030204" pitchFamily="34" charset="0"/>
-                <a:cs typeface="Calibri" panose="020F0502020204030204" pitchFamily="34" charset="0"/>
-              </a:rPr>
-              <a:t>Vasilev</a:t>
-            </a:r>
-            <a:r>
-              <a:rPr lang="en-US" sz="1900" b="0" i="0" dirty="0">
-                <a:solidFill>
-                  <a:srgbClr val="222222"/>
-                </a:solidFill>
-                <a:effectLst/>
-                <a:latin typeface="Calibri" panose="020F0502020204030204" pitchFamily="34" charset="0"/>
-                <a:ea typeface="Calibri" panose="020F0502020204030204" pitchFamily="34" charset="0"/>
-                <a:cs typeface="Calibri" panose="020F0502020204030204" pitchFamily="34" charset="0"/>
-              </a:rPr>
-              <a:t>, V., </a:t>
-            </a:r>
-            <a:r>
-              <a:rPr lang="en-US" sz="1900" b="0" i="0" dirty="0" err="1">
-                <a:solidFill>
-                  <a:srgbClr val="222222"/>
-                </a:solidFill>
-                <a:effectLst/>
-                <a:latin typeface="Calibri" panose="020F0502020204030204" pitchFamily="34" charset="0"/>
-                <a:ea typeface="Calibri" panose="020F0502020204030204" pitchFamily="34" charset="0"/>
-                <a:cs typeface="Calibri" panose="020F0502020204030204" pitchFamily="34" charset="0"/>
-              </a:rPr>
-              <a:t>Leguay</a:t>
-            </a:r>
-            <a:r>
-              <a:rPr lang="en-US" sz="1900" b="0" i="0" dirty="0">
-                <a:solidFill>
-                  <a:srgbClr val="222222"/>
-                </a:solidFill>
-                <a:effectLst/>
-                <a:latin typeface="Calibri" panose="020F0502020204030204" pitchFamily="34" charset="0"/>
-                <a:ea typeface="Calibri" panose="020F0502020204030204" pitchFamily="34" charset="0"/>
-                <a:cs typeface="Calibri" panose="020F0502020204030204" pitchFamily="34" charset="0"/>
-              </a:rPr>
-              <a:t>, J., Paris, S., Maggi, L. and </a:t>
-            </a:r>
-            <a:r>
-              <a:rPr lang="en-US" sz="1900" b="0" i="0" dirty="0" err="1">
-                <a:solidFill>
-                  <a:srgbClr val="222222"/>
-                </a:solidFill>
-                <a:effectLst/>
-                <a:latin typeface="Calibri" panose="020F0502020204030204" pitchFamily="34" charset="0"/>
-                <a:ea typeface="Calibri" panose="020F0502020204030204" pitchFamily="34" charset="0"/>
-                <a:cs typeface="Calibri" panose="020F0502020204030204" pitchFamily="34" charset="0"/>
-              </a:rPr>
-              <a:t>Debbah</a:t>
-            </a:r>
-            <a:r>
-              <a:rPr lang="en-US" sz="1900" b="0" i="0" dirty="0">
-                <a:solidFill>
-                  <a:srgbClr val="222222"/>
-                </a:solidFill>
-                <a:effectLst/>
-                <a:latin typeface="Calibri" panose="020F0502020204030204" pitchFamily="34" charset="0"/>
-                <a:ea typeface="Calibri" panose="020F0502020204030204" pitchFamily="34" charset="0"/>
-                <a:cs typeface="Calibri" panose="020F0502020204030204" pitchFamily="34" charset="0"/>
-              </a:rPr>
-              <a:t>, M., 2018, May. Predicting </a:t>
-            </a:r>
-            <a:r>
-              <a:rPr lang="en-US" sz="1900" b="0" i="0" dirty="0" err="1">
-                <a:solidFill>
-                  <a:srgbClr val="222222"/>
-                </a:solidFill>
-                <a:effectLst/>
-                <a:latin typeface="Calibri" panose="020F0502020204030204" pitchFamily="34" charset="0"/>
-                <a:ea typeface="Calibri" panose="020F0502020204030204" pitchFamily="34" charset="0"/>
-                <a:cs typeface="Calibri" panose="020F0502020204030204" pitchFamily="34" charset="0"/>
-              </a:rPr>
-              <a:t>QoE</a:t>
-            </a:r>
-            <a:r>
-              <a:rPr lang="en-US" sz="1900" b="0" i="0" dirty="0">
-                <a:solidFill>
-                  <a:srgbClr val="222222"/>
-                </a:solidFill>
-                <a:effectLst/>
-                <a:latin typeface="Calibri" panose="020F0502020204030204" pitchFamily="34" charset="0"/>
-                <a:ea typeface="Calibri" panose="020F0502020204030204" pitchFamily="34" charset="0"/>
-                <a:cs typeface="Calibri" panose="020F0502020204030204" pitchFamily="34" charset="0"/>
-              </a:rPr>
-              <a:t> factors with machine learning. In </a:t>
-            </a:r>
-            <a:r>
-              <a:rPr lang="en-US" sz="1900" b="0" i="1" dirty="0">
-                <a:solidFill>
-                  <a:srgbClr val="222222"/>
-                </a:solidFill>
-                <a:effectLst/>
-                <a:latin typeface="Calibri" panose="020F0502020204030204" pitchFamily="34" charset="0"/>
-                <a:ea typeface="Calibri" panose="020F0502020204030204" pitchFamily="34" charset="0"/>
-                <a:cs typeface="Calibri" panose="020F0502020204030204" pitchFamily="34" charset="0"/>
-              </a:rPr>
-              <a:t>2018 IEEE International Conference on Communications (ICC)</a:t>
-            </a:r>
-            <a:r>
-              <a:rPr lang="en-US" sz="1900" b="0" i="0" dirty="0">
-                <a:solidFill>
-                  <a:srgbClr val="222222"/>
-                </a:solidFill>
-                <a:effectLst/>
-                <a:latin typeface="Calibri" panose="020F0502020204030204" pitchFamily="34" charset="0"/>
-                <a:ea typeface="Calibri" panose="020F0502020204030204" pitchFamily="34" charset="0"/>
-                <a:cs typeface="Calibri" panose="020F0502020204030204" pitchFamily="34" charset="0"/>
-              </a:rPr>
-              <a:t> (pp. 1-6). IEEE.</a:t>
-            </a:r>
-            <a:endParaRPr lang="en-IN" sz="1900" dirty="0">
-              <a:latin typeface="Calibri" panose="020F0502020204030204" pitchFamily="34" charset="0"/>
-              <a:ea typeface="Calibri" panose="020F0502020204030204" pitchFamily="34" charset="0"/>
-              <a:cs typeface="Calibri" panose="020F0502020204030204" pitchFamily="34" charset="0"/>
-            </a:endParaRPr>
-          </a:p>
-          <a:p>
-            <a:pPr marL="0" lvl="0" indent="0" algn="just" rtl="0">
-              <a:lnSpc>
-                <a:spcPct val="90000"/>
-              </a:lnSpc>
-              <a:spcBef>
-                <a:spcPts val="1000"/>
-              </a:spcBef>
-              <a:spcAft>
-                <a:spcPts val="0"/>
-              </a:spcAft>
-              <a:buClr>
-                <a:schemeClr val="dk1"/>
-              </a:buClr>
-              <a:buSzPts val="2800"/>
-              <a:buNone/>
-            </a:pPr>
-            <a:r>
-              <a:rPr lang="en-IN" sz="1900" dirty="0">
-                <a:hlinkClick r:id="rId3"/>
-              </a:rPr>
-              <a:t>[7] DASH HTTP Video</a:t>
-            </a:r>
-            <a:r>
-              <a:rPr lang="en-IN" sz="1900" dirty="0"/>
-              <a:t> – MDN Documentation</a:t>
-            </a:r>
-            <a:endParaRPr sz="1900" dirty="0"/>
+            </a:pPr>
+            <a:r>
+              <a:rPr lang="en-US" dirty="0"/>
+              <a:t>This can enable the provider to improve the adaptation mechanisms, provide better customer service, assess its agreements with infrastructure/network providers, and potentially perform better pricing.</a:t>
+            </a:r>
+            <a:endParaRPr dirty="0"/>
           </a:p>
         </p:txBody>
       </p:sp>
       <p:pic>
         <p:nvPicPr>
-          <p:cNvPr id="161" name="Google Shape;161;p8"/>
+          <p:cNvPr id="151" name="Google Shape;151;p7"/>
           <p:cNvPicPr preferRelativeResize="0"/>
           <p:nvPr/>
         </p:nvPicPr>
         <p:blipFill rotWithShape="1">
-          <a:blip r:embed="rId4">
+          <a:blip r:embed="rId3">
             <a:alphaModFix/>
           </a:blip>
           <a:srcRect/>
@@ -23052,7 +22368,7 @@
       </p:pic>
       <p:sp>
         <p:nvSpPr>
-          <p:cNvPr id="162" name="Google Shape;162;p8"/>
+          <p:cNvPr id="152" name="Google Shape;152;p7"/>
           <p:cNvSpPr txBox="1">
             <a:spLocks noGrp="1"/>
           </p:cNvSpPr>
@@ -23098,7 +22414,7 @@
       </p:sp>
       <p:sp>
         <p:nvSpPr>
-          <p:cNvPr id="163" name="Google Shape;163;p8"/>
+          <p:cNvPr id="153" name="Google Shape;153;p7"/>
           <p:cNvSpPr txBox="1">
             <a:spLocks noGrp="1"/>
           </p:cNvSpPr>
@@ -23138,11 +22454,16 @@
               <a:rPr lang="en-IN" sz="1600"/>
               <a:t>27</a:t>
             </a:fld>
-            <a:endParaRPr sz="1600" dirty="0"/>
+            <a:endParaRPr sz="1600"/>
           </a:p>
         </p:txBody>
       </p:sp>
     </p:spTree>
+    <p:extLst>
+      <p:ext uri="{BB962C8B-B14F-4D97-AF65-F5344CB8AC3E}">
+        <p14:creationId xmlns:p14="http://schemas.microsoft.com/office/powerpoint/2010/main" val="1491780229"/>
+      </p:ext>
+    </p:extLst>
   </p:cSld>
   <p:clrMapOvr>
     <a:masterClrMapping/>
@@ -23213,6 +22534,1098 @@
               <a:buFont typeface="Calibri"/>
               <a:buNone/>
             </a:pPr>
+            <a:r>
+              <a:rPr lang="en-IN" dirty="0"/>
+              <a:t>References</a:t>
+            </a:r>
+            <a:endParaRPr dirty="0"/>
+          </a:p>
+        </p:txBody>
+      </p:sp>
+      <p:sp>
+        <p:nvSpPr>
+          <p:cNvPr id="160" name="Google Shape;160;p8"/>
+          <p:cNvSpPr txBox="1">
+            <a:spLocks noGrp="1"/>
+          </p:cNvSpPr>
+          <p:nvPr>
+            <p:ph type="body" idx="1"/>
+          </p:nvPr>
+        </p:nvSpPr>
+        <p:spPr>
+          <a:xfrm>
+            <a:off x="838200" y="646587"/>
+            <a:ext cx="10515600" cy="5564825"/>
+          </a:xfrm>
+          <a:prstGeom prst="rect">
+            <a:avLst/>
+          </a:prstGeom>
+          <a:noFill/>
+          <a:ln>
+            <a:noFill/>
+          </a:ln>
+        </p:spPr>
+        <p:txBody>
+          <a:bodyPr spcFirstLastPara="1" wrap="square" lIns="91425" tIns="45700" rIns="91425" bIns="45700" anchor="t" anchorCtr="0">
+            <a:normAutofit lnSpcReduction="10000"/>
+          </a:bodyPr>
+          <a:lstStyle/>
+          <a:p>
+            <a:pPr marL="0" indent="0" algn="just">
+              <a:buSzPts val="2800"/>
+              <a:buNone/>
+            </a:pPr>
+            <a:endParaRPr lang="en-IN" dirty="0"/>
+          </a:p>
+          <a:p>
+            <a:pPr marL="0" indent="0" algn="just">
+              <a:buSzPts val="2800"/>
+              <a:buNone/>
+            </a:pPr>
+            <a:r>
+              <a:rPr lang="en-IN" sz="1900" b="1" i="0" dirty="0">
+                <a:solidFill>
+                  <a:srgbClr val="222222"/>
+                </a:solidFill>
+                <a:effectLst/>
+                <a:latin typeface="Calibri" panose="020F0502020204030204" pitchFamily="34" charset="0"/>
+                <a:ea typeface="Calibri" panose="020F0502020204030204" pitchFamily="34" charset="0"/>
+                <a:cs typeface="Calibri" panose="020F0502020204030204" pitchFamily="34" charset="0"/>
+              </a:rPr>
+              <a:t>[1]</a:t>
+            </a:r>
+            <a:r>
+              <a:rPr lang="en-IN" sz="1900" b="0" i="0" dirty="0">
+                <a:solidFill>
+                  <a:srgbClr val="222222"/>
+                </a:solidFill>
+                <a:effectLst/>
+                <a:latin typeface="Calibri" panose="020F0502020204030204" pitchFamily="34" charset="0"/>
+                <a:ea typeface="Calibri" panose="020F0502020204030204" pitchFamily="34" charset="0"/>
+                <a:cs typeface="Calibri" panose="020F0502020204030204" pitchFamily="34" charset="0"/>
+              </a:rPr>
+              <a:t> </a:t>
+            </a:r>
+            <a:r>
+              <a:rPr lang="en-IN" sz="1900" b="0" i="0" dirty="0" err="1">
+                <a:solidFill>
+                  <a:srgbClr val="222222"/>
+                </a:solidFill>
+                <a:effectLst/>
+                <a:latin typeface="Calibri" panose="020F0502020204030204" pitchFamily="34" charset="0"/>
+                <a:ea typeface="Calibri" panose="020F0502020204030204" pitchFamily="34" charset="0"/>
+                <a:cs typeface="Calibri" panose="020F0502020204030204" pitchFamily="34" charset="0"/>
+              </a:rPr>
+              <a:t>Kougioumtzidis</a:t>
+            </a:r>
+            <a:r>
+              <a:rPr lang="en-IN" sz="1900" b="0" i="0" dirty="0">
+                <a:solidFill>
+                  <a:srgbClr val="222222"/>
+                </a:solidFill>
+                <a:effectLst/>
+                <a:latin typeface="Calibri" panose="020F0502020204030204" pitchFamily="34" charset="0"/>
+                <a:ea typeface="Calibri" panose="020F0502020204030204" pitchFamily="34" charset="0"/>
+                <a:cs typeface="Calibri" panose="020F0502020204030204" pitchFamily="34" charset="0"/>
+              </a:rPr>
+              <a:t>, G., </a:t>
+            </a:r>
+            <a:r>
+              <a:rPr lang="en-IN" sz="1900" b="0" i="0" dirty="0" err="1">
+                <a:solidFill>
+                  <a:srgbClr val="222222"/>
+                </a:solidFill>
+                <a:effectLst/>
+                <a:latin typeface="Calibri" panose="020F0502020204030204" pitchFamily="34" charset="0"/>
+                <a:ea typeface="Calibri" panose="020F0502020204030204" pitchFamily="34" charset="0"/>
+                <a:cs typeface="Calibri" panose="020F0502020204030204" pitchFamily="34" charset="0"/>
+              </a:rPr>
+              <a:t>Poulkov</a:t>
+            </a:r>
+            <a:r>
+              <a:rPr lang="en-IN" sz="1900" b="0" i="0" dirty="0">
+                <a:solidFill>
+                  <a:srgbClr val="222222"/>
+                </a:solidFill>
+                <a:effectLst/>
+                <a:latin typeface="Calibri" panose="020F0502020204030204" pitchFamily="34" charset="0"/>
+                <a:ea typeface="Calibri" panose="020F0502020204030204" pitchFamily="34" charset="0"/>
+                <a:cs typeface="Calibri" panose="020F0502020204030204" pitchFamily="34" charset="0"/>
+              </a:rPr>
+              <a:t>, V., </a:t>
+            </a:r>
+            <a:r>
+              <a:rPr lang="en-IN" sz="1900" b="0" i="0" dirty="0" err="1">
+                <a:solidFill>
+                  <a:srgbClr val="222222"/>
+                </a:solidFill>
+                <a:effectLst/>
+                <a:latin typeface="Calibri" panose="020F0502020204030204" pitchFamily="34" charset="0"/>
+                <a:ea typeface="Calibri" panose="020F0502020204030204" pitchFamily="34" charset="0"/>
+                <a:cs typeface="Calibri" panose="020F0502020204030204" pitchFamily="34" charset="0"/>
+              </a:rPr>
+              <a:t>Zaharis</a:t>
+            </a:r>
+            <a:r>
+              <a:rPr lang="en-IN" sz="1900" b="0" i="0" dirty="0">
+                <a:solidFill>
+                  <a:srgbClr val="222222"/>
+                </a:solidFill>
+                <a:effectLst/>
+                <a:latin typeface="Calibri" panose="020F0502020204030204" pitchFamily="34" charset="0"/>
+                <a:ea typeface="Calibri" panose="020F0502020204030204" pitchFamily="34" charset="0"/>
+                <a:cs typeface="Calibri" panose="020F0502020204030204" pitchFamily="34" charset="0"/>
+              </a:rPr>
+              <a:t>, Z.D. and Lazaridis, P.I., 2022. A survey on multimedia services</a:t>
+            </a:r>
+            <a:r>
+              <a:rPr lang="en-IN" sz="1900" dirty="0">
+                <a:solidFill>
+                  <a:srgbClr val="222222"/>
+                </a:solidFill>
+                <a:latin typeface="Calibri" panose="020F0502020204030204" pitchFamily="34" charset="0"/>
+                <a:ea typeface="Calibri" panose="020F0502020204030204" pitchFamily="34" charset="0"/>
+                <a:cs typeface="Calibri" panose="020F0502020204030204" pitchFamily="34" charset="0"/>
+              </a:rPr>
+              <a:t>          </a:t>
+            </a:r>
+            <a:r>
+              <a:rPr lang="en-IN" sz="1900" b="0" i="0" dirty="0" err="1">
+                <a:solidFill>
+                  <a:srgbClr val="222222"/>
+                </a:solidFill>
+                <a:effectLst/>
+                <a:latin typeface="Calibri" panose="020F0502020204030204" pitchFamily="34" charset="0"/>
+                <a:ea typeface="Calibri" panose="020F0502020204030204" pitchFamily="34" charset="0"/>
+                <a:cs typeface="Calibri" panose="020F0502020204030204" pitchFamily="34" charset="0"/>
+              </a:rPr>
+              <a:t>QoE</a:t>
+            </a:r>
+            <a:r>
+              <a:rPr lang="en-IN" sz="1900" b="0" i="0" dirty="0">
+                <a:solidFill>
+                  <a:srgbClr val="222222"/>
+                </a:solidFill>
+                <a:effectLst/>
+                <a:latin typeface="Calibri" panose="020F0502020204030204" pitchFamily="34" charset="0"/>
+                <a:ea typeface="Calibri" panose="020F0502020204030204" pitchFamily="34" charset="0"/>
+                <a:cs typeface="Calibri" panose="020F0502020204030204" pitchFamily="34" charset="0"/>
+              </a:rPr>
+              <a:t> assessment and machine learning-based prediction. </a:t>
+            </a:r>
+            <a:r>
+              <a:rPr lang="en-IN" sz="1900" b="0" i="1" dirty="0">
+                <a:solidFill>
+                  <a:srgbClr val="222222"/>
+                </a:solidFill>
+                <a:effectLst/>
+                <a:latin typeface="Calibri" panose="020F0502020204030204" pitchFamily="34" charset="0"/>
+                <a:ea typeface="Calibri" panose="020F0502020204030204" pitchFamily="34" charset="0"/>
+                <a:cs typeface="Calibri" panose="020F0502020204030204" pitchFamily="34" charset="0"/>
+              </a:rPr>
+              <a:t>IEEE Access</a:t>
+            </a:r>
+            <a:r>
+              <a:rPr lang="en-IN" sz="1900" b="0" i="0" dirty="0">
+                <a:solidFill>
+                  <a:srgbClr val="222222"/>
+                </a:solidFill>
+                <a:effectLst/>
+                <a:latin typeface="Calibri" panose="020F0502020204030204" pitchFamily="34" charset="0"/>
+                <a:ea typeface="Calibri" panose="020F0502020204030204" pitchFamily="34" charset="0"/>
+                <a:cs typeface="Calibri" panose="020F0502020204030204" pitchFamily="34" charset="0"/>
+              </a:rPr>
+              <a:t>, </a:t>
+            </a:r>
+            <a:r>
+              <a:rPr lang="en-IN" sz="1900" b="0" i="1" dirty="0">
+                <a:solidFill>
+                  <a:srgbClr val="222222"/>
+                </a:solidFill>
+                <a:effectLst/>
+                <a:latin typeface="Calibri" panose="020F0502020204030204" pitchFamily="34" charset="0"/>
+                <a:ea typeface="Calibri" panose="020F0502020204030204" pitchFamily="34" charset="0"/>
+                <a:cs typeface="Calibri" panose="020F0502020204030204" pitchFamily="34" charset="0"/>
+              </a:rPr>
+              <a:t>10</a:t>
+            </a:r>
+            <a:r>
+              <a:rPr lang="en-IN" sz="1900" b="0" i="0" dirty="0">
+                <a:solidFill>
+                  <a:srgbClr val="222222"/>
+                </a:solidFill>
+                <a:effectLst/>
+                <a:latin typeface="Calibri" panose="020F0502020204030204" pitchFamily="34" charset="0"/>
+                <a:ea typeface="Calibri" panose="020F0502020204030204" pitchFamily="34" charset="0"/>
+                <a:cs typeface="Calibri" panose="020F0502020204030204" pitchFamily="34" charset="0"/>
+              </a:rPr>
+              <a:t>, pp.19507-19538.</a:t>
+            </a:r>
+          </a:p>
+          <a:p>
+            <a:pPr marL="0" indent="0" algn="just">
+              <a:buSzPts val="2800"/>
+              <a:buNone/>
+            </a:pPr>
+            <a:r>
+              <a:rPr lang="en-IN" sz="1900" b="1" i="0" dirty="0">
+                <a:solidFill>
+                  <a:srgbClr val="222222"/>
+                </a:solidFill>
+                <a:effectLst/>
+                <a:latin typeface="Calibri" panose="020F0502020204030204" pitchFamily="34" charset="0"/>
+                <a:ea typeface="Calibri" panose="020F0502020204030204" pitchFamily="34" charset="0"/>
+                <a:cs typeface="Calibri" panose="020F0502020204030204" pitchFamily="34" charset="0"/>
+              </a:rPr>
+              <a:t>[2]</a:t>
+            </a:r>
+            <a:r>
+              <a:rPr lang="en-IN" sz="1900" b="0" i="0" dirty="0">
+                <a:solidFill>
+                  <a:srgbClr val="222222"/>
+                </a:solidFill>
+                <a:effectLst/>
+                <a:latin typeface="Calibri" panose="020F0502020204030204" pitchFamily="34" charset="0"/>
+                <a:ea typeface="Calibri" panose="020F0502020204030204" pitchFamily="34" charset="0"/>
+                <a:cs typeface="Calibri" panose="020F0502020204030204" pitchFamily="34" charset="0"/>
+              </a:rPr>
+              <a:t> Amour, L., Mushtaq, M.S., </a:t>
+            </a:r>
+            <a:r>
+              <a:rPr lang="en-IN" sz="1900" b="0" i="0" dirty="0" err="1">
+                <a:solidFill>
+                  <a:srgbClr val="222222"/>
+                </a:solidFill>
+                <a:effectLst/>
+                <a:latin typeface="Calibri" panose="020F0502020204030204" pitchFamily="34" charset="0"/>
+                <a:ea typeface="Calibri" panose="020F0502020204030204" pitchFamily="34" charset="0"/>
+                <a:cs typeface="Calibri" panose="020F0502020204030204" pitchFamily="34" charset="0"/>
+              </a:rPr>
+              <a:t>Souihi</a:t>
+            </a:r>
+            <a:r>
+              <a:rPr lang="en-IN" sz="1900" b="0" i="0" dirty="0">
+                <a:solidFill>
+                  <a:srgbClr val="222222"/>
+                </a:solidFill>
+                <a:effectLst/>
+                <a:latin typeface="Calibri" panose="020F0502020204030204" pitchFamily="34" charset="0"/>
+                <a:ea typeface="Calibri" panose="020F0502020204030204" pitchFamily="34" charset="0"/>
+                <a:cs typeface="Calibri" panose="020F0502020204030204" pitchFamily="34" charset="0"/>
+              </a:rPr>
+              <a:t>, S. and </a:t>
+            </a:r>
+            <a:r>
+              <a:rPr lang="en-IN" sz="1900" b="0" i="0" dirty="0" err="1">
+                <a:solidFill>
+                  <a:srgbClr val="222222"/>
+                </a:solidFill>
+                <a:effectLst/>
+                <a:latin typeface="Calibri" panose="020F0502020204030204" pitchFamily="34" charset="0"/>
+                <a:ea typeface="Calibri" panose="020F0502020204030204" pitchFamily="34" charset="0"/>
+                <a:cs typeface="Calibri" panose="020F0502020204030204" pitchFamily="34" charset="0"/>
+              </a:rPr>
+              <a:t>Mellouk</a:t>
+            </a:r>
+            <a:r>
+              <a:rPr lang="en-IN" sz="1900" b="0" i="0" dirty="0">
+                <a:solidFill>
+                  <a:srgbClr val="222222"/>
+                </a:solidFill>
+                <a:effectLst/>
+                <a:latin typeface="Calibri" panose="020F0502020204030204" pitchFamily="34" charset="0"/>
+                <a:ea typeface="Calibri" panose="020F0502020204030204" pitchFamily="34" charset="0"/>
+                <a:cs typeface="Calibri" panose="020F0502020204030204" pitchFamily="34" charset="0"/>
+              </a:rPr>
+              <a:t>, A., 2017, October. </a:t>
+            </a:r>
+            <a:r>
+              <a:rPr lang="en-IN" sz="1900" b="0" i="0" dirty="0" err="1">
+                <a:solidFill>
+                  <a:srgbClr val="222222"/>
+                </a:solidFill>
+                <a:effectLst/>
+                <a:latin typeface="Calibri" panose="020F0502020204030204" pitchFamily="34" charset="0"/>
+                <a:ea typeface="Calibri" panose="020F0502020204030204" pitchFamily="34" charset="0"/>
+                <a:cs typeface="Calibri" panose="020F0502020204030204" pitchFamily="34" charset="0"/>
+              </a:rPr>
+              <a:t>Qoe</a:t>
+            </a:r>
+            <a:r>
+              <a:rPr lang="en-IN" sz="1900" b="0" i="0" dirty="0">
+                <a:solidFill>
+                  <a:srgbClr val="222222"/>
+                </a:solidFill>
+                <a:effectLst/>
+                <a:latin typeface="Calibri" panose="020F0502020204030204" pitchFamily="34" charset="0"/>
+                <a:ea typeface="Calibri" panose="020F0502020204030204" pitchFamily="34" charset="0"/>
+                <a:cs typeface="Calibri" panose="020F0502020204030204" pitchFamily="34" charset="0"/>
+              </a:rPr>
+              <a:t>-based framework to   optimize user perceived video quality. In </a:t>
+            </a:r>
+            <a:r>
+              <a:rPr lang="en-IN" sz="1900" b="0" i="1" dirty="0">
+                <a:solidFill>
+                  <a:srgbClr val="222222"/>
+                </a:solidFill>
+                <a:effectLst/>
+                <a:latin typeface="Calibri" panose="020F0502020204030204" pitchFamily="34" charset="0"/>
+                <a:ea typeface="Calibri" panose="020F0502020204030204" pitchFamily="34" charset="0"/>
+                <a:cs typeface="Calibri" panose="020F0502020204030204" pitchFamily="34" charset="0"/>
+              </a:rPr>
+              <a:t>2017 IEEE 42nd conference on local computer networks (LCN)</a:t>
+            </a:r>
+            <a:r>
+              <a:rPr lang="en-IN" sz="1900" b="0" i="0" dirty="0">
+                <a:solidFill>
+                  <a:srgbClr val="222222"/>
+                </a:solidFill>
+                <a:effectLst/>
+                <a:latin typeface="Calibri" panose="020F0502020204030204" pitchFamily="34" charset="0"/>
+                <a:ea typeface="Calibri" panose="020F0502020204030204" pitchFamily="34" charset="0"/>
+                <a:cs typeface="Calibri" panose="020F0502020204030204" pitchFamily="34" charset="0"/>
+              </a:rPr>
+              <a:t> (pp. 599-602). IEEE.</a:t>
+            </a:r>
+          </a:p>
+          <a:p>
+            <a:pPr marL="0" indent="0" algn="just">
+              <a:buSzPts val="2800"/>
+              <a:buNone/>
+            </a:pPr>
+            <a:r>
+              <a:rPr lang="en-IN" sz="1900" b="1" i="0" dirty="0">
+                <a:solidFill>
+                  <a:srgbClr val="222222"/>
+                </a:solidFill>
+                <a:effectLst/>
+                <a:latin typeface="Calibri" panose="020F0502020204030204" pitchFamily="34" charset="0"/>
+                <a:ea typeface="Calibri" panose="020F0502020204030204" pitchFamily="34" charset="0"/>
+                <a:cs typeface="Calibri" panose="020F0502020204030204" pitchFamily="34" charset="0"/>
+              </a:rPr>
+              <a:t>[3]</a:t>
+            </a:r>
+            <a:r>
+              <a:rPr lang="en-IN" sz="1900" b="0" i="0" dirty="0">
+                <a:solidFill>
+                  <a:srgbClr val="222222"/>
+                </a:solidFill>
+                <a:effectLst/>
+                <a:latin typeface="Calibri" panose="020F0502020204030204" pitchFamily="34" charset="0"/>
+                <a:ea typeface="Calibri" panose="020F0502020204030204" pitchFamily="34" charset="0"/>
+                <a:cs typeface="Calibri" panose="020F0502020204030204" pitchFamily="34" charset="0"/>
+              </a:rPr>
+              <a:t>Liu, X., </a:t>
+            </a:r>
+            <a:r>
+              <a:rPr lang="en-IN" sz="1900" b="0" i="0" dirty="0" err="1">
+                <a:solidFill>
+                  <a:srgbClr val="222222"/>
+                </a:solidFill>
+                <a:effectLst/>
+                <a:latin typeface="Calibri" panose="020F0502020204030204" pitchFamily="34" charset="0"/>
+                <a:ea typeface="Calibri" panose="020F0502020204030204" pitchFamily="34" charset="0"/>
+                <a:cs typeface="Calibri" panose="020F0502020204030204" pitchFamily="34" charset="0"/>
+              </a:rPr>
+              <a:t>Chuai</a:t>
+            </a:r>
+            <a:r>
+              <a:rPr lang="en-IN" sz="1900" b="0" i="0" dirty="0">
+                <a:solidFill>
+                  <a:srgbClr val="222222"/>
+                </a:solidFill>
+                <a:effectLst/>
+                <a:latin typeface="Calibri" panose="020F0502020204030204" pitchFamily="34" charset="0"/>
+                <a:ea typeface="Calibri" panose="020F0502020204030204" pitchFamily="34" charset="0"/>
+                <a:cs typeface="Calibri" panose="020F0502020204030204" pitchFamily="34" charset="0"/>
+              </a:rPr>
+              <a:t>, G., Wang, X., Xu, Z. and Gao, W., 2021. </a:t>
+            </a:r>
+            <a:r>
+              <a:rPr lang="en-IN" sz="1900" b="0" i="0" dirty="0" err="1">
+                <a:solidFill>
+                  <a:srgbClr val="222222"/>
+                </a:solidFill>
+                <a:effectLst/>
+                <a:latin typeface="Calibri" panose="020F0502020204030204" pitchFamily="34" charset="0"/>
+                <a:ea typeface="Calibri" panose="020F0502020204030204" pitchFamily="34" charset="0"/>
+                <a:cs typeface="Calibri" panose="020F0502020204030204" pitchFamily="34" charset="0"/>
+              </a:rPr>
+              <a:t>QoE</a:t>
+            </a:r>
+            <a:r>
+              <a:rPr lang="en-IN" sz="1900" b="0" i="0" dirty="0">
+                <a:solidFill>
+                  <a:srgbClr val="222222"/>
+                </a:solidFill>
+                <a:effectLst/>
+                <a:latin typeface="Calibri" panose="020F0502020204030204" pitchFamily="34" charset="0"/>
+                <a:ea typeface="Calibri" panose="020F0502020204030204" pitchFamily="34" charset="0"/>
+                <a:cs typeface="Calibri" panose="020F0502020204030204" pitchFamily="34" charset="0"/>
+              </a:rPr>
+              <a:t> assessment model based on continuous deep learning for video in wireless networks. </a:t>
+            </a:r>
+            <a:r>
+              <a:rPr lang="en-IN" sz="1900" b="0" i="1" dirty="0">
+                <a:solidFill>
+                  <a:srgbClr val="222222"/>
+                </a:solidFill>
+                <a:effectLst/>
+                <a:latin typeface="Calibri" panose="020F0502020204030204" pitchFamily="34" charset="0"/>
+                <a:ea typeface="Calibri" panose="020F0502020204030204" pitchFamily="34" charset="0"/>
+                <a:cs typeface="Calibri" panose="020F0502020204030204" pitchFamily="34" charset="0"/>
+              </a:rPr>
+              <a:t>IEEE Transactions on Mobile Computing</a:t>
+            </a:r>
+            <a:r>
+              <a:rPr lang="en-IN" sz="1900" b="0" i="0" dirty="0">
+                <a:solidFill>
+                  <a:srgbClr val="222222"/>
+                </a:solidFill>
+                <a:effectLst/>
+                <a:latin typeface="Calibri" panose="020F0502020204030204" pitchFamily="34" charset="0"/>
+                <a:ea typeface="Calibri" panose="020F0502020204030204" pitchFamily="34" charset="0"/>
+                <a:cs typeface="Calibri" panose="020F0502020204030204" pitchFamily="34" charset="0"/>
+              </a:rPr>
+              <a:t>.</a:t>
+            </a:r>
+          </a:p>
+          <a:p>
+            <a:pPr marL="0" indent="0" algn="just">
+              <a:buSzPts val="2800"/>
+              <a:buNone/>
+            </a:pPr>
+            <a:r>
+              <a:rPr lang="en-IN" sz="1900" b="1" i="0" dirty="0">
+                <a:solidFill>
+                  <a:srgbClr val="222222"/>
+                </a:solidFill>
+                <a:effectLst/>
+                <a:latin typeface="Calibri" panose="020F0502020204030204" pitchFamily="34" charset="0"/>
+                <a:ea typeface="Calibri" panose="020F0502020204030204" pitchFamily="34" charset="0"/>
+                <a:cs typeface="Calibri" panose="020F0502020204030204" pitchFamily="34" charset="0"/>
+              </a:rPr>
+              <a:t>[4]</a:t>
+            </a:r>
+            <a:r>
+              <a:rPr lang="en-IN" sz="1900" b="0" i="0" dirty="0">
+                <a:solidFill>
+                  <a:srgbClr val="222222"/>
+                </a:solidFill>
+                <a:effectLst/>
+                <a:latin typeface="Calibri" panose="020F0502020204030204" pitchFamily="34" charset="0"/>
+                <a:ea typeface="Calibri" panose="020F0502020204030204" pitchFamily="34" charset="0"/>
+                <a:cs typeface="Calibri" panose="020F0502020204030204" pitchFamily="34" charset="0"/>
+              </a:rPr>
+              <a:t>Zhu, Y., Sun, T., Li, Q., Lu, L., Duan, X. and Li, W., 2020, October. Machine learning based user </a:t>
+            </a:r>
+            <a:r>
+              <a:rPr lang="en-IN" sz="1900" b="0" i="0" dirty="0" err="1">
+                <a:solidFill>
+                  <a:srgbClr val="222222"/>
+                </a:solidFill>
+                <a:effectLst/>
+                <a:latin typeface="Calibri" panose="020F0502020204030204" pitchFamily="34" charset="0"/>
+                <a:ea typeface="Calibri" panose="020F0502020204030204" pitchFamily="34" charset="0"/>
+                <a:cs typeface="Calibri" panose="020F0502020204030204" pitchFamily="34" charset="0"/>
+              </a:rPr>
+              <a:t>QoE</a:t>
+            </a:r>
+            <a:r>
+              <a:rPr lang="en-IN" sz="1900" b="0" i="0" dirty="0">
+                <a:solidFill>
+                  <a:srgbClr val="222222"/>
+                </a:solidFill>
+                <a:effectLst/>
+                <a:latin typeface="Calibri" panose="020F0502020204030204" pitchFamily="34" charset="0"/>
+                <a:ea typeface="Calibri" panose="020F0502020204030204" pitchFamily="34" charset="0"/>
+                <a:cs typeface="Calibri" panose="020F0502020204030204" pitchFamily="34" charset="0"/>
+              </a:rPr>
+              <a:t> evaluation for video streaming over Mobile network. In </a:t>
+            </a:r>
+            <a:r>
+              <a:rPr lang="en-IN" sz="1900" b="0" i="1" dirty="0">
+                <a:solidFill>
+                  <a:srgbClr val="222222"/>
+                </a:solidFill>
+                <a:effectLst/>
+                <a:latin typeface="Calibri" panose="020F0502020204030204" pitchFamily="34" charset="0"/>
+                <a:ea typeface="Calibri" panose="020F0502020204030204" pitchFamily="34" charset="0"/>
+                <a:cs typeface="Calibri" panose="020F0502020204030204" pitchFamily="34" charset="0"/>
+              </a:rPr>
+              <a:t>2020 IEEE International Conference on Smart Data Services (SMDS)</a:t>
+            </a:r>
+            <a:r>
+              <a:rPr lang="en-IN" sz="1900" b="0" i="0" dirty="0">
+                <a:solidFill>
+                  <a:srgbClr val="222222"/>
+                </a:solidFill>
+                <a:effectLst/>
+                <a:latin typeface="Calibri" panose="020F0502020204030204" pitchFamily="34" charset="0"/>
+                <a:ea typeface="Calibri" panose="020F0502020204030204" pitchFamily="34" charset="0"/>
+                <a:cs typeface="Calibri" panose="020F0502020204030204" pitchFamily="34" charset="0"/>
+              </a:rPr>
+              <a:t> (pp. 18-25). IEEE.</a:t>
+            </a:r>
+            <a:endParaRPr lang="en-IN" sz="1900" dirty="0">
+              <a:solidFill>
+                <a:srgbClr val="222222"/>
+              </a:solidFill>
+              <a:latin typeface="Calibri" panose="020F0502020204030204" pitchFamily="34" charset="0"/>
+              <a:ea typeface="Calibri" panose="020F0502020204030204" pitchFamily="34" charset="0"/>
+              <a:cs typeface="Calibri" panose="020F0502020204030204" pitchFamily="34" charset="0"/>
+            </a:endParaRPr>
+          </a:p>
+          <a:p>
+            <a:pPr marL="0" indent="0" algn="just">
+              <a:buSzPts val="2800"/>
+              <a:buNone/>
+            </a:pPr>
+            <a:r>
+              <a:rPr lang="en-IN" sz="1900" b="1" i="0" dirty="0">
+                <a:solidFill>
+                  <a:srgbClr val="222222"/>
+                </a:solidFill>
+                <a:effectLst/>
+                <a:latin typeface="Calibri" panose="020F0502020204030204" pitchFamily="34" charset="0"/>
+                <a:ea typeface="Calibri" panose="020F0502020204030204" pitchFamily="34" charset="0"/>
+                <a:cs typeface="Calibri" panose="020F0502020204030204" pitchFamily="34" charset="0"/>
+              </a:rPr>
+              <a:t>[5]</a:t>
+            </a:r>
+            <a:r>
+              <a:rPr lang="en-IN" sz="1900" b="0" i="0" dirty="0" err="1">
+                <a:solidFill>
+                  <a:srgbClr val="222222"/>
+                </a:solidFill>
+                <a:effectLst/>
+                <a:latin typeface="Calibri" panose="020F0502020204030204" pitchFamily="34" charset="0"/>
+                <a:ea typeface="Calibri" panose="020F0502020204030204" pitchFamily="34" charset="0"/>
+                <a:cs typeface="Calibri" panose="020F0502020204030204" pitchFamily="34" charset="0"/>
+              </a:rPr>
+              <a:t>Charonyktakis</a:t>
+            </a:r>
+            <a:r>
+              <a:rPr lang="en-IN" sz="1900" b="0" i="0" dirty="0">
+                <a:solidFill>
+                  <a:srgbClr val="222222"/>
+                </a:solidFill>
+                <a:effectLst/>
+                <a:latin typeface="Calibri" panose="020F0502020204030204" pitchFamily="34" charset="0"/>
+                <a:ea typeface="Calibri" panose="020F0502020204030204" pitchFamily="34" charset="0"/>
+                <a:cs typeface="Calibri" panose="020F0502020204030204" pitchFamily="34" charset="0"/>
+              </a:rPr>
+              <a:t>, P., </a:t>
+            </a:r>
+            <a:r>
+              <a:rPr lang="en-IN" sz="1900" b="0" i="0" dirty="0" err="1">
+                <a:solidFill>
+                  <a:srgbClr val="222222"/>
+                </a:solidFill>
+                <a:effectLst/>
+                <a:latin typeface="Calibri" panose="020F0502020204030204" pitchFamily="34" charset="0"/>
+                <a:ea typeface="Calibri" panose="020F0502020204030204" pitchFamily="34" charset="0"/>
+                <a:cs typeface="Calibri" panose="020F0502020204030204" pitchFamily="34" charset="0"/>
+              </a:rPr>
+              <a:t>Plakia</a:t>
+            </a:r>
+            <a:r>
+              <a:rPr lang="en-IN" sz="1900" b="0" i="0" dirty="0">
+                <a:solidFill>
+                  <a:srgbClr val="222222"/>
+                </a:solidFill>
+                <a:effectLst/>
+                <a:latin typeface="Calibri" panose="020F0502020204030204" pitchFamily="34" charset="0"/>
+                <a:ea typeface="Calibri" panose="020F0502020204030204" pitchFamily="34" charset="0"/>
+                <a:cs typeface="Calibri" panose="020F0502020204030204" pitchFamily="34" charset="0"/>
+              </a:rPr>
+              <a:t>, M., </a:t>
+            </a:r>
+            <a:r>
+              <a:rPr lang="en-IN" sz="1900" b="0" i="0" dirty="0" err="1">
+                <a:solidFill>
+                  <a:srgbClr val="222222"/>
+                </a:solidFill>
+                <a:effectLst/>
+                <a:latin typeface="Calibri" panose="020F0502020204030204" pitchFamily="34" charset="0"/>
+                <a:ea typeface="Calibri" panose="020F0502020204030204" pitchFamily="34" charset="0"/>
+                <a:cs typeface="Calibri" panose="020F0502020204030204" pitchFamily="34" charset="0"/>
+              </a:rPr>
+              <a:t>Tsamardinos</a:t>
+            </a:r>
+            <a:r>
+              <a:rPr lang="en-IN" sz="1900" b="0" i="0" dirty="0">
+                <a:solidFill>
+                  <a:srgbClr val="222222"/>
+                </a:solidFill>
+                <a:effectLst/>
+                <a:latin typeface="Calibri" panose="020F0502020204030204" pitchFamily="34" charset="0"/>
+                <a:ea typeface="Calibri" panose="020F0502020204030204" pitchFamily="34" charset="0"/>
+                <a:cs typeface="Calibri" panose="020F0502020204030204" pitchFamily="34" charset="0"/>
+              </a:rPr>
+              <a:t>, I. and </a:t>
+            </a:r>
+            <a:r>
+              <a:rPr lang="en-IN" sz="1900" b="0" i="0" dirty="0" err="1">
+                <a:solidFill>
+                  <a:srgbClr val="222222"/>
+                </a:solidFill>
+                <a:effectLst/>
+                <a:latin typeface="Calibri" panose="020F0502020204030204" pitchFamily="34" charset="0"/>
+                <a:ea typeface="Calibri" panose="020F0502020204030204" pitchFamily="34" charset="0"/>
+                <a:cs typeface="Calibri" panose="020F0502020204030204" pitchFamily="34" charset="0"/>
+              </a:rPr>
+              <a:t>Papadopouli</a:t>
+            </a:r>
+            <a:r>
+              <a:rPr lang="en-IN" sz="1900" b="0" i="0" dirty="0">
+                <a:solidFill>
+                  <a:srgbClr val="222222"/>
+                </a:solidFill>
+                <a:effectLst/>
+                <a:latin typeface="Calibri" panose="020F0502020204030204" pitchFamily="34" charset="0"/>
+                <a:ea typeface="Calibri" panose="020F0502020204030204" pitchFamily="34" charset="0"/>
+                <a:cs typeface="Calibri" panose="020F0502020204030204" pitchFamily="34" charset="0"/>
+              </a:rPr>
+              <a:t>, M., 2015. On user-centric modular </a:t>
+            </a:r>
+            <a:r>
+              <a:rPr lang="en-IN" sz="1900" b="0" i="0" dirty="0" err="1">
+                <a:solidFill>
+                  <a:srgbClr val="222222"/>
+                </a:solidFill>
+                <a:effectLst/>
+                <a:latin typeface="Calibri" panose="020F0502020204030204" pitchFamily="34" charset="0"/>
+                <a:ea typeface="Calibri" panose="020F0502020204030204" pitchFamily="34" charset="0"/>
+                <a:cs typeface="Calibri" panose="020F0502020204030204" pitchFamily="34" charset="0"/>
+              </a:rPr>
+              <a:t>QoE</a:t>
+            </a:r>
+            <a:r>
+              <a:rPr lang="en-IN" sz="1900" b="0" i="0" dirty="0">
+                <a:solidFill>
+                  <a:srgbClr val="222222"/>
+                </a:solidFill>
+                <a:effectLst/>
+                <a:latin typeface="Calibri" panose="020F0502020204030204" pitchFamily="34" charset="0"/>
+                <a:ea typeface="Calibri" panose="020F0502020204030204" pitchFamily="34" charset="0"/>
+                <a:cs typeface="Calibri" panose="020F0502020204030204" pitchFamily="34" charset="0"/>
+              </a:rPr>
+              <a:t> prediction for VoIP based on machine-learning algorithms. </a:t>
+            </a:r>
+            <a:r>
+              <a:rPr lang="en-IN" sz="1900" b="0" i="1" dirty="0">
+                <a:solidFill>
+                  <a:srgbClr val="222222"/>
+                </a:solidFill>
+                <a:effectLst/>
+                <a:latin typeface="Calibri" panose="020F0502020204030204" pitchFamily="34" charset="0"/>
+                <a:ea typeface="Calibri" panose="020F0502020204030204" pitchFamily="34" charset="0"/>
+                <a:cs typeface="Calibri" panose="020F0502020204030204" pitchFamily="34" charset="0"/>
+              </a:rPr>
+              <a:t>IEEE Transactions on mobile computing</a:t>
+            </a:r>
+            <a:r>
+              <a:rPr lang="en-IN" sz="1900" b="0" i="0" dirty="0">
+                <a:solidFill>
+                  <a:srgbClr val="222222"/>
+                </a:solidFill>
+                <a:effectLst/>
+                <a:latin typeface="Calibri" panose="020F0502020204030204" pitchFamily="34" charset="0"/>
+                <a:ea typeface="Calibri" panose="020F0502020204030204" pitchFamily="34" charset="0"/>
+                <a:cs typeface="Calibri" panose="020F0502020204030204" pitchFamily="34" charset="0"/>
+              </a:rPr>
+              <a:t>, </a:t>
+            </a:r>
+            <a:r>
+              <a:rPr lang="en-IN" sz="1900" b="0" i="1" dirty="0">
+                <a:solidFill>
+                  <a:srgbClr val="222222"/>
+                </a:solidFill>
+                <a:effectLst/>
+                <a:latin typeface="Calibri" panose="020F0502020204030204" pitchFamily="34" charset="0"/>
+                <a:ea typeface="Calibri" panose="020F0502020204030204" pitchFamily="34" charset="0"/>
+                <a:cs typeface="Calibri" panose="020F0502020204030204" pitchFamily="34" charset="0"/>
+              </a:rPr>
+              <a:t>15</a:t>
+            </a:r>
+            <a:r>
+              <a:rPr lang="en-IN" sz="1900" b="0" i="0" dirty="0">
+                <a:solidFill>
+                  <a:srgbClr val="222222"/>
+                </a:solidFill>
+                <a:effectLst/>
+                <a:latin typeface="Calibri" panose="020F0502020204030204" pitchFamily="34" charset="0"/>
+                <a:ea typeface="Calibri" panose="020F0502020204030204" pitchFamily="34" charset="0"/>
+                <a:cs typeface="Calibri" panose="020F0502020204030204" pitchFamily="34" charset="0"/>
+              </a:rPr>
+              <a:t>(6), pp.1443-1456.</a:t>
+            </a:r>
+          </a:p>
+          <a:p>
+            <a:pPr marL="0" indent="0" algn="just">
+              <a:buSzPts val="2800"/>
+              <a:buNone/>
+            </a:pPr>
+            <a:r>
+              <a:rPr lang="en-US" sz="1900" b="1" i="0" dirty="0">
+                <a:solidFill>
+                  <a:srgbClr val="222222"/>
+                </a:solidFill>
+                <a:effectLst/>
+                <a:latin typeface="Calibri" panose="020F0502020204030204" pitchFamily="34" charset="0"/>
+                <a:ea typeface="Calibri" panose="020F0502020204030204" pitchFamily="34" charset="0"/>
+                <a:cs typeface="Calibri" panose="020F0502020204030204" pitchFamily="34" charset="0"/>
+              </a:rPr>
+              <a:t>[6]</a:t>
+            </a:r>
+            <a:r>
+              <a:rPr lang="en-US" sz="1900" b="0" i="0" dirty="0" err="1">
+                <a:solidFill>
+                  <a:srgbClr val="222222"/>
+                </a:solidFill>
+                <a:effectLst/>
+                <a:latin typeface="Calibri" panose="020F0502020204030204" pitchFamily="34" charset="0"/>
+                <a:ea typeface="Calibri" panose="020F0502020204030204" pitchFamily="34" charset="0"/>
+                <a:cs typeface="Calibri" panose="020F0502020204030204" pitchFamily="34" charset="0"/>
+              </a:rPr>
+              <a:t>Vasilev</a:t>
+            </a:r>
+            <a:r>
+              <a:rPr lang="en-US" sz="1900" b="0" i="0" dirty="0">
+                <a:solidFill>
+                  <a:srgbClr val="222222"/>
+                </a:solidFill>
+                <a:effectLst/>
+                <a:latin typeface="Calibri" panose="020F0502020204030204" pitchFamily="34" charset="0"/>
+                <a:ea typeface="Calibri" panose="020F0502020204030204" pitchFamily="34" charset="0"/>
+                <a:cs typeface="Calibri" panose="020F0502020204030204" pitchFamily="34" charset="0"/>
+              </a:rPr>
+              <a:t>, V., </a:t>
+            </a:r>
+            <a:r>
+              <a:rPr lang="en-US" sz="1900" b="0" i="0" dirty="0" err="1">
+                <a:solidFill>
+                  <a:srgbClr val="222222"/>
+                </a:solidFill>
+                <a:effectLst/>
+                <a:latin typeface="Calibri" panose="020F0502020204030204" pitchFamily="34" charset="0"/>
+                <a:ea typeface="Calibri" panose="020F0502020204030204" pitchFamily="34" charset="0"/>
+                <a:cs typeface="Calibri" panose="020F0502020204030204" pitchFamily="34" charset="0"/>
+              </a:rPr>
+              <a:t>Leguay</a:t>
+            </a:r>
+            <a:r>
+              <a:rPr lang="en-US" sz="1900" b="0" i="0" dirty="0">
+                <a:solidFill>
+                  <a:srgbClr val="222222"/>
+                </a:solidFill>
+                <a:effectLst/>
+                <a:latin typeface="Calibri" panose="020F0502020204030204" pitchFamily="34" charset="0"/>
+                <a:ea typeface="Calibri" panose="020F0502020204030204" pitchFamily="34" charset="0"/>
+                <a:cs typeface="Calibri" panose="020F0502020204030204" pitchFamily="34" charset="0"/>
+              </a:rPr>
+              <a:t>, J., Paris, S., Maggi, L. and </a:t>
+            </a:r>
+            <a:r>
+              <a:rPr lang="en-US" sz="1900" b="0" i="0" dirty="0" err="1">
+                <a:solidFill>
+                  <a:srgbClr val="222222"/>
+                </a:solidFill>
+                <a:effectLst/>
+                <a:latin typeface="Calibri" panose="020F0502020204030204" pitchFamily="34" charset="0"/>
+                <a:ea typeface="Calibri" panose="020F0502020204030204" pitchFamily="34" charset="0"/>
+                <a:cs typeface="Calibri" panose="020F0502020204030204" pitchFamily="34" charset="0"/>
+              </a:rPr>
+              <a:t>Debbah</a:t>
+            </a:r>
+            <a:r>
+              <a:rPr lang="en-US" sz="1900" b="0" i="0" dirty="0">
+                <a:solidFill>
+                  <a:srgbClr val="222222"/>
+                </a:solidFill>
+                <a:effectLst/>
+                <a:latin typeface="Calibri" panose="020F0502020204030204" pitchFamily="34" charset="0"/>
+                <a:ea typeface="Calibri" panose="020F0502020204030204" pitchFamily="34" charset="0"/>
+                <a:cs typeface="Calibri" panose="020F0502020204030204" pitchFamily="34" charset="0"/>
+              </a:rPr>
+              <a:t>, M., 2018, May. Predicting </a:t>
+            </a:r>
+            <a:r>
+              <a:rPr lang="en-US" sz="1900" b="0" i="0" dirty="0" err="1">
+                <a:solidFill>
+                  <a:srgbClr val="222222"/>
+                </a:solidFill>
+                <a:effectLst/>
+                <a:latin typeface="Calibri" panose="020F0502020204030204" pitchFamily="34" charset="0"/>
+                <a:ea typeface="Calibri" panose="020F0502020204030204" pitchFamily="34" charset="0"/>
+                <a:cs typeface="Calibri" panose="020F0502020204030204" pitchFamily="34" charset="0"/>
+              </a:rPr>
+              <a:t>QoE</a:t>
+            </a:r>
+            <a:r>
+              <a:rPr lang="en-US" sz="1900" b="0" i="0" dirty="0">
+                <a:solidFill>
+                  <a:srgbClr val="222222"/>
+                </a:solidFill>
+                <a:effectLst/>
+                <a:latin typeface="Calibri" panose="020F0502020204030204" pitchFamily="34" charset="0"/>
+                <a:ea typeface="Calibri" panose="020F0502020204030204" pitchFamily="34" charset="0"/>
+                <a:cs typeface="Calibri" panose="020F0502020204030204" pitchFamily="34" charset="0"/>
+              </a:rPr>
+              <a:t> factors with machine learning. In </a:t>
+            </a:r>
+            <a:r>
+              <a:rPr lang="en-US" sz="1900" b="0" i="1" dirty="0">
+                <a:solidFill>
+                  <a:srgbClr val="222222"/>
+                </a:solidFill>
+                <a:effectLst/>
+                <a:latin typeface="Calibri" panose="020F0502020204030204" pitchFamily="34" charset="0"/>
+                <a:ea typeface="Calibri" panose="020F0502020204030204" pitchFamily="34" charset="0"/>
+                <a:cs typeface="Calibri" panose="020F0502020204030204" pitchFamily="34" charset="0"/>
+              </a:rPr>
+              <a:t>2018 IEEE International Conference on Communications (ICC)</a:t>
+            </a:r>
+            <a:r>
+              <a:rPr lang="en-US" sz="1900" b="0" i="0" dirty="0">
+                <a:solidFill>
+                  <a:srgbClr val="222222"/>
+                </a:solidFill>
+                <a:effectLst/>
+                <a:latin typeface="Calibri" panose="020F0502020204030204" pitchFamily="34" charset="0"/>
+                <a:ea typeface="Calibri" panose="020F0502020204030204" pitchFamily="34" charset="0"/>
+                <a:cs typeface="Calibri" panose="020F0502020204030204" pitchFamily="34" charset="0"/>
+              </a:rPr>
+              <a:t> (pp. 1-6). IEEE.</a:t>
+            </a:r>
+            <a:endParaRPr lang="en-IN" sz="1900" dirty="0">
+              <a:latin typeface="Calibri" panose="020F0502020204030204" pitchFamily="34" charset="0"/>
+              <a:ea typeface="Calibri" panose="020F0502020204030204" pitchFamily="34" charset="0"/>
+              <a:cs typeface="Calibri" panose="020F0502020204030204" pitchFamily="34" charset="0"/>
+            </a:endParaRPr>
+          </a:p>
+          <a:p>
+            <a:pPr marL="0" lvl="0" indent="0" algn="just" rtl="0">
+              <a:lnSpc>
+                <a:spcPct val="90000"/>
+              </a:lnSpc>
+              <a:spcBef>
+                <a:spcPts val="1000"/>
+              </a:spcBef>
+              <a:spcAft>
+                <a:spcPts val="0"/>
+              </a:spcAft>
+              <a:buClr>
+                <a:schemeClr val="dk1"/>
+              </a:buClr>
+              <a:buSzPts val="2800"/>
+              <a:buNone/>
+            </a:pPr>
+            <a:r>
+              <a:rPr lang="en-IN" sz="1900" dirty="0">
+                <a:hlinkClick r:id="rId3"/>
+              </a:rPr>
+              <a:t>[7] DASH HTTP Video</a:t>
+            </a:r>
+            <a:r>
+              <a:rPr lang="en-IN" sz="1900" dirty="0"/>
+              <a:t> – MDN Documentation</a:t>
+            </a:r>
+            <a:endParaRPr sz="1900" dirty="0"/>
+          </a:p>
+        </p:txBody>
+      </p:sp>
+      <p:pic>
+        <p:nvPicPr>
+          <p:cNvPr id="161" name="Google Shape;161;p8"/>
+          <p:cNvPicPr preferRelativeResize="0"/>
+          <p:nvPr/>
+        </p:nvPicPr>
+        <p:blipFill rotWithShape="1">
+          <a:blip r:embed="rId4">
+            <a:alphaModFix/>
+          </a:blip>
+          <a:srcRect/>
+          <a:stretch/>
+        </p:blipFill>
+        <p:spPr>
+          <a:xfrm>
+            <a:off x="9602421" y="0"/>
+            <a:ext cx="1751379" cy="815788"/>
+          </a:xfrm>
+          <a:prstGeom prst="rect">
+            <a:avLst/>
+          </a:prstGeom>
+          <a:noFill/>
+          <a:ln>
+            <a:noFill/>
+          </a:ln>
+        </p:spPr>
+      </p:pic>
+      <p:sp>
+        <p:nvSpPr>
+          <p:cNvPr id="162" name="Google Shape;162;p8"/>
+          <p:cNvSpPr txBox="1">
+            <a:spLocks noGrp="1"/>
+          </p:cNvSpPr>
+          <p:nvPr>
+            <p:ph type="ftr" idx="11"/>
+          </p:nvPr>
+        </p:nvSpPr>
+        <p:spPr>
+          <a:xfrm>
+            <a:off x="4038600" y="6356350"/>
+            <a:ext cx="4114800" cy="365125"/>
+          </a:xfrm>
+          <a:prstGeom prst="rect">
+            <a:avLst/>
+          </a:prstGeom>
+          <a:noFill/>
+          <a:ln>
+            <a:noFill/>
+          </a:ln>
+        </p:spPr>
+        <p:txBody>
+          <a:bodyPr spcFirstLastPara="1" wrap="square" lIns="91425" tIns="45700" rIns="91425" bIns="45700" anchor="ctr" anchorCtr="0">
+            <a:noAutofit/>
+          </a:bodyPr>
+          <a:lstStyle/>
+          <a:p>
+            <a:pPr marL="0" lvl="0" indent="0" algn="ctr" rtl="0">
+              <a:spcBef>
+                <a:spcPts val="0"/>
+              </a:spcBef>
+              <a:spcAft>
+                <a:spcPts val="0"/>
+              </a:spcAft>
+              <a:buNone/>
+            </a:pPr>
+            <a:r>
+              <a:rPr lang="en-US"/>
+              <a:t>Indian Institute of Information Technology, Kottayam</a:t>
+            </a:r>
+            <a:endParaRPr/>
+          </a:p>
+        </p:txBody>
+      </p:sp>
+      <p:sp>
+        <p:nvSpPr>
+          <p:cNvPr id="163" name="Google Shape;163;p8"/>
+          <p:cNvSpPr txBox="1">
+            <a:spLocks noGrp="1"/>
+          </p:cNvSpPr>
+          <p:nvPr>
+            <p:ph type="sldNum" idx="12"/>
+          </p:nvPr>
+        </p:nvSpPr>
+        <p:spPr>
+          <a:xfrm>
+            <a:off x="8610600" y="6356350"/>
+            <a:ext cx="2743200" cy="365125"/>
+          </a:xfrm>
+          <a:prstGeom prst="rect">
+            <a:avLst/>
+          </a:prstGeom>
+          <a:noFill/>
+          <a:ln>
+            <a:noFill/>
+          </a:ln>
+        </p:spPr>
+        <p:txBody>
+          <a:bodyPr spcFirstLastPara="1" wrap="square" lIns="91425" tIns="45700" rIns="91425" bIns="45700" anchor="ctr" anchorCtr="0">
+            <a:noAutofit/>
+          </a:bodyPr>
+          <a:lstStyle/>
+          <a:p>
+            <a:pPr marL="0" lvl="0" indent="0" algn="r" rtl="0">
+              <a:spcBef>
+                <a:spcPts val="0"/>
+              </a:spcBef>
+              <a:spcAft>
+                <a:spcPts val="0"/>
+              </a:spcAft>
+              <a:buNone/>
+            </a:pPr>
+            <a:fld id="{00000000-1234-1234-1234-123412341234}" type="slidenum">
+              <a:rPr lang="en-IN" sz="1600"/>
+              <a:t>28</a:t>
+            </a:fld>
+            <a:endParaRPr sz="1600" dirty="0"/>
+          </a:p>
+        </p:txBody>
+      </p:sp>
+    </p:spTree>
+  </p:cSld>
+  <p:clrMapOvr>
+    <a:masterClrMapping/>
+  </p:clrMapOvr>
+</p:sld>
+</file>
+
+<file path=ppt/slides/slide29.xml><?xml version="1.0" encoding="utf-8"?>
+<p:sld xmlns:a="http://schemas.openxmlformats.org/drawingml/2006/main" xmlns:r="http://schemas.openxmlformats.org/officeDocument/2006/relationships" xmlns:p="http://schemas.openxmlformats.org/presentationml/2006/main">
+  <p:cSld>
+    <p:spTree>
+      <p:nvGrpSpPr>
+        <p:cNvPr id="1" name="Shape 158"/>
+        <p:cNvGrpSpPr/>
+        <p:nvPr/>
+      </p:nvGrpSpPr>
+      <p:grpSpPr>
+        <a:xfrm>
+          <a:off x="0" y="0"/>
+          <a:ext cx="0" cy="0"/>
+          <a:chOff x="0" y="0"/>
+          <a:chExt cx="0" cy="0"/>
+        </a:xfrm>
+      </p:grpSpPr>
+      <p:sp>
+        <p:nvSpPr>
+          <p:cNvPr id="159" name="Google Shape;159;p8"/>
+          <p:cNvSpPr txBox="1">
+            <a:spLocks noGrp="1"/>
+          </p:cNvSpPr>
+          <p:nvPr>
+            <p:ph type="title"/>
+          </p:nvPr>
+        </p:nvSpPr>
+        <p:spPr>
+          <a:xfrm>
+            <a:off x="838200" y="-67098"/>
+            <a:ext cx="10515600" cy="1325563"/>
+          </a:xfrm>
+          <a:prstGeom prst="rect">
+            <a:avLst/>
+          </a:prstGeom>
+          <a:noFill/>
+          <a:ln>
+            <a:noFill/>
+          </a:ln>
+        </p:spPr>
+        <p:txBody>
+          <a:bodyPr spcFirstLastPara="1" wrap="square" lIns="91425" tIns="45700" rIns="91425" bIns="45700" anchor="ctr" anchorCtr="0">
+            <a:normAutofit/>
+          </a:bodyPr>
+          <a:lstStyle/>
+          <a:p>
+            <a:pPr marL="0" lvl="0" indent="0" algn="l" rtl="0">
+              <a:lnSpc>
+                <a:spcPct val="90000"/>
+              </a:lnSpc>
+              <a:spcBef>
+                <a:spcPts val="0"/>
+              </a:spcBef>
+              <a:spcAft>
+                <a:spcPts val="0"/>
+              </a:spcAft>
+              <a:buClr>
+                <a:schemeClr val="dk1"/>
+              </a:buClr>
+              <a:buSzPts val="4400"/>
+              <a:buFont typeface="Calibri"/>
+              <a:buNone/>
+            </a:pPr>
             <a:endParaRPr dirty="0"/>
           </a:p>
         </p:txBody>
@@ -23371,7 +23784,7 @@
             </a:pPr>
             <a:fld id="{00000000-1234-1234-1234-123412341234}" type="slidenum">
               <a:rPr lang="en-IN" sz="1600"/>
-              <a:t>28</a:t>
+              <a:t>29</a:t>
             </a:fld>
             <a:endParaRPr sz="1600" dirty="0"/>
           </a:p>

--- a/presentations/BTP_Review_4_38.pptx
+++ b/presentations/BTP_Review_4_38.pptx
@@ -274,7 +274,7 @@
       <p15:sldGuideLst xmlns:p15="http://schemas.microsoft.com/office/powerpoint/2012/main"/>
     </p:ext>
     <p:ext uri="GoogleSlidesCustomDataVersion2">
-      <go:slidesCustomData xmlns:go="http://customooxmlschemas.google.com/" xmlns:ahyp="http://schemas.microsoft.com/office/drawing/2018/hyperlinkcolor" xmlns:p15="http://schemas.microsoft.com/office/powerpoint/2012/main" xmlns:p14="http://schemas.microsoft.com/office/powerpoint/2010/main" xmlns:com="http://schemas.openxmlformats.org/drawingml/2006/compatibility" xmlns:pvml="urn:schemas-microsoft-com:office:powerpoint" xmlns:v="urn:schemas-microsoft-com:vml" xmlns:o="urn:schemas-microsoft-com:office:office" xmlns:dgm="http://schemas.openxmlformats.org/drawingml/2006/diagram" xmlns:c="http://schemas.openxmlformats.org/drawingml/2006/chart" xmlns:mv="urn:schemas-microsoft-com:mac:vml" xmlns:mc="http://schemas.openxmlformats.org/markup-compatibility/2006" xmlns="" r:id="rId36" roundtripDataSignature="AMtx7mhuxAGAFeK385ws0wbPmROt43Ko/w=="/>
+      <go:slidesCustomData xmlns="" xmlns:mc="http://schemas.openxmlformats.org/markup-compatibility/2006" xmlns:mv="urn:schemas-microsoft-com:mac:vml" xmlns:c="http://schemas.openxmlformats.org/drawingml/2006/chart" xmlns:dgm="http://schemas.openxmlformats.org/drawingml/2006/diagram" xmlns:o="urn:schemas-microsoft-com:office:office" xmlns:v="urn:schemas-microsoft-com:vml" xmlns:pvml="urn:schemas-microsoft-com:office:powerpoint" xmlns:com="http://schemas.openxmlformats.org/drawingml/2006/compatibility" xmlns:p14="http://schemas.microsoft.com/office/powerpoint/2010/main" xmlns:p15="http://schemas.microsoft.com/office/powerpoint/2012/main" xmlns:ahyp="http://schemas.microsoft.com/office/drawing/2018/hyperlinkcolor" xmlns:go="http://customooxmlschemas.google.com/" r:id="rId36" roundtripDataSignature="AMtx7mhuxAGAFeK385ws0wbPmROt43Ko/w=="/>
     </p:ext>
   </p:extLst>
 </p:presentation>

--- a/presentations/BTP_Review_4_38.pptx
+++ b/presentations/BTP_Review_4_38.pptx
@@ -274,7 +274,7 @@
       <p15:sldGuideLst xmlns:p15="http://schemas.microsoft.com/office/powerpoint/2012/main"/>
     </p:ext>
     <p:ext uri="GoogleSlidesCustomDataVersion2">
-      <go:slidesCustomData xmlns="" xmlns:mc="http://schemas.openxmlformats.org/markup-compatibility/2006" xmlns:mv="urn:schemas-microsoft-com:mac:vml" xmlns:c="http://schemas.openxmlformats.org/drawingml/2006/chart" xmlns:dgm="http://schemas.openxmlformats.org/drawingml/2006/diagram" xmlns:o="urn:schemas-microsoft-com:office:office" xmlns:v="urn:schemas-microsoft-com:vml" xmlns:pvml="urn:schemas-microsoft-com:office:powerpoint" xmlns:com="http://schemas.openxmlformats.org/drawingml/2006/compatibility" xmlns:p14="http://schemas.microsoft.com/office/powerpoint/2010/main" xmlns:p15="http://schemas.microsoft.com/office/powerpoint/2012/main" xmlns:ahyp="http://schemas.microsoft.com/office/drawing/2018/hyperlinkcolor" xmlns:go="http://customooxmlschemas.google.com/" r:id="rId36" roundtripDataSignature="AMtx7mhuxAGAFeK385ws0wbPmROt43Ko/w=="/>
+      <go:slidesCustomData xmlns:go="http://customooxmlschemas.google.com/" xmlns:ahyp="http://schemas.microsoft.com/office/drawing/2018/hyperlinkcolor" xmlns:p15="http://schemas.microsoft.com/office/powerpoint/2012/main" xmlns:p14="http://schemas.microsoft.com/office/powerpoint/2010/main" xmlns:com="http://schemas.openxmlformats.org/drawingml/2006/compatibility" xmlns:pvml="urn:schemas-microsoft-com:office:powerpoint" xmlns:v="urn:schemas-microsoft-com:vml" xmlns:o="urn:schemas-microsoft-com:office:office" xmlns:dgm="http://schemas.openxmlformats.org/drawingml/2006/diagram" xmlns:c="http://schemas.openxmlformats.org/drawingml/2006/chart" xmlns:mv="urn:schemas-microsoft-com:mac:vml" xmlns:mc="http://schemas.openxmlformats.org/markup-compatibility/2006" xmlns="" r:id="rId36" roundtripDataSignature="AMtx7mhuxAGAFeK385ws0wbPmROt43Ko/w=="/>
     </p:ext>
   </p:extLst>
 </p:presentation>
